--- a/c_04b_hough_transform/Hough_transform.pptx
+++ b/c_04b_hough_transform/Hough_transform.pptx
@@ -43,7 +43,7 @@
     <p:sldId id="400" r:id="rId34"/>
     <p:sldId id="401" r:id="rId35"/>
     <p:sldId id="402" r:id="rId36"/>
-    <p:sldId id="370" r:id="rId37"/>
+    <p:sldId id="404" r:id="rId37"/>
     <p:sldId id="333" r:id="rId38"/>
     <p:sldId id="344" r:id="rId39"/>
     <p:sldId id="345" r:id="rId40"/>
@@ -258,7 +258,7 @@
           <a:p>
             <a:fld id="{791E2F03-0D0C-4200-9560-8CA76D037307}" type="datetimeFigureOut">
               <a:rPr lang="en-US" smtClean="0"/>
-              <a:t>20-Mar-20</a:t>
+              <a:t>26-Nov-20</a:t>
             </a:fld>
             <a:endParaRPr lang="en-US"/>
           </a:p>
@@ -3814,7 +3814,7 @@
           <a:p>
             <a:fld id="{1930E4BE-DC49-4C06-9EAD-5C882F80E0B2}" type="datetimeFigureOut">
               <a:rPr lang="en-US" smtClean="0"/>
-              <a:t>20-Mar-20</a:t>
+              <a:t>26-Nov-20</a:t>
             </a:fld>
             <a:endParaRPr lang="en-US"/>
           </a:p>
@@ -3992,7 +3992,7 @@
           <a:p>
             <a:fld id="{1930E4BE-DC49-4C06-9EAD-5C882F80E0B2}" type="datetimeFigureOut">
               <a:rPr lang="en-US" smtClean="0"/>
-              <a:t>20-Mar-20</a:t>
+              <a:t>26-Nov-20</a:t>
             </a:fld>
             <a:endParaRPr lang="en-US"/>
           </a:p>
@@ -4373,7 +4373,7 @@
           <a:p>
             <a:fld id="{1930E4BE-DC49-4C06-9EAD-5C882F80E0B2}" type="datetimeFigureOut">
               <a:rPr lang="en-US" smtClean="0"/>
-              <a:t>20-Mar-20</a:t>
+              <a:t>26-Nov-20</a:t>
             </a:fld>
             <a:endParaRPr lang="en-US"/>
           </a:p>
@@ -4618,7 +4618,7 @@
           <a:p>
             <a:fld id="{1930E4BE-DC49-4C06-9EAD-5C882F80E0B2}" type="datetimeFigureOut">
               <a:rPr lang="en-US" smtClean="0"/>
-              <a:t>20-Mar-20</a:t>
+              <a:t>26-Nov-20</a:t>
             </a:fld>
             <a:endParaRPr lang="en-US"/>
           </a:p>
@@ -4903,7 +4903,7 @@
           <a:p>
             <a:fld id="{1930E4BE-DC49-4C06-9EAD-5C882F80E0B2}" type="datetimeFigureOut">
               <a:rPr lang="en-US" smtClean="0"/>
-              <a:t>20-Mar-20</a:t>
+              <a:t>26-Nov-20</a:t>
             </a:fld>
             <a:endParaRPr lang="en-US"/>
           </a:p>
@@ -5322,7 +5322,7 @@
           <a:p>
             <a:fld id="{1930E4BE-DC49-4C06-9EAD-5C882F80E0B2}" type="datetimeFigureOut">
               <a:rPr lang="en-US" smtClean="0"/>
-              <a:t>20-Mar-20</a:t>
+              <a:t>26-Nov-20</a:t>
             </a:fld>
             <a:endParaRPr lang="en-US"/>
           </a:p>
@@ -5439,7 +5439,7 @@
           <a:p>
             <a:fld id="{1930E4BE-DC49-4C06-9EAD-5C882F80E0B2}" type="datetimeFigureOut">
               <a:rPr lang="en-US" smtClean="0"/>
-              <a:t>20-Mar-20</a:t>
+              <a:t>26-Nov-20</a:t>
             </a:fld>
             <a:endParaRPr lang="en-US"/>
           </a:p>
@@ -5534,7 +5534,7 @@
           <a:p>
             <a:fld id="{1930E4BE-DC49-4C06-9EAD-5C882F80E0B2}" type="datetimeFigureOut">
               <a:rPr lang="en-US" smtClean="0"/>
-              <a:t>20-Mar-20</a:t>
+              <a:t>26-Nov-20</a:t>
             </a:fld>
             <a:endParaRPr lang="en-US"/>
           </a:p>
@@ -5809,7 +5809,7 @@
           <a:p>
             <a:fld id="{1930E4BE-DC49-4C06-9EAD-5C882F80E0B2}" type="datetimeFigureOut">
               <a:rPr lang="en-US" smtClean="0"/>
-              <a:t>20-Mar-20</a:t>
+              <a:t>26-Nov-20</a:t>
             </a:fld>
             <a:endParaRPr lang="en-US"/>
           </a:p>
@@ -6061,7 +6061,7 @@
           <a:p>
             <a:fld id="{1930E4BE-DC49-4C06-9EAD-5C882F80E0B2}" type="datetimeFigureOut">
               <a:rPr lang="en-US" smtClean="0"/>
-              <a:t>20-Mar-20</a:t>
+              <a:t>26-Nov-20</a:t>
             </a:fld>
             <a:endParaRPr lang="en-US"/>
           </a:p>
@@ -6272,7 +6272,7 @@
           <a:p>
             <a:fld id="{1930E4BE-DC49-4C06-9EAD-5C882F80E0B2}" type="datetimeFigureOut">
               <a:rPr lang="en-US" smtClean="0"/>
-              <a:t>20-Mar-20</a:t>
+              <a:t>26-Nov-20</a:t>
             </a:fld>
             <a:endParaRPr lang="en-US"/>
           </a:p>
@@ -28862,7 +28862,7 @@
                 </a:r>
                 <a:r>
                   <a:rPr lang="en-US" dirty="0"/>
-                  <a:t>[out of scope]- similar to template matching that will be covered later in course).</a:t>
+                  <a:t>[out of scope]- similar to template matching).</a:t>
                 </a:r>
               </a:p>
               <a:p>
@@ -28957,10 +28957,10 @@
               </p:nvPr>
             </p:nvSpPr>
             <p:spPr>
-              <a:blipFill rotWithShape="1">
+              <a:blipFill>
                 <a:blip r:embed="rId2"/>
                 <a:stretch>
-                  <a:fillRect l="-879" t="-959" r="-207"/>
+                  <a:fillRect l="-931" t="-959"/>
                 </a:stretch>
               </a:blipFill>
             </p:spPr>
@@ -30826,13 +30826,7 @@
                       <a:rPr lang="en-US" b="0" i="1" smtClean="0">
                         <a:latin typeface="Cambria Math"/>
                       </a:rPr>
-                      <m:t>→</m:t>
-                    </m:r>
-                    <m:r>
-                      <a:rPr lang="en-US" b="0" i="1" smtClean="0">
-                        <a:latin typeface="Cambria Math"/>
-                      </a:rPr>
-                      <m:t>∞</m:t>
+                      <m:t>→∞</m:t>
                     </m:r>
                   </m:oMath>
                 </a14:m>
@@ -31756,31 +31750,31 @@
                 <a14:m>
                   <m:oMath xmlns:m="http://schemas.openxmlformats.org/officeDocument/2006/math">
                     <m:r>
-                      <a:rPr lang="en-US" b="1" i="1">
+                      <a:rPr lang="en-US" b="0" i="1">
                         <a:latin typeface="Cambria Math"/>
                       </a:rPr>
                       <m:t>(</m:t>
                     </m:r>
                     <m:r>
-                      <a:rPr lang="en-US" b="1" i="1">
+                      <a:rPr lang="en-US" b="0" i="1">
                         <a:latin typeface="Cambria Math"/>
                       </a:rPr>
-                      <m:t>𝝆</m:t>
+                      <m:t>𝜌</m:t>
                     </m:r>
                     <m:r>
-                      <a:rPr lang="en-US" b="1" i="1">
+                      <a:rPr lang="en-US" b="0" i="1">
                         <a:latin typeface="Cambria Math"/>
                       </a:rPr>
                       <m:t>,</m:t>
                     </m:r>
                     <m:r>
-                      <a:rPr lang="en-US" b="1" i="1">
+                      <a:rPr lang="en-US" b="0" i="1">
                         <a:latin typeface="Cambria Math"/>
                       </a:rPr>
-                      <m:t>𝜽</m:t>
+                      <m:t>𝜃</m:t>
                     </m:r>
                     <m:r>
-                      <a:rPr lang="en-US" b="1" i="1">
+                      <a:rPr lang="en-US" b="0" i="1">
                         <a:latin typeface="Cambria Math"/>
                       </a:rPr>
                       <m:t>)</m:t>
@@ -32727,6 +32721,3398 @@
 </file>
 
 <file path=ppt/slides/slide31.xml><?xml version="1.0" encoding="utf-8"?>
+<p:sld xmlns:a="http://schemas.openxmlformats.org/drawingml/2006/main" xmlns:r="http://schemas.openxmlformats.org/officeDocument/2006/relationships" xmlns:p="http://schemas.openxmlformats.org/presentationml/2006/main">
+  <p:cSld>
+    <p:spTree>
+      <p:nvGrpSpPr>
+        <p:cNvPr id="1" name=""/>
+        <p:cNvGrpSpPr/>
+        <p:nvPr/>
+      </p:nvGrpSpPr>
+      <p:grpSpPr>
+        <a:xfrm>
+          <a:off x="0" y="0"/>
+          <a:ext cx="0" cy="0"/>
+          <a:chOff x="0" y="0"/>
+          <a:chExt cx="0" cy="0"/>
+        </a:xfrm>
+      </p:grpSpPr>
+      <p:sp>
+        <p:nvSpPr>
+          <p:cNvPr id="2" name="Title 1"/>
+          <p:cNvSpPr>
+            <a:spLocks noGrp="1"/>
+          </p:cNvSpPr>
+          <p:nvPr>
+            <p:ph type="title"/>
+          </p:nvPr>
+        </p:nvSpPr>
+        <p:spPr/>
+        <p:txBody>
+          <a:bodyPr/>
+          <a:lstStyle/>
+          <a:p>
+            <a:r>
+              <a:rPr lang="en-US" dirty="0"/>
+              <a:t>Problem 1: vertical line detection</a:t>
+            </a:r>
+          </a:p>
+        </p:txBody>
+      </p:sp>
+      <mc:AlternateContent xmlns:mc="http://schemas.openxmlformats.org/markup-compatibility/2006" xmlns:a14="http://schemas.microsoft.com/office/drawing/2010/main">
+        <mc:Choice Requires="a14">
+          <p:sp>
+            <p:nvSpPr>
+              <p:cNvPr id="3" name="Content Placeholder 2"/>
+              <p:cNvSpPr>
+                <a:spLocks noGrp="1"/>
+              </p:cNvSpPr>
+              <p:nvPr>
+                <p:ph idx="1"/>
+              </p:nvPr>
+            </p:nvSpPr>
+            <p:spPr/>
+            <p:txBody>
+              <a:bodyPr/>
+              <a:lstStyle/>
+              <a:p>
+                <a:r>
+                  <a:rPr lang="en-US" dirty="0"/>
+                  <a:t>Vertical (or near vertical) lines have a big slope: </a:t>
+                </a:r>
+                <a14:m>
+                  <m:oMath xmlns:m="http://schemas.openxmlformats.org/officeDocument/2006/math">
+                    <m:r>
+                      <a:rPr lang="en-US" b="0" i="1" smtClean="0">
+                        <a:latin typeface="Cambria Math"/>
+                      </a:rPr>
+                      <m:t>𝑚</m:t>
+                    </m:r>
+                    <m:r>
+                      <a:rPr lang="en-US" b="0" i="1" smtClean="0">
+                        <a:latin typeface="Cambria Math"/>
+                      </a:rPr>
+                      <m:t>→∞</m:t>
+                    </m:r>
+                  </m:oMath>
+                </a14:m>
+                <a:r>
+                  <a:rPr lang="en-US" dirty="0"/>
+                  <a:t>. This causes the accumulator table to be very big in </a:t>
+                </a:r>
+                <a14:m>
+                  <m:oMath xmlns:m="http://schemas.openxmlformats.org/officeDocument/2006/math">
+                    <m:r>
+                      <a:rPr lang="en-US" b="0" i="1" smtClean="0">
+                        <a:latin typeface="Cambria Math"/>
+                      </a:rPr>
+                      <m:t>𝑚</m:t>
+                    </m:r>
+                  </m:oMath>
+                </a14:m>
+                <a:r>
+                  <a:rPr lang="en-US" dirty="0"/>
+                  <a:t> direction.</a:t>
+                </a:r>
+              </a:p>
+              <a:p>
+                <a:r>
+                  <a:rPr lang="en-US" dirty="0"/>
+                  <a:t>A solution is to give a </a:t>
+                </a:r>
+                <a:r>
+                  <a:rPr lang="en-US" b="1" dirty="0"/>
+                  <a:t>different parameterization to lines</a:t>
+                </a:r>
+                <a:r>
+                  <a:rPr lang="en-US" dirty="0"/>
+                  <a:t>:</a:t>
+                </a:r>
+              </a:p>
+              <a:p>
+                <a:endParaRPr lang="en-US" dirty="0"/>
+              </a:p>
+            </p:txBody>
+          </p:sp>
+        </mc:Choice>
+        <mc:Fallback xmlns="">
+          <p:sp>
+            <p:nvSpPr>
+              <p:cNvPr id="3" name="Content Placeholder 2"/>
+              <p:cNvSpPr>
+                <a:spLocks noGrp="1" noRot="1" noChangeAspect="1" noMove="1" noResize="1" noEditPoints="1" noAdjustHandles="1" noChangeArrowheads="1" noChangeShapeType="1" noTextEdit="1"/>
+              </p:cNvSpPr>
+              <p:nvPr>
+                <p:ph idx="1"/>
+              </p:nvPr>
+            </p:nvSpPr>
+            <p:spPr>
+              <a:blipFill rotWithShape="1">
+                <a:blip r:embed="rId3"/>
+                <a:stretch>
+                  <a:fillRect l="-879" t="-959"/>
+                </a:stretch>
+              </a:blipFill>
+            </p:spPr>
+            <p:txBody>
+              <a:bodyPr/>
+              <a:lstStyle/>
+              <a:p>
+                <a:r>
+                  <a:rPr lang="en-US">
+                    <a:noFill/>
+                  </a:rPr>
+                  <a:t> </a:t>
+                </a:r>
+              </a:p>
+            </p:txBody>
+          </p:sp>
+        </mc:Fallback>
+      </mc:AlternateContent>
+      <p:sp>
+        <p:nvSpPr>
+          <p:cNvPr id="5" name="Triangle"/>
+          <p:cNvSpPr/>
+          <p:nvPr/>
+        </p:nvSpPr>
+        <p:spPr>
+          <a:xfrm>
+            <a:off x="9173735" y="2625725"/>
+            <a:ext cx="1427661" cy="1427661"/>
+          </a:xfrm>
+          <a:custGeom>
+            <a:avLst/>
+            <a:gdLst/>
+            <a:ahLst/>
+            <a:cxnLst>
+              <a:cxn ang="0">
+                <a:pos x="wd2" y="hd2"/>
+              </a:cxn>
+              <a:cxn ang="5400000">
+                <a:pos x="wd2" y="hd2"/>
+              </a:cxn>
+              <a:cxn ang="10800000">
+                <a:pos x="wd2" y="hd2"/>
+              </a:cxn>
+              <a:cxn ang="16200000">
+                <a:pos x="wd2" y="hd2"/>
+              </a:cxn>
+            </a:cxnLst>
+            <a:rect l="0" t="0" r="r" b="b"/>
+            <a:pathLst>
+              <a:path w="21600" h="21600" extrusionOk="0">
+                <a:moveTo>
+                  <a:pt x="0" y="0"/>
+                </a:moveTo>
+                <a:lnTo>
+                  <a:pt x="0" y="21600"/>
+                </a:lnTo>
+                <a:lnTo>
+                  <a:pt x="21600" y="21600"/>
+                </a:lnTo>
+                <a:close/>
+              </a:path>
+            </a:pathLst>
+          </a:custGeom>
+          <a:ln w="25400">
+            <a:solidFill>
+              <a:srgbClr val="85888D"/>
+            </a:solidFill>
+            <a:miter lim="400000"/>
+          </a:ln>
+        </p:spPr>
+        <p:txBody>
+          <a:bodyPr lIns="50800" tIns="50800" rIns="50800" bIns="50800" anchor="ctr"/>
+          <a:lstStyle/>
+          <a:p>
+            <a:pPr>
+              <a:defRPr sz="2400"/>
+            </a:pPr>
+            <a:endParaRPr/>
+          </a:p>
+        </p:txBody>
+      </p:sp>
+      <p:pic>
+        <p:nvPicPr>
+          <p:cNvPr id="7" name="latex-image-6.pdf" descr="latex-image-6.pdf"/>
+          <p:cNvPicPr>
+            <a:picLocks noChangeAspect="1"/>
+          </p:cNvPicPr>
+          <p:nvPr/>
+        </p:nvPicPr>
+        <p:blipFill>
+          <a:blip r:embed="rId4"/>
+          <a:stretch>
+            <a:fillRect/>
+          </a:stretch>
+        </p:blipFill>
+        <p:spPr>
+          <a:xfrm>
+            <a:off x="8934450" y="2450443"/>
+            <a:ext cx="127000" cy="235858"/>
+          </a:xfrm>
+          <a:prstGeom prst="rect">
+            <a:avLst/>
+          </a:prstGeom>
+          <a:ln w="12700">
+            <a:miter lim="400000"/>
+          </a:ln>
+        </p:spPr>
+      </p:pic>
+      <p:sp>
+        <p:nvSpPr>
+          <p:cNvPr id="8" name="Line"/>
+          <p:cNvSpPr/>
+          <p:nvPr/>
+        </p:nvSpPr>
+        <p:spPr>
+          <a:xfrm>
+            <a:off x="9163888" y="4060825"/>
+            <a:ext cx="1725491" cy="0"/>
+          </a:xfrm>
+          <a:prstGeom prst="line">
+            <a:avLst/>
+          </a:prstGeom>
+          <a:ln w="25400">
+            <a:solidFill>
+              <a:srgbClr val="000000"/>
+            </a:solidFill>
+            <a:miter lim="400000"/>
+            <a:tailEnd type="triangle"/>
+          </a:ln>
+        </p:spPr>
+        <p:txBody>
+          <a:bodyPr lIns="50800" tIns="50800" rIns="50800" bIns="50800" anchor="ctr"/>
+          <a:lstStyle/>
+          <a:p>
+            <a:pPr>
+              <a:defRPr sz="2400"/>
+            </a:pPr>
+            <a:endParaRPr/>
+          </a:p>
+        </p:txBody>
+      </p:sp>
+      <p:sp>
+        <p:nvSpPr>
+          <p:cNvPr id="9" name="Line"/>
+          <p:cNvSpPr/>
+          <p:nvPr/>
+        </p:nvSpPr>
+        <p:spPr>
+          <a:xfrm flipV="1">
+            <a:off x="9176588" y="2347141"/>
+            <a:ext cx="1" cy="1712868"/>
+          </a:xfrm>
+          <a:prstGeom prst="line">
+            <a:avLst/>
+          </a:prstGeom>
+          <a:ln w="25400">
+            <a:solidFill>
+              <a:srgbClr val="000000"/>
+            </a:solidFill>
+            <a:miter lim="400000"/>
+            <a:tailEnd type="triangle"/>
+          </a:ln>
+        </p:spPr>
+        <p:txBody>
+          <a:bodyPr lIns="50800" tIns="50800" rIns="50800" bIns="50800" anchor="ctr"/>
+          <a:lstStyle/>
+          <a:p>
+            <a:pPr>
+              <a:defRPr sz="2400"/>
+            </a:pPr>
+            <a:endParaRPr/>
+          </a:p>
+        </p:txBody>
+      </p:sp>
+      <p:sp>
+        <p:nvSpPr>
+          <p:cNvPr id="10" name="Line"/>
+          <p:cNvSpPr/>
+          <p:nvPr/>
+        </p:nvSpPr>
+        <p:spPr>
+          <a:xfrm flipV="1">
+            <a:off x="9194051" y="3359312"/>
+            <a:ext cx="688813" cy="688813"/>
+          </a:xfrm>
+          <a:prstGeom prst="line">
+            <a:avLst/>
+          </a:prstGeom>
+          <a:ln w="25400">
+            <a:solidFill>
+              <a:srgbClr val="000000"/>
+            </a:solidFill>
+            <a:miter lim="400000"/>
+            <a:tailEnd type="triangle"/>
+          </a:ln>
+        </p:spPr>
+        <p:txBody>
+          <a:bodyPr lIns="50800" tIns="50800" rIns="50800" bIns="50800" anchor="ctr"/>
+          <a:lstStyle/>
+          <a:p>
+            <a:pPr>
+              <a:defRPr sz="2400"/>
+            </a:pPr>
+            <a:endParaRPr/>
+          </a:p>
+        </p:txBody>
+      </p:sp>
+      <p:pic>
+        <p:nvPicPr>
+          <p:cNvPr id="11" name="latex-image-9.pdf" descr="latex-image-9.pdf"/>
+          <p:cNvPicPr>
+            <a:picLocks noChangeAspect="1"/>
+          </p:cNvPicPr>
+          <p:nvPr/>
+        </p:nvPicPr>
+        <p:blipFill>
+          <a:blip r:embed="rId5"/>
+          <a:stretch>
+            <a:fillRect/>
+          </a:stretch>
+        </p:blipFill>
+        <p:spPr>
+          <a:xfrm>
+            <a:off x="9472613" y="3802954"/>
+            <a:ext cx="122709" cy="207071"/>
+          </a:xfrm>
+          <a:prstGeom prst="rect">
+            <a:avLst/>
+          </a:prstGeom>
+          <a:ln w="12700">
+            <a:miter lim="400000"/>
+          </a:ln>
+        </p:spPr>
+      </p:pic>
+      <p:pic>
+        <p:nvPicPr>
+          <p:cNvPr id="12" name="latex-image-10.pdf" descr="latex-image-10.pdf"/>
+          <p:cNvPicPr>
+            <a:picLocks noChangeAspect="1"/>
+          </p:cNvPicPr>
+          <p:nvPr/>
+        </p:nvPicPr>
+        <p:blipFill>
+          <a:blip r:embed="rId6"/>
+          <a:stretch>
+            <a:fillRect/>
+          </a:stretch>
+        </p:blipFill>
+        <p:spPr>
+          <a:xfrm>
+            <a:off x="9485313" y="3333097"/>
+            <a:ext cx="178772" cy="248295"/>
+          </a:xfrm>
+          <a:prstGeom prst="rect">
+            <a:avLst/>
+          </a:prstGeom>
+          <a:ln w="12700">
+            <a:miter lim="400000"/>
+          </a:ln>
+        </p:spPr>
+      </p:pic>
+      <p:pic>
+        <p:nvPicPr>
+          <p:cNvPr id="13" name="latex-image-9.pdf" descr="latex-image-9.pdf"/>
+          <p:cNvPicPr>
+            <a:picLocks noChangeAspect="1"/>
+          </p:cNvPicPr>
+          <p:nvPr/>
+        </p:nvPicPr>
+        <p:blipFill>
+          <a:blip r:embed="rId5"/>
+          <a:stretch>
+            <a:fillRect/>
+          </a:stretch>
+        </p:blipFill>
+        <p:spPr>
+          <a:xfrm>
+            <a:off x="9218613" y="2825054"/>
+            <a:ext cx="122709" cy="207071"/>
+          </a:xfrm>
+          <a:prstGeom prst="rect">
+            <a:avLst/>
+          </a:prstGeom>
+          <a:ln w="12700">
+            <a:miter lim="400000"/>
+          </a:ln>
+        </p:spPr>
+      </p:pic>
+      <p:sp>
+        <p:nvSpPr>
+          <p:cNvPr id="14" name="Connection Line"/>
+          <p:cNvSpPr/>
+          <p:nvPr/>
+        </p:nvSpPr>
+        <p:spPr>
+          <a:xfrm>
+            <a:off x="9551966" y="3704291"/>
+            <a:ext cx="161561" cy="365325"/>
+          </a:xfrm>
+          <a:custGeom>
+            <a:avLst/>
+            <a:gdLst/>
+            <a:ahLst/>
+            <a:cxnLst>
+              <a:cxn ang="0">
+                <a:pos x="wd2" y="hd2"/>
+              </a:cxn>
+              <a:cxn ang="5400000">
+                <a:pos x="wd2" y="hd2"/>
+              </a:cxn>
+              <a:cxn ang="10800000">
+                <a:pos x="wd2" y="hd2"/>
+              </a:cxn>
+              <a:cxn ang="16200000">
+                <a:pos x="wd2" y="hd2"/>
+              </a:cxn>
+            </a:cxnLst>
+            <a:rect l="0" t="0" r="r" b="b"/>
+            <a:pathLst>
+              <a:path w="17356" h="21600" extrusionOk="0">
+                <a:moveTo>
+                  <a:pt x="0" y="0"/>
+                </a:moveTo>
+                <a:cubicBezTo>
+                  <a:pt x="17170" y="4716"/>
+                  <a:pt x="21600" y="11916"/>
+                  <a:pt x="13291" y="21600"/>
+                </a:cubicBezTo>
+              </a:path>
+            </a:pathLst>
+          </a:custGeom>
+          <a:ln w="12700">
+            <a:solidFill>
+              <a:srgbClr val="000000"/>
+            </a:solidFill>
+            <a:miter lim="400000"/>
+          </a:ln>
+        </p:spPr>
+        <p:txBody>
+          <a:bodyPr/>
+          <a:lstStyle/>
+          <a:p>
+            <a:endParaRPr/>
+          </a:p>
+        </p:txBody>
+      </p:sp>
+      <p:sp>
+        <p:nvSpPr>
+          <p:cNvPr id="15" name="Connection Line"/>
+          <p:cNvSpPr/>
+          <p:nvPr/>
+        </p:nvSpPr>
+        <p:spPr>
+          <a:xfrm>
+            <a:off x="9183695" y="2925085"/>
+            <a:ext cx="268239" cy="175523"/>
+          </a:xfrm>
+          <a:custGeom>
+            <a:avLst/>
+            <a:gdLst/>
+            <a:ahLst/>
+            <a:cxnLst>
+              <a:cxn ang="0">
+                <a:pos x="wd2" y="hd2"/>
+              </a:cxn>
+              <a:cxn ang="5400000">
+                <a:pos x="wd2" y="hd2"/>
+              </a:cxn>
+              <a:cxn ang="10800000">
+                <a:pos x="wd2" y="hd2"/>
+              </a:cxn>
+              <a:cxn ang="16200000">
+                <a:pos x="wd2" y="hd2"/>
+              </a:cxn>
+            </a:cxnLst>
+            <a:rect l="0" t="0" r="r" b="b"/>
+            <a:pathLst>
+              <a:path w="21600" h="18029" extrusionOk="0">
+                <a:moveTo>
+                  <a:pt x="21600" y="0"/>
+                </a:moveTo>
+                <a:cubicBezTo>
+                  <a:pt x="19502" y="16382"/>
+                  <a:pt x="12302" y="21600"/>
+                  <a:pt x="0" y="15654"/>
+                </a:cubicBezTo>
+              </a:path>
+            </a:pathLst>
+          </a:custGeom>
+          <a:ln w="12700">
+            <a:solidFill>
+              <a:srgbClr val="000000"/>
+            </a:solidFill>
+            <a:miter lim="400000"/>
+          </a:ln>
+        </p:spPr>
+        <p:txBody>
+          <a:bodyPr/>
+          <a:lstStyle/>
+          <a:p>
+            <a:endParaRPr/>
+          </a:p>
+        </p:txBody>
+      </p:sp>
+      <p:pic>
+        <p:nvPicPr>
+          <p:cNvPr id="2052" name="Picture 4" descr="https://latex.codecogs.com/gif.latex?%5Cdpi%7B300%7D%20%5C%5C%20y%3Dmx&amp;plus;b%5C%5C%20%5Cxrightarrow%7Bx%3D0%7Dy%3Db%5C%5C%20%5Cxrightarrow%7By%3D0%7Dx%3D-%5Cfrac%7Bb%7D%7Bm%7D%5C%5C%20%5Cfrac%7B%5Cfrac%7B-b%7D%7Bm%7D%7D%7Bb%7D%3D-%5Cfrac%7B1%7D%7Bm%7D%3Dtg%5Ctheta%5Crightarrow%20m%3D-%5Cfrac%7B1%7D%7Btg%5Ctheta%7D%3D-%5Cfrac%7Bcos%5Ctheta%7D%7Bsin%5Ctheta%7D%20%5C%5C%20%5Cfrac%7B%5Crho%7D%7Bb%7D%3Dsin%5Ctheta%5Crightarrow%20b%3D%5Cfrac%7B%5Crho%7D%7Bsin%5Ctheta%7D%20%5C%5C%20y%3Dmx&amp;plus;b%5Crightarrow%20y%3D-%5Cfrac%7Bcos%5Ctheta%7D%7Bsin%5Ctheta%7Dx&amp;plus;%5Cfrac%7B%5Crho%7D%7Bsin%5Ctheta%7D%20%5Crightarrow%20xcos%5Ctheta%20&amp;plus;ysin%5Ctheta%20%3D%20%5Crho"/>
+          <p:cNvPicPr>
+            <a:picLocks noChangeAspect="1" noChangeArrowheads="1"/>
+          </p:cNvPicPr>
+          <p:nvPr/>
+        </p:nvPicPr>
+        <p:blipFill>
+          <a:blip r:embed="rId7">
+            <a:extLst>
+              <a:ext uri="{28A0092B-C50C-407E-A947-70E740481C1C}">
+                <a14:useLocalDpi xmlns:a14="http://schemas.microsoft.com/office/drawing/2010/main" val="0"/>
+              </a:ext>
+            </a:extLst>
+          </a:blip>
+          <a:srcRect/>
+          <a:stretch>
+            <a:fillRect/>
+          </a:stretch>
+        </p:blipFill>
+        <p:spPr bwMode="auto">
+          <a:xfrm>
+            <a:off x="556462" y="2200274"/>
+            <a:ext cx="10044934" cy="4548493"/>
+          </a:xfrm>
+          <a:prstGeom prst="rect">
+            <a:avLst/>
+          </a:prstGeom>
+          <a:noFill/>
+          <a:extLst>
+            <a:ext uri="{909E8E84-426E-40DD-AFC4-6F175D3DCCD1}">
+              <a14:hiddenFill xmlns:a14="http://schemas.microsoft.com/office/drawing/2010/main">
+                <a:solidFill>
+                  <a:srgbClr val="FFFFFF"/>
+                </a:solidFill>
+              </a14:hiddenFill>
+            </a:ext>
+          </a:extLst>
+        </p:spPr>
+      </p:pic>
+      <p:pic>
+        <p:nvPicPr>
+          <p:cNvPr id="18" name="Picture 4" descr="https://latex.codecogs.com/gif.latex?%5Cdpi%7B300%7D%20%5C%5C%20y%3Dmx&amp;plus;b%5C%5C%20%5Cxrightarrow%7Bx%3D0%7Dy%3Db%5C%5C%20%5Cxrightarrow%7By%3D0%7Dx%3D-%5Cfrac%7Bb%7D%7Bm%7D%5C%5C%20%5Cfrac%7B%5Cfrac%7B-b%7D%7Bm%7D%7D%7Bb%7D%3D-%5Cfrac%7B1%7D%7Bm%7D%3Dtg%5Ctheta%5Crightarrow%20m%3D-%5Cfrac%7B1%7D%7Btg%5Ctheta%7D%3D-%5Cfrac%7Bcos%5Ctheta%7D%7Bsin%5Ctheta%7D%20%5C%5C%20%5Cfrac%7B%5Crho%7D%7Bb%7D%3Dsin%5Ctheta%5Crightarrow%20b%3D%5Cfrac%7B%5Crho%7D%7Bsin%5Ctheta%7D%20%5C%5C%20y%3Dmx&amp;plus;b%5Crightarrow%20y%3D-%5Cfrac%7Bcos%5Ctheta%7D%7Bsin%5Ctheta%7Dx&amp;plus;%5Cfrac%7B%5Crho%7D%7Bsin%5Ctheta%7D%20%5Crightarrow%20xcos%5Ctheta%20&amp;plus;ysin%5Ctheta%20%3D%20%5Crho"/>
+          <p:cNvPicPr>
+            <a:picLocks noChangeAspect="1" noChangeArrowheads="1"/>
+          </p:cNvPicPr>
+          <p:nvPr/>
+        </p:nvPicPr>
+        <p:blipFill rotWithShape="1">
+          <a:blip r:embed="rId7">
+            <a:extLst>
+              <a:ext uri="{28A0092B-C50C-407E-A947-70E740481C1C}">
+                <a14:useLocalDpi xmlns:a14="http://schemas.microsoft.com/office/drawing/2010/main" val="0"/>
+              </a:ext>
+            </a:extLst>
+          </a:blip>
+          <a:srcRect l="16363" t="19825" r="75525" b="57691"/>
+          <a:stretch/>
+        </p:blipFill>
+        <p:spPr bwMode="auto">
+          <a:xfrm>
+            <a:off x="10301608" y="4069616"/>
+            <a:ext cx="599575" cy="752484"/>
+          </a:xfrm>
+          <a:prstGeom prst="rect">
+            <a:avLst/>
+          </a:prstGeom>
+          <a:noFill/>
+          <a:extLst>
+            <a:ext uri="{909E8E84-426E-40DD-AFC4-6F175D3DCCD1}">
+              <a14:hiddenFill xmlns:a14="http://schemas.microsoft.com/office/drawing/2010/main">
+                <a:solidFill>
+                  <a:srgbClr val="FFFFFF"/>
+                </a:solidFill>
+              </a14:hiddenFill>
+            </a:ext>
+          </a:extLst>
+        </p:spPr>
+      </p:pic>
+      <p:sp>
+        <p:nvSpPr>
+          <p:cNvPr id="4" name="Rectangle 3"/>
+          <p:cNvSpPr/>
+          <p:nvPr/>
+        </p:nvSpPr>
+        <p:spPr>
+          <a:xfrm rot="2546264">
+            <a:off x="9678362" y="3325254"/>
+            <a:ext cx="297067" cy="201333"/>
+          </a:xfrm>
+          <a:prstGeom prst="rect">
+            <a:avLst/>
+          </a:prstGeom>
+          <a:noFill/>
+          <a:ln w="6350">
+            <a:solidFill>
+              <a:schemeClr val="tx1"/>
+            </a:solidFill>
+          </a:ln>
+        </p:spPr>
+        <p:style>
+          <a:lnRef idx="2">
+            <a:schemeClr val="accent1">
+              <a:shade val="50000"/>
+            </a:schemeClr>
+          </a:lnRef>
+          <a:fillRef idx="1">
+            <a:schemeClr val="accent1"/>
+          </a:fillRef>
+          <a:effectRef idx="0">
+            <a:schemeClr val="accent1"/>
+          </a:effectRef>
+          <a:fontRef idx="minor">
+            <a:schemeClr val="lt1"/>
+          </a:fontRef>
+        </p:style>
+        <p:txBody>
+          <a:bodyPr rtlCol="0" anchor="ctr"/>
+          <a:lstStyle/>
+          <a:p>
+            <a:pPr algn="ctr"/>
+            <a:endParaRPr lang="en-US"/>
+          </a:p>
+        </p:txBody>
+      </p:sp>
+      <p:sp>
+        <p:nvSpPr>
+          <p:cNvPr id="20" name="Rectangle 19"/>
+          <p:cNvSpPr/>
+          <p:nvPr/>
+        </p:nvSpPr>
+        <p:spPr>
+          <a:xfrm>
+            <a:off x="9173735" y="3846792"/>
+            <a:ext cx="195871" cy="201333"/>
+          </a:xfrm>
+          <a:prstGeom prst="rect">
+            <a:avLst/>
+          </a:prstGeom>
+          <a:noFill/>
+          <a:ln w="6350">
+            <a:solidFill>
+              <a:schemeClr val="tx1"/>
+            </a:solidFill>
+          </a:ln>
+        </p:spPr>
+        <p:style>
+          <a:lnRef idx="2">
+            <a:schemeClr val="accent1">
+              <a:shade val="50000"/>
+            </a:schemeClr>
+          </a:lnRef>
+          <a:fillRef idx="1">
+            <a:schemeClr val="accent1"/>
+          </a:fillRef>
+          <a:effectRef idx="0">
+            <a:schemeClr val="accent1"/>
+          </a:effectRef>
+          <a:fontRef idx="minor">
+            <a:schemeClr val="lt1"/>
+          </a:fontRef>
+        </p:style>
+        <p:txBody>
+          <a:bodyPr rtlCol="0" anchor="ctr"/>
+          <a:lstStyle/>
+          <a:p>
+            <a:pPr algn="ctr"/>
+            <a:endParaRPr lang="en-US"/>
+          </a:p>
+        </p:txBody>
+      </p:sp>
+      <p:sp>
+        <p:nvSpPr>
+          <p:cNvPr id="22" name="Rectangle: Rounded Corners 7">
+            <a:extLst>
+              <a:ext uri="{FF2B5EF4-FFF2-40B4-BE49-F238E27FC236}">
+                <a16:creationId xmlns:a16="http://schemas.microsoft.com/office/drawing/2014/main" id="{89656513-9083-47D3-8D44-E43743BD2C33}"/>
+              </a:ext>
+            </a:extLst>
+          </p:cNvPr>
+          <p:cNvSpPr/>
+          <p:nvPr/>
+        </p:nvSpPr>
+        <p:spPr>
+          <a:xfrm>
+            <a:off x="7305675" y="6038850"/>
+            <a:ext cx="3583704" cy="681342"/>
+          </a:xfrm>
+          <a:prstGeom prst="roundRect">
+            <a:avLst/>
+          </a:prstGeom>
+          <a:noFill/>
+        </p:spPr>
+        <p:style>
+          <a:lnRef idx="2">
+            <a:schemeClr val="accent1">
+              <a:shade val="50000"/>
+            </a:schemeClr>
+          </a:lnRef>
+          <a:fillRef idx="1">
+            <a:schemeClr val="accent1"/>
+          </a:fillRef>
+          <a:effectRef idx="0">
+            <a:schemeClr val="accent1"/>
+          </a:effectRef>
+          <a:fontRef idx="minor">
+            <a:schemeClr val="lt1"/>
+          </a:fontRef>
+        </p:style>
+        <p:txBody>
+          <a:bodyPr rtlCol="0" anchor="ctr"/>
+          <a:lstStyle/>
+          <a:p>
+            <a:pPr algn="ctr"/>
+            <a:endParaRPr lang="en-US"/>
+          </a:p>
+        </p:txBody>
+      </p:sp>
+      <p:sp>
+        <p:nvSpPr>
+          <p:cNvPr id="19" name="Rectangle 18">
+            <a:extLst>
+              <a:ext uri="{FF2B5EF4-FFF2-40B4-BE49-F238E27FC236}">
+                <a16:creationId xmlns:a16="http://schemas.microsoft.com/office/drawing/2014/main" id="{601B361A-666D-4F49-8F65-CCD8395CF5E9}"/>
+              </a:ext>
+            </a:extLst>
+          </p:cNvPr>
+          <p:cNvSpPr/>
+          <p:nvPr/>
+        </p:nvSpPr>
+        <p:spPr>
+          <a:xfrm>
+            <a:off x="0" y="5064368"/>
+            <a:ext cx="12191999" cy="1793629"/>
+          </a:xfrm>
+          <a:prstGeom prst="rect">
+            <a:avLst/>
+          </a:prstGeom>
+          <a:solidFill>
+            <a:schemeClr val="bg1"/>
+          </a:solidFill>
+          <a:ln>
+            <a:solidFill>
+              <a:schemeClr val="bg1"/>
+            </a:solidFill>
+          </a:ln>
+        </p:spPr>
+        <p:style>
+          <a:lnRef idx="2">
+            <a:schemeClr val="accent1">
+              <a:shade val="50000"/>
+            </a:schemeClr>
+          </a:lnRef>
+          <a:fillRef idx="1">
+            <a:schemeClr val="accent1"/>
+          </a:fillRef>
+          <a:effectRef idx="0">
+            <a:schemeClr val="accent1"/>
+          </a:effectRef>
+          <a:fontRef idx="minor">
+            <a:schemeClr val="lt1"/>
+          </a:fontRef>
+        </p:style>
+        <p:txBody>
+          <a:bodyPr rtlCol="0" anchor="ctr"/>
+          <a:lstStyle/>
+          <a:p>
+            <a:pPr algn="ctr"/>
+            <a:endParaRPr lang="en-US"/>
+          </a:p>
+        </p:txBody>
+      </p:sp>
+      <p:sp>
+        <p:nvSpPr>
+          <p:cNvPr id="21" name="Rectangle 20">
+            <a:extLst>
+              <a:ext uri="{FF2B5EF4-FFF2-40B4-BE49-F238E27FC236}">
+                <a16:creationId xmlns:a16="http://schemas.microsoft.com/office/drawing/2014/main" id="{73FE1890-9D25-40A3-AC70-EA79689F2570}"/>
+              </a:ext>
+            </a:extLst>
+          </p:cNvPr>
+          <p:cNvSpPr/>
+          <p:nvPr/>
+        </p:nvSpPr>
+        <p:spPr>
+          <a:xfrm>
+            <a:off x="3540369" y="4069616"/>
+            <a:ext cx="5115849" cy="2505685"/>
+          </a:xfrm>
+          <a:prstGeom prst="rect">
+            <a:avLst/>
+          </a:prstGeom>
+          <a:solidFill>
+            <a:schemeClr val="bg1"/>
+          </a:solidFill>
+          <a:ln>
+            <a:solidFill>
+              <a:schemeClr val="bg1"/>
+            </a:solidFill>
+          </a:ln>
+        </p:spPr>
+        <p:style>
+          <a:lnRef idx="2">
+            <a:schemeClr val="accent1">
+              <a:shade val="50000"/>
+            </a:schemeClr>
+          </a:lnRef>
+          <a:fillRef idx="1">
+            <a:schemeClr val="accent1"/>
+          </a:fillRef>
+          <a:effectRef idx="0">
+            <a:schemeClr val="accent1"/>
+          </a:effectRef>
+          <a:fontRef idx="minor">
+            <a:schemeClr val="lt1"/>
+          </a:fontRef>
+        </p:style>
+        <p:txBody>
+          <a:bodyPr rtlCol="0" anchor="ctr"/>
+          <a:lstStyle/>
+          <a:p>
+            <a:pPr algn="ctr"/>
+            <a:endParaRPr lang="en-US"/>
+          </a:p>
+        </p:txBody>
+      </p:sp>
+    </p:spTree>
+    <p:extLst>
+      <p:ext uri="{BB962C8B-B14F-4D97-AF65-F5344CB8AC3E}">
+        <p14:creationId xmlns:p14="http://schemas.microsoft.com/office/powerpoint/2010/main" val="3267513144"/>
+      </p:ext>
+    </p:extLst>
+  </p:cSld>
+  <p:clrMapOvr>
+    <a:masterClrMapping/>
+  </p:clrMapOvr>
+</p:sld>
+</file>
+
+<file path=ppt/slides/slide32.xml><?xml version="1.0" encoding="utf-8"?>
+<p:sld xmlns:a="http://schemas.openxmlformats.org/drawingml/2006/main" xmlns:r="http://schemas.openxmlformats.org/officeDocument/2006/relationships" xmlns:p="http://schemas.openxmlformats.org/presentationml/2006/main">
+  <p:cSld>
+    <p:spTree>
+      <p:nvGrpSpPr>
+        <p:cNvPr id="1" name=""/>
+        <p:cNvGrpSpPr/>
+        <p:nvPr/>
+      </p:nvGrpSpPr>
+      <p:grpSpPr>
+        <a:xfrm>
+          <a:off x="0" y="0"/>
+          <a:ext cx="0" cy="0"/>
+          <a:chOff x="0" y="0"/>
+          <a:chExt cx="0" cy="0"/>
+        </a:xfrm>
+      </p:grpSpPr>
+      <p:sp>
+        <p:nvSpPr>
+          <p:cNvPr id="2" name="Title 1"/>
+          <p:cNvSpPr>
+            <a:spLocks noGrp="1"/>
+          </p:cNvSpPr>
+          <p:nvPr>
+            <p:ph type="title"/>
+          </p:nvPr>
+        </p:nvSpPr>
+        <p:spPr/>
+        <p:txBody>
+          <a:bodyPr/>
+          <a:lstStyle/>
+          <a:p>
+            <a:r>
+              <a:rPr lang="en-US" dirty="0"/>
+              <a:t>Problem 1: vertical line detection</a:t>
+            </a:r>
+          </a:p>
+        </p:txBody>
+      </p:sp>
+      <mc:AlternateContent xmlns:mc="http://schemas.openxmlformats.org/markup-compatibility/2006" xmlns:a14="http://schemas.microsoft.com/office/drawing/2010/main">
+        <mc:Choice Requires="a14">
+          <p:sp>
+            <p:nvSpPr>
+              <p:cNvPr id="3" name="Content Placeholder 2"/>
+              <p:cNvSpPr>
+                <a:spLocks noGrp="1"/>
+              </p:cNvSpPr>
+              <p:nvPr>
+                <p:ph idx="1"/>
+              </p:nvPr>
+            </p:nvSpPr>
+            <p:spPr/>
+            <p:txBody>
+              <a:bodyPr/>
+              <a:lstStyle/>
+              <a:p>
+                <a:r>
+                  <a:rPr lang="en-US" dirty="0"/>
+                  <a:t>Vertical (or near vertical) lines have a big slope: </a:t>
+                </a:r>
+                <a14:m>
+                  <m:oMath xmlns:m="http://schemas.openxmlformats.org/officeDocument/2006/math">
+                    <m:r>
+                      <a:rPr lang="en-US" b="0" i="1" smtClean="0">
+                        <a:latin typeface="Cambria Math"/>
+                      </a:rPr>
+                      <m:t>𝑚</m:t>
+                    </m:r>
+                    <m:r>
+                      <a:rPr lang="en-US" b="0" i="1" smtClean="0">
+                        <a:latin typeface="Cambria Math"/>
+                      </a:rPr>
+                      <m:t>→∞</m:t>
+                    </m:r>
+                  </m:oMath>
+                </a14:m>
+                <a:r>
+                  <a:rPr lang="en-US" dirty="0"/>
+                  <a:t>. This causes the accumulator table to be very big in </a:t>
+                </a:r>
+                <a14:m>
+                  <m:oMath xmlns:m="http://schemas.openxmlformats.org/officeDocument/2006/math">
+                    <m:r>
+                      <a:rPr lang="en-US" b="0" i="1" smtClean="0">
+                        <a:latin typeface="Cambria Math"/>
+                      </a:rPr>
+                      <m:t>𝑚</m:t>
+                    </m:r>
+                  </m:oMath>
+                </a14:m>
+                <a:r>
+                  <a:rPr lang="en-US" dirty="0"/>
+                  <a:t> direction.</a:t>
+                </a:r>
+              </a:p>
+              <a:p>
+                <a:r>
+                  <a:rPr lang="en-US" dirty="0"/>
+                  <a:t>A solution is to give a </a:t>
+                </a:r>
+                <a:r>
+                  <a:rPr lang="en-US" b="1" dirty="0"/>
+                  <a:t>different parameterization to lines</a:t>
+                </a:r>
+                <a:r>
+                  <a:rPr lang="en-US" dirty="0"/>
+                  <a:t>:</a:t>
+                </a:r>
+              </a:p>
+              <a:p>
+                <a:endParaRPr lang="en-US" dirty="0"/>
+              </a:p>
+            </p:txBody>
+          </p:sp>
+        </mc:Choice>
+        <mc:Fallback xmlns="">
+          <p:sp>
+            <p:nvSpPr>
+              <p:cNvPr id="3" name="Content Placeholder 2"/>
+              <p:cNvSpPr>
+                <a:spLocks noGrp="1" noRot="1" noChangeAspect="1" noMove="1" noResize="1" noEditPoints="1" noAdjustHandles="1" noChangeArrowheads="1" noChangeShapeType="1" noTextEdit="1"/>
+              </p:cNvSpPr>
+              <p:nvPr>
+                <p:ph idx="1"/>
+              </p:nvPr>
+            </p:nvSpPr>
+            <p:spPr>
+              <a:blipFill rotWithShape="1">
+                <a:blip r:embed="rId3"/>
+                <a:stretch>
+                  <a:fillRect l="-879" t="-959"/>
+                </a:stretch>
+              </a:blipFill>
+            </p:spPr>
+            <p:txBody>
+              <a:bodyPr/>
+              <a:lstStyle/>
+              <a:p>
+                <a:r>
+                  <a:rPr lang="en-US">
+                    <a:noFill/>
+                  </a:rPr>
+                  <a:t> </a:t>
+                </a:r>
+              </a:p>
+            </p:txBody>
+          </p:sp>
+        </mc:Fallback>
+      </mc:AlternateContent>
+      <p:sp>
+        <p:nvSpPr>
+          <p:cNvPr id="5" name="Triangle"/>
+          <p:cNvSpPr/>
+          <p:nvPr/>
+        </p:nvSpPr>
+        <p:spPr>
+          <a:xfrm>
+            <a:off x="9173735" y="2625725"/>
+            <a:ext cx="1427661" cy="1427661"/>
+          </a:xfrm>
+          <a:custGeom>
+            <a:avLst/>
+            <a:gdLst/>
+            <a:ahLst/>
+            <a:cxnLst>
+              <a:cxn ang="0">
+                <a:pos x="wd2" y="hd2"/>
+              </a:cxn>
+              <a:cxn ang="5400000">
+                <a:pos x="wd2" y="hd2"/>
+              </a:cxn>
+              <a:cxn ang="10800000">
+                <a:pos x="wd2" y="hd2"/>
+              </a:cxn>
+              <a:cxn ang="16200000">
+                <a:pos x="wd2" y="hd2"/>
+              </a:cxn>
+            </a:cxnLst>
+            <a:rect l="0" t="0" r="r" b="b"/>
+            <a:pathLst>
+              <a:path w="21600" h="21600" extrusionOk="0">
+                <a:moveTo>
+                  <a:pt x="0" y="0"/>
+                </a:moveTo>
+                <a:lnTo>
+                  <a:pt x="0" y="21600"/>
+                </a:lnTo>
+                <a:lnTo>
+                  <a:pt x="21600" y="21600"/>
+                </a:lnTo>
+                <a:close/>
+              </a:path>
+            </a:pathLst>
+          </a:custGeom>
+          <a:ln w="25400">
+            <a:solidFill>
+              <a:srgbClr val="85888D"/>
+            </a:solidFill>
+            <a:miter lim="400000"/>
+          </a:ln>
+        </p:spPr>
+        <p:txBody>
+          <a:bodyPr lIns="50800" tIns="50800" rIns="50800" bIns="50800" anchor="ctr"/>
+          <a:lstStyle/>
+          <a:p>
+            <a:pPr>
+              <a:defRPr sz="2400"/>
+            </a:pPr>
+            <a:endParaRPr/>
+          </a:p>
+        </p:txBody>
+      </p:sp>
+      <p:pic>
+        <p:nvPicPr>
+          <p:cNvPr id="7" name="latex-image-6.pdf" descr="latex-image-6.pdf"/>
+          <p:cNvPicPr>
+            <a:picLocks noChangeAspect="1"/>
+          </p:cNvPicPr>
+          <p:nvPr/>
+        </p:nvPicPr>
+        <p:blipFill>
+          <a:blip r:embed="rId4"/>
+          <a:stretch>
+            <a:fillRect/>
+          </a:stretch>
+        </p:blipFill>
+        <p:spPr>
+          <a:xfrm>
+            <a:off x="8934450" y="2450443"/>
+            <a:ext cx="127000" cy="235858"/>
+          </a:xfrm>
+          <a:prstGeom prst="rect">
+            <a:avLst/>
+          </a:prstGeom>
+          <a:ln w="12700">
+            <a:miter lim="400000"/>
+          </a:ln>
+        </p:spPr>
+      </p:pic>
+      <p:sp>
+        <p:nvSpPr>
+          <p:cNvPr id="8" name="Line"/>
+          <p:cNvSpPr/>
+          <p:nvPr/>
+        </p:nvSpPr>
+        <p:spPr>
+          <a:xfrm>
+            <a:off x="9163888" y="4060825"/>
+            <a:ext cx="1725491" cy="0"/>
+          </a:xfrm>
+          <a:prstGeom prst="line">
+            <a:avLst/>
+          </a:prstGeom>
+          <a:ln w="25400">
+            <a:solidFill>
+              <a:srgbClr val="000000"/>
+            </a:solidFill>
+            <a:miter lim="400000"/>
+            <a:tailEnd type="triangle"/>
+          </a:ln>
+        </p:spPr>
+        <p:txBody>
+          <a:bodyPr lIns="50800" tIns="50800" rIns="50800" bIns="50800" anchor="ctr"/>
+          <a:lstStyle/>
+          <a:p>
+            <a:pPr>
+              <a:defRPr sz="2400"/>
+            </a:pPr>
+            <a:endParaRPr/>
+          </a:p>
+        </p:txBody>
+      </p:sp>
+      <p:sp>
+        <p:nvSpPr>
+          <p:cNvPr id="9" name="Line"/>
+          <p:cNvSpPr/>
+          <p:nvPr/>
+        </p:nvSpPr>
+        <p:spPr>
+          <a:xfrm flipV="1">
+            <a:off x="9176588" y="2347141"/>
+            <a:ext cx="1" cy="1712868"/>
+          </a:xfrm>
+          <a:prstGeom prst="line">
+            <a:avLst/>
+          </a:prstGeom>
+          <a:ln w="25400">
+            <a:solidFill>
+              <a:srgbClr val="000000"/>
+            </a:solidFill>
+            <a:miter lim="400000"/>
+            <a:tailEnd type="triangle"/>
+          </a:ln>
+        </p:spPr>
+        <p:txBody>
+          <a:bodyPr lIns="50800" tIns="50800" rIns="50800" bIns="50800" anchor="ctr"/>
+          <a:lstStyle/>
+          <a:p>
+            <a:pPr>
+              <a:defRPr sz="2400"/>
+            </a:pPr>
+            <a:endParaRPr/>
+          </a:p>
+        </p:txBody>
+      </p:sp>
+      <p:sp>
+        <p:nvSpPr>
+          <p:cNvPr id="10" name="Line"/>
+          <p:cNvSpPr/>
+          <p:nvPr/>
+        </p:nvSpPr>
+        <p:spPr>
+          <a:xfrm flipV="1">
+            <a:off x="9194051" y="3359312"/>
+            <a:ext cx="688813" cy="688813"/>
+          </a:xfrm>
+          <a:prstGeom prst="line">
+            <a:avLst/>
+          </a:prstGeom>
+          <a:ln w="25400">
+            <a:solidFill>
+              <a:srgbClr val="000000"/>
+            </a:solidFill>
+            <a:miter lim="400000"/>
+            <a:tailEnd type="triangle"/>
+          </a:ln>
+        </p:spPr>
+        <p:txBody>
+          <a:bodyPr lIns="50800" tIns="50800" rIns="50800" bIns="50800" anchor="ctr"/>
+          <a:lstStyle/>
+          <a:p>
+            <a:pPr>
+              <a:defRPr sz="2400"/>
+            </a:pPr>
+            <a:endParaRPr/>
+          </a:p>
+        </p:txBody>
+      </p:sp>
+      <p:pic>
+        <p:nvPicPr>
+          <p:cNvPr id="11" name="latex-image-9.pdf" descr="latex-image-9.pdf"/>
+          <p:cNvPicPr>
+            <a:picLocks noChangeAspect="1"/>
+          </p:cNvPicPr>
+          <p:nvPr/>
+        </p:nvPicPr>
+        <p:blipFill>
+          <a:blip r:embed="rId5"/>
+          <a:stretch>
+            <a:fillRect/>
+          </a:stretch>
+        </p:blipFill>
+        <p:spPr>
+          <a:xfrm>
+            <a:off x="9472613" y="3802954"/>
+            <a:ext cx="122709" cy="207071"/>
+          </a:xfrm>
+          <a:prstGeom prst="rect">
+            <a:avLst/>
+          </a:prstGeom>
+          <a:ln w="12700">
+            <a:miter lim="400000"/>
+          </a:ln>
+        </p:spPr>
+      </p:pic>
+      <p:pic>
+        <p:nvPicPr>
+          <p:cNvPr id="12" name="latex-image-10.pdf" descr="latex-image-10.pdf"/>
+          <p:cNvPicPr>
+            <a:picLocks noChangeAspect="1"/>
+          </p:cNvPicPr>
+          <p:nvPr/>
+        </p:nvPicPr>
+        <p:blipFill>
+          <a:blip r:embed="rId6"/>
+          <a:stretch>
+            <a:fillRect/>
+          </a:stretch>
+        </p:blipFill>
+        <p:spPr>
+          <a:xfrm>
+            <a:off x="9485313" y="3333097"/>
+            <a:ext cx="178772" cy="248295"/>
+          </a:xfrm>
+          <a:prstGeom prst="rect">
+            <a:avLst/>
+          </a:prstGeom>
+          <a:ln w="12700">
+            <a:miter lim="400000"/>
+          </a:ln>
+        </p:spPr>
+      </p:pic>
+      <p:pic>
+        <p:nvPicPr>
+          <p:cNvPr id="13" name="latex-image-9.pdf" descr="latex-image-9.pdf"/>
+          <p:cNvPicPr>
+            <a:picLocks noChangeAspect="1"/>
+          </p:cNvPicPr>
+          <p:nvPr/>
+        </p:nvPicPr>
+        <p:blipFill>
+          <a:blip r:embed="rId5"/>
+          <a:stretch>
+            <a:fillRect/>
+          </a:stretch>
+        </p:blipFill>
+        <p:spPr>
+          <a:xfrm>
+            <a:off x="9218613" y="2825054"/>
+            <a:ext cx="122709" cy="207071"/>
+          </a:xfrm>
+          <a:prstGeom prst="rect">
+            <a:avLst/>
+          </a:prstGeom>
+          <a:ln w="12700">
+            <a:miter lim="400000"/>
+          </a:ln>
+        </p:spPr>
+      </p:pic>
+      <p:sp>
+        <p:nvSpPr>
+          <p:cNvPr id="14" name="Connection Line"/>
+          <p:cNvSpPr/>
+          <p:nvPr/>
+        </p:nvSpPr>
+        <p:spPr>
+          <a:xfrm>
+            <a:off x="9551966" y="3704291"/>
+            <a:ext cx="161561" cy="365325"/>
+          </a:xfrm>
+          <a:custGeom>
+            <a:avLst/>
+            <a:gdLst/>
+            <a:ahLst/>
+            <a:cxnLst>
+              <a:cxn ang="0">
+                <a:pos x="wd2" y="hd2"/>
+              </a:cxn>
+              <a:cxn ang="5400000">
+                <a:pos x="wd2" y="hd2"/>
+              </a:cxn>
+              <a:cxn ang="10800000">
+                <a:pos x="wd2" y="hd2"/>
+              </a:cxn>
+              <a:cxn ang="16200000">
+                <a:pos x="wd2" y="hd2"/>
+              </a:cxn>
+            </a:cxnLst>
+            <a:rect l="0" t="0" r="r" b="b"/>
+            <a:pathLst>
+              <a:path w="17356" h="21600" extrusionOk="0">
+                <a:moveTo>
+                  <a:pt x="0" y="0"/>
+                </a:moveTo>
+                <a:cubicBezTo>
+                  <a:pt x="17170" y="4716"/>
+                  <a:pt x="21600" y="11916"/>
+                  <a:pt x="13291" y="21600"/>
+                </a:cubicBezTo>
+              </a:path>
+            </a:pathLst>
+          </a:custGeom>
+          <a:ln w="12700">
+            <a:solidFill>
+              <a:srgbClr val="000000"/>
+            </a:solidFill>
+            <a:miter lim="400000"/>
+          </a:ln>
+        </p:spPr>
+        <p:txBody>
+          <a:bodyPr/>
+          <a:lstStyle/>
+          <a:p>
+            <a:endParaRPr/>
+          </a:p>
+        </p:txBody>
+      </p:sp>
+      <p:sp>
+        <p:nvSpPr>
+          <p:cNvPr id="15" name="Connection Line"/>
+          <p:cNvSpPr/>
+          <p:nvPr/>
+        </p:nvSpPr>
+        <p:spPr>
+          <a:xfrm>
+            <a:off x="9183695" y="2925085"/>
+            <a:ext cx="268239" cy="175523"/>
+          </a:xfrm>
+          <a:custGeom>
+            <a:avLst/>
+            <a:gdLst/>
+            <a:ahLst/>
+            <a:cxnLst>
+              <a:cxn ang="0">
+                <a:pos x="wd2" y="hd2"/>
+              </a:cxn>
+              <a:cxn ang="5400000">
+                <a:pos x="wd2" y="hd2"/>
+              </a:cxn>
+              <a:cxn ang="10800000">
+                <a:pos x="wd2" y="hd2"/>
+              </a:cxn>
+              <a:cxn ang="16200000">
+                <a:pos x="wd2" y="hd2"/>
+              </a:cxn>
+            </a:cxnLst>
+            <a:rect l="0" t="0" r="r" b="b"/>
+            <a:pathLst>
+              <a:path w="21600" h="18029" extrusionOk="0">
+                <a:moveTo>
+                  <a:pt x="21600" y="0"/>
+                </a:moveTo>
+                <a:cubicBezTo>
+                  <a:pt x="19502" y="16382"/>
+                  <a:pt x="12302" y="21600"/>
+                  <a:pt x="0" y="15654"/>
+                </a:cubicBezTo>
+              </a:path>
+            </a:pathLst>
+          </a:custGeom>
+          <a:ln w="12700">
+            <a:solidFill>
+              <a:srgbClr val="000000"/>
+            </a:solidFill>
+            <a:miter lim="400000"/>
+          </a:ln>
+        </p:spPr>
+        <p:txBody>
+          <a:bodyPr/>
+          <a:lstStyle/>
+          <a:p>
+            <a:endParaRPr/>
+          </a:p>
+        </p:txBody>
+      </p:sp>
+      <p:pic>
+        <p:nvPicPr>
+          <p:cNvPr id="2052" name="Picture 4" descr="https://latex.codecogs.com/gif.latex?%5Cdpi%7B300%7D%20%5C%5C%20y%3Dmx&amp;plus;b%5C%5C%20%5Cxrightarrow%7Bx%3D0%7Dy%3Db%5C%5C%20%5Cxrightarrow%7By%3D0%7Dx%3D-%5Cfrac%7Bb%7D%7Bm%7D%5C%5C%20%5Cfrac%7B%5Cfrac%7B-b%7D%7Bm%7D%7D%7Bb%7D%3D-%5Cfrac%7B1%7D%7Bm%7D%3Dtg%5Ctheta%5Crightarrow%20m%3D-%5Cfrac%7B1%7D%7Btg%5Ctheta%7D%3D-%5Cfrac%7Bcos%5Ctheta%7D%7Bsin%5Ctheta%7D%20%5C%5C%20%5Cfrac%7B%5Crho%7D%7Bb%7D%3Dsin%5Ctheta%5Crightarrow%20b%3D%5Cfrac%7B%5Crho%7D%7Bsin%5Ctheta%7D%20%5C%5C%20y%3Dmx&amp;plus;b%5Crightarrow%20y%3D-%5Cfrac%7Bcos%5Ctheta%7D%7Bsin%5Ctheta%7Dx&amp;plus;%5Cfrac%7B%5Crho%7D%7Bsin%5Ctheta%7D%20%5Crightarrow%20xcos%5Ctheta%20&amp;plus;ysin%5Ctheta%20%3D%20%5Crho"/>
+          <p:cNvPicPr>
+            <a:picLocks noChangeAspect="1" noChangeArrowheads="1"/>
+          </p:cNvPicPr>
+          <p:nvPr/>
+        </p:nvPicPr>
+        <p:blipFill>
+          <a:blip r:embed="rId7">
+            <a:extLst>
+              <a:ext uri="{28A0092B-C50C-407E-A947-70E740481C1C}">
+                <a14:useLocalDpi xmlns:a14="http://schemas.microsoft.com/office/drawing/2010/main" val="0"/>
+              </a:ext>
+            </a:extLst>
+          </a:blip>
+          <a:srcRect/>
+          <a:stretch>
+            <a:fillRect/>
+          </a:stretch>
+        </p:blipFill>
+        <p:spPr bwMode="auto">
+          <a:xfrm>
+            <a:off x="556462" y="2200274"/>
+            <a:ext cx="10044934" cy="4548493"/>
+          </a:xfrm>
+          <a:prstGeom prst="rect">
+            <a:avLst/>
+          </a:prstGeom>
+          <a:noFill/>
+          <a:extLst>
+            <a:ext uri="{909E8E84-426E-40DD-AFC4-6F175D3DCCD1}">
+              <a14:hiddenFill xmlns:a14="http://schemas.microsoft.com/office/drawing/2010/main">
+                <a:solidFill>
+                  <a:srgbClr val="FFFFFF"/>
+                </a:solidFill>
+              </a14:hiddenFill>
+            </a:ext>
+          </a:extLst>
+        </p:spPr>
+      </p:pic>
+      <p:pic>
+        <p:nvPicPr>
+          <p:cNvPr id="18" name="Picture 4" descr="https://latex.codecogs.com/gif.latex?%5Cdpi%7B300%7D%20%5C%5C%20y%3Dmx&amp;plus;b%5C%5C%20%5Cxrightarrow%7Bx%3D0%7Dy%3Db%5C%5C%20%5Cxrightarrow%7By%3D0%7Dx%3D-%5Cfrac%7Bb%7D%7Bm%7D%5C%5C%20%5Cfrac%7B%5Cfrac%7B-b%7D%7Bm%7D%7D%7Bb%7D%3D-%5Cfrac%7B1%7D%7Bm%7D%3Dtg%5Ctheta%5Crightarrow%20m%3D-%5Cfrac%7B1%7D%7Btg%5Ctheta%7D%3D-%5Cfrac%7Bcos%5Ctheta%7D%7Bsin%5Ctheta%7D%20%5C%5C%20%5Cfrac%7B%5Crho%7D%7Bb%7D%3Dsin%5Ctheta%5Crightarrow%20b%3D%5Cfrac%7B%5Crho%7D%7Bsin%5Ctheta%7D%20%5C%5C%20y%3Dmx&amp;plus;b%5Crightarrow%20y%3D-%5Cfrac%7Bcos%5Ctheta%7D%7Bsin%5Ctheta%7Dx&amp;plus;%5Cfrac%7B%5Crho%7D%7Bsin%5Ctheta%7D%20%5Crightarrow%20xcos%5Ctheta%20&amp;plus;ysin%5Ctheta%20%3D%20%5Crho"/>
+          <p:cNvPicPr>
+            <a:picLocks noChangeAspect="1" noChangeArrowheads="1"/>
+          </p:cNvPicPr>
+          <p:nvPr/>
+        </p:nvPicPr>
+        <p:blipFill rotWithShape="1">
+          <a:blip r:embed="rId7">
+            <a:extLst>
+              <a:ext uri="{28A0092B-C50C-407E-A947-70E740481C1C}">
+                <a14:useLocalDpi xmlns:a14="http://schemas.microsoft.com/office/drawing/2010/main" val="0"/>
+              </a:ext>
+            </a:extLst>
+          </a:blip>
+          <a:srcRect l="16363" t="19825" r="75525" b="57691"/>
+          <a:stretch/>
+        </p:blipFill>
+        <p:spPr bwMode="auto">
+          <a:xfrm>
+            <a:off x="10301608" y="4069616"/>
+            <a:ext cx="599575" cy="752484"/>
+          </a:xfrm>
+          <a:prstGeom prst="rect">
+            <a:avLst/>
+          </a:prstGeom>
+          <a:noFill/>
+          <a:extLst>
+            <a:ext uri="{909E8E84-426E-40DD-AFC4-6F175D3DCCD1}">
+              <a14:hiddenFill xmlns:a14="http://schemas.microsoft.com/office/drawing/2010/main">
+                <a:solidFill>
+                  <a:srgbClr val="FFFFFF"/>
+                </a:solidFill>
+              </a14:hiddenFill>
+            </a:ext>
+          </a:extLst>
+        </p:spPr>
+      </p:pic>
+      <p:sp>
+        <p:nvSpPr>
+          <p:cNvPr id="4" name="Rectangle 3"/>
+          <p:cNvSpPr/>
+          <p:nvPr/>
+        </p:nvSpPr>
+        <p:spPr>
+          <a:xfrm rot="2546264">
+            <a:off x="9678362" y="3325254"/>
+            <a:ext cx="297067" cy="201333"/>
+          </a:xfrm>
+          <a:prstGeom prst="rect">
+            <a:avLst/>
+          </a:prstGeom>
+          <a:noFill/>
+          <a:ln w="6350">
+            <a:solidFill>
+              <a:schemeClr val="tx1"/>
+            </a:solidFill>
+          </a:ln>
+        </p:spPr>
+        <p:style>
+          <a:lnRef idx="2">
+            <a:schemeClr val="accent1">
+              <a:shade val="50000"/>
+            </a:schemeClr>
+          </a:lnRef>
+          <a:fillRef idx="1">
+            <a:schemeClr val="accent1"/>
+          </a:fillRef>
+          <a:effectRef idx="0">
+            <a:schemeClr val="accent1"/>
+          </a:effectRef>
+          <a:fontRef idx="minor">
+            <a:schemeClr val="lt1"/>
+          </a:fontRef>
+        </p:style>
+        <p:txBody>
+          <a:bodyPr rtlCol="0" anchor="ctr"/>
+          <a:lstStyle/>
+          <a:p>
+            <a:pPr algn="ctr"/>
+            <a:endParaRPr lang="en-US"/>
+          </a:p>
+        </p:txBody>
+      </p:sp>
+      <p:sp>
+        <p:nvSpPr>
+          <p:cNvPr id="20" name="Rectangle 19"/>
+          <p:cNvSpPr/>
+          <p:nvPr/>
+        </p:nvSpPr>
+        <p:spPr>
+          <a:xfrm>
+            <a:off x="9173735" y="3846792"/>
+            <a:ext cx="195871" cy="201333"/>
+          </a:xfrm>
+          <a:prstGeom prst="rect">
+            <a:avLst/>
+          </a:prstGeom>
+          <a:noFill/>
+          <a:ln w="6350">
+            <a:solidFill>
+              <a:schemeClr val="tx1"/>
+            </a:solidFill>
+          </a:ln>
+        </p:spPr>
+        <p:style>
+          <a:lnRef idx="2">
+            <a:schemeClr val="accent1">
+              <a:shade val="50000"/>
+            </a:schemeClr>
+          </a:lnRef>
+          <a:fillRef idx="1">
+            <a:schemeClr val="accent1"/>
+          </a:fillRef>
+          <a:effectRef idx="0">
+            <a:schemeClr val="accent1"/>
+          </a:effectRef>
+          <a:fontRef idx="minor">
+            <a:schemeClr val="lt1"/>
+          </a:fontRef>
+        </p:style>
+        <p:txBody>
+          <a:bodyPr rtlCol="0" anchor="ctr"/>
+          <a:lstStyle/>
+          <a:p>
+            <a:pPr algn="ctr"/>
+            <a:endParaRPr lang="en-US"/>
+          </a:p>
+        </p:txBody>
+      </p:sp>
+      <p:sp>
+        <p:nvSpPr>
+          <p:cNvPr id="22" name="Rectangle: Rounded Corners 7">
+            <a:extLst>
+              <a:ext uri="{FF2B5EF4-FFF2-40B4-BE49-F238E27FC236}">
+                <a16:creationId xmlns:a16="http://schemas.microsoft.com/office/drawing/2014/main" id="{89656513-9083-47D3-8D44-E43743BD2C33}"/>
+              </a:ext>
+            </a:extLst>
+          </p:cNvPr>
+          <p:cNvSpPr/>
+          <p:nvPr/>
+        </p:nvSpPr>
+        <p:spPr>
+          <a:xfrm>
+            <a:off x="7305675" y="6038850"/>
+            <a:ext cx="3583704" cy="681342"/>
+          </a:xfrm>
+          <a:prstGeom prst="roundRect">
+            <a:avLst/>
+          </a:prstGeom>
+          <a:noFill/>
+        </p:spPr>
+        <p:style>
+          <a:lnRef idx="2">
+            <a:schemeClr val="accent1">
+              <a:shade val="50000"/>
+            </a:schemeClr>
+          </a:lnRef>
+          <a:fillRef idx="1">
+            <a:schemeClr val="accent1"/>
+          </a:fillRef>
+          <a:effectRef idx="0">
+            <a:schemeClr val="accent1"/>
+          </a:effectRef>
+          <a:fontRef idx="minor">
+            <a:schemeClr val="lt1"/>
+          </a:fontRef>
+        </p:style>
+        <p:txBody>
+          <a:bodyPr rtlCol="0" anchor="ctr"/>
+          <a:lstStyle/>
+          <a:p>
+            <a:pPr algn="ctr"/>
+            <a:endParaRPr lang="en-US"/>
+          </a:p>
+        </p:txBody>
+      </p:sp>
+      <p:sp>
+        <p:nvSpPr>
+          <p:cNvPr id="19" name="Rectangle 18">
+            <a:extLst>
+              <a:ext uri="{FF2B5EF4-FFF2-40B4-BE49-F238E27FC236}">
+                <a16:creationId xmlns:a16="http://schemas.microsoft.com/office/drawing/2014/main" id="{601B361A-666D-4F49-8F65-CCD8395CF5E9}"/>
+              </a:ext>
+            </a:extLst>
+          </p:cNvPr>
+          <p:cNvSpPr/>
+          <p:nvPr/>
+        </p:nvSpPr>
+        <p:spPr>
+          <a:xfrm>
+            <a:off x="0" y="5231092"/>
+            <a:ext cx="12191999" cy="1626905"/>
+          </a:xfrm>
+          <a:prstGeom prst="rect">
+            <a:avLst/>
+          </a:prstGeom>
+          <a:solidFill>
+            <a:schemeClr val="bg1"/>
+          </a:solidFill>
+          <a:ln>
+            <a:solidFill>
+              <a:schemeClr val="bg1"/>
+            </a:solidFill>
+          </a:ln>
+        </p:spPr>
+        <p:style>
+          <a:lnRef idx="2">
+            <a:schemeClr val="accent1">
+              <a:shade val="50000"/>
+            </a:schemeClr>
+          </a:lnRef>
+          <a:fillRef idx="1">
+            <a:schemeClr val="accent1"/>
+          </a:fillRef>
+          <a:effectRef idx="0">
+            <a:schemeClr val="accent1"/>
+          </a:effectRef>
+          <a:fontRef idx="minor">
+            <a:schemeClr val="lt1"/>
+          </a:fontRef>
+        </p:style>
+        <p:txBody>
+          <a:bodyPr rtlCol="0" anchor="ctr"/>
+          <a:lstStyle/>
+          <a:p>
+            <a:pPr algn="ctr"/>
+            <a:endParaRPr lang="en-US"/>
+          </a:p>
+        </p:txBody>
+      </p:sp>
+      <p:sp>
+        <p:nvSpPr>
+          <p:cNvPr id="21" name="Rectangle 20">
+            <a:extLst>
+              <a:ext uri="{FF2B5EF4-FFF2-40B4-BE49-F238E27FC236}">
+                <a16:creationId xmlns:a16="http://schemas.microsoft.com/office/drawing/2014/main" id="{73FE1890-9D25-40A3-AC70-EA79689F2570}"/>
+              </a:ext>
+            </a:extLst>
+          </p:cNvPr>
+          <p:cNvSpPr/>
+          <p:nvPr/>
+        </p:nvSpPr>
+        <p:spPr>
+          <a:xfrm>
+            <a:off x="104356" y="5124084"/>
+            <a:ext cx="5115849" cy="1255437"/>
+          </a:xfrm>
+          <a:prstGeom prst="rect">
+            <a:avLst/>
+          </a:prstGeom>
+          <a:solidFill>
+            <a:schemeClr val="bg1"/>
+          </a:solidFill>
+          <a:ln>
+            <a:solidFill>
+              <a:schemeClr val="bg1"/>
+            </a:solidFill>
+          </a:ln>
+        </p:spPr>
+        <p:style>
+          <a:lnRef idx="2">
+            <a:schemeClr val="accent1">
+              <a:shade val="50000"/>
+            </a:schemeClr>
+          </a:lnRef>
+          <a:fillRef idx="1">
+            <a:schemeClr val="accent1"/>
+          </a:fillRef>
+          <a:effectRef idx="0">
+            <a:schemeClr val="accent1"/>
+          </a:effectRef>
+          <a:fontRef idx="minor">
+            <a:schemeClr val="lt1"/>
+          </a:fontRef>
+        </p:style>
+        <p:txBody>
+          <a:bodyPr rtlCol="0" anchor="ctr"/>
+          <a:lstStyle/>
+          <a:p>
+            <a:pPr algn="ctr"/>
+            <a:endParaRPr lang="en-US"/>
+          </a:p>
+        </p:txBody>
+      </p:sp>
+    </p:spTree>
+    <p:extLst>
+      <p:ext uri="{BB962C8B-B14F-4D97-AF65-F5344CB8AC3E}">
+        <p14:creationId xmlns:p14="http://schemas.microsoft.com/office/powerpoint/2010/main" val="2545892405"/>
+      </p:ext>
+    </p:extLst>
+  </p:cSld>
+  <p:clrMapOvr>
+    <a:masterClrMapping/>
+  </p:clrMapOvr>
+</p:sld>
+</file>
+
+<file path=ppt/slides/slide33.xml><?xml version="1.0" encoding="utf-8"?>
+<p:sld xmlns:a="http://schemas.openxmlformats.org/drawingml/2006/main" xmlns:r="http://schemas.openxmlformats.org/officeDocument/2006/relationships" xmlns:p="http://schemas.openxmlformats.org/presentationml/2006/main">
+  <p:cSld>
+    <p:spTree>
+      <p:nvGrpSpPr>
+        <p:cNvPr id="1" name=""/>
+        <p:cNvGrpSpPr/>
+        <p:nvPr/>
+      </p:nvGrpSpPr>
+      <p:grpSpPr>
+        <a:xfrm>
+          <a:off x="0" y="0"/>
+          <a:ext cx="0" cy="0"/>
+          <a:chOff x="0" y="0"/>
+          <a:chExt cx="0" cy="0"/>
+        </a:xfrm>
+      </p:grpSpPr>
+      <p:sp>
+        <p:nvSpPr>
+          <p:cNvPr id="2" name="Title 1"/>
+          <p:cNvSpPr>
+            <a:spLocks noGrp="1"/>
+          </p:cNvSpPr>
+          <p:nvPr>
+            <p:ph type="title"/>
+          </p:nvPr>
+        </p:nvSpPr>
+        <p:spPr/>
+        <p:txBody>
+          <a:bodyPr/>
+          <a:lstStyle/>
+          <a:p>
+            <a:r>
+              <a:rPr lang="en-US" dirty="0"/>
+              <a:t>Problem 1: vertical line detection</a:t>
+            </a:r>
+          </a:p>
+        </p:txBody>
+      </p:sp>
+      <mc:AlternateContent xmlns:mc="http://schemas.openxmlformats.org/markup-compatibility/2006" xmlns:a14="http://schemas.microsoft.com/office/drawing/2010/main">
+        <mc:Choice Requires="a14">
+          <p:sp>
+            <p:nvSpPr>
+              <p:cNvPr id="3" name="Content Placeholder 2"/>
+              <p:cNvSpPr>
+                <a:spLocks noGrp="1"/>
+              </p:cNvSpPr>
+              <p:nvPr>
+                <p:ph idx="1"/>
+              </p:nvPr>
+            </p:nvSpPr>
+            <p:spPr/>
+            <p:txBody>
+              <a:bodyPr/>
+              <a:lstStyle/>
+              <a:p>
+                <a:r>
+                  <a:rPr lang="en-US" dirty="0"/>
+                  <a:t>Vertical (or near vertical) lines have a big slope: </a:t>
+                </a:r>
+                <a14:m>
+                  <m:oMath xmlns:m="http://schemas.openxmlformats.org/officeDocument/2006/math">
+                    <m:r>
+                      <a:rPr lang="en-US" b="0" i="1" smtClean="0">
+                        <a:latin typeface="Cambria Math"/>
+                      </a:rPr>
+                      <m:t>𝑚</m:t>
+                    </m:r>
+                    <m:r>
+                      <a:rPr lang="en-US" b="0" i="1" smtClean="0">
+                        <a:latin typeface="Cambria Math"/>
+                      </a:rPr>
+                      <m:t>→∞</m:t>
+                    </m:r>
+                  </m:oMath>
+                </a14:m>
+                <a:r>
+                  <a:rPr lang="en-US" dirty="0"/>
+                  <a:t>. This causes the accumulator table to be very big in </a:t>
+                </a:r>
+                <a14:m>
+                  <m:oMath xmlns:m="http://schemas.openxmlformats.org/officeDocument/2006/math">
+                    <m:r>
+                      <a:rPr lang="en-US" b="0" i="1" smtClean="0">
+                        <a:latin typeface="Cambria Math"/>
+                      </a:rPr>
+                      <m:t>𝑚</m:t>
+                    </m:r>
+                  </m:oMath>
+                </a14:m>
+                <a:r>
+                  <a:rPr lang="en-US" dirty="0"/>
+                  <a:t> direction.</a:t>
+                </a:r>
+              </a:p>
+              <a:p>
+                <a:r>
+                  <a:rPr lang="en-US" dirty="0"/>
+                  <a:t>A solution is to give a </a:t>
+                </a:r>
+                <a:r>
+                  <a:rPr lang="en-US" b="1" dirty="0"/>
+                  <a:t>different parameterization to lines</a:t>
+                </a:r>
+                <a:r>
+                  <a:rPr lang="en-US" dirty="0"/>
+                  <a:t>:</a:t>
+                </a:r>
+              </a:p>
+              <a:p>
+                <a:endParaRPr lang="en-US" dirty="0"/>
+              </a:p>
+            </p:txBody>
+          </p:sp>
+        </mc:Choice>
+        <mc:Fallback xmlns="">
+          <p:sp>
+            <p:nvSpPr>
+              <p:cNvPr id="3" name="Content Placeholder 2"/>
+              <p:cNvSpPr>
+                <a:spLocks noGrp="1" noRot="1" noChangeAspect="1" noMove="1" noResize="1" noEditPoints="1" noAdjustHandles="1" noChangeArrowheads="1" noChangeShapeType="1" noTextEdit="1"/>
+              </p:cNvSpPr>
+              <p:nvPr>
+                <p:ph idx="1"/>
+              </p:nvPr>
+            </p:nvSpPr>
+            <p:spPr>
+              <a:blipFill rotWithShape="1">
+                <a:blip r:embed="rId3"/>
+                <a:stretch>
+                  <a:fillRect l="-879" t="-959"/>
+                </a:stretch>
+              </a:blipFill>
+            </p:spPr>
+            <p:txBody>
+              <a:bodyPr/>
+              <a:lstStyle/>
+              <a:p>
+                <a:r>
+                  <a:rPr lang="en-US">
+                    <a:noFill/>
+                  </a:rPr>
+                  <a:t> </a:t>
+                </a:r>
+              </a:p>
+            </p:txBody>
+          </p:sp>
+        </mc:Fallback>
+      </mc:AlternateContent>
+      <p:sp>
+        <p:nvSpPr>
+          <p:cNvPr id="5" name="Triangle"/>
+          <p:cNvSpPr/>
+          <p:nvPr/>
+        </p:nvSpPr>
+        <p:spPr>
+          <a:xfrm>
+            <a:off x="9173735" y="2625725"/>
+            <a:ext cx="1427661" cy="1427661"/>
+          </a:xfrm>
+          <a:custGeom>
+            <a:avLst/>
+            <a:gdLst/>
+            <a:ahLst/>
+            <a:cxnLst>
+              <a:cxn ang="0">
+                <a:pos x="wd2" y="hd2"/>
+              </a:cxn>
+              <a:cxn ang="5400000">
+                <a:pos x="wd2" y="hd2"/>
+              </a:cxn>
+              <a:cxn ang="10800000">
+                <a:pos x="wd2" y="hd2"/>
+              </a:cxn>
+              <a:cxn ang="16200000">
+                <a:pos x="wd2" y="hd2"/>
+              </a:cxn>
+            </a:cxnLst>
+            <a:rect l="0" t="0" r="r" b="b"/>
+            <a:pathLst>
+              <a:path w="21600" h="21600" extrusionOk="0">
+                <a:moveTo>
+                  <a:pt x="0" y="0"/>
+                </a:moveTo>
+                <a:lnTo>
+                  <a:pt x="0" y="21600"/>
+                </a:lnTo>
+                <a:lnTo>
+                  <a:pt x="21600" y="21600"/>
+                </a:lnTo>
+                <a:close/>
+              </a:path>
+            </a:pathLst>
+          </a:custGeom>
+          <a:ln w="25400">
+            <a:solidFill>
+              <a:srgbClr val="85888D"/>
+            </a:solidFill>
+            <a:miter lim="400000"/>
+          </a:ln>
+        </p:spPr>
+        <p:txBody>
+          <a:bodyPr lIns="50800" tIns="50800" rIns="50800" bIns="50800" anchor="ctr"/>
+          <a:lstStyle/>
+          <a:p>
+            <a:pPr>
+              <a:defRPr sz="2400"/>
+            </a:pPr>
+            <a:endParaRPr/>
+          </a:p>
+        </p:txBody>
+      </p:sp>
+      <p:pic>
+        <p:nvPicPr>
+          <p:cNvPr id="7" name="latex-image-6.pdf" descr="latex-image-6.pdf"/>
+          <p:cNvPicPr>
+            <a:picLocks noChangeAspect="1"/>
+          </p:cNvPicPr>
+          <p:nvPr/>
+        </p:nvPicPr>
+        <p:blipFill>
+          <a:blip r:embed="rId4"/>
+          <a:stretch>
+            <a:fillRect/>
+          </a:stretch>
+        </p:blipFill>
+        <p:spPr>
+          <a:xfrm>
+            <a:off x="8934450" y="2450443"/>
+            <a:ext cx="127000" cy="235858"/>
+          </a:xfrm>
+          <a:prstGeom prst="rect">
+            <a:avLst/>
+          </a:prstGeom>
+          <a:ln w="12700">
+            <a:miter lim="400000"/>
+          </a:ln>
+        </p:spPr>
+      </p:pic>
+      <p:sp>
+        <p:nvSpPr>
+          <p:cNvPr id="8" name="Line"/>
+          <p:cNvSpPr/>
+          <p:nvPr/>
+        </p:nvSpPr>
+        <p:spPr>
+          <a:xfrm>
+            <a:off x="9163888" y="4060825"/>
+            <a:ext cx="1725491" cy="0"/>
+          </a:xfrm>
+          <a:prstGeom prst="line">
+            <a:avLst/>
+          </a:prstGeom>
+          <a:ln w="25400">
+            <a:solidFill>
+              <a:srgbClr val="000000"/>
+            </a:solidFill>
+            <a:miter lim="400000"/>
+            <a:tailEnd type="triangle"/>
+          </a:ln>
+        </p:spPr>
+        <p:txBody>
+          <a:bodyPr lIns="50800" tIns="50800" rIns="50800" bIns="50800" anchor="ctr"/>
+          <a:lstStyle/>
+          <a:p>
+            <a:pPr>
+              <a:defRPr sz="2400"/>
+            </a:pPr>
+            <a:endParaRPr/>
+          </a:p>
+        </p:txBody>
+      </p:sp>
+      <p:sp>
+        <p:nvSpPr>
+          <p:cNvPr id="9" name="Line"/>
+          <p:cNvSpPr/>
+          <p:nvPr/>
+        </p:nvSpPr>
+        <p:spPr>
+          <a:xfrm flipV="1">
+            <a:off x="9176588" y="2347141"/>
+            <a:ext cx="1" cy="1712868"/>
+          </a:xfrm>
+          <a:prstGeom prst="line">
+            <a:avLst/>
+          </a:prstGeom>
+          <a:ln w="25400">
+            <a:solidFill>
+              <a:srgbClr val="000000"/>
+            </a:solidFill>
+            <a:miter lim="400000"/>
+            <a:tailEnd type="triangle"/>
+          </a:ln>
+        </p:spPr>
+        <p:txBody>
+          <a:bodyPr lIns="50800" tIns="50800" rIns="50800" bIns="50800" anchor="ctr"/>
+          <a:lstStyle/>
+          <a:p>
+            <a:pPr>
+              <a:defRPr sz="2400"/>
+            </a:pPr>
+            <a:endParaRPr/>
+          </a:p>
+        </p:txBody>
+      </p:sp>
+      <p:sp>
+        <p:nvSpPr>
+          <p:cNvPr id="10" name="Line"/>
+          <p:cNvSpPr/>
+          <p:nvPr/>
+        </p:nvSpPr>
+        <p:spPr>
+          <a:xfrm flipV="1">
+            <a:off x="9194051" y="3359312"/>
+            <a:ext cx="688813" cy="688813"/>
+          </a:xfrm>
+          <a:prstGeom prst="line">
+            <a:avLst/>
+          </a:prstGeom>
+          <a:ln w="25400">
+            <a:solidFill>
+              <a:srgbClr val="000000"/>
+            </a:solidFill>
+            <a:miter lim="400000"/>
+            <a:tailEnd type="triangle"/>
+          </a:ln>
+        </p:spPr>
+        <p:txBody>
+          <a:bodyPr lIns="50800" tIns="50800" rIns="50800" bIns="50800" anchor="ctr"/>
+          <a:lstStyle/>
+          <a:p>
+            <a:pPr>
+              <a:defRPr sz="2400"/>
+            </a:pPr>
+            <a:endParaRPr/>
+          </a:p>
+        </p:txBody>
+      </p:sp>
+      <p:pic>
+        <p:nvPicPr>
+          <p:cNvPr id="11" name="latex-image-9.pdf" descr="latex-image-9.pdf"/>
+          <p:cNvPicPr>
+            <a:picLocks noChangeAspect="1"/>
+          </p:cNvPicPr>
+          <p:nvPr/>
+        </p:nvPicPr>
+        <p:blipFill>
+          <a:blip r:embed="rId5"/>
+          <a:stretch>
+            <a:fillRect/>
+          </a:stretch>
+        </p:blipFill>
+        <p:spPr>
+          <a:xfrm>
+            <a:off x="9472613" y="3802954"/>
+            <a:ext cx="122709" cy="207071"/>
+          </a:xfrm>
+          <a:prstGeom prst="rect">
+            <a:avLst/>
+          </a:prstGeom>
+          <a:ln w="12700">
+            <a:miter lim="400000"/>
+          </a:ln>
+        </p:spPr>
+      </p:pic>
+      <p:pic>
+        <p:nvPicPr>
+          <p:cNvPr id="12" name="latex-image-10.pdf" descr="latex-image-10.pdf"/>
+          <p:cNvPicPr>
+            <a:picLocks noChangeAspect="1"/>
+          </p:cNvPicPr>
+          <p:nvPr/>
+        </p:nvPicPr>
+        <p:blipFill>
+          <a:blip r:embed="rId6"/>
+          <a:stretch>
+            <a:fillRect/>
+          </a:stretch>
+        </p:blipFill>
+        <p:spPr>
+          <a:xfrm>
+            <a:off x="9485313" y="3333097"/>
+            <a:ext cx="178772" cy="248295"/>
+          </a:xfrm>
+          <a:prstGeom prst="rect">
+            <a:avLst/>
+          </a:prstGeom>
+          <a:ln w="12700">
+            <a:miter lim="400000"/>
+          </a:ln>
+        </p:spPr>
+      </p:pic>
+      <p:pic>
+        <p:nvPicPr>
+          <p:cNvPr id="13" name="latex-image-9.pdf" descr="latex-image-9.pdf"/>
+          <p:cNvPicPr>
+            <a:picLocks noChangeAspect="1"/>
+          </p:cNvPicPr>
+          <p:nvPr/>
+        </p:nvPicPr>
+        <p:blipFill>
+          <a:blip r:embed="rId5"/>
+          <a:stretch>
+            <a:fillRect/>
+          </a:stretch>
+        </p:blipFill>
+        <p:spPr>
+          <a:xfrm>
+            <a:off x="9218613" y="2825054"/>
+            <a:ext cx="122709" cy="207071"/>
+          </a:xfrm>
+          <a:prstGeom prst="rect">
+            <a:avLst/>
+          </a:prstGeom>
+          <a:ln w="12700">
+            <a:miter lim="400000"/>
+          </a:ln>
+        </p:spPr>
+      </p:pic>
+      <p:sp>
+        <p:nvSpPr>
+          <p:cNvPr id="14" name="Connection Line"/>
+          <p:cNvSpPr/>
+          <p:nvPr/>
+        </p:nvSpPr>
+        <p:spPr>
+          <a:xfrm>
+            <a:off x="9551966" y="3704291"/>
+            <a:ext cx="161561" cy="365325"/>
+          </a:xfrm>
+          <a:custGeom>
+            <a:avLst/>
+            <a:gdLst/>
+            <a:ahLst/>
+            <a:cxnLst>
+              <a:cxn ang="0">
+                <a:pos x="wd2" y="hd2"/>
+              </a:cxn>
+              <a:cxn ang="5400000">
+                <a:pos x="wd2" y="hd2"/>
+              </a:cxn>
+              <a:cxn ang="10800000">
+                <a:pos x="wd2" y="hd2"/>
+              </a:cxn>
+              <a:cxn ang="16200000">
+                <a:pos x="wd2" y="hd2"/>
+              </a:cxn>
+            </a:cxnLst>
+            <a:rect l="0" t="0" r="r" b="b"/>
+            <a:pathLst>
+              <a:path w="17356" h="21600" extrusionOk="0">
+                <a:moveTo>
+                  <a:pt x="0" y="0"/>
+                </a:moveTo>
+                <a:cubicBezTo>
+                  <a:pt x="17170" y="4716"/>
+                  <a:pt x="21600" y="11916"/>
+                  <a:pt x="13291" y="21600"/>
+                </a:cubicBezTo>
+              </a:path>
+            </a:pathLst>
+          </a:custGeom>
+          <a:ln w="12700">
+            <a:solidFill>
+              <a:srgbClr val="000000"/>
+            </a:solidFill>
+            <a:miter lim="400000"/>
+          </a:ln>
+        </p:spPr>
+        <p:txBody>
+          <a:bodyPr/>
+          <a:lstStyle/>
+          <a:p>
+            <a:endParaRPr/>
+          </a:p>
+        </p:txBody>
+      </p:sp>
+      <p:sp>
+        <p:nvSpPr>
+          <p:cNvPr id="15" name="Connection Line"/>
+          <p:cNvSpPr/>
+          <p:nvPr/>
+        </p:nvSpPr>
+        <p:spPr>
+          <a:xfrm>
+            <a:off x="9183695" y="2925085"/>
+            <a:ext cx="268239" cy="175523"/>
+          </a:xfrm>
+          <a:custGeom>
+            <a:avLst/>
+            <a:gdLst/>
+            <a:ahLst/>
+            <a:cxnLst>
+              <a:cxn ang="0">
+                <a:pos x="wd2" y="hd2"/>
+              </a:cxn>
+              <a:cxn ang="5400000">
+                <a:pos x="wd2" y="hd2"/>
+              </a:cxn>
+              <a:cxn ang="10800000">
+                <a:pos x="wd2" y="hd2"/>
+              </a:cxn>
+              <a:cxn ang="16200000">
+                <a:pos x="wd2" y="hd2"/>
+              </a:cxn>
+            </a:cxnLst>
+            <a:rect l="0" t="0" r="r" b="b"/>
+            <a:pathLst>
+              <a:path w="21600" h="18029" extrusionOk="0">
+                <a:moveTo>
+                  <a:pt x="21600" y="0"/>
+                </a:moveTo>
+                <a:cubicBezTo>
+                  <a:pt x="19502" y="16382"/>
+                  <a:pt x="12302" y="21600"/>
+                  <a:pt x="0" y="15654"/>
+                </a:cubicBezTo>
+              </a:path>
+            </a:pathLst>
+          </a:custGeom>
+          <a:ln w="12700">
+            <a:solidFill>
+              <a:srgbClr val="000000"/>
+            </a:solidFill>
+            <a:miter lim="400000"/>
+          </a:ln>
+        </p:spPr>
+        <p:txBody>
+          <a:bodyPr/>
+          <a:lstStyle/>
+          <a:p>
+            <a:endParaRPr/>
+          </a:p>
+        </p:txBody>
+      </p:sp>
+      <p:pic>
+        <p:nvPicPr>
+          <p:cNvPr id="2052" name="Picture 4" descr="https://latex.codecogs.com/gif.latex?%5Cdpi%7B300%7D%20%5C%5C%20y%3Dmx&amp;plus;b%5C%5C%20%5Cxrightarrow%7Bx%3D0%7Dy%3Db%5C%5C%20%5Cxrightarrow%7By%3D0%7Dx%3D-%5Cfrac%7Bb%7D%7Bm%7D%5C%5C%20%5Cfrac%7B%5Cfrac%7B-b%7D%7Bm%7D%7D%7Bb%7D%3D-%5Cfrac%7B1%7D%7Bm%7D%3Dtg%5Ctheta%5Crightarrow%20m%3D-%5Cfrac%7B1%7D%7Btg%5Ctheta%7D%3D-%5Cfrac%7Bcos%5Ctheta%7D%7Bsin%5Ctheta%7D%20%5C%5C%20%5Cfrac%7B%5Crho%7D%7Bb%7D%3Dsin%5Ctheta%5Crightarrow%20b%3D%5Cfrac%7B%5Crho%7D%7Bsin%5Ctheta%7D%20%5C%5C%20y%3Dmx&amp;plus;b%5Crightarrow%20y%3D-%5Cfrac%7Bcos%5Ctheta%7D%7Bsin%5Ctheta%7Dx&amp;plus;%5Cfrac%7B%5Crho%7D%7Bsin%5Ctheta%7D%20%5Crightarrow%20xcos%5Ctheta%20&amp;plus;ysin%5Ctheta%20%3D%20%5Crho"/>
+          <p:cNvPicPr>
+            <a:picLocks noChangeAspect="1" noChangeArrowheads="1"/>
+          </p:cNvPicPr>
+          <p:nvPr/>
+        </p:nvPicPr>
+        <p:blipFill>
+          <a:blip r:embed="rId7">
+            <a:extLst>
+              <a:ext uri="{28A0092B-C50C-407E-A947-70E740481C1C}">
+                <a14:useLocalDpi xmlns:a14="http://schemas.microsoft.com/office/drawing/2010/main" val="0"/>
+              </a:ext>
+            </a:extLst>
+          </a:blip>
+          <a:srcRect/>
+          <a:stretch>
+            <a:fillRect/>
+          </a:stretch>
+        </p:blipFill>
+        <p:spPr bwMode="auto">
+          <a:xfrm>
+            <a:off x="556462" y="2200274"/>
+            <a:ext cx="10044934" cy="4548493"/>
+          </a:xfrm>
+          <a:prstGeom prst="rect">
+            <a:avLst/>
+          </a:prstGeom>
+          <a:noFill/>
+          <a:extLst>
+            <a:ext uri="{909E8E84-426E-40DD-AFC4-6F175D3DCCD1}">
+              <a14:hiddenFill xmlns:a14="http://schemas.microsoft.com/office/drawing/2010/main">
+                <a:solidFill>
+                  <a:srgbClr val="FFFFFF"/>
+                </a:solidFill>
+              </a14:hiddenFill>
+            </a:ext>
+          </a:extLst>
+        </p:spPr>
+      </p:pic>
+      <p:pic>
+        <p:nvPicPr>
+          <p:cNvPr id="18" name="Picture 4" descr="https://latex.codecogs.com/gif.latex?%5Cdpi%7B300%7D%20%5C%5C%20y%3Dmx&amp;plus;b%5C%5C%20%5Cxrightarrow%7Bx%3D0%7Dy%3Db%5C%5C%20%5Cxrightarrow%7By%3D0%7Dx%3D-%5Cfrac%7Bb%7D%7Bm%7D%5C%5C%20%5Cfrac%7B%5Cfrac%7B-b%7D%7Bm%7D%7D%7Bb%7D%3D-%5Cfrac%7B1%7D%7Bm%7D%3Dtg%5Ctheta%5Crightarrow%20m%3D-%5Cfrac%7B1%7D%7Btg%5Ctheta%7D%3D-%5Cfrac%7Bcos%5Ctheta%7D%7Bsin%5Ctheta%7D%20%5C%5C%20%5Cfrac%7B%5Crho%7D%7Bb%7D%3Dsin%5Ctheta%5Crightarrow%20b%3D%5Cfrac%7B%5Crho%7D%7Bsin%5Ctheta%7D%20%5C%5C%20y%3Dmx&amp;plus;b%5Crightarrow%20y%3D-%5Cfrac%7Bcos%5Ctheta%7D%7Bsin%5Ctheta%7Dx&amp;plus;%5Cfrac%7B%5Crho%7D%7Bsin%5Ctheta%7D%20%5Crightarrow%20xcos%5Ctheta%20&amp;plus;ysin%5Ctheta%20%3D%20%5Crho"/>
+          <p:cNvPicPr>
+            <a:picLocks noChangeAspect="1" noChangeArrowheads="1"/>
+          </p:cNvPicPr>
+          <p:nvPr/>
+        </p:nvPicPr>
+        <p:blipFill rotWithShape="1">
+          <a:blip r:embed="rId7">
+            <a:extLst>
+              <a:ext uri="{28A0092B-C50C-407E-A947-70E740481C1C}">
+                <a14:useLocalDpi xmlns:a14="http://schemas.microsoft.com/office/drawing/2010/main" val="0"/>
+              </a:ext>
+            </a:extLst>
+          </a:blip>
+          <a:srcRect l="16363" t="19825" r="75525" b="57691"/>
+          <a:stretch/>
+        </p:blipFill>
+        <p:spPr bwMode="auto">
+          <a:xfrm>
+            <a:off x="10301608" y="4069616"/>
+            <a:ext cx="599575" cy="752484"/>
+          </a:xfrm>
+          <a:prstGeom prst="rect">
+            <a:avLst/>
+          </a:prstGeom>
+          <a:noFill/>
+          <a:extLst>
+            <a:ext uri="{909E8E84-426E-40DD-AFC4-6F175D3DCCD1}">
+              <a14:hiddenFill xmlns:a14="http://schemas.microsoft.com/office/drawing/2010/main">
+                <a:solidFill>
+                  <a:srgbClr val="FFFFFF"/>
+                </a:solidFill>
+              </a14:hiddenFill>
+            </a:ext>
+          </a:extLst>
+        </p:spPr>
+      </p:pic>
+      <p:sp>
+        <p:nvSpPr>
+          <p:cNvPr id="4" name="Rectangle 3"/>
+          <p:cNvSpPr/>
+          <p:nvPr/>
+        </p:nvSpPr>
+        <p:spPr>
+          <a:xfrm rot="2546264">
+            <a:off x="9678362" y="3325254"/>
+            <a:ext cx="297067" cy="201333"/>
+          </a:xfrm>
+          <a:prstGeom prst="rect">
+            <a:avLst/>
+          </a:prstGeom>
+          <a:noFill/>
+          <a:ln w="6350">
+            <a:solidFill>
+              <a:schemeClr val="tx1"/>
+            </a:solidFill>
+          </a:ln>
+        </p:spPr>
+        <p:style>
+          <a:lnRef idx="2">
+            <a:schemeClr val="accent1">
+              <a:shade val="50000"/>
+            </a:schemeClr>
+          </a:lnRef>
+          <a:fillRef idx="1">
+            <a:schemeClr val="accent1"/>
+          </a:fillRef>
+          <a:effectRef idx="0">
+            <a:schemeClr val="accent1"/>
+          </a:effectRef>
+          <a:fontRef idx="minor">
+            <a:schemeClr val="lt1"/>
+          </a:fontRef>
+        </p:style>
+        <p:txBody>
+          <a:bodyPr rtlCol="0" anchor="ctr"/>
+          <a:lstStyle/>
+          <a:p>
+            <a:pPr algn="ctr"/>
+            <a:endParaRPr lang="en-US"/>
+          </a:p>
+        </p:txBody>
+      </p:sp>
+      <p:sp>
+        <p:nvSpPr>
+          <p:cNvPr id="20" name="Rectangle 19"/>
+          <p:cNvSpPr/>
+          <p:nvPr/>
+        </p:nvSpPr>
+        <p:spPr>
+          <a:xfrm>
+            <a:off x="9173735" y="3846792"/>
+            <a:ext cx="195871" cy="201333"/>
+          </a:xfrm>
+          <a:prstGeom prst="rect">
+            <a:avLst/>
+          </a:prstGeom>
+          <a:noFill/>
+          <a:ln w="6350">
+            <a:solidFill>
+              <a:schemeClr val="tx1"/>
+            </a:solidFill>
+          </a:ln>
+        </p:spPr>
+        <p:style>
+          <a:lnRef idx="2">
+            <a:schemeClr val="accent1">
+              <a:shade val="50000"/>
+            </a:schemeClr>
+          </a:lnRef>
+          <a:fillRef idx="1">
+            <a:schemeClr val="accent1"/>
+          </a:fillRef>
+          <a:effectRef idx="0">
+            <a:schemeClr val="accent1"/>
+          </a:effectRef>
+          <a:fontRef idx="minor">
+            <a:schemeClr val="lt1"/>
+          </a:fontRef>
+        </p:style>
+        <p:txBody>
+          <a:bodyPr rtlCol="0" anchor="ctr"/>
+          <a:lstStyle/>
+          <a:p>
+            <a:pPr algn="ctr"/>
+            <a:endParaRPr lang="en-US"/>
+          </a:p>
+        </p:txBody>
+      </p:sp>
+      <p:sp>
+        <p:nvSpPr>
+          <p:cNvPr id="22" name="Rectangle: Rounded Corners 7">
+            <a:extLst>
+              <a:ext uri="{FF2B5EF4-FFF2-40B4-BE49-F238E27FC236}">
+                <a16:creationId xmlns:a16="http://schemas.microsoft.com/office/drawing/2014/main" id="{89656513-9083-47D3-8D44-E43743BD2C33}"/>
+              </a:ext>
+            </a:extLst>
+          </p:cNvPr>
+          <p:cNvSpPr/>
+          <p:nvPr/>
+        </p:nvSpPr>
+        <p:spPr>
+          <a:xfrm>
+            <a:off x="7305675" y="6038850"/>
+            <a:ext cx="3583704" cy="681342"/>
+          </a:xfrm>
+          <a:prstGeom prst="roundRect">
+            <a:avLst/>
+          </a:prstGeom>
+          <a:noFill/>
+        </p:spPr>
+        <p:style>
+          <a:lnRef idx="2">
+            <a:schemeClr val="accent1">
+              <a:shade val="50000"/>
+            </a:schemeClr>
+          </a:lnRef>
+          <a:fillRef idx="1">
+            <a:schemeClr val="accent1"/>
+          </a:fillRef>
+          <a:effectRef idx="0">
+            <a:schemeClr val="accent1"/>
+          </a:effectRef>
+          <a:fontRef idx="minor">
+            <a:schemeClr val="lt1"/>
+          </a:fontRef>
+        </p:style>
+        <p:txBody>
+          <a:bodyPr rtlCol="0" anchor="ctr"/>
+          <a:lstStyle/>
+          <a:p>
+            <a:pPr algn="ctr"/>
+            <a:endParaRPr lang="en-US"/>
+          </a:p>
+        </p:txBody>
+      </p:sp>
+      <p:sp>
+        <p:nvSpPr>
+          <p:cNvPr id="19" name="Rectangle 18">
+            <a:extLst>
+              <a:ext uri="{FF2B5EF4-FFF2-40B4-BE49-F238E27FC236}">
+                <a16:creationId xmlns:a16="http://schemas.microsoft.com/office/drawing/2014/main" id="{601B361A-666D-4F49-8F65-CCD8395CF5E9}"/>
+              </a:ext>
+            </a:extLst>
+          </p:cNvPr>
+          <p:cNvSpPr/>
+          <p:nvPr/>
+        </p:nvSpPr>
+        <p:spPr>
+          <a:xfrm>
+            <a:off x="0" y="5870576"/>
+            <a:ext cx="12191999" cy="987421"/>
+          </a:xfrm>
+          <a:prstGeom prst="rect">
+            <a:avLst/>
+          </a:prstGeom>
+          <a:solidFill>
+            <a:schemeClr val="bg1"/>
+          </a:solidFill>
+          <a:ln>
+            <a:solidFill>
+              <a:schemeClr val="bg1"/>
+            </a:solidFill>
+          </a:ln>
+        </p:spPr>
+        <p:style>
+          <a:lnRef idx="2">
+            <a:schemeClr val="accent1">
+              <a:shade val="50000"/>
+            </a:schemeClr>
+          </a:lnRef>
+          <a:fillRef idx="1">
+            <a:schemeClr val="accent1"/>
+          </a:fillRef>
+          <a:effectRef idx="0">
+            <a:schemeClr val="accent1"/>
+          </a:effectRef>
+          <a:fontRef idx="minor">
+            <a:schemeClr val="lt1"/>
+          </a:fontRef>
+        </p:style>
+        <p:txBody>
+          <a:bodyPr rtlCol="0" anchor="ctr"/>
+          <a:lstStyle/>
+          <a:p>
+            <a:pPr algn="ctr"/>
+            <a:endParaRPr lang="en-US"/>
+          </a:p>
+        </p:txBody>
+      </p:sp>
+    </p:spTree>
+    <p:extLst>
+      <p:ext uri="{BB962C8B-B14F-4D97-AF65-F5344CB8AC3E}">
+        <p14:creationId xmlns:p14="http://schemas.microsoft.com/office/powerpoint/2010/main" val="3337344559"/>
+      </p:ext>
+    </p:extLst>
+  </p:cSld>
+  <p:clrMapOvr>
+    <a:masterClrMapping/>
+  </p:clrMapOvr>
+</p:sld>
+</file>
+
+<file path=ppt/slides/slide34.xml><?xml version="1.0" encoding="utf-8"?>
+<p:sld xmlns:a="http://schemas.openxmlformats.org/drawingml/2006/main" xmlns:r="http://schemas.openxmlformats.org/officeDocument/2006/relationships" xmlns:p="http://schemas.openxmlformats.org/presentationml/2006/main">
+  <p:cSld>
+    <p:spTree>
+      <p:nvGrpSpPr>
+        <p:cNvPr id="1" name=""/>
+        <p:cNvGrpSpPr/>
+        <p:nvPr/>
+      </p:nvGrpSpPr>
+      <p:grpSpPr>
+        <a:xfrm>
+          <a:off x="0" y="0"/>
+          <a:ext cx="0" cy="0"/>
+          <a:chOff x="0" y="0"/>
+          <a:chExt cx="0" cy="0"/>
+        </a:xfrm>
+      </p:grpSpPr>
+      <p:sp>
+        <p:nvSpPr>
+          <p:cNvPr id="2" name="Title 1"/>
+          <p:cNvSpPr>
+            <a:spLocks noGrp="1"/>
+          </p:cNvSpPr>
+          <p:nvPr>
+            <p:ph type="title"/>
+          </p:nvPr>
+        </p:nvSpPr>
+        <p:spPr/>
+        <p:txBody>
+          <a:bodyPr/>
+          <a:lstStyle/>
+          <a:p>
+            <a:r>
+              <a:rPr lang="en-US" dirty="0"/>
+              <a:t>Problem 1: vertical line detection</a:t>
+            </a:r>
+          </a:p>
+        </p:txBody>
+      </p:sp>
+      <mc:AlternateContent xmlns:mc="http://schemas.openxmlformats.org/markup-compatibility/2006" xmlns:a14="http://schemas.microsoft.com/office/drawing/2010/main">
+        <mc:Choice Requires="a14">
+          <p:sp>
+            <p:nvSpPr>
+              <p:cNvPr id="3" name="Content Placeholder 2"/>
+              <p:cNvSpPr>
+                <a:spLocks noGrp="1"/>
+              </p:cNvSpPr>
+              <p:nvPr>
+                <p:ph idx="1"/>
+              </p:nvPr>
+            </p:nvSpPr>
+            <p:spPr/>
+            <p:txBody>
+              <a:bodyPr/>
+              <a:lstStyle/>
+              <a:p>
+                <a:r>
+                  <a:rPr lang="en-US" dirty="0"/>
+                  <a:t>Vertical (or near vertical) lines have a big slope: </a:t>
+                </a:r>
+                <a14:m>
+                  <m:oMath xmlns:m="http://schemas.openxmlformats.org/officeDocument/2006/math">
+                    <m:r>
+                      <a:rPr lang="en-US" b="0" i="1" smtClean="0">
+                        <a:latin typeface="Cambria Math"/>
+                      </a:rPr>
+                      <m:t>𝑚</m:t>
+                    </m:r>
+                    <m:r>
+                      <a:rPr lang="en-US" b="0" i="1" smtClean="0">
+                        <a:latin typeface="Cambria Math"/>
+                      </a:rPr>
+                      <m:t>→∞</m:t>
+                    </m:r>
+                  </m:oMath>
+                </a14:m>
+                <a:r>
+                  <a:rPr lang="en-US" dirty="0"/>
+                  <a:t>. This causes the accumulator table to be very big in </a:t>
+                </a:r>
+                <a14:m>
+                  <m:oMath xmlns:m="http://schemas.openxmlformats.org/officeDocument/2006/math">
+                    <m:r>
+                      <a:rPr lang="en-US" b="0" i="1" smtClean="0">
+                        <a:latin typeface="Cambria Math"/>
+                      </a:rPr>
+                      <m:t>𝑚</m:t>
+                    </m:r>
+                  </m:oMath>
+                </a14:m>
+                <a:r>
+                  <a:rPr lang="en-US" dirty="0"/>
+                  <a:t> direction.</a:t>
+                </a:r>
+              </a:p>
+              <a:p>
+                <a:r>
+                  <a:rPr lang="en-US" dirty="0"/>
+                  <a:t>A solution is to give a </a:t>
+                </a:r>
+                <a:r>
+                  <a:rPr lang="en-US" b="1" dirty="0"/>
+                  <a:t>different parameterization to lines</a:t>
+                </a:r>
+                <a:r>
+                  <a:rPr lang="en-US" dirty="0"/>
+                  <a:t>:</a:t>
+                </a:r>
+              </a:p>
+              <a:p>
+                <a:endParaRPr lang="en-US" dirty="0"/>
+              </a:p>
+            </p:txBody>
+          </p:sp>
+        </mc:Choice>
+        <mc:Fallback xmlns="">
+          <p:sp>
+            <p:nvSpPr>
+              <p:cNvPr id="3" name="Content Placeholder 2"/>
+              <p:cNvSpPr>
+                <a:spLocks noGrp="1" noRot="1" noChangeAspect="1" noMove="1" noResize="1" noEditPoints="1" noAdjustHandles="1" noChangeArrowheads="1" noChangeShapeType="1" noTextEdit="1"/>
+              </p:cNvSpPr>
+              <p:nvPr>
+                <p:ph idx="1"/>
+              </p:nvPr>
+            </p:nvSpPr>
+            <p:spPr>
+              <a:blipFill rotWithShape="1">
+                <a:blip r:embed="rId3"/>
+                <a:stretch>
+                  <a:fillRect l="-879" t="-959"/>
+                </a:stretch>
+              </a:blipFill>
+            </p:spPr>
+            <p:txBody>
+              <a:bodyPr/>
+              <a:lstStyle/>
+              <a:p>
+                <a:r>
+                  <a:rPr lang="en-US">
+                    <a:noFill/>
+                  </a:rPr>
+                  <a:t> </a:t>
+                </a:r>
+              </a:p>
+            </p:txBody>
+          </p:sp>
+        </mc:Fallback>
+      </mc:AlternateContent>
+      <p:sp>
+        <p:nvSpPr>
+          <p:cNvPr id="5" name="Triangle"/>
+          <p:cNvSpPr/>
+          <p:nvPr/>
+        </p:nvSpPr>
+        <p:spPr>
+          <a:xfrm>
+            <a:off x="9173735" y="2625725"/>
+            <a:ext cx="1427661" cy="1427661"/>
+          </a:xfrm>
+          <a:custGeom>
+            <a:avLst/>
+            <a:gdLst/>
+            <a:ahLst/>
+            <a:cxnLst>
+              <a:cxn ang="0">
+                <a:pos x="wd2" y="hd2"/>
+              </a:cxn>
+              <a:cxn ang="5400000">
+                <a:pos x="wd2" y="hd2"/>
+              </a:cxn>
+              <a:cxn ang="10800000">
+                <a:pos x="wd2" y="hd2"/>
+              </a:cxn>
+              <a:cxn ang="16200000">
+                <a:pos x="wd2" y="hd2"/>
+              </a:cxn>
+            </a:cxnLst>
+            <a:rect l="0" t="0" r="r" b="b"/>
+            <a:pathLst>
+              <a:path w="21600" h="21600" extrusionOk="0">
+                <a:moveTo>
+                  <a:pt x="0" y="0"/>
+                </a:moveTo>
+                <a:lnTo>
+                  <a:pt x="0" y="21600"/>
+                </a:lnTo>
+                <a:lnTo>
+                  <a:pt x="21600" y="21600"/>
+                </a:lnTo>
+                <a:close/>
+              </a:path>
+            </a:pathLst>
+          </a:custGeom>
+          <a:ln w="25400">
+            <a:solidFill>
+              <a:srgbClr val="85888D"/>
+            </a:solidFill>
+            <a:miter lim="400000"/>
+          </a:ln>
+        </p:spPr>
+        <p:txBody>
+          <a:bodyPr lIns="50800" tIns="50800" rIns="50800" bIns="50800" anchor="ctr"/>
+          <a:lstStyle/>
+          <a:p>
+            <a:pPr>
+              <a:defRPr sz="2400"/>
+            </a:pPr>
+            <a:endParaRPr/>
+          </a:p>
+        </p:txBody>
+      </p:sp>
+      <p:pic>
+        <p:nvPicPr>
+          <p:cNvPr id="7" name="latex-image-6.pdf" descr="latex-image-6.pdf"/>
+          <p:cNvPicPr>
+            <a:picLocks noChangeAspect="1"/>
+          </p:cNvPicPr>
+          <p:nvPr/>
+        </p:nvPicPr>
+        <p:blipFill>
+          <a:blip r:embed="rId4"/>
+          <a:stretch>
+            <a:fillRect/>
+          </a:stretch>
+        </p:blipFill>
+        <p:spPr>
+          <a:xfrm>
+            <a:off x="8934450" y="2450443"/>
+            <a:ext cx="127000" cy="235858"/>
+          </a:xfrm>
+          <a:prstGeom prst="rect">
+            <a:avLst/>
+          </a:prstGeom>
+          <a:ln w="12700">
+            <a:miter lim="400000"/>
+          </a:ln>
+        </p:spPr>
+      </p:pic>
+      <p:sp>
+        <p:nvSpPr>
+          <p:cNvPr id="8" name="Line"/>
+          <p:cNvSpPr/>
+          <p:nvPr/>
+        </p:nvSpPr>
+        <p:spPr>
+          <a:xfrm>
+            <a:off x="9163888" y="4060825"/>
+            <a:ext cx="1725491" cy="0"/>
+          </a:xfrm>
+          <a:prstGeom prst="line">
+            <a:avLst/>
+          </a:prstGeom>
+          <a:ln w="25400">
+            <a:solidFill>
+              <a:srgbClr val="000000"/>
+            </a:solidFill>
+            <a:miter lim="400000"/>
+            <a:tailEnd type="triangle"/>
+          </a:ln>
+        </p:spPr>
+        <p:txBody>
+          <a:bodyPr lIns="50800" tIns="50800" rIns="50800" bIns="50800" anchor="ctr"/>
+          <a:lstStyle/>
+          <a:p>
+            <a:pPr>
+              <a:defRPr sz="2400"/>
+            </a:pPr>
+            <a:endParaRPr/>
+          </a:p>
+        </p:txBody>
+      </p:sp>
+      <p:sp>
+        <p:nvSpPr>
+          <p:cNvPr id="9" name="Line"/>
+          <p:cNvSpPr/>
+          <p:nvPr/>
+        </p:nvSpPr>
+        <p:spPr>
+          <a:xfrm flipV="1">
+            <a:off x="9176588" y="2347141"/>
+            <a:ext cx="1" cy="1712868"/>
+          </a:xfrm>
+          <a:prstGeom prst="line">
+            <a:avLst/>
+          </a:prstGeom>
+          <a:ln w="25400">
+            <a:solidFill>
+              <a:srgbClr val="000000"/>
+            </a:solidFill>
+            <a:miter lim="400000"/>
+            <a:tailEnd type="triangle"/>
+          </a:ln>
+        </p:spPr>
+        <p:txBody>
+          <a:bodyPr lIns="50800" tIns="50800" rIns="50800" bIns="50800" anchor="ctr"/>
+          <a:lstStyle/>
+          <a:p>
+            <a:pPr>
+              <a:defRPr sz="2400"/>
+            </a:pPr>
+            <a:endParaRPr/>
+          </a:p>
+        </p:txBody>
+      </p:sp>
+      <p:sp>
+        <p:nvSpPr>
+          <p:cNvPr id="10" name="Line"/>
+          <p:cNvSpPr/>
+          <p:nvPr/>
+        </p:nvSpPr>
+        <p:spPr>
+          <a:xfrm flipV="1">
+            <a:off x="9194051" y="3359312"/>
+            <a:ext cx="688813" cy="688813"/>
+          </a:xfrm>
+          <a:prstGeom prst="line">
+            <a:avLst/>
+          </a:prstGeom>
+          <a:ln w="25400">
+            <a:solidFill>
+              <a:srgbClr val="000000"/>
+            </a:solidFill>
+            <a:miter lim="400000"/>
+            <a:tailEnd type="triangle"/>
+          </a:ln>
+        </p:spPr>
+        <p:txBody>
+          <a:bodyPr lIns="50800" tIns="50800" rIns="50800" bIns="50800" anchor="ctr"/>
+          <a:lstStyle/>
+          <a:p>
+            <a:pPr>
+              <a:defRPr sz="2400"/>
+            </a:pPr>
+            <a:endParaRPr/>
+          </a:p>
+        </p:txBody>
+      </p:sp>
+      <p:pic>
+        <p:nvPicPr>
+          <p:cNvPr id="11" name="latex-image-9.pdf" descr="latex-image-9.pdf"/>
+          <p:cNvPicPr>
+            <a:picLocks noChangeAspect="1"/>
+          </p:cNvPicPr>
+          <p:nvPr/>
+        </p:nvPicPr>
+        <p:blipFill>
+          <a:blip r:embed="rId5"/>
+          <a:stretch>
+            <a:fillRect/>
+          </a:stretch>
+        </p:blipFill>
+        <p:spPr>
+          <a:xfrm>
+            <a:off x="9472613" y="3802954"/>
+            <a:ext cx="122709" cy="207071"/>
+          </a:xfrm>
+          <a:prstGeom prst="rect">
+            <a:avLst/>
+          </a:prstGeom>
+          <a:ln w="12700">
+            <a:miter lim="400000"/>
+          </a:ln>
+        </p:spPr>
+      </p:pic>
+      <p:pic>
+        <p:nvPicPr>
+          <p:cNvPr id="12" name="latex-image-10.pdf" descr="latex-image-10.pdf"/>
+          <p:cNvPicPr>
+            <a:picLocks noChangeAspect="1"/>
+          </p:cNvPicPr>
+          <p:nvPr/>
+        </p:nvPicPr>
+        <p:blipFill>
+          <a:blip r:embed="rId6"/>
+          <a:stretch>
+            <a:fillRect/>
+          </a:stretch>
+        </p:blipFill>
+        <p:spPr>
+          <a:xfrm>
+            <a:off x="9485313" y="3333097"/>
+            <a:ext cx="178772" cy="248295"/>
+          </a:xfrm>
+          <a:prstGeom prst="rect">
+            <a:avLst/>
+          </a:prstGeom>
+          <a:ln w="12700">
+            <a:miter lim="400000"/>
+          </a:ln>
+        </p:spPr>
+      </p:pic>
+      <p:pic>
+        <p:nvPicPr>
+          <p:cNvPr id="13" name="latex-image-9.pdf" descr="latex-image-9.pdf"/>
+          <p:cNvPicPr>
+            <a:picLocks noChangeAspect="1"/>
+          </p:cNvPicPr>
+          <p:nvPr/>
+        </p:nvPicPr>
+        <p:blipFill>
+          <a:blip r:embed="rId5"/>
+          <a:stretch>
+            <a:fillRect/>
+          </a:stretch>
+        </p:blipFill>
+        <p:spPr>
+          <a:xfrm>
+            <a:off x="9218613" y="2825054"/>
+            <a:ext cx="122709" cy="207071"/>
+          </a:xfrm>
+          <a:prstGeom prst="rect">
+            <a:avLst/>
+          </a:prstGeom>
+          <a:ln w="12700">
+            <a:miter lim="400000"/>
+          </a:ln>
+        </p:spPr>
+      </p:pic>
+      <p:sp>
+        <p:nvSpPr>
+          <p:cNvPr id="14" name="Connection Line"/>
+          <p:cNvSpPr/>
+          <p:nvPr/>
+        </p:nvSpPr>
+        <p:spPr>
+          <a:xfrm>
+            <a:off x="9551966" y="3704291"/>
+            <a:ext cx="161561" cy="365325"/>
+          </a:xfrm>
+          <a:custGeom>
+            <a:avLst/>
+            <a:gdLst/>
+            <a:ahLst/>
+            <a:cxnLst>
+              <a:cxn ang="0">
+                <a:pos x="wd2" y="hd2"/>
+              </a:cxn>
+              <a:cxn ang="5400000">
+                <a:pos x="wd2" y="hd2"/>
+              </a:cxn>
+              <a:cxn ang="10800000">
+                <a:pos x="wd2" y="hd2"/>
+              </a:cxn>
+              <a:cxn ang="16200000">
+                <a:pos x="wd2" y="hd2"/>
+              </a:cxn>
+            </a:cxnLst>
+            <a:rect l="0" t="0" r="r" b="b"/>
+            <a:pathLst>
+              <a:path w="17356" h="21600" extrusionOk="0">
+                <a:moveTo>
+                  <a:pt x="0" y="0"/>
+                </a:moveTo>
+                <a:cubicBezTo>
+                  <a:pt x="17170" y="4716"/>
+                  <a:pt x="21600" y="11916"/>
+                  <a:pt x="13291" y="21600"/>
+                </a:cubicBezTo>
+              </a:path>
+            </a:pathLst>
+          </a:custGeom>
+          <a:ln w="12700">
+            <a:solidFill>
+              <a:srgbClr val="000000"/>
+            </a:solidFill>
+            <a:miter lim="400000"/>
+          </a:ln>
+        </p:spPr>
+        <p:txBody>
+          <a:bodyPr/>
+          <a:lstStyle/>
+          <a:p>
+            <a:endParaRPr/>
+          </a:p>
+        </p:txBody>
+      </p:sp>
+      <p:sp>
+        <p:nvSpPr>
+          <p:cNvPr id="15" name="Connection Line"/>
+          <p:cNvSpPr/>
+          <p:nvPr/>
+        </p:nvSpPr>
+        <p:spPr>
+          <a:xfrm>
+            <a:off x="9183695" y="2925085"/>
+            <a:ext cx="268239" cy="175523"/>
+          </a:xfrm>
+          <a:custGeom>
+            <a:avLst/>
+            <a:gdLst/>
+            <a:ahLst/>
+            <a:cxnLst>
+              <a:cxn ang="0">
+                <a:pos x="wd2" y="hd2"/>
+              </a:cxn>
+              <a:cxn ang="5400000">
+                <a:pos x="wd2" y="hd2"/>
+              </a:cxn>
+              <a:cxn ang="10800000">
+                <a:pos x="wd2" y="hd2"/>
+              </a:cxn>
+              <a:cxn ang="16200000">
+                <a:pos x="wd2" y="hd2"/>
+              </a:cxn>
+            </a:cxnLst>
+            <a:rect l="0" t="0" r="r" b="b"/>
+            <a:pathLst>
+              <a:path w="21600" h="18029" extrusionOk="0">
+                <a:moveTo>
+                  <a:pt x="21600" y="0"/>
+                </a:moveTo>
+                <a:cubicBezTo>
+                  <a:pt x="19502" y="16382"/>
+                  <a:pt x="12302" y="21600"/>
+                  <a:pt x="0" y="15654"/>
+                </a:cubicBezTo>
+              </a:path>
+            </a:pathLst>
+          </a:custGeom>
+          <a:ln w="12700">
+            <a:solidFill>
+              <a:srgbClr val="000000"/>
+            </a:solidFill>
+            <a:miter lim="400000"/>
+          </a:ln>
+        </p:spPr>
+        <p:txBody>
+          <a:bodyPr/>
+          <a:lstStyle/>
+          <a:p>
+            <a:endParaRPr/>
+          </a:p>
+        </p:txBody>
+      </p:sp>
+      <p:pic>
+        <p:nvPicPr>
+          <p:cNvPr id="2052" name="Picture 4" descr="https://latex.codecogs.com/gif.latex?%5Cdpi%7B300%7D%20%5C%5C%20y%3Dmx&amp;plus;b%5C%5C%20%5Cxrightarrow%7Bx%3D0%7Dy%3Db%5C%5C%20%5Cxrightarrow%7By%3D0%7Dx%3D-%5Cfrac%7Bb%7D%7Bm%7D%5C%5C%20%5Cfrac%7B%5Cfrac%7B-b%7D%7Bm%7D%7D%7Bb%7D%3D-%5Cfrac%7B1%7D%7Bm%7D%3Dtg%5Ctheta%5Crightarrow%20m%3D-%5Cfrac%7B1%7D%7Btg%5Ctheta%7D%3D-%5Cfrac%7Bcos%5Ctheta%7D%7Bsin%5Ctheta%7D%20%5C%5C%20%5Cfrac%7B%5Crho%7D%7Bb%7D%3Dsin%5Ctheta%5Crightarrow%20b%3D%5Cfrac%7B%5Crho%7D%7Bsin%5Ctheta%7D%20%5C%5C%20y%3Dmx&amp;plus;b%5Crightarrow%20y%3D-%5Cfrac%7Bcos%5Ctheta%7D%7Bsin%5Ctheta%7Dx&amp;plus;%5Cfrac%7B%5Crho%7D%7Bsin%5Ctheta%7D%20%5Crightarrow%20xcos%5Ctheta%20&amp;plus;ysin%5Ctheta%20%3D%20%5Crho"/>
+          <p:cNvPicPr>
+            <a:picLocks noChangeAspect="1" noChangeArrowheads="1"/>
+          </p:cNvPicPr>
+          <p:nvPr/>
+        </p:nvPicPr>
+        <p:blipFill>
+          <a:blip r:embed="rId7">
+            <a:extLst>
+              <a:ext uri="{28A0092B-C50C-407E-A947-70E740481C1C}">
+                <a14:useLocalDpi xmlns:a14="http://schemas.microsoft.com/office/drawing/2010/main" val="0"/>
+              </a:ext>
+            </a:extLst>
+          </a:blip>
+          <a:srcRect/>
+          <a:stretch>
+            <a:fillRect/>
+          </a:stretch>
+        </p:blipFill>
+        <p:spPr bwMode="auto">
+          <a:xfrm>
+            <a:off x="556462" y="2200274"/>
+            <a:ext cx="10044934" cy="4548493"/>
+          </a:xfrm>
+          <a:prstGeom prst="rect">
+            <a:avLst/>
+          </a:prstGeom>
+          <a:noFill/>
+          <a:extLst>
+            <a:ext uri="{909E8E84-426E-40DD-AFC4-6F175D3DCCD1}">
+              <a14:hiddenFill xmlns:a14="http://schemas.microsoft.com/office/drawing/2010/main">
+                <a:solidFill>
+                  <a:srgbClr val="FFFFFF"/>
+                </a:solidFill>
+              </a14:hiddenFill>
+            </a:ext>
+          </a:extLst>
+        </p:spPr>
+      </p:pic>
+      <p:pic>
+        <p:nvPicPr>
+          <p:cNvPr id="18" name="Picture 4" descr="https://latex.codecogs.com/gif.latex?%5Cdpi%7B300%7D%20%5C%5C%20y%3Dmx&amp;plus;b%5C%5C%20%5Cxrightarrow%7Bx%3D0%7Dy%3Db%5C%5C%20%5Cxrightarrow%7By%3D0%7Dx%3D-%5Cfrac%7Bb%7D%7Bm%7D%5C%5C%20%5Cfrac%7B%5Cfrac%7B-b%7D%7Bm%7D%7D%7Bb%7D%3D-%5Cfrac%7B1%7D%7Bm%7D%3Dtg%5Ctheta%5Crightarrow%20m%3D-%5Cfrac%7B1%7D%7Btg%5Ctheta%7D%3D-%5Cfrac%7Bcos%5Ctheta%7D%7Bsin%5Ctheta%7D%20%5C%5C%20%5Cfrac%7B%5Crho%7D%7Bb%7D%3Dsin%5Ctheta%5Crightarrow%20b%3D%5Cfrac%7B%5Crho%7D%7Bsin%5Ctheta%7D%20%5C%5C%20y%3Dmx&amp;plus;b%5Crightarrow%20y%3D-%5Cfrac%7Bcos%5Ctheta%7D%7Bsin%5Ctheta%7Dx&amp;plus;%5Cfrac%7B%5Crho%7D%7Bsin%5Ctheta%7D%20%5Crightarrow%20xcos%5Ctheta%20&amp;plus;ysin%5Ctheta%20%3D%20%5Crho"/>
+          <p:cNvPicPr>
+            <a:picLocks noChangeAspect="1" noChangeArrowheads="1"/>
+          </p:cNvPicPr>
+          <p:nvPr/>
+        </p:nvPicPr>
+        <p:blipFill rotWithShape="1">
+          <a:blip r:embed="rId7">
+            <a:extLst>
+              <a:ext uri="{28A0092B-C50C-407E-A947-70E740481C1C}">
+                <a14:useLocalDpi xmlns:a14="http://schemas.microsoft.com/office/drawing/2010/main" val="0"/>
+              </a:ext>
+            </a:extLst>
+          </a:blip>
+          <a:srcRect l="16363" t="19825" r="75525" b="57691"/>
+          <a:stretch/>
+        </p:blipFill>
+        <p:spPr bwMode="auto">
+          <a:xfrm>
+            <a:off x="10301608" y="4069616"/>
+            <a:ext cx="599575" cy="752484"/>
+          </a:xfrm>
+          <a:prstGeom prst="rect">
+            <a:avLst/>
+          </a:prstGeom>
+          <a:noFill/>
+          <a:extLst>
+            <a:ext uri="{909E8E84-426E-40DD-AFC4-6F175D3DCCD1}">
+              <a14:hiddenFill xmlns:a14="http://schemas.microsoft.com/office/drawing/2010/main">
+                <a:solidFill>
+                  <a:srgbClr val="FFFFFF"/>
+                </a:solidFill>
+              </a14:hiddenFill>
+            </a:ext>
+          </a:extLst>
+        </p:spPr>
+      </p:pic>
+      <p:sp>
+        <p:nvSpPr>
+          <p:cNvPr id="4" name="Rectangle 3"/>
+          <p:cNvSpPr/>
+          <p:nvPr/>
+        </p:nvSpPr>
+        <p:spPr>
+          <a:xfrm rot="2546264">
+            <a:off x="9678362" y="3325254"/>
+            <a:ext cx="297067" cy="201333"/>
+          </a:xfrm>
+          <a:prstGeom prst="rect">
+            <a:avLst/>
+          </a:prstGeom>
+          <a:noFill/>
+          <a:ln w="6350">
+            <a:solidFill>
+              <a:schemeClr val="tx1"/>
+            </a:solidFill>
+          </a:ln>
+        </p:spPr>
+        <p:style>
+          <a:lnRef idx="2">
+            <a:schemeClr val="accent1">
+              <a:shade val="50000"/>
+            </a:schemeClr>
+          </a:lnRef>
+          <a:fillRef idx="1">
+            <a:schemeClr val="accent1"/>
+          </a:fillRef>
+          <a:effectRef idx="0">
+            <a:schemeClr val="accent1"/>
+          </a:effectRef>
+          <a:fontRef idx="minor">
+            <a:schemeClr val="lt1"/>
+          </a:fontRef>
+        </p:style>
+        <p:txBody>
+          <a:bodyPr rtlCol="0" anchor="ctr"/>
+          <a:lstStyle/>
+          <a:p>
+            <a:pPr algn="ctr"/>
+            <a:endParaRPr lang="en-US"/>
+          </a:p>
+        </p:txBody>
+      </p:sp>
+      <p:sp>
+        <p:nvSpPr>
+          <p:cNvPr id="20" name="Rectangle 19"/>
+          <p:cNvSpPr/>
+          <p:nvPr/>
+        </p:nvSpPr>
+        <p:spPr>
+          <a:xfrm>
+            <a:off x="9173735" y="3846792"/>
+            <a:ext cx="195871" cy="201333"/>
+          </a:xfrm>
+          <a:prstGeom prst="rect">
+            <a:avLst/>
+          </a:prstGeom>
+          <a:noFill/>
+          <a:ln w="6350">
+            <a:solidFill>
+              <a:schemeClr val="tx1"/>
+            </a:solidFill>
+          </a:ln>
+        </p:spPr>
+        <p:style>
+          <a:lnRef idx="2">
+            <a:schemeClr val="accent1">
+              <a:shade val="50000"/>
+            </a:schemeClr>
+          </a:lnRef>
+          <a:fillRef idx="1">
+            <a:schemeClr val="accent1"/>
+          </a:fillRef>
+          <a:effectRef idx="0">
+            <a:schemeClr val="accent1"/>
+          </a:effectRef>
+          <a:fontRef idx="minor">
+            <a:schemeClr val="lt1"/>
+          </a:fontRef>
+        </p:style>
+        <p:txBody>
+          <a:bodyPr rtlCol="0" anchor="ctr"/>
+          <a:lstStyle/>
+          <a:p>
+            <a:pPr algn="ctr"/>
+            <a:endParaRPr lang="en-US"/>
+          </a:p>
+        </p:txBody>
+      </p:sp>
+      <p:sp>
+        <p:nvSpPr>
+          <p:cNvPr id="22" name="Rectangle: Rounded Corners 7">
+            <a:extLst>
+              <a:ext uri="{FF2B5EF4-FFF2-40B4-BE49-F238E27FC236}">
+                <a16:creationId xmlns:a16="http://schemas.microsoft.com/office/drawing/2014/main" id="{89656513-9083-47D3-8D44-E43743BD2C33}"/>
+              </a:ext>
+            </a:extLst>
+          </p:cNvPr>
+          <p:cNvSpPr/>
+          <p:nvPr/>
+        </p:nvSpPr>
+        <p:spPr>
+          <a:xfrm>
+            <a:off x="7305675" y="6038850"/>
+            <a:ext cx="3583704" cy="681342"/>
+          </a:xfrm>
+          <a:prstGeom prst="roundRect">
+            <a:avLst/>
+          </a:prstGeom>
+          <a:noFill/>
+        </p:spPr>
+        <p:style>
+          <a:lnRef idx="2">
+            <a:schemeClr val="accent1">
+              <a:shade val="50000"/>
+            </a:schemeClr>
+          </a:lnRef>
+          <a:fillRef idx="1">
+            <a:schemeClr val="accent1"/>
+          </a:fillRef>
+          <a:effectRef idx="0">
+            <a:schemeClr val="accent1"/>
+          </a:effectRef>
+          <a:fontRef idx="minor">
+            <a:schemeClr val="lt1"/>
+          </a:fontRef>
+        </p:style>
+        <p:txBody>
+          <a:bodyPr rtlCol="0" anchor="ctr"/>
+          <a:lstStyle/>
+          <a:p>
+            <a:pPr algn="ctr"/>
+            <a:endParaRPr lang="en-US"/>
+          </a:p>
+        </p:txBody>
+      </p:sp>
+      <p:sp>
+        <p:nvSpPr>
+          <p:cNvPr id="19" name="Rectangle 18">
+            <a:extLst>
+              <a:ext uri="{FF2B5EF4-FFF2-40B4-BE49-F238E27FC236}">
+                <a16:creationId xmlns:a16="http://schemas.microsoft.com/office/drawing/2014/main" id="{601B361A-666D-4F49-8F65-CCD8395CF5E9}"/>
+              </a:ext>
+            </a:extLst>
+          </p:cNvPr>
+          <p:cNvSpPr/>
+          <p:nvPr/>
+        </p:nvSpPr>
+        <p:spPr>
+          <a:xfrm>
+            <a:off x="6834554" y="5870576"/>
+            <a:ext cx="5357445" cy="987421"/>
+          </a:xfrm>
+          <a:prstGeom prst="rect">
+            <a:avLst/>
+          </a:prstGeom>
+          <a:solidFill>
+            <a:schemeClr val="bg1"/>
+          </a:solidFill>
+          <a:ln>
+            <a:solidFill>
+              <a:schemeClr val="bg1"/>
+            </a:solidFill>
+          </a:ln>
+        </p:spPr>
+        <p:style>
+          <a:lnRef idx="2">
+            <a:schemeClr val="accent1">
+              <a:shade val="50000"/>
+            </a:schemeClr>
+          </a:lnRef>
+          <a:fillRef idx="1">
+            <a:schemeClr val="accent1"/>
+          </a:fillRef>
+          <a:effectRef idx="0">
+            <a:schemeClr val="accent1"/>
+          </a:effectRef>
+          <a:fontRef idx="minor">
+            <a:schemeClr val="lt1"/>
+          </a:fontRef>
+        </p:style>
+        <p:txBody>
+          <a:bodyPr rtlCol="0" anchor="ctr"/>
+          <a:lstStyle/>
+          <a:p>
+            <a:pPr algn="ctr"/>
+            <a:endParaRPr lang="en-US"/>
+          </a:p>
+        </p:txBody>
+      </p:sp>
+    </p:spTree>
+    <p:extLst>
+      <p:ext uri="{BB962C8B-B14F-4D97-AF65-F5344CB8AC3E}">
+        <p14:creationId xmlns:p14="http://schemas.microsoft.com/office/powerpoint/2010/main" val="3788692611"/>
+      </p:ext>
+    </p:extLst>
+  </p:cSld>
+  <p:clrMapOvr>
+    <a:masterClrMapping/>
+  </p:clrMapOvr>
+</p:sld>
+</file>
+
+<file path=ppt/slides/slide35.xml><?xml version="1.0" encoding="utf-8"?>
 <p:sld xmlns:a="http://schemas.openxmlformats.org/drawingml/2006/main" xmlns:r="http://schemas.openxmlformats.org/officeDocument/2006/relationships" xmlns:p="http://schemas.openxmlformats.org/presentationml/2006/main">
   <p:cSld>
     <p:spTree>
@@ -33486,3416 +36872,6 @@
           </a:p>
         </p:txBody>
       </p:sp>
-      <p:sp>
-        <p:nvSpPr>
-          <p:cNvPr id="19" name="Rectangle 18">
-            <a:extLst>
-              <a:ext uri="{FF2B5EF4-FFF2-40B4-BE49-F238E27FC236}">
-                <a16:creationId xmlns:a16="http://schemas.microsoft.com/office/drawing/2014/main" id="{601B361A-666D-4F49-8F65-CCD8395CF5E9}"/>
-              </a:ext>
-            </a:extLst>
-          </p:cNvPr>
-          <p:cNvSpPr/>
-          <p:nvPr/>
-        </p:nvSpPr>
-        <p:spPr>
-          <a:xfrm>
-            <a:off x="0" y="5064368"/>
-            <a:ext cx="12191999" cy="1793629"/>
-          </a:xfrm>
-          <a:prstGeom prst="rect">
-            <a:avLst/>
-          </a:prstGeom>
-          <a:solidFill>
-            <a:schemeClr val="bg1"/>
-          </a:solidFill>
-          <a:ln>
-            <a:solidFill>
-              <a:schemeClr val="bg1"/>
-            </a:solidFill>
-          </a:ln>
-        </p:spPr>
-        <p:style>
-          <a:lnRef idx="2">
-            <a:schemeClr val="accent1">
-              <a:shade val="50000"/>
-            </a:schemeClr>
-          </a:lnRef>
-          <a:fillRef idx="1">
-            <a:schemeClr val="accent1"/>
-          </a:fillRef>
-          <a:effectRef idx="0">
-            <a:schemeClr val="accent1"/>
-          </a:effectRef>
-          <a:fontRef idx="minor">
-            <a:schemeClr val="lt1"/>
-          </a:fontRef>
-        </p:style>
-        <p:txBody>
-          <a:bodyPr rtlCol="0" anchor="ctr"/>
-          <a:lstStyle/>
-          <a:p>
-            <a:pPr algn="ctr"/>
-            <a:endParaRPr lang="en-US"/>
-          </a:p>
-        </p:txBody>
-      </p:sp>
-      <p:sp>
-        <p:nvSpPr>
-          <p:cNvPr id="21" name="Rectangle 20">
-            <a:extLst>
-              <a:ext uri="{FF2B5EF4-FFF2-40B4-BE49-F238E27FC236}">
-                <a16:creationId xmlns:a16="http://schemas.microsoft.com/office/drawing/2014/main" id="{73FE1890-9D25-40A3-AC70-EA79689F2570}"/>
-              </a:ext>
-            </a:extLst>
-          </p:cNvPr>
-          <p:cNvSpPr/>
-          <p:nvPr/>
-        </p:nvSpPr>
-        <p:spPr>
-          <a:xfrm>
-            <a:off x="3540369" y="4069616"/>
-            <a:ext cx="5115849" cy="2505685"/>
-          </a:xfrm>
-          <a:prstGeom prst="rect">
-            <a:avLst/>
-          </a:prstGeom>
-          <a:solidFill>
-            <a:schemeClr val="bg1"/>
-          </a:solidFill>
-          <a:ln>
-            <a:solidFill>
-              <a:schemeClr val="bg1"/>
-            </a:solidFill>
-          </a:ln>
-        </p:spPr>
-        <p:style>
-          <a:lnRef idx="2">
-            <a:schemeClr val="accent1">
-              <a:shade val="50000"/>
-            </a:schemeClr>
-          </a:lnRef>
-          <a:fillRef idx="1">
-            <a:schemeClr val="accent1"/>
-          </a:fillRef>
-          <a:effectRef idx="0">
-            <a:schemeClr val="accent1"/>
-          </a:effectRef>
-          <a:fontRef idx="minor">
-            <a:schemeClr val="lt1"/>
-          </a:fontRef>
-        </p:style>
-        <p:txBody>
-          <a:bodyPr rtlCol="0" anchor="ctr"/>
-          <a:lstStyle/>
-          <a:p>
-            <a:pPr algn="ctr"/>
-            <a:endParaRPr lang="en-US"/>
-          </a:p>
-        </p:txBody>
-      </p:sp>
-    </p:spTree>
-    <p:extLst>
-      <p:ext uri="{BB962C8B-B14F-4D97-AF65-F5344CB8AC3E}">
-        <p14:creationId xmlns:p14="http://schemas.microsoft.com/office/powerpoint/2010/main" val="3267513144"/>
-      </p:ext>
-    </p:extLst>
-  </p:cSld>
-  <p:clrMapOvr>
-    <a:masterClrMapping/>
-  </p:clrMapOvr>
-</p:sld>
-</file>
-
-<file path=ppt/slides/slide32.xml><?xml version="1.0" encoding="utf-8"?>
-<p:sld xmlns:a="http://schemas.openxmlformats.org/drawingml/2006/main" xmlns:r="http://schemas.openxmlformats.org/officeDocument/2006/relationships" xmlns:p="http://schemas.openxmlformats.org/presentationml/2006/main">
-  <p:cSld>
-    <p:spTree>
-      <p:nvGrpSpPr>
-        <p:cNvPr id="1" name=""/>
-        <p:cNvGrpSpPr/>
-        <p:nvPr/>
-      </p:nvGrpSpPr>
-      <p:grpSpPr>
-        <a:xfrm>
-          <a:off x="0" y="0"/>
-          <a:ext cx="0" cy="0"/>
-          <a:chOff x="0" y="0"/>
-          <a:chExt cx="0" cy="0"/>
-        </a:xfrm>
-      </p:grpSpPr>
-      <p:sp>
-        <p:nvSpPr>
-          <p:cNvPr id="2" name="Title 1"/>
-          <p:cNvSpPr>
-            <a:spLocks noGrp="1"/>
-          </p:cNvSpPr>
-          <p:nvPr>
-            <p:ph type="title"/>
-          </p:nvPr>
-        </p:nvSpPr>
-        <p:spPr/>
-        <p:txBody>
-          <a:bodyPr/>
-          <a:lstStyle/>
-          <a:p>
-            <a:r>
-              <a:rPr lang="en-US" dirty="0"/>
-              <a:t>Problem 1: vertical line detection</a:t>
-            </a:r>
-          </a:p>
-        </p:txBody>
-      </p:sp>
-      <mc:AlternateContent xmlns:mc="http://schemas.openxmlformats.org/markup-compatibility/2006" xmlns:a14="http://schemas.microsoft.com/office/drawing/2010/main">
-        <mc:Choice Requires="a14">
-          <p:sp>
-            <p:nvSpPr>
-              <p:cNvPr id="3" name="Content Placeholder 2"/>
-              <p:cNvSpPr>
-                <a:spLocks noGrp="1"/>
-              </p:cNvSpPr>
-              <p:nvPr>
-                <p:ph idx="1"/>
-              </p:nvPr>
-            </p:nvSpPr>
-            <p:spPr/>
-            <p:txBody>
-              <a:bodyPr/>
-              <a:lstStyle/>
-              <a:p>
-                <a:r>
-                  <a:rPr lang="en-US" dirty="0"/>
-                  <a:t>Vertical (or near vertical) lines have a big slope: </a:t>
-                </a:r>
-                <a14:m>
-                  <m:oMath xmlns:m="http://schemas.openxmlformats.org/officeDocument/2006/math">
-                    <m:r>
-                      <a:rPr lang="en-US" b="0" i="1" smtClean="0">
-                        <a:latin typeface="Cambria Math"/>
-                      </a:rPr>
-                      <m:t>𝑚</m:t>
-                    </m:r>
-                    <m:r>
-                      <a:rPr lang="en-US" b="0" i="1" smtClean="0">
-                        <a:latin typeface="Cambria Math"/>
-                      </a:rPr>
-                      <m:t>→</m:t>
-                    </m:r>
-                    <m:r>
-                      <a:rPr lang="en-US" b="0" i="1" smtClean="0">
-                        <a:latin typeface="Cambria Math"/>
-                      </a:rPr>
-                      <m:t>∞</m:t>
-                    </m:r>
-                  </m:oMath>
-                </a14:m>
-                <a:r>
-                  <a:rPr lang="en-US" dirty="0"/>
-                  <a:t>. This causes the accumulator table to be very big in </a:t>
-                </a:r>
-                <a14:m>
-                  <m:oMath xmlns:m="http://schemas.openxmlformats.org/officeDocument/2006/math">
-                    <m:r>
-                      <a:rPr lang="en-US" b="0" i="1" smtClean="0">
-                        <a:latin typeface="Cambria Math"/>
-                      </a:rPr>
-                      <m:t>𝑚</m:t>
-                    </m:r>
-                  </m:oMath>
-                </a14:m>
-                <a:r>
-                  <a:rPr lang="en-US" dirty="0"/>
-                  <a:t> direction.</a:t>
-                </a:r>
-              </a:p>
-              <a:p>
-                <a:r>
-                  <a:rPr lang="en-US" dirty="0"/>
-                  <a:t>A solution is to give a </a:t>
-                </a:r>
-                <a:r>
-                  <a:rPr lang="en-US" b="1" dirty="0"/>
-                  <a:t>different parameterization to lines</a:t>
-                </a:r>
-                <a:r>
-                  <a:rPr lang="en-US" dirty="0"/>
-                  <a:t>:</a:t>
-                </a:r>
-              </a:p>
-              <a:p>
-                <a:endParaRPr lang="en-US" dirty="0"/>
-              </a:p>
-            </p:txBody>
-          </p:sp>
-        </mc:Choice>
-        <mc:Fallback xmlns="">
-          <p:sp>
-            <p:nvSpPr>
-              <p:cNvPr id="3" name="Content Placeholder 2"/>
-              <p:cNvSpPr>
-                <a:spLocks noGrp="1" noRot="1" noChangeAspect="1" noMove="1" noResize="1" noEditPoints="1" noAdjustHandles="1" noChangeArrowheads="1" noChangeShapeType="1" noTextEdit="1"/>
-              </p:cNvSpPr>
-              <p:nvPr>
-                <p:ph idx="1"/>
-              </p:nvPr>
-            </p:nvSpPr>
-            <p:spPr>
-              <a:blipFill rotWithShape="1">
-                <a:blip r:embed="rId3"/>
-                <a:stretch>
-                  <a:fillRect l="-879" t="-959"/>
-                </a:stretch>
-              </a:blipFill>
-            </p:spPr>
-            <p:txBody>
-              <a:bodyPr/>
-              <a:lstStyle/>
-              <a:p>
-                <a:r>
-                  <a:rPr lang="en-US">
-                    <a:noFill/>
-                  </a:rPr>
-                  <a:t> </a:t>
-                </a:r>
-              </a:p>
-            </p:txBody>
-          </p:sp>
-        </mc:Fallback>
-      </mc:AlternateContent>
-      <p:sp>
-        <p:nvSpPr>
-          <p:cNvPr id="5" name="Triangle"/>
-          <p:cNvSpPr/>
-          <p:nvPr/>
-        </p:nvSpPr>
-        <p:spPr>
-          <a:xfrm>
-            <a:off x="9173735" y="2625725"/>
-            <a:ext cx="1427661" cy="1427661"/>
-          </a:xfrm>
-          <a:custGeom>
-            <a:avLst/>
-            <a:gdLst/>
-            <a:ahLst/>
-            <a:cxnLst>
-              <a:cxn ang="0">
-                <a:pos x="wd2" y="hd2"/>
-              </a:cxn>
-              <a:cxn ang="5400000">
-                <a:pos x="wd2" y="hd2"/>
-              </a:cxn>
-              <a:cxn ang="10800000">
-                <a:pos x="wd2" y="hd2"/>
-              </a:cxn>
-              <a:cxn ang="16200000">
-                <a:pos x="wd2" y="hd2"/>
-              </a:cxn>
-            </a:cxnLst>
-            <a:rect l="0" t="0" r="r" b="b"/>
-            <a:pathLst>
-              <a:path w="21600" h="21600" extrusionOk="0">
-                <a:moveTo>
-                  <a:pt x="0" y="0"/>
-                </a:moveTo>
-                <a:lnTo>
-                  <a:pt x="0" y="21600"/>
-                </a:lnTo>
-                <a:lnTo>
-                  <a:pt x="21600" y="21600"/>
-                </a:lnTo>
-                <a:close/>
-              </a:path>
-            </a:pathLst>
-          </a:custGeom>
-          <a:ln w="25400">
-            <a:solidFill>
-              <a:srgbClr val="85888D"/>
-            </a:solidFill>
-            <a:miter lim="400000"/>
-          </a:ln>
-        </p:spPr>
-        <p:txBody>
-          <a:bodyPr lIns="50800" tIns="50800" rIns="50800" bIns="50800" anchor="ctr"/>
-          <a:lstStyle/>
-          <a:p>
-            <a:pPr>
-              <a:defRPr sz="2400"/>
-            </a:pPr>
-            <a:endParaRPr/>
-          </a:p>
-        </p:txBody>
-      </p:sp>
-      <p:pic>
-        <p:nvPicPr>
-          <p:cNvPr id="7" name="latex-image-6.pdf" descr="latex-image-6.pdf"/>
-          <p:cNvPicPr>
-            <a:picLocks noChangeAspect="1"/>
-          </p:cNvPicPr>
-          <p:nvPr/>
-        </p:nvPicPr>
-        <p:blipFill>
-          <a:blip r:embed="rId4"/>
-          <a:stretch>
-            <a:fillRect/>
-          </a:stretch>
-        </p:blipFill>
-        <p:spPr>
-          <a:xfrm>
-            <a:off x="8934450" y="2450443"/>
-            <a:ext cx="127000" cy="235858"/>
-          </a:xfrm>
-          <a:prstGeom prst="rect">
-            <a:avLst/>
-          </a:prstGeom>
-          <a:ln w="12700">
-            <a:miter lim="400000"/>
-          </a:ln>
-        </p:spPr>
-      </p:pic>
-      <p:sp>
-        <p:nvSpPr>
-          <p:cNvPr id="8" name="Line"/>
-          <p:cNvSpPr/>
-          <p:nvPr/>
-        </p:nvSpPr>
-        <p:spPr>
-          <a:xfrm>
-            <a:off x="9163888" y="4060825"/>
-            <a:ext cx="1725491" cy="0"/>
-          </a:xfrm>
-          <a:prstGeom prst="line">
-            <a:avLst/>
-          </a:prstGeom>
-          <a:ln w="25400">
-            <a:solidFill>
-              <a:srgbClr val="000000"/>
-            </a:solidFill>
-            <a:miter lim="400000"/>
-            <a:tailEnd type="triangle"/>
-          </a:ln>
-        </p:spPr>
-        <p:txBody>
-          <a:bodyPr lIns="50800" tIns="50800" rIns="50800" bIns="50800" anchor="ctr"/>
-          <a:lstStyle/>
-          <a:p>
-            <a:pPr>
-              <a:defRPr sz="2400"/>
-            </a:pPr>
-            <a:endParaRPr/>
-          </a:p>
-        </p:txBody>
-      </p:sp>
-      <p:sp>
-        <p:nvSpPr>
-          <p:cNvPr id="9" name="Line"/>
-          <p:cNvSpPr/>
-          <p:nvPr/>
-        </p:nvSpPr>
-        <p:spPr>
-          <a:xfrm flipV="1">
-            <a:off x="9176588" y="2347141"/>
-            <a:ext cx="1" cy="1712868"/>
-          </a:xfrm>
-          <a:prstGeom prst="line">
-            <a:avLst/>
-          </a:prstGeom>
-          <a:ln w="25400">
-            <a:solidFill>
-              <a:srgbClr val="000000"/>
-            </a:solidFill>
-            <a:miter lim="400000"/>
-            <a:tailEnd type="triangle"/>
-          </a:ln>
-        </p:spPr>
-        <p:txBody>
-          <a:bodyPr lIns="50800" tIns="50800" rIns="50800" bIns="50800" anchor="ctr"/>
-          <a:lstStyle/>
-          <a:p>
-            <a:pPr>
-              <a:defRPr sz="2400"/>
-            </a:pPr>
-            <a:endParaRPr/>
-          </a:p>
-        </p:txBody>
-      </p:sp>
-      <p:sp>
-        <p:nvSpPr>
-          <p:cNvPr id="10" name="Line"/>
-          <p:cNvSpPr/>
-          <p:nvPr/>
-        </p:nvSpPr>
-        <p:spPr>
-          <a:xfrm flipV="1">
-            <a:off x="9194051" y="3359312"/>
-            <a:ext cx="688813" cy="688813"/>
-          </a:xfrm>
-          <a:prstGeom prst="line">
-            <a:avLst/>
-          </a:prstGeom>
-          <a:ln w="25400">
-            <a:solidFill>
-              <a:srgbClr val="000000"/>
-            </a:solidFill>
-            <a:miter lim="400000"/>
-            <a:tailEnd type="triangle"/>
-          </a:ln>
-        </p:spPr>
-        <p:txBody>
-          <a:bodyPr lIns="50800" tIns="50800" rIns="50800" bIns="50800" anchor="ctr"/>
-          <a:lstStyle/>
-          <a:p>
-            <a:pPr>
-              <a:defRPr sz="2400"/>
-            </a:pPr>
-            <a:endParaRPr/>
-          </a:p>
-        </p:txBody>
-      </p:sp>
-      <p:pic>
-        <p:nvPicPr>
-          <p:cNvPr id="11" name="latex-image-9.pdf" descr="latex-image-9.pdf"/>
-          <p:cNvPicPr>
-            <a:picLocks noChangeAspect="1"/>
-          </p:cNvPicPr>
-          <p:nvPr/>
-        </p:nvPicPr>
-        <p:blipFill>
-          <a:blip r:embed="rId5"/>
-          <a:stretch>
-            <a:fillRect/>
-          </a:stretch>
-        </p:blipFill>
-        <p:spPr>
-          <a:xfrm>
-            <a:off x="9472613" y="3802954"/>
-            <a:ext cx="122709" cy="207071"/>
-          </a:xfrm>
-          <a:prstGeom prst="rect">
-            <a:avLst/>
-          </a:prstGeom>
-          <a:ln w="12700">
-            <a:miter lim="400000"/>
-          </a:ln>
-        </p:spPr>
-      </p:pic>
-      <p:pic>
-        <p:nvPicPr>
-          <p:cNvPr id="12" name="latex-image-10.pdf" descr="latex-image-10.pdf"/>
-          <p:cNvPicPr>
-            <a:picLocks noChangeAspect="1"/>
-          </p:cNvPicPr>
-          <p:nvPr/>
-        </p:nvPicPr>
-        <p:blipFill>
-          <a:blip r:embed="rId6"/>
-          <a:stretch>
-            <a:fillRect/>
-          </a:stretch>
-        </p:blipFill>
-        <p:spPr>
-          <a:xfrm>
-            <a:off x="9485313" y="3333097"/>
-            <a:ext cx="178772" cy="248295"/>
-          </a:xfrm>
-          <a:prstGeom prst="rect">
-            <a:avLst/>
-          </a:prstGeom>
-          <a:ln w="12700">
-            <a:miter lim="400000"/>
-          </a:ln>
-        </p:spPr>
-      </p:pic>
-      <p:pic>
-        <p:nvPicPr>
-          <p:cNvPr id="13" name="latex-image-9.pdf" descr="latex-image-9.pdf"/>
-          <p:cNvPicPr>
-            <a:picLocks noChangeAspect="1"/>
-          </p:cNvPicPr>
-          <p:nvPr/>
-        </p:nvPicPr>
-        <p:blipFill>
-          <a:blip r:embed="rId5"/>
-          <a:stretch>
-            <a:fillRect/>
-          </a:stretch>
-        </p:blipFill>
-        <p:spPr>
-          <a:xfrm>
-            <a:off x="9218613" y="2825054"/>
-            <a:ext cx="122709" cy="207071"/>
-          </a:xfrm>
-          <a:prstGeom prst="rect">
-            <a:avLst/>
-          </a:prstGeom>
-          <a:ln w="12700">
-            <a:miter lim="400000"/>
-          </a:ln>
-        </p:spPr>
-      </p:pic>
-      <p:sp>
-        <p:nvSpPr>
-          <p:cNvPr id="14" name="Connection Line"/>
-          <p:cNvSpPr/>
-          <p:nvPr/>
-        </p:nvSpPr>
-        <p:spPr>
-          <a:xfrm>
-            <a:off x="9551966" y="3704291"/>
-            <a:ext cx="161561" cy="365325"/>
-          </a:xfrm>
-          <a:custGeom>
-            <a:avLst/>
-            <a:gdLst/>
-            <a:ahLst/>
-            <a:cxnLst>
-              <a:cxn ang="0">
-                <a:pos x="wd2" y="hd2"/>
-              </a:cxn>
-              <a:cxn ang="5400000">
-                <a:pos x="wd2" y="hd2"/>
-              </a:cxn>
-              <a:cxn ang="10800000">
-                <a:pos x="wd2" y="hd2"/>
-              </a:cxn>
-              <a:cxn ang="16200000">
-                <a:pos x="wd2" y="hd2"/>
-              </a:cxn>
-            </a:cxnLst>
-            <a:rect l="0" t="0" r="r" b="b"/>
-            <a:pathLst>
-              <a:path w="17356" h="21600" extrusionOk="0">
-                <a:moveTo>
-                  <a:pt x="0" y="0"/>
-                </a:moveTo>
-                <a:cubicBezTo>
-                  <a:pt x="17170" y="4716"/>
-                  <a:pt x="21600" y="11916"/>
-                  <a:pt x="13291" y="21600"/>
-                </a:cubicBezTo>
-              </a:path>
-            </a:pathLst>
-          </a:custGeom>
-          <a:ln w="12700">
-            <a:solidFill>
-              <a:srgbClr val="000000"/>
-            </a:solidFill>
-            <a:miter lim="400000"/>
-          </a:ln>
-        </p:spPr>
-        <p:txBody>
-          <a:bodyPr/>
-          <a:lstStyle/>
-          <a:p>
-            <a:endParaRPr/>
-          </a:p>
-        </p:txBody>
-      </p:sp>
-      <p:sp>
-        <p:nvSpPr>
-          <p:cNvPr id="15" name="Connection Line"/>
-          <p:cNvSpPr/>
-          <p:nvPr/>
-        </p:nvSpPr>
-        <p:spPr>
-          <a:xfrm>
-            <a:off x="9183695" y="2925085"/>
-            <a:ext cx="268239" cy="175523"/>
-          </a:xfrm>
-          <a:custGeom>
-            <a:avLst/>
-            <a:gdLst/>
-            <a:ahLst/>
-            <a:cxnLst>
-              <a:cxn ang="0">
-                <a:pos x="wd2" y="hd2"/>
-              </a:cxn>
-              <a:cxn ang="5400000">
-                <a:pos x="wd2" y="hd2"/>
-              </a:cxn>
-              <a:cxn ang="10800000">
-                <a:pos x="wd2" y="hd2"/>
-              </a:cxn>
-              <a:cxn ang="16200000">
-                <a:pos x="wd2" y="hd2"/>
-              </a:cxn>
-            </a:cxnLst>
-            <a:rect l="0" t="0" r="r" b="b"/>
-            <a:pathLst>
-              <a:path w="21600" h="18029" extrusionOk="0">
-                <a:moveTo>
-                  <a:pt x="21600" y="0"/>
-                </a:moveTo>
-                <a:cubicBezTo>
-                  <a:pt x="19502" y="16382"/>
-                  <a:pt x="12302" y="21600"/>
-                  <a:pt x="0" y="15654"/>
-                </a:cubicBezTo>
-              </a:path>
-            </a:pathLst>
-          </a:custGeom>
-          <a:ln w="12700">
-            <a:solidFill>
-              <a:srgbClr val="000000"/>
-            </a:solidFill>
-            <a:miter lim="400000"/>
-          </a:ln>
-        </p:spPr>
-        <p:txBody>
-          <a:bodyPr/>
-          <a:lstStyle/>
-          <a:p>
-            <a:endParaRPr/>
-          </a:p>
-        </p:txBody>
-      </p:sp>
-      <p:pic>
-        <p:nvPicPr>
-          <p:cNvPr id="2052" name="Picture 4" descr="https://latex.codecogs.com/gif.latex?%5Cdpi%7B300%7D%20%5C%5C%20y%3Dmx&amp;plus;b%5C%5C%20%5Cxrightarrow%7Bx%3D0%7Dy%3Db%5C%5C%20%5Cxrightarrow%7By%3D0%7Dx%3D-%5Cfrac%7Bb%7D%7Bm%7D%5C%5C%20%5Cfrac%7B%5Cfrac%7B-b%7D%7Bm%7D%7D%7Bb%7D%3D-%5Cfrac%7B1%7D%7Bm%7D%3Dtg%5Ctheta%5Crightarrow%20m%3D-%5Cfrac%7B1%7D%7Btg%5Ctheta%7D%3D-%5Cfrac%7Bcos%5Ctheta%7D%7Bsin%5Ctheta%7D%20%5C%5C%20%5Cfrac%7B%5Crho%7D%7Bb%7D%3Dsin%5Ctheta%5Crightarrow%20b%3D%5Cfrac%7B%5Crho%7D%7Bsin%5Ctheta%7D%20%5C%5C%20y%3Dmx&amp;plus;b%5Crightarrow%20y%3D-%5Cfrac%7Bcos%5Ctheta%7D%7Bsin%5Ctheta%7Dx&amp;plus;%5Cfrac%7B%5Crho%7D%7Bsin%5Ctheta%7D%20%5Crightarrow%20xcos%5Ctheta%20&amp;plus;ysin%5Ctheta%20%3D%20%5Crho"/>
-          <p:cNvPicPr>
-            <a:picLocks noChangeAspect="1" noChangeArrowheads="1"/>
-          </p:cNvPicPr>
-          <p:nvPr/>
-        </p:nvPicPr>
-        <p:blipFill>
-          <a:blip r:embed="rId7">
-            <a:extLst>
-              <a:ext uri="{28A0092B-C50C-407E-A947-70E740481C1C}">
-                <a14:useLocalDpi xmlns:a14="http://schemas.microsoft.com/office/drawing/2010/main" val="0"/>
-              </a:ext>
-            </a:extLst>
-          </a:blip>
-          <a:srcRect/>
-          <a:stretch>
-            <a:fillRect/>
-          </a:stretch>
-        </p:blipFill>
-        <p:spPr bwMode="auto">
-          <a:xfrm>
-            <a:off x="556462" y="2200274"/>
-            <a:ext cx="10044934" cy="4548493"/>
-          </a:xfrm>
-          <a:prstGeom prst="rect">
-            <a:avLst/>
-          </a:prstGeom>
-          <a:noFill/>
-          <a:extLst>
-            <a:ext uri="{909E8E84-426E-40DD-AFC4-6F175D3DCCD1}">
-              <a14:hiddenFill xmlns:a14="http://schemas.microsoft.com/office/drawing/2010/main">
-                <a:solidFill>
-                  <a:srgbClr val="FFFFFF"/>
-                </a:solidFill>
-              </a14:hiddenFill>
-            </a:ext>
-          </a:extLst>
-        </p:spPr>
-      </p:pic>
-      <p:pic>
-        <p:nvPicPr>
-          <p:cNvPr id="18" name="Picture 4" descr="https://latex.codecogs.com/gif.latex?%5Cdpi%7B300%7D%20%5C%5C%20y%3Dmx&amp;plus;b%5C%5C%20%5Cxrightarrow%7Bx%3D0%7Dy%3Db%5C%5C%20%5Cxrightarrow%7By%3D0%7Dx%3D-%5Cfrac%7Bb%7D%7Bm%7D%5C%5C%20%5Cfrac%7B%5Cfrac%7B-b%7D%7Bm%7D%7D%7Bb%7D%3D-%5Cfrac%7B1%7D%7Bm%7D%3Dtg%5Ctheta%5Crightarrow%20m%3D-%5Cfrac%7B1%7D%7Btg%5Ctheta%7D%3D-%5Cfrac%7Bcos%5Ctheta%7D%7Bsin%5Ctheta%7D%20%5C%5C%20%5Cfrac%7B%5Crho%7D%7Bb%7D%3Dsin%5Ctheta%5Crightarrow%20b%3D%5Cfrac%7B%5Crho%7D%7Bsin%5Ctheta%7D%20%5C%5C%20y%3Dmx&amp;plus;b%5Crightarrow%20y%3D-%5Cfrac%7Bcos%5Ctheta%7D%7Bsin%5Ctheta%7Dx&amp;plus;%5Cfrac%7B%5Crho%7D%7Bsin%5Ctheta%7D%20%5Crightarrow%20xcos%5Ctheta%20&amp;plus;ysin%5Ctheta%20%3D%20%5Crho"/>
-          <p:cNvPicPr>
-            <a:picLocks noChangeAspect="1" noChangeArrowheads="1"/>
-          </p:cNvPicPr>
-          <p:nvPr/>
-        </p:nvPicPr>
-        <p:blipFill rotWithShape="1">
-          <a:blip r:embed="rId7">
-            <a:extLst>
-              <a:ext uri="{28A0092B-C50C-407E-A947-70E740481C1C}">
-                <a14:useLocalDpi xmlns:a14="http://schemas.microsoft.com/office/drawing/2010/main" val="0"/>
-              </a:ext>
-            </a:extLst>
-          </a:blip>
-          <a:srcRect l="16363" t="19825" r="75525" b="57691"/>
-          <a:stretch/>
-        </p:blipFill>
-        <p:spPr bwMode="auto">
-          <a:xfrm>
-            <a:off x="10301608" y="4069616"/>
-            <a:ext cx="599575" cy="752484"/>
-          </a:xfrm>
-          <a:prstGeom prst="rect">
-            <a:avLst/>
-          </a:prstGeom>
-          <a:noFill/>
-          <a:extLst>
-            <a:ext uri="{909E8E84-426E-40DD-AFC4-6F175D3DCCD1}">
-              <a14:hiddenFill xmlns:a14="http://schemas.microsoft.com/office/drawing/2010/main">
-                <a:solidFill>
-                  <a:srgbClr val="FFFFFF"/>
-                </a:solidFill>
-              </a14:hiddenFill>
-            </a:ext>
-          </a:extLst>
-        </p:spPr>
-      </p:pic>
-      <p:sp>
-        <p:nvSpPr>
-          <p:cNvPr id="4" name="Rectangle 3"/>
-          <p:cNvSpPr/>
-          <p:nvPr/>
-        </p:nvSpPr>
-        <p:spPr>
-          <a:xfrm rot="2546264">
-            <a:off x="9678362" y="3325254"/>
-            <a:ext cx="297067" cy="201333"/>
-          </a:xfrm>
-          <a:prstGeom prst="rect">
-            <a:avLst/>
-          </a:prstGeom>
-          <a:noFill/>
-          <a:ln w="6350">
-            <a:solidFill>
-              <a:schemeClr val="tx1"/>
-            </a:solidFill>
-          </a:ln>
-        </p:spPr>
-        <p:style>
-          <a:lnRef idx="2">
-            <a:schemeClr val="accent1">
-              <a:shade val="50000"/>
-            </a:schemeClr>
-          </a:lnRef>
-          <a:fillRef idx="1">
-            <a:schemeClr val="accent1"/>
-          </a:fillRef>
-          <a:effectRef idx="0">
-            <a:schemeClr val="accent1"/>
-          </a:effectRef>
-          <a:fontRef idx="minor">
-            <a:schemeClr val="lt1"/>
-          </a:fontRef>
-        </p:style>
-        <p:txBody>
-          <a:bodyPr rtlCol="0" anchor="ctr"/>
-          <a:lstStyle/>
-          <a:p>
-            <a:pPr algn="ctr"/>
-            <a:endParaRPr lang="en-US"/>
-          </a:p>
-        </p:txBody>
-      </p:sp>
-      <p:sp>
-        <p:nvSpPr>
-          <p:cNvPr id="20" name="Rectangle 19"/>
-          <p:cNvSpPr/>
-          <p:nvPr/>
-        </p:nvSpPr>
-        <p:spPr>
-          <a:xfrm>
-            <a:off x="9173735" y="3846792"/>
-            <a:ext cx="195871" cy="201333"/>
-          </a:xfrm>
-          <a:prstGeom prst="rect">
-            <a:avLst/>
-          </a:prstGeom>
-          <a:noFill/>
-          <a:ln w="6350">
-            <a:solidFill>
-              <a:schemeClr val="tx1"/>
-            </a:solidFill>
-          </a:ln>
-        </p:spPr>
-        <p:style>
-          <a:lnRef idx="2">
-            <a:schemeClr val="accent1">
-              <a:shade val="50000"/>
-            </a:schemeClr>
-          </a:lnRef>
-          <a:fillRef idx="1">
-            <a:schemeClr val="accent1"/>
-          </a:fillRef>
-          <a:effectRef idx="0">
-            <a:schemeClr val="accent1"/>
-          </a:effectRef>
-          <a:fontRef idx="minor">
-            <a:schemeClr val="lt1"/>
-          </a:fontRef>
-        </p:style>
-        <p:txBody>
-          <a:bodyPr rtlCol="0" anchor="ctr"/>
-          <a:lstStyle/>
-          <a:p>
-            <a:pPr algn="ctr"/>
-            <a:endParaRPr lang="en-US"/>
-          </a:p>
-        </p:txBody>
-      </p:sp>
-      <p:sp>
-        <p:nvSpPr>
-          <p:cNvPr id="22" name="Rectangle: Rounded Corners 7">
-            <a:extLst>
-              <a:ext uri="{FF2B5EF4-FFF2-40B4-BE49-F238E27FC236}">
-                <a16:creationId xmlns:a16="http://schemas.microsoft.com/office/drawing/2014/main" id="{89656513-9083-47D3-8D44-E43743BD2C33}"/>
-              </a:ext>
-            </a:extLst>
-          </p:cNvPr>
-          <p:cNvSpPr/>
-          <p:nvPr/>
-        </p:nvSpPr>
-        <p:spPr>
-          <a:xfrm>
-            <a:off x="7305675" y="6038850"/>
-            <a:ext cx="3583704" cy="681342"/>
-          </a:xfrm>
-          <a:prstGeom prst="roundRect">
-            <a:avLst/>
-          </a:prstGeom>
-          <a:noFill/>
-        </p:spPr>
-        <p:style>
-          <a:lnRef idx="2">
-            <a:schemeClr val="accent1">
-              <a:shade val="50000"/>
-            </a:schemeClr>
-          </a:lnRef>
-          <a:fillRef idx="1">
-            <a:schemeClr val="accent1"/>
-          </a:fillRef>
-          <a:effectRef idx="0">
-            <a:schemeClr val="accent1"/>
-          </a:effectRef>
-          <a:fontRef idx="minor">
-            <a:schemeClr val="lt1"/>
-          </a:fontRef>
-        </p:style>
-        <p:txBody>
-          <a:bodyPr rtlCol="0" anchor="ctr"/>
-          <a:lstStyle/>
-          <a:p>
-            <a:pPr algn="ctr"/>
-            <a:endParaRPr lang="en-US"/>
-          </a:p>
-        </p:txBody>
-      </p:sp>
-      <p:sp>
-        <p:nvSpPr>
-          <p:cNvPr id="19" name="Rectangle 18">
-            <a:extLst>
-              <a:ext uri="{FF2B5EF4-FFF2-40B4-BE49-F238E27FC236}">
-                <a16:creationId xmlns:a16="http://schemas.microsoft.com/office/drawing/2014/main" id="{601B361A-666D-4F49-8F65-CCD8395CF5E9}"/>
-              </a:ext>
-            </a:extLst>
-          </p:cNvPr>
-          <p:cNvSpPr/>
-          <p:nvPr/>
-        </p:nvSpPr>
-        <p:spPr>
-          <a:xfrm>
-            <a:off x="0" y="5231092"/>
-            <a:ext cx="12191999" cy="1626905"/>
-          </a:xfrm>
-          <a:prstGeom prst="rect">
-            <a:avLst/>
-          </a:prstGeom>
-          <a:solidFill>
-            <a:schemeClr val="bg1"/>
-          </a:solidFill>
-          <a:ln>
-            <a:solidFill>
-              <a:schemeClr val="bg1"/>
-            </a:solidFill>
-          </a:ln>
-        </p:spPr>
-        <p:style>
-          <a:lnRef idx="2">
-            <a:schemeClr val="accent1">
-              <a:shade val="50000"/>
-            </a:schemeClr>
-          </a:lnRef>
-          <a:fillRef idx="1">
-            <a:schemeClr val="accent1"/>
-          </a:fillRef>
-          <a:effectRef idx="0">
-            <a:schemeClr val="accent1"/>
-          </a:effectRef>
-          <a:fontRef idx="minor">
-            <a:schemeClr val="lt1"/>
-          </a:fontRef>
-        </p:style>
-        <p:txBody>
-          <a:bodyPr rtlCol="0" anchor="ctr"/>
-          <a:lstStyle/>
-          <a:p>
-            <a:pPr algn="ctr"/>
-            <a:endParaRPr lang="en-US"/>
-          </a:p>
-        </p:txBody>
-      </p:sp>
-      <p:sp>
-        <p:nvSpPr>
-          <p:cNvPr id="21" name="Rectangle 20">
-            <a:extLst>
-              <a:ext uri="{FF2B5EF4-FFF2-40B4-BE49-F238E27FC236}">
-                <a16:creationId xmlns:a16="http://schemas.microsoft.com/office/drawing/2014/main" id="{73FE1890-9D25-40A3-AC70-EA79689F2570}"/>
-              </a:ext>
-            </a:extLst>
-          </p:cNvPr>
-          <p:cNvSpPr/>
-          <p:nvPr/>
-        </p:nvSpPr>
-        <p:spPr>
-          <a:xfrm>
-            <a:off x="104356" y="5124084"/>
-            <a:ext cx="5115849" cy="1255437"/>
-          </a:xfrm>
-          <a:prstGeom prst="rect">
-            <a:avLst/>
-          </a:prstGeom>
-          <a:solidFill>
-            <a:schemeClr val="bg1"/>
-          </a:solidFill>
-          <a:ln>
-            <a:solidFill>
-              <a:schemeClr val="bg1"/>
-            </a:solidFill>
-          </a:ln>
-        </p:spPr>
-        <p:style>
-          <a:lnRef idx="2">
-            <a:schemeClr val="accent1">
-              <a:shade val="50000"/>
-            </a:schemeClr>
-          </a:lnRef>
-          <a:fillRef idx="1">
-            <a:schemeClr val="accent1"/>
-          </a:fillRef>
-          <a:effectRef idx="0">
-            <a:schemeClr val="accent1"/>
-          </a:effectRef>
-          <a:fontRef idx="minor">
-            <a:schemeClr val="lt1"/>
-          </a:fontRef>
-        </p:style>
-        <p:txBody>
-          <a:bodyPr rtlCol="0" anchor="ctr"/>
-          <a:lstStyle/>
-          <a:p>
-            <a:pPr algn="ctr"/>
-            <a:endParaRPr lang="en-US"/>
-          </a:p>
-        </p:txBody>
-      </p:sp>
-    </p:spTree>
-    <p:extLst>
-      <p:ext uri="{BB962C8B-B14F-4D97-AF65-F5344CB8AC3E}">
-        <p14:creationId xmlns:p14="http://schemas.microsoft.com/office/powerpoint/2010/main" val="2545892405"/>
-      </p:ext>
-    </p:extLst>
-  </p:cSld>
-  <p:clrMapOvr>
-    <a:masterClrMapping/>
-  </p:clrMapOvr>
-</p:sld>
-</file>
-
-<file path=ppt/slides/slide33.xml><?xml version="1.0" encoding="utf-8"?>
-<p:sld xmlns:a="http://schemas.openxmlformats.org/drawingml/2006/main" xmlns:r="http://schemas.openxmlformats.org/officeDocument/2006/relationships" xmlns:p="http://schemas.openxmlformats.org/presentationml/2006/main">
-  <p:cSld>
-    <p:spTree>
-      <p:nvGrpSpPr>
-        <p:cNvPr id="1" name=""/>
-        <p:cNvGrpSpPr/>
-        <p:nvPr/>
-      </p:nvGrpSpPr>
-      <p:grpSpPr>
-        <a:xfrm>
-          <a:off x="0" y="0"/>
-          <a:ext cx="0" cy="0"/>
-          <a:chOff x="0" y="0"/>
-          <a:chExt cx="0" cy="0"/>
-        </a:xfrm>
-      </p:grpSpPr>
-      <p:sp>
-        <p:nvSpPr>
-          <p:cNvPr id="2" name="Title 1"/>
-          <p:cNvSpPr>
-            <a:spLocks noGrp="1"/>
-          </p:cNvSpPr>
-          <p:nvPr>
-            <p:ph type="title"/>
-          </p:nvPr>
-        </p:nvSpPr>
-        <p:spPr/>
-        <p:txBody>
-          <a:bodyPr/>
-          <a:lstStyle/>
-          <a:p>
-            <a:r>
-              <a:rPr lang="en-US" dirty="0"/>
-              <a:t>Problem 1: vertical line detection</a:t>
-            </a:r>
-          </a:p>
-        </p:txBody>
-      </p:sp>
-      <mc:AlternateContent xmlns:mc="http://schemas.openxmlformats.org/markup-compatibility/2006" xmlns:a14="http://schemas.microsoft.com/office/drawing/2010/main">
-        <mc:Choice Requires="a14">
-          <p:sp>
-            <p:nvSpPr>
-              <p:cNvPr id="3" name="Content Placeholder 2"/>
-              <p:cNvSpPr>
-                <a:spLocks noGrp="1"/>
-              </p:cNvSpPr>
-              <p:nvPr>
-                <p:ph idx="1"/>
-              </p:nvPr>
-            </p:nvSpPr>
-            <p:spPr/>
-            <p:txBody>
-              <a:bodyPr/>
-              <a:lstStyle/>
-              <a:p>
-                <a:r>
-                  <a:rPr lang="en-US" dirty="0"/>
-                  <a:t>Vertical (or near vertical) lines have a big slope: </a:t>
-                </a:r>
-                <a14:m>
-                  <m:oMath xmlns:m="http://schemas.openxmlformats.org/officeDocument/2006/math">
-                    <m:r>
-                      <a:rPr lang="en-US" b="0" i="1" smtClean="0">
-                        <a:latin typeface="Cambria Math"/>
-                      </a:rPr>
-                      <m:t>𝑚</m:t>
-                    </m:r>
-                    <m:r>
-                      <a:rPr lang="en-US" b="0" i="1" smtClean="0">
-                        <a:latin typeface="Cambria Math"/>
-                      </a:rPr>
-                      <m:t>→</m:t>
-                    </m:r>
-                    <m:r>
-                      <a:rPr lang="en-US" b="0" i="1" smtClean="0">
-                        <a:latin typeface="Cambria Math"/>
-                      </a:rPr>
-                      <m:t>∞</m:t>
-                    </m:r>
-                  </m:oMath>
-                </a14:m>
-                <a:r>
-                  <a:rPr lang="en-US" dirty="0"/>
-                  <a:t>. This causes the accumulator table to be very big in </a:t>
-                </a:r>
-                <a14:m>
-                  <m:oMath xmlns:m="http://schemas.openxmlformats.org/officeDocument/2006/math">
-                    <m:r>
-                      <a:rPr lang="en-US" b="0" i="1" smtClean="0">
-                        <a:latin typeface="Cambria Math"/>
-                      </a:rPr>
-                      <m:t>𝑚</m:t>
-                    </m:r>
-                  </m:oMath>
-                </a14:m>
-                <a:r>
-                  <a:rPr lang="en-US" dirty="0"/>
-                  <a:t> direction.</a:t>
-                </a:r>
-              </a:p>
-              <a:p>
-                <a:r>
-                  <a:rPr lang="en-US" dirty="0"/>
-                  <a:t>A solution is to give a </a:t>
-                </a:r>
-                <a:r>
-                  <a:rPr lang="en-US" b="1" dirty="0"/>
-                  <a:t>different parameterization to lines</a:t>
-                </a:r>
-                <a:r>
-                  <a:rPr lang="en-US" dirty="0"/>
-                  <a:t>:</a:t>
-                </a:r>
-              </a:p>
-              <a:p>
-                <a:endParaRPr lang="en-US" dirty="0"/>
-              </a:p>
-            </p:txBody>
-          </p:sp>
-        </mc:Choice>
-        <mc:Fallback xmlns="">
-          <p:sp>
-            <p:nvSpPr>
-              <p:cNvPr id="3" name="Content Placeholder 2"/>
-              <p:cNvSpPr>
-                <a:spLocks noGrp="1" noRot="1" noChangeAspect="1" noMove="1" noResize="1" noEditPoints="1" noAdjustHandles="1" noChangeArrowheads="1" noChangeShapeType="1" noTextEdit="1"/>
-              </p:cNvSpPr>
-              <p:nvPr>
-                <p:ph idx="1"/>
-              </p:nvPr>
-            </p:nvSpPr>
-            <p:spPr>
-              <a:blipFill rotWithShape="1">
-                <a:blip r:embed="rId3"/>
-                <a:stretch>
-                  <a:fillRect l="-879" t="-959"/>
-                </a:stretch>
-              </a:blipFill>
-            </p:spPr>
-            <p:txBody>
-              <a:bodyPr/>
-              <a:lstStyle/>
-              <a:p>
-                <a:r>
-                  <a:rPr lang="en-US">
-                    <a:noFill/>
-                  </a:rPr>
-                  <a:t> </a:t>
-                </a:r>
-              </a:p>
-            </p:txBody>
-          </p:sp>
-        </mc:Fallback>
-      </mc:AlternateContent>
-      <p:sp>
-        <p:nvSpPr>
-          <p:cNvPr id="5" name="Triangle"/>
-          <p:cNvSpPr/>
-          <p:nvPr/>
-        </p:nvSpPr>
-        <p:spPr>
-          <a:xfrm>
-            <a:off x="9173735" y="2625725"/>
-            <a:ext cx="1427661" cy="1427661"/>
-          </a:xfrm>
-          <a:custGeom>
-            <a:avLst/>
-            <a:gdLst/>
-            <a:ahLst/>
-            <a:cxnLst>
-              <a:cxn ang="0">
-                <a:pos x="wd2" y="hd2"/>
-              </a:cxn>
-              <a:cxn ang="5400000">
-                <a:pos x="wd2" y="hd2"/>
-              </a:cxn>
-              <a:cxn ang="10800000">
-                <a:pos x="wd2" y="hd2"/>
-              </a:cxn>
-              <a:cxn ang="16200000">
-                <a:pos x="wd2" y="hd2"/>
-              </a:cxn>
-            </a:cxnLst>
-            <a:rect l="0" t="0" r="r" b="b"/>
-            <a:pathLst>
-              <a:path w="21600" h="21600" extrusionOk="0">
-                <a:moveTo>
-                  <a:pt x="0" y="0"/>
-                </a:moveTo>
-                <a:lnTo>
-                  <a:pt x="0" y="21600"/>
-                </a:lnTo>
-                <a:lnTo>
-                  <a:pt x="21600" y="21600"/>
-                </a:lnTo>
-                <a:close/>
-              </a:path>
-            </a:pathLst>
-          </a:custGeom>
-          <a:ln w="25400">
-            <a:solidFill>
-              <a:srgbClr val="85888D"/>
-            </a:solidFill>
-            <a:miter lim="400000"/>
-          </a:ln>
-        </p:spPr>
-        <p:txBody>
-          <a:bodyPr lIns="50800" tIns="50800" rIns="50800" bIns="50800" anchor="ctr"/>
-          <a:lstStyle/>
-          <a:p>
-            <a:pPr>
-              <a:defRPr sz="2400"/>
-            </a:pPr>
-            <a:endParaRPr/>
-          </a:p>
-        </p:txBody>
-      </p:sp>
-      <p:pic>
-        <p:nvPicPr>
-          <p:cNvPr id="7" name="latex-image-6.pdf" descr="latex-image-6.pdf"/>
-          <p:cNvPicPr>
-            <a:picLocks noChangeAspect="1"/>
-          </p:cNvPicPr>
-          <p:nvPr/>
-        </p:nvPicPr>
-        <p:blipFill>
-          <a:blip r:embed="rId4"/>
-          <a:stretch>
-            <a:fillRect/>
-          </a:stretch>
-        </p:blipFill>
-        <p:spPr>
-          <a:xfrm>
-            <a:off x="8934450" y="2450443"/>
-            <a:ext cx="127000" cy="235858"/>
-          </a:xfrm>
-          <a:prstGeom prst="rect">
-            <a:avLst/>
-          </a:prstGeom>
-          <a:ln w="12700">
-            <a:miter lim="400000"/>
-          </a:ln>
-        </p:spPr>
-      </p:pic>
-      <p:sp>
-        <p:nvSpPr>
-          <p:cNvPr id="8" name="Line"/>
-          <p:cNvSpPr/>
-          <p:nvPr/>
-        </p:nvSpPr>
-        <p:spPr>
-          <a:xfrm>
-            <a:off x="9163888" y="4060825"/>
-            <a:ext cx="1725491" cy="0"/>
-          </a:xfrm>
-          <a:prstGeom prst="line">
-            <a:avLst/>
-          </a:prstGeom>
-          <a:ln w="25400">
-            <a:solidFill>
-              <a:srgbClr val="000000"/>
-            </a:solidFill>
-            <a:miter lim="400000"/>
-            <a:tailEnd type="triangle"/>
-          </a:ln>
-        </p:spPr>
-        <p:txBody>
-          <a:bodyPr lIns="50800" tIns="50800" rIns="50800" bIns="50800" anchor="ctr"/>
-          <a:lstStyle/>
-          <a:p>
-            <a:pPr>
-              <a:defRPr sz="2400"/>
-            </a:pPr>
-            <a:endParaRPr/>
-          </a:p>
-        </p:txBody>
-      </p:sp>
-      <p:sp>
-        <p:nvSpPr>
-          <p:cNvPr id="9" name="Line"/>
-          <p:cNvSpPr/>
-          <p:nvPr/>
-        </p:nvSpPr>
-        <p:spPr>
-          <a:xfrm flipV="1">
-            <a:off x="9176588" y="2347141"/>
-            <a:ext cx="1" cy="1712868"/>
-          </a:xfrm>
-          <a:prstGeom prst="line">
-            <a:avLst/>
-          </a:prstGeom>
-          <a:ln w="25400">
-            <a:solidFill>
-              <a:srgbClr val="000000"/>
-            </a:solidFill>
-            <a:miter lim="400000"/>
-            <a:tailEnd type="triangle"/>
-          </a:ln>
-        </p:spPr>
-        <p:txBody>
-          <a:bodyPr lIns="50800" tIns="50800" rIns="50800" bIns="50800" anchor="ctr"/>
-          <a:lstStyle/>
-          <a:p>
-            <a:pPr>
-              <a:defRPr sz="2400"/>
-            </a:pPr>
-            <a:endParaRPr/>
-          </a:p>
-        </p:txBody>
-      </p:sp>
-      <p:sp>
-        <p:nvSpPr>
-          <p:cNvPr id="10" name="Line"/>
-          <p:cNvSpPr/>
-          <p:nvPr/>
-        </p:nvSpPr>
-        <p:spPr>
-          <a:xfrm flipV="1">
-            <a:off x="9194051" y="3359312"/>
-            <a:ext cx="688813" cy="688813"/>
-          </a:xfrm>
-          <a:prstGeom prst="line">
-            <a:avLst/>
-          </a:prstGeom>
-          <a:ln w="25400">
-            <a:solidFill>
-              <a:srgbClr val="000000"/>
-            </a:solidFill>
-            <a:miter lim="400000"/>
-            <a:tailEnd type="triangle"/>
-          </a:ln>
-        </p:spPr>
-        <p:txBody>
-          <a:bodyPr lIns="50800" tIns="50800" rIns="50800" bIns="50800" anchor="ctr"/>
-          <a:lstStyle/>
-          <a:p>
-            <a:pPr>
-              <a:defRPr sz="2400"/>
-            </a:pPr>
-            <a:endParaRPr/>
-          </a:p>
-        </p:txBody>
-      </p:sp>
-      <p:pic>
-        <p:nvPicPr>
-          <p:cNvPr id="11" name="latex-image-9.pdf" descr="latex-image-9.pdf"/>
-          <p:cNvPicPr>
-            <a:picLocks noChangeAspect="1"/>
-          </p:cNvPicPr>
-          <p:nvPr/>
-        </p:nvPicPr>
-        <p:blipFill>
-          <a:blip r:embed="rId5"/>
-          <a:stretch>
-            <a:fillRect/>
-          </a:stretch>
-        </p:blipFill>
-        <p:spPr>
-          <a:xfrm>
-            <a:off x="9472613" y="3802954"/>
-            <a:ext cx="122709" cy="207071"/>
-          </a:xfrm>
-          <a:prstGeom prst="rect">
-            <a:avLst/>
-          </a:prstGeom>
-          <a:ln w="12700">
-            <a:miter lim="400000"/>
-          </a:ln>
-        </p:spPr>
-      </p:pic>
-      <p:pic>
-        <p:nvPicPr>
-          <p:cNvPr id="12" name="latex-image-10.pdf" descr="latex-image-10.pdf"/>
-          <p:cNvPicPr>
-            <a:picLocks noChangeAspect="1"/>
-          </p:cNvPicPr>
-          <p:nvPr/>
-        </p:nvPicPr>
-        <p:blipFill>
-          <a:blip r:embed="rId6"/>
-          <a:stretch>
-            <a:fillRect/>
-          </a:stretch>
-        </p:blipFill>
-        <p:spPr>
-          <a:xfrm>
-            <a:off x="9485313" y="3333097"/>
-            <a:ext cx="178772" cy="248295"/>
-          </a:xfrm>
-          <a:prstGeom prst="rect">
-            <a:avLst/>
-          </a:prstGeom>
-          <a:ln w="12700">
-            <a:miter lim="400000"/>
-          </a:ln>
-        </p:spPr>
-      </p:pic>
-      <p:pic>
-        <p:nvPicPr>
-          <p:cNvPr id="13" name="latex-image-9.pdf" descr="latex-image-9.pdf"/>
-          <p:cNvPicPr>
-            <a:picLocks noChangeAspect="1"/>
-          </p:cNvPicPr>
-          <p:nvPr/>
-        </p:nvPicPr>
-        <p:blipFill>
-          <a:blip r:embed="rId5"/>
-          <a:stretch>
-            <a:fillRect/>
-          </a:stretch>
-        </p:blipFill>
-        <p:spPr>
-          <a:xfrm>
-            <a:off x="9218613" y="2825054"/>
-            <a:ext cx="122709" cy="207071"/>
-          </a:xfrm>
-          <a:prstGeom prst="rect">
-            <a:avLst/>
-          </a:prstGeom>
-          <a:ln w="12700">
-            <a:miter lim="400000"/>
-          </a:ln>
-        </p:spPr>
-      </p:pic>
-      <p:sp>
-        <p:nvSpPr>
-          <p:cNvPr id="14" name="Connection Line"/>
-          <p:cNvSpPr/>
-          <p:nvPr/>
-        </p:nvSpPr>
-        <p:spPr>
-          <a:xfrm>
-            <a:off x="9551966" y="3704291"/>
-            <a:ext cx="161561" cy="365325"/>
-          </a:xfrm>
-          <a:custGeom>
-            <a:avLst/>
-            <a:gdLst/>
-            <a:ahLst/>
-            <a:cxnLst>
-              <a:cxn ang="0">
-                <a:pos x="wd2" y="hd2"/>
-              </a:cxn>
-              <a:cxn ang="5400000">
-                <a:pos x="wd2" y="hd2"/>
-              </a:cxn>
-              <a:cxn ang="10800000">
-                <a:pos x="wd2" y="hd2"/>
-              </a:cxn>
-              <a:cxn ang="16200000">
-                <a:pos x="wd2" y="hd2"/>
-              </a:cxn>
-            </a:cxnLst>
-            <a:rect l="0" t="0" r="r" b="b"/>
-            <a:pathLst>
-              <a:path w="17356" h="21600" extrusionOk="0">
-                <a:moveTo>
-                  <a:pt x="0" y="0"/>
-                </a:moveTo>
-                <a:cubicBezTo>
-                  <a:pt x="17170" y="4716"/>
-                  <a:pt x="21600" y="11916"/>
-                  <a:pt x="13291" y="21600"/>
-                </a:cubicBezTo>
-              </a:path>
-            </a:pathLst>
-          </a:custGeom>
-          <a:ln w="12700">
-            <a:solidFill>
-              <a:srgbClr val="000000"/>
-            </a:solidFill>
-            <a:miter lim="400000"/>
-          </a:ln>
-        </p:spPr>
-        <p:txBody>
-          <a:bodyPr/>
-          <a:lstStyle/>
-          <a:p>
-            <a:endParaRPr/>
-          </a:p>
-        </p:txBody>
-      </p:sp>
-      <p:sp>
-        <p:nvSpPr>
-          <p:cNvPr id="15" name="Connection Line"/>
-          <p:cNvSpPr/>
-          <p:nvPr/>
-        </p:nvSpPr>
-        <p:spPr>
-          <a:xfrm>
-            <a:off x="9183695" y="2925085"/>
-            <a:ext cx="268239" cy="175523"/>
-          </a:xfrm>
-          <a:custGeom>
-            <a:avLst/>
-            <a:gdLst/>
-            <a:ahLst/>
-            <a:cxnLst>
-              <a:cxn ang="0">
-                <a:pos x="wd2" y="hd2"/>
-              </a:cxn>
-              <a:cxn ang="5400000">
-                <a:pos x="wd2" y="hd2"/>
-              </a:cxn>
-              <a:cxn ang="10800000">
-                <a:pos x="wd2" y="hd2"/>
-              </a:cxn>
-              <a:cxn ang="16200000">
-                <a:pos x="wd2" y="hd2"/>
-              </a:cxn>
-            </a:cxnLst>
-            <a:rect l="0" t="0" r="r" b="b"/>
-            <a:pathLst>
-              <a:path w="21600" h="18029" extrusionOk="0">
-                <a:moveTo>
-                  <a:pt x="21600" y="0"/>
-                </a:moveTo>
-                <a:cubicBezTo>
-                  <a:pt x="19502" y="16382"/>
-                  <a:pt x="12302" y="21600"/>
-                  <a:pt x="0" y="15654"/>
-                </a:cubicBezTo>
-              </a:path>
-            </a:pathLst>
-          </a:custGeom>
-          <a:ln w="12700">
-            <a:solidFill>
-              <a:srgbClr val="000000"/>
-            </a:solidFill>
-            <a:miter lim="400000"/>
-          </a:ln>
-        </p:spPr>
-        <p:txBody>
-          <a:bodyPr/>
-          <a:lstStyle/>
-          <a:p>
-            <a:endParaRPr/>
-          </a:p>
-        </p:txBody>
-      </p:sp>
-      <p:pic>
-        <p:nvPicPr>
-          <p:cNvPr id="2052" name="Picture 4" descr="https://latex.codecogs.com/gif.latex?%5Cdpi%7B300%7D%20%5C%5C%20y%3Dmx&amp;plus;b%5C%5C%20%5Cxrightarrow%7Bx%3D0%7Dy%3Db%5C%5C%20%5Cxrightarrow%7By%3D0%7Dx%3D-%5Cfrac%7Bb%7D%7Bm%7D%5C%5C%20%5Cfrac%7B%5Cfrac%7B-b%7D%7Bm%7D%7D%7Bb%7D%3D-%5Cfrac%7B1%7D%7Bm%7D%3Dtg%5Ctheta%5Crightarrow%20m%3D-%5Cfrac%7B1%7D%7Btg%5Ctheta%7D%3D-%5Cfrac%7Bcos%5Ctheta%7D%7Bsin%5Ctheta%7D%20%5C%5C%20%5Cfrac%7B%5Crho%7D%7Bb%7D%3Dsin%5Ctheta%5Crightarrow%20b%3D%5Cfrac%7B%5Crho%7D%7Bsin%5Ctheta%7D%20%5C%5C%20y%3Dmx&amp;plus;b%5Crightarrow%20y%3D-%5Cfrac%7Bcos%5Ctheta%7D%7Bsin%5Ctheta%7Dx&amp;plus;%5Cfrac%7B%5Crho%7D%7Bsin%5Ctheta%7D%20%5Crightarrow%20xcos%5Ctheta%20&amp;plus;ysin%5Ctheta%20%3D%20%5Crho"/>
-          <p:cNvPicPr>
-            <a:picLocks noChangeAspect="1" noChangeArrowheads="1"/>
-          </p:cNvPicPr>
-          <p:nvPr/>
-        </p:nvPicPr>
-        <p:blipFill>
-          <a:blip r:embed="rId7">
-            <a:extLst>
-              <a:ext uri="{28A0092B-C50C-407E-A947-70E740481C1C}">
-                <a14:useLocalDpi xmlns:a14="http://schemas.microsoft.com/office/drawing/2010/main" val="0"/>
-              </a:ext>
-            </a:extLst>
-          </a:blip>
-          <a:srcRect/>
-          <a:stretch>
-            <a:fillRect/>
-          </a:stretch>
-        </p:blipFill>
-        <p:spPr bwMode="auto">
-          <a:xfrm>
-            <a:off x="556462" y="2200274"/>
-            <a:ext cx="10044934" cy="4548493"/>
-          </a:xfrm>
-          <a:prstGeom prst="rect">
-            <a:avLst/>
-          </a:prstGeom>
-          <a:noFill/>
-          <a:extLst>
-            <a:ext uri="{909E8E84-426E-40DD-AFC4-6F175D3DCCD1}">
-              <a14:hiddenFill xmlns:a14="http://schemas.microsoft.com/office/drawing/2010/main">
-                <a:solidFill>
-                  <a:srgbClr val="FFFFFF"/>
-                </a:solidFill>
-              </a14:hiddenFill>
-            </a:ext>
-          </a:extLst>
-        </p:spPr>
-      </p:pic>
-      <p:pic>
-        <p:nvPicPr>
-          <p:cNvPr id="18" name="Picture 4" descr="https://latex.codecogs.com/gif.latex?%5Cdpi%7B300%7D%20%5C%5C%20y%3Dmx&amp;plus;b%5C%5C%20%5Cxrightarrow%7Bx%3D0%7Dy%3Db%5C%5C%20%5Cxrightarrow%7By%3D0%7Dx%3D-%5Cfrac%7Bb%7D%7Bm%7D%5C%5C%20%5Cfrac%7B%5Cfrac%7B-b%7D%7Bm%7D%7D%7Bb%7D%3D-%5Cfrac%7B1%7D%7Bm%7D%3Dtg%5Ctheta%5Crightarrow%20m%3D-%5Cfrac%7B1%7D%7Btg%5Ctheta%7D%3D-%5Cfrac%7Bcos%5Ctheta%7D%7Bsin%5Ctheta%7D%20%5C%5C%20%5Cfrac%7B%5Crho%7D%7Bb%7D%3Dsin%5Ctheta%5Crightarrow%20b%3D%5Cfrac%7B%5Crho%7D%7Bsin%5Ctheta%7D%20%5C%5C%20y%3Dmx&amp;plus;b%5Crightarrow%20y%3D-%5Cfrac%7Bcos%5Ctheta%7D%7Bsin%5Ctheta%7Dx&amp;plus;%5Cfrac%7B%5Crho%7D%7Bsin%5Ctheta%7D%20%5Crightarrow%20xcos%5Ctheta%20&amp;plus;ysin%5Ctheta%20%3D%20%5Crho"/>
-          <p:cNvPicPr>
-            <a:picLocks noChangeAspect="1" noChangeArrowheads="1"/>
-          </p:cNvPicPr>
-          <p:nvPr/>
-        </p:nvPicPr>
-        <p:blipFill rotWithShape="1">
-          <a:blip r:embed="rId7">
-            <a:extLst>
-              <a:ext uri="{28A0092B-C50C-407E-A947-70E740481C1C}">
-                <a14:useLocalDpi xmlns:a14="http://schemas.microsoft.com/office/drawing/2010/main" val="0"/>
-              </a:ext>
-            </a:extLst>
-          </a:blip>
-          <a:srcRect l="16363" t="19825" r="75525" b="57691"/>
-          <a:stretch/>
-        </p:blipFill>
-        <p:spPr bwMode="auto">
-          <a:xfrm>
-            <a:off x="10301608" y="4069616"/>
-            <a:ext cx="599575" cy="752484"/>
-          </a:xfrm>
-          <a:prstGeom prst="rect">
-            <a:avLst/>
-          </a:prstGeom>
-          <a:noFill/>
-          <a:extLst>
-            <a:ext uri="{909E8E84-426E-40DD-AFC4-6F175D3DCCD1}">
-              <a14:hiddenFill xmlns:a14="http://schemas.microsoft.com/office/drawing/2010/main">
-                <a:solidFill>
-                  <a:srgbClr val="FFFFFF"/>
-                </a:solidFill>
-              </a14:hiddenFill>
-            </a:ext>
-          </a:extLst>
-        </p:spPr>
-      </p:pic>
-      <p:sp>
-        <p:nvSpPr>
-          <p:cNvPr id="4" name="Rectangle 3"/>
-          <p:cNvSpPr/>
-          <p:nvPr/>
-        </p:nvSpPr>
-        <p:spPr>
-          <a:xfrm rot="2546264">
-            <a:off x="9678362" y="3325254"/>
-            <a:ext cx="297067" cy="201333"/>
-          </a:xfrm>
-          <a:prstGeom prst="rect">
-            <a:avLst/>
-          </a:prstGeom>
-          <a:noFill/>
-          <a:ln w="6350">
-            <a:solidFill>
-              <a:schemeClr val="tx1"/>
-            </a:solidFill>
-          </a:ln>
-        </p:spPr>
-        <p:style>
-          <a:lnRef idx="2">
-            <a:schemeClr val="accent1">
-              <a:shade val="50000"/>
-            </a:schemeClr>
-          </a:lnRef>
-          <a:fillRef idx="1">
-            <a:schemeClr val="accent1"/>
-          </a:fillRef>
-          <a:effectRef idx="0">
-            <a:schemeClr val="accent1"/>
-          </a:effectRef>
-          <a:fontRef idx="minor">
-            <a:schemeClr val="lt1"/>
-          </a:fontRef>
-        </p:style>
-        <p:txBody>
-          <a:bodyPr rtlCol="0" anchor="ctr"/>
-          <a:lstStyle/>
-          <a:p>
-            <a:pPr algn="ctr"/>
-            <a:endParaRPr lang="en-US"/>
-          </a:p>
-        </p:txBody>
-      </p:sp>
-      <p:sp>
-        <p:nvSpPr>
-          <p:cNvPr id="20" name="Rectangle 19"/>
-          <p:cNvSpPr/>
-          <p:nvPr/>
-        </p:nvSpPr>
-        <p:spPr>
-          <a:xfrm>
-            <a:off x="9173735" y="3846792"/>
-            <a:ext cx="195871" cy="201333"/>
-          </a:xfrm>
-          <a:prstGeom prst="rect">
-            <a:avLst/>
-          </a:prstGeom>
-          <a:noFill/>
-          <a:ln w="6350">
-            <a:solidFill>
-              <a:schemeClr val="tx1"/>
-            </a:solidFill>
-          </a:ln>
-        </p:spPr>
-        <p:style>
-          <a:lnRef idx="2">
-            <a:schemeClr val="accent1">
-              <a:shade val="50000"/>
-            </a:schemeClr>
-          </a:lnRef>
-          <a:fillRef idx="1">
-            <a:schemeClr val="accent1"/>
-          </a:fillRef>
-          <a:effectRef idx="0">
-            <a:schemeClr val="accent1"/>
-          </a:effectRef>
-          <a:fontRef idx="minor">
-            <a:schemeClr val="lt1"/>
-          </a:fontRef>
-        </p:style>
-        <p:txBody>
-          <a:bodyPr rtlCol="0" anchor="ctr"/>
-          <a:lstStyle/>
-          <a:p>
-            <a:pPr algn="ctr"/>
-            <a:endParaRPr lang="en-US"/>
-          </a:p>
-        </p:txBody>
-      </p:sp>
-      <p:sp>
-        <p:nvSpPr>
-          <p:cNvPr id="22" name="Rectangle: Rounded Corners 7">
-            <a:extLst>
-              <a:ext uri="{FF2B5EF4-FFF2-40B4-BE49-F238E27FC236}">
-                <a16:creationId xmlns:a16="http://schemas.microsoft.com/office/drawing/2014/main" id="{89656513-9083-47D3-8D44-E43743BD2C33}"/>
-              </a:ext>
-            </a:extLst>
-          </p:cNvPr>
-          <p:cNvSpPr/>
-          <p:nvPr/>
-        </p:nvSpPr>
-        <p:spPr>
-          <a:xfrm>
-            <a:off x="7305675" y="6038850"/>
-            <a:ext cx="3583704" cy="681342"/>
-          </a:xfrm>
-          <a:prstGeom prst="roundRect">
-            <a:avLst/>
-          </a:prstGeom>
-          <a:noFill/>
-        </p:spPr>
-        <p:style>
-          <a:lnRef idx="2">
-            <a:schemeClr val="accent1">
-              <a:shade val="50000"/>
-            </a:schemeClr>
-          </a:lnRef>
-          <a:fillRef idx="1">
-            <a:schemeClr val="accent1"/>
-          </a:fillRef>
-          <a:effectRef idx="0">
-            <a:schemeClr val="accent1"/>
-          </a:effectRef>
-          <a:fontRef idx="minor">
-            <a:schemeClr val="lt1"/>
-          </a:fontRef>
-        </p:style>
-        <p:txBody>
-          <a:bodyPr rtlCol="0" anchor="ctr"/>
-          <a:lstStyle/>
-          <a:p>
-            <a:pPr algn="ctr"/>
-            <a:endParaRPr lang="en-US"/>
-          </a:p>
-        </p:txBody>
-      </p:sp>
-      <p:sp>
-        <p:nvSpPr>
-          <p:cNvPr id="19" name="Rectangle 18">
-            <a:extLst>
-              <a:ext uri="{FF2B5EF4-FFF2-40B4-BE49-F238E27FC236}">
-                <a16:creationId xmlns:a16="http://schemas.microsoft.com/office/drawing/2014/main" id="{601B361A-666D-4F49-8F65-CCD8395CF5E9}"/>
-              </a:ext>
-            </a:extLst>
-          </p:cNvPr>
-          <p:cNvSpPr/>
-          <p:nvPr/>
-        </p:nvSpPr>
-        <p:spPr>
-          <a:xfrm>
-            <a:off x="0" y="5870576"/>
-            <a:ext cx="12191999" cy="987421"/>
-          </a:xfrm>
-          <a:prstGeom prst="rect">
-            <a:avLst/>
-          </a:prstGeom>
-          <a:solidFill>
-            <a:schemeClr val="bg1"/>
-          </a:solidFill>
-          <a:ln>
-            <a:solidFill>
-              <a:schemeClr val="bg1"/>
-            </a:solidFill>
-          </a:ln>
-        </p:spPr>
-        <p:style>
-          <a:lnRef idx="2">
-            <a:schemeClr val="accent1">
-              <a:shade val="50000"/>
-            </a:schemeClr>
-          </a:lnRef>
-          <a:fillRef idx="1">
-            <a:schemeClr val="accent1"/>
-          </a:fillRef>
-          <a:effectRef idx="0">
-            <a:schemeClr val="accent1"/>
-          </a:effectRef>
-          <a:fontRef idx="minor">
-            <a:schemeClr val="lt1"/>
-          </a:fontRef>
-        </p:style>
-        <p:txBody>
-          <a:bodyPr rtlCol="0" anchor="ctr"/>
-          <a:lstStyle/>
-          <a:p>
-            <a:pPr algn="ctr"/>
-            <a:endParaRPr lang="en-US"/>
-          </a:p>
-        </p:txBody>
-      </p:sp>
-    </p:spTree>
-    <p:extLst>
-      <p:ext uri="{BB962C8B-B14F-4D97-AF65-F5344CB8AC3E}">
-        <p14:creationId xmlns:p14="http://schemas.microsoft.com/office/powerpoint/2010/main" val="3337344559"/>
-      </p:ext>
-    </p:extLst>
-  </p:cSld>
-  <p:clrMapOvr>
-    <a:masterClrMapping/>
-  </p:clrMapOvr>
-</p:sld>
-</file>
-
-<file path=ppt/slides/slide34.xml><?xml version="1.0" encoding="utf-8"?>
-<p:sld xmlns:a="http://schemas.openxmlformats.org/drawingml/2006/main" xmlns:r="http://schemas.openxmlformats.org/officeDocument/2006/relationships" xmlns:p="http://schemas.openxmlformats.org/presentationml/2006/main">
-  <p:cSld>
-    <p:spTree>
-      <p:nvGrpSpPr>
-        <p:cNvPr id="1" name=""/>
-        <p:cNvGrpSpPr/>
-        <p:nvPr/>
-      </p:nvGrpSpPr>
-      <p:grpSpPr>
-        <a:xfrm>
-          <a:off x="0" y="0"/>
-          <a:ext cx="0" cy="0"/>
-          <a:chOff x="0" y="0"/>
-          <a:chExt cx="0" cy="0"/>
-        </a:xfrm>
-      </p:grpSpPr>
-      <p:sp>
-        <p:nvSpPr>
-          <p:cNvPr id="2" name="Title 1"/>
-          <p:cNvSpPr>
-            <a:spLocks noGrp="1"/>
-          </p:cNvSpPr>
-          <p:nvPr>
-            <p:ph type="title"/>
-          </p:nvPr>
-        </p:nvSpPr>
-        <p:spPr/>
-        <p:txBody>
-          <a:bodyPr/>
-          <a:lstStyle/>
-          <a:p>
-            <a:r>
-              <a:rPr lang="en-US" dirty="0"/>
-              <a:t>Problem 1: vertical line detection</a:t>
-            </a:r>
-          </a:p>
-        </p:txBody>
-      </p:sp>
-      <mc:AlternateContent xmlns:mc="http://schemas.openxmlformats.org/markup-compatibility/2006" xmlns:a14="http://schemas.microsoft.com/office/drawing/2010/main">
-        <mc:Choice Requires="a14">
-          <p:sp>
-            <p:nvSpPr>
-              <p:cNvPr id="3" name="Content Placeholder 2"/>
-              <p:cNvSpPr>
-                <a:spLocks noGrp="1"/>
-              </p:cNvSpPr>
-              <p:nvPr>
-                <p:ph idx="1"/>
-              </p:nvPr>
-            </p:nvSpPr>
-            <p:spPr/>
-            <p:txBody>
-              <a:bodyPr/>
-              <a:lstStyle/>
-              <a:p>
-                <a:r>
-                  <a:rPr lang="en-US" dirty="0"/>
-                  <a:t>Vertical (or near vertical) lines have a big slope: </a:t>
-                </a:r>
-                <a14:m>
-                  <m:oMath xmlns:m="http://schemas.openxmlformats.org/officeDocument/2006/math">
-                    <m:r>
-                      <a:rPr lang="en-US" b="0" i="1" smtClean="0">
-                        <a:latin typeface="Cambria Math"/>
-                      </a:rPr>
-                      <m:t>𝑚</m:t>
-                    </m:r>
-                    <m:r>
-                      <a:rPr lang="en-US" b="0" i="1" smtClean="0">
-                        <a:latin typeface="Cambria Math"/>
-                      </a:rPr>
-                      <m:t>→∞</m:t>
-                    </m:r>
-                  </m:oMath>
-                </a14:m>
-                <a:r>
-                  <a:rPr lang="en-US" dirty="0"/>
-                  <a:t>. This causes the accumulator table to be very big in </a:t>
-                </a:r>
-                <a14:m>
-                  <m:oMath xmlns:m="http://schemas.openxmlformats.org/officeDocument/2006/math">
-                    <m:r>
-                      <a:rPr lang="en-US" b="0" i="1" smtClean="0">
-                        <a:latin typeface="Cambria Math"/>
-                      </a:rPr>
-                      <m:t>𝑚</m:t>
-                    </m:r>
-                  </m:oMath>
-                </a14:m>
-                <a:r>
-                  <a:rPr lang="en-US" dirty="0"/>
-                  <a:t> direction.</a:t>
-                </a:r>
-              </a:p>
-              <a:p>
-                <a:r>
-                  <a:rPr lang="en-US" dirty="0"/>
-                  <a:t>A solution is to give a </a:t>
-                </a:r>
-                <a:r>
-                  <a:rPr lang="en-US" b="1" dirty="0"/>
-                  <a:t>different parameterization to lines</a:t>
-                </a:r>
-                <a:r>
-                  <a:rPr lang="en-US" dirty="0"/>
-                  <a:t>:</a:t>
-                </a:r>
-              </a:p>
-              <a:p>
-                <a:endParaRPr lang="en-US" dirty="0"/>
-              </a:p>
-            </p:txBody>
-          </p:sp>
-        </mc:Choice>
-        <mc:Fallback xmlns="">
-          <p:sp>
-            <p:nvSpPr>
-              <p:cNvPr id="3" name="Content Placeholder 2"/>
-              <p:cNvSpPr>
-                <a:spLocks noGrp="1" noRot="1" noChangeAspect="1" noMove="1" noResize="1" noEditPoints="1" noAdjustHandles="1" noChangeArrowheads="1" noChangeShapeType="1" noTextEdit="1"/>
-              </p:cNvSpPr>
-              <p:nvPr>
-                <p:ph idx="1"/>
-              </p:nvPr>
-            </p:nvSpPr>
-            <p:spPr>
-              <a:blipFill rotWithShape="1">
-                <a:blip r:embed="rId3"/>
-                <a:stretch>
-                  <a:fillRect l="-879" t="-959"/>
-                </a:stretch>
-              </a:blipFill>
-            </p:spPr>
-            <p:txBody>
-              <a:bodyPr/>
-              <a:lstStyle/>
-              <a:p>
-                <a:r>
-                  <a:rPr lang="en-US">
-                    <a:noFill/>
-                  </a:rPr>
-                  <a:t> </a:t>
-                </a:r>
-              </a:p>
-            </p:txBody>
-          </p:sp>
-        </mc:Fallback>
-      </mc:AlternateContent>
-      <p:sp>
-        <p:nvSpPr>
-          <p:cNvPr id="5" name="Triangle"/>
-          <p:cNvSpPr/>
-          <p:nvPr/>
-        </p:nvSpPr>
-        <p:spPr>
-          <a:xfrm>
-            <a:off x="9173735" y="2625725"/>
-            <a:ext cx="1427661" cy="1427661"/>
-          </a:xfrm>
-          <a:custGeom>
-            <a:avLst/>
-            <a:gdLst/>
-            <a:ahLst/>
-            <a:cxnLst>
-              <a:cxn ang="0">
-                <a:pos x="wd2" y="hd2"/>
-              </a:cxn>
-              <a:cxn ang="5400000">
-                <a:pos x="wd2" y="hd2"/>
-              </a:cxn>
-              <a:cxn ang="10800000">
-                <a:pos x="wd2" y="hd2"/>
-              </a:cxn>
-              <a:cxn ang="16200000">
-                <a:pos x="wd2" y="hd2"/>
-              </a:cxn>
-            </a:cxnLst>
-            <a:rect l="0" t="0" r="r" b="b"/>
-            <a:pathLst>
-              <a:path w="21600" h="21600" extrusionOk="0">
-                <a:moveTo>
-                  <a:pt x="0" y="0"/>
-                </a:moveTo>
-                <a:lnTo>
-                  <a:pt x="0" y="21600"/>
-                </a:lnTo>
-                <a:lnTo>
-                  <a:pt x="21600" y="21600"/>
-                </a:lnTo>
-                <a:close/>
-              </a:path>
-            </a:pathLst>
-          </a:custGeom>
-          <a:ln w="25400">
-            <a:solidFill>
-              <a:srgbClr val="85888D"/>
-            </a:solidFill>
-            <a:miter lim="400000"/>
-          </a:ln>
-        </p:spPr>
-        <p:txBody>
-          <a:bodyPr lIns="50800" tIns="50800" rIns="50800" bIns="50800" anchor="ctr"/>
-          <a:lstStyle/>
-          <a:p>
-            <a:pPr>
-              <a:defRPr sz="2400"/>
-            </a:pPr>
-            <a:endParaRPr/>
-          </a:p>
-        </p:txBody>
-      </p:sp>
-      <p:pic>
-        <p:nvPicPr>
-          <p:cNvPr id="7" name="latex-image-6.pdf" descr="latex-image-6.pdf"/>
-          <p:cNvPicPr>
-            <a:picLocks noChangeAspect="1"/>
-          </p:cNvPicPr>
-          <p:nvPr/>
-        </p:nvPicPr>
-        <p:blipFill>
-          <a:blip r:embed="rId4"/>
-          <a:stretch>
-            <a:fillRect/>
-          </a:stretch>
-        </p:blipFill>
-        <p:spPr>
-          <a:xfrm>
-            <a:off x="8934450" y="2450443"/>
-            <a:ext cx="127000" cy="235858"/>
-          </a:xfrm>
-          <a:prstGeom prst="rect">
-            <a:avLst/>
-          </a:prstGeom>
-          <a:ln w="12700">
-            <a:miter lim="400000"/>
-          </a:ln>
-        </p:spPr>
-      </p:pic>
-      <p:sp>
-        <p:nvSpPr>
-          <p:cNvPr id="8" name="Line"/>
-          <p:cNvSpPr/>
-          <p:nvPr/>
-        </p:nvSpPr>
-        <p:spPr>
-          <a:xfrm>
-            <a:off x="9163888" y="4060825"/>
-            <a:ext cx="1725491" cy="0"/>
-          </a:xfrm>
-          <a:prstGeom prst="line">
-            <a:avLst/>
-          </a:prstGeom>
-          <a:ln w="25400">
-            <a:solidFill>
-              <a:srgbClr val="000000"/>
-            </a:solidFill>
-            <a:miter lim="400000"/>
-            <a:tailEnd type="triangle"/>
-          </a:ln>
-        </p:spPr>
-        <p:txBody>
-          <a:bodyPr lIns="50800" tIns="50800" rIns="50800" bIns="50800" anchor="ctr"/>
-          <a:lstStyle/>
-          <a:p>
-            <a:pPr>
-              <a:defRPr sz="2400"/>
-            </a:pPr>
-            <a:endParaRPr/>
-          </a:p>
-        </p:txBody>
-      </p:sp>
-      <p:sp>
-        <p:nvSpPr>
-          <p:cNvPr id="9" name="Line"/>
-          <p:cNvSpPr/>
-          <p:nvPr/>
-        </p:nvSpPr>
-        <p:spPr>
-          <a:xfrm flipV="1">
-            <a:off x="9176588" y="2347141"/>
-            <a:ext cx="1" cy="1712868"/>
-          </a:xfrm>
-          <a:prstGeom prst="line">
-            <a:avLst/>
-          </a:prstGeom>
-          <a:ln w="25400">
-            <a:solidFill>
-              <a:srgbClr val="000000"/>
-            </a:solidFill>
-            <a:miter lim="400000"/>
-            <a:tailEnd type="triangle"/>
-          </a:ln>
-        </p:spPr>
-        <p:txBody>
-          <a:bodyPr lIns="50800" tIns="50800" rIns="50800" bIns="50800" anchor="ctr"/>
-          <a:lstStyle/>
-          <a:p>
-            <a:pPr>
-              <a:defRPr sz="2400"/>
-            </a:pPr>
-            <a:endParaRPr/>
-          </a:p>
-        </p:txBody>
-      </p:sp>
-      <p:sp>
-        <p:nvSpPr>
-          <p:cNvPr id="10" name="Line"/>
-          <p:cNvSpPr/>
-          <p:nvPr/>
-        </p:nvSpPr>
-        <p:spPr>
-          <a:xfrm flipV="1">
-            <a:off x="9194051" y="3359312"/>
-            <a:ext cx="688813" cy="688813"/>
-          </a:xfrm>
-          <a:prstGeom prst="line">
-            <a:avLst/>
-          </a:prstGeom>
-          <a:ln w="25400">
-            <a:solidFill>
-              <a:srgbClr val="000000"/>
-            </a:solidFill>
-            <a:miter lim="400000"/>
-            <a:tailEnd type="triangle"/>
-          </a:ln>
-        </p:spPr>
-        <p:txBody>
-          <a:bodyPr lIns="50800" tIns="50800" rIns="50800" bIns="50800" anchor="ctr"/>
-          <a:lstStyle/>
-          <a:p>
-            <a:pPr>
-              <a:defRPr sz="2400"/>
-            </a:pPr>
-            <a:endParaRPr/>
-          </a:p>
-        </p:txBody>
-      </p:sp>
-      <p:pic>
-        <p:nvPicPr>
-          <p:cNvPr id="11" name="latex-image-9.pdf" descr="latex-image-9.pdf"/>
-          <p:cNvPicPr>
-            <a:picLocks noChangeAspect="1"/>
-          </p:cNvPicPr>
-          <p:nvPr/>
-        </p:nvPicPr>
-        <p:blipFill>
-          <a:blip r:embed="rId5"/>
-          <a:stretch>
-            <a:fillRect/>
-          </a:stretch>
-        </p:blipFill>
-        <p:spPr>
-          <a:xfrm>
-            <a:off x="9472613" y="3802954"/>
-            <a:ext cx="122709" cy="207071"/>
-          </a:xfrm>
-          <a:prstGeom prst="rect">
-            <a:avLst/>
-          </a:prstGeom>
-          <a:ln w="12700">
-            <a:miter lim="400000"/>
-          </a:ln>
-        </p:spPr>
-      </p:pic>
-      <p:pic>
-        <p:nvPicPr>
-          <p:cNvPr id="12" name="latex-image-10.pdf" descr="latex-image-10.pdf"/>
-          <p:cNvPicPr>
-            <a:picLocks noChangeAspect="1"/>
-          </p:cNvPicPr>
-          <p:nvPr/>
-        </p:nvPicPr>
-        <p:blipFill>
-          <a:blip r:embed="rId6"/>
-          <a:stretch>
-            <a:fillRect/>
-          </a:stretch>
-        </p:blipFill>
-        <p:spPr>
-          <a:xfrm>
-            <a:off x="9485313" y="3333097"/>
-            <a:ext cx="178772" cy="248295"/>
-          </a:xfrm>
-          <a:prstGeom prst="rect">
-            <a:avLst/>
-          </a:prstGeom>
-          <a:ln w="12700">
-            <a:miter lim="400000"/>
-          </a:ln>
-        </p:spPr>
-      </p:pic>
-      <p:pic>
-        <p:nvPicPr>
-          <p:cNvPr id="13" name="latex-image-9.pdf" descr="latex-image-9.pdf"/>
-          <p:cNvPicPr>
-            <a:picLocks noChangeAspect="1"/>
-          </p:cNvPicPr>
-          <p:nvPr/>
-        </p:nvPicPr>
-        <p:blipFill>
-          <a:blip r:embed="rId5"/>
-          <a:stretch>
-            <a:fillRect/>
-          </a:stretch>
-        </p:blipFill>
-        <p:spPr>
-          <a:xfrm>
-            <a:off x="9218613" y="2825054"/>
-            <a:ext cx="122709" cy="207071"/>
-          </a:xfrm>
-          <a:prstGeom prst="rect">
-            <a:avLst/>
-          </a:prstGeom>
-          <a:ln w="12700">
-            <a:miter lim="400000"/>
-          </a:ln>
-        </p:spPr>
-      </p:pic>
-      <p:sp>
-        <p:nvSpPr>
-          <p:cNvPr id="14" name="Connection Line"/>
-          <p:cNvSpPr/>
-          <p:nvPr/>
-        </p:nvSpPr>
-        <p:spPr>
-          <a:xfrm>
-            <a:off x="9551966" y="3704291"/>
-            <a:ext cx="161561" cy="365325"/>
-          </a:xfrm>
-          <a:custGeom>
-            <a:avLst/>
-            <a:gdLst/>
-            <a:ahLst/>
-            <a:cxnLst>
-              <a:cxn ang="0">
-                <a:pos x="wd2" y="hd2"/>
-              </a:cxn>
-              <a:cxn ang="5400000">
-                <a:pos x="wd2" y="hd2"/>
-              </a:cxn>
-              <a:cxn ang="10800000">
-                <a:pos x="wd2" y="hd2"/>
-              </a:cxn>
-              <a:cxn ang="16200000">
-                <a:pos x="wd2" y="hd2"/>
-              </a:cxn>
-            </a:cxnLst>
-            <a:rect l="0" t="0" r="r" b="b"/>
-            <a:pathLst>
-              <a:path w="17356" h="21600" extrusionOk="0">
-                <a:moveTo>
-                  <a:pt x="0" y="0"/>
-                </a:moveTo>
-                <a:cubicBezTo>
-                  <a:pt x="17170" y="4716"/>
-                  <a:pt x="21600" y="11916"/>
-                  <a:pt x="13291" y="21600"/>
-                </a:cubicBezTo>
-              </a:path>
-            </a:pathLst>
-          </a:custGeom>
-          <a:ln w="12700">
-            <a:solidFill>
-              <a:srgbClr val="000000"/>
-            </a:solidFill>
-            <a:miter lim="400000"/>
-          </a:ln>
-        </p:spPr>
-        <p:txBody>
-          <a:bodyPr/>
-          <a:lstStyle/>
-          <a:p>
-            <a:endParaRPr/>
-          </a:p>
-        </p:txBody>
-      </p:sp>
-      <p:sp>
-        <p:nvSpPr>
-          <p:cNvPr id="15" name="Connection Line"/>
-          <p:cNvSpPr/>
-          <p:nvPr/>
-        </p:nvSpPr>
-        <p:spPr>
-          <a:xfrm>
-            <a:off x="9183695" y="2925085"/>
-            <a:ext cx="268239" cy="175523"/>
-          </a:xfrm>
-          <a:custGeom>
-            <a:avLst/>
-            <a:gdLst/>
-            <a:ahLst/>
-            <a:cxnLst>
-              <a:cxn ang="0">
-                <a:pos x="wd2" y="hd2"/>
-              </a:cxn>
-              <a:cxn ang="5400000">
-                <a:pos x="wd2" y="hd2"/>
-              </a:cxn>
-              <a:cxn ang="10800000">
-                <a:pos x="wd2" y="hd2"/>
-              </a:cxn>
-              <a:cxn ang="16200000">
-                <a:pos x="wd2" y="hd2"/>
-              </a:cxn>
-            </a:cxnLst>
-            <a:rect l="0" t="0" r="r" b="b"/>
-            <a:pathLst>
-              <a:path w="21600" h="18029" extrusionOk="0">
-                <a:moveTo>
-                  <a:pt x="21600" y="0"/>
-                </a:moveTo>
-                <a:cubicBezTo>
-                  <a:pt x="19502" y="16382"/>
-                  <a:pt x="12302" y="21600"/>
-                  <a:pt x="0" y="15654"/>
-                </a:cubicBezTo>
-              </a:path>
-            </a:pathLst>
-          </a:custGeom>
-          <a:ln w="12700">
-            <a:solidFill>
-              <a:srgbClr val="000000"/>
-            </a:solidFill>
-            <a:miter lim="400000"/>
-          </a:ln>
-        </p:spPr>
-        <p:txBody>
-          <a:bodyPr/>
-          <a:lstStyle/>
-          <a:p>
-            <a:endParaRPr/>
-          </a:p>
-        </p:txBody>
-      </p:sp>
-      <p:pic>
-        <p:nvPicPr>
-          <p:cNvPr id="2052" name="Picture 4" descr="https://latex.codecogs.com/gif.latex?%5Cdpi%7B300%7D%20%5C%5C%20y%3Dmx&amp;plus;b%5C%5C%20%5Cxrightarrow%7Bx%3D0%7Dy%3Db%5C%5C%20%5Cxrightarrow%7By%3D0%7Dx%3D-%5Cfrac%7Bb%7D%7Bm%7D%5C%5C%20%5Cfrac%7B%5Cfrac%7B-b%7D%7Bm%7D%7D%7Bb%7D%3D-%5Cfrac%7B1%7D%7Bm%7D%3Dtg%5Ctheta%5Crightarrow%20m%3D-%5Cfrac%7B1%7D%7Btg%5Ctheta%7D%3D-%5Cfrac%7Bcos%5Ctheta%7D%7Bsin%5Ctheta%7D%20%5C%5C%20%5Cfrac%7B%5Crho%7D%7Bb%7D%3Dsin%5Ctheta%5Crightarrow%20b%3D%5Cfrac%7B%5Crho%7D%7Bsin%5Ctheta%7D%20%5C%5C%20y%3Dmx&amp;plus;b%5Crightarrow%20y%3D-%5Cfrac%7Bcos%5Ctheta%7D%7Bsin%5Ctheta%7Dx&amp;plus;%5Cfrac%7B%5Crho%7D%7Bsin%5Ctheta%7D%20%5Crightarrow%20xcos%5Ctheta%20&amp;plus;ysin%5Ctheta%20%3D%20%5Crho"/>
-          <p:cNvPicPr>
-            <a:picLocks noChangeAspect="1" noChangeArrowheads="1"/>
-          </p:cNvPicPr>
-          <p:nvPr/>
-        </p:nvPicPr>
-        <p:blipFill>
-          <a:blip r:embed="rId7">
-            <a:extLst>
-              <a:ext uri="{28A0092B-C50C-407E-A947-70E740481C1C}">
-                <a14:useLocalDpi xmlns:a14="http://schemas.microsoft.com/office/drawing/2010/main" val="0"/>
-              </a:ext>
-            </a:extLst>
-          </a:blip>
-          <a:srcRect/>
-          <a:stretch>
-            <a:fillRect/>
-          </a:stretch>
-        </p:blipFill>
-        <p:spPr bwMode="auto">
-          <a:xfrm>
-            <a:off x="556462" y="2200274"/>
-            <a:ext cx="10044934" cy="4548493"/>
-          </a:xfrm>
-          <a:prstGeom prst="rect">
-            <a:avLst/>
-          </a:prstGeom>
-          <a:noFill/>
-          <a:extLst>
-            <a:ext uri="{909E8E84-426E-40DD-AFC4-6F175D3DCCD1}">
-              <a14:hiddenFill xmlns:a14="http://schemas.microsoft.com/office/drawing/2010/main">
-                <a:solidFill>
-                  <a:srgbClr val="FFFFFF"/>
-                </a:solidFill>
-              </a14:hiddenFill>
-            </a:ext>
-          </a:extLst>
-        </p:spPr>
-      </p:pic>
-      <p:pic>
-        <p:nvPicPr>
-          <p:cNvPr id="18" name="Picture 4" descr="https://latex.codecogs.com/gif.latex?%5Cdpi%7B300%7D%20%5C%5C%20y%3Dmx&amp;plus;b%5C%5C%20%5Cxrightarrow%7Bx%3D0%7Dy%3Db%5C%5C%20%5Cxrightarrow%7By%3D0%7Dx%3D-%5Cfrac%7Bb%7D%7Bm%7D%5C%5C%20%5Cfrac%7B%5Cfrac%7B-b%7D%7Bm%7D%7D%7Bb%7D%3D-%5Cfrac%7B1%7D%7Bm%7D%3Dtg%5Ctheta%5Crightarrow%20m%3D-%5Cfrac%7B1%7D%7Btg%5Ctheta%7D%3D-%5Cfrac%7Bcos%5Ctheta%7D%7Bsin%5Ctheta%7D%20%5C%5C%20%5Cfrac%7B%5Crho%7D%7Bb%7D%3Dsin%5Ctheta%5Crightarrow%20b%3D%5Cfrac%7B%5Crho%7D%7Bsin%5Ctheta%7D%20%5C%5C%20y%3Dmx&amp;plus;b%5Crightarrow%20y%3D-%5Cfrac%7Bcos%5Ctheta%7D%7Bsin%5Ctheta%7Dx&amp;plus;%5Cfrac%7B%5Crho%7D%7Bsin%5Ctheta%7D%20%5Crightarrow%20xcos%5Ctheta%20&amp;plus;ysin%5Ctheta%20%3D%20%5Crho"/>
-          <p:cNvPicPr>
-            <a:picLocks noChangeAspect="1" noChangeArrowheads="1"/>
-          </p:cNvPicPr>
-          <p:nvPr/>
-        </p:nvPicPr>
-        <p:blipFill rotWithShape="1">
-          <a:blip r:embed="rId7">
-            <a:extLst>
-              <a:ext uri="{28A0092B-C50C-407E-A947-70E740481C1C}">
-                <a14:useLocalDpi xmlns:a14="http://schemas.microsoft.com/office/drawing/2010/main" val="0"/>
-              </a:ext>
-            </a:extLst>
-          </a:blip>
-          <a:srcRect l="16363" t="19825" r="75525" b="57691"/>
-          <a:stretch/>
-        </p:blipFill>
-        <p:spPr bwMode="auto">
-          <a:xfrm>
-            <a:off x="10301608" y="4069616"/>
-            <a:ext cx="599575" cy="752484"/>
-          </a:xfrm>
-          <a:prstGeom prst="rect">
-            <a:avLst/>
-          </a:prstGeom>
-          <a:noFill/>
-          <a:extLst>
-            <a:ext uri="{909E8E84-426E-40DD-AFC4-6F175D3DCCD1}">
-              <a14:hiddenFill xmlns:a14="http://schemas.microsoft.com/office/drawing/2010/main">
-                <a:solidFill>
-                  <a:srgbClr val="FFFFFF"/>
-                </a:solidFill>
-              </a14:hiddenFill>
-            </a:ext>
-          </a:extLst>
-        </p:spPr>
-      </p:pic>
-      <p:sp>
-        <p:nvSpPr>
-          <p:cNvPr id="4" name="Rectangle 3"/>
-          <p:cNvSpPr/>
-          <p:nvPr/>
-        </p:nvSpPr>
-        <p:spPr>
-          <a:xfrm rot="2546264">
-            <a:off x="9678362" y="3325254"/>
-            <a:ext cx="297067" cy="201333"/>
-          </a:xfrm>
-          <a:prstGeom prst="rect">
-            <a:avLst/>
-          </a:prstGeom>
-          <a:noFill/>
-          <a:ln w="6350">
-            <a:solidFill>
-              <a:schemeClr val="tx1"/>
-            </a:solidFill>
-          </a:ln>
-        </p:spPr>
-        <p:style>
-          <a:lnRef idx="2">
-            <a:schemeClr val="accent1">
-              <a:shade val="50000"/>
-            </a:schemeClr>
-          </a:lnRef>
-          <a:fillRef idx="1">
-            <a:schemeClr val="accent1"/>
-          </a:fillRef>
-          <a:effectRef idx="0">
-            <a:schemeClr val="accent1"/>
-          </a:effectRef>
-          <a:fontRef idx="minor">
-            <a:schemeClr val="lt1"/>
-          </a:fontRef>
-        </p:style>
-        <p:txBody>
-          <a:bodyPr rtlCol="0" anchor="ctr"/>
-          <a:lstStyle/>
-          <a:p>
-            <a:pPr algn="ctr"/>
-            <a:endParaRPr lang="en-US"/>
-          </a:p>
-        </p:txBody>
-      </p:sp>
-      <p:sp>
-        <p:nvSpPr>
-          <p:cNvPr id="20" name="Rectangle 19"/>
-          <p:cNvSpPr/>
-          <p:nvPr/>
-        </p:nvSpPr>
-        <p:spPr>
-          <a:xfrm>
-            <a:off x="9173735" y="3846792"/>
-            <a:ext cx="195871" cy="201333"/>
-          </a:xfrm>
-          <a:prstGeom prst="rect">
-            <a:avLst/>
-          </a:prstGeom>
-          <a:noFill/>
-          <a:ln w="6350">
-            <a:solidFill>
-              <a:schemeClr val="tx1"/>
-            </a:solidFill>
-          </a:ln>
-        </p:spPr>
-        <p:style>
-          <a:lnRef idx="2">
-            <a:schemeClr val="accent1">
-              <a:shade val="50000"/>
-            </a:schemeClr>
-          </a:lnRef>
-          <a:fillRef idx="1">
-            <a:schemeClr val="accent1"/>
-          </a:fillRef>
-          <a:effectRef idx="0">
-            <a:schemeClr val="accent1"/>
-          </a:effectRef>
-          <a:fontRef idx="minor">
-            <a:schemeClr val="lt1"/>
-          </a:fontRef>
-        </p:style>
-        <p:txBody>
-          <a:bodyPr rtlCol="0" anchor="ctr"/>
-          <a:lstStyle/>
-          <a:p>
-            <a:pPr algn="ctr"/>
-            <a:endParaRPr lang="en-US"/>
-          </a:p>
-        </p:txBody>
-      </p:sp>
-      <p:sp>
-        <p:nvSpPr>
-          <p:cNvPr id="22" name="Rectangle: Rounded Corners 7">
-            <a:extLst>
-              <a:ext uri="{FF2B5EF4-FFF2-40B4-BE49-F238E27FC236}">
-                <a16:creationId xmlns:a16="http://schemas.microsoft.com/office/drawing/2014/main" id="{89656513-9083-47D3-8D44-E43743BD2C33}"/>
-              </a:ext>
-            </a:extLst>
-          </p:cNvPr>
-          <p:cNvSpPr/>
-          <p:nvPr/>
-        </p:nvSpPr>
-        <p:spPr>
-          <a:xfrm>
-            <a:off x="7305675" y="6038850"/>
-            <a:ext cx="3583704" cy="681342"/>
-          </a:xfrm>
-          <a:prstGeom prst="roundRect">
-            <a:avLst/>
-          </a:prstGeom>
-          <a:noFill/>
-        </p:spPr>
-        <p:style>
-          <a:lnRef idx="2">
-            <a:schemeClr val="accent1">
-              <a:shade val="50000"/>
-            </a:schemeClr>
-          </a:lnRef>
-          <a:fillRef idx="1">
-            <a:schemeClr val="accent1"/>
-          </a:fillRef>
-          <a:effectRef idx="0">
-            <a:schemeClr val="accent1"/>
-          </a:effectRef>
-          <a:fontRef idx="minor">
-            <a:schemeClr val="lt1"/>
-          </a:fontRef>
-        </p:style>
-        <p:txBody>
-          <a:bodyPr rtlCol="0" anchor="ctr"/>
-          <a:lstStyle/>
-          <a:p>
-            <a:pPr algn="ctr"/>
-            <a:endParaRPr lang="en-US"/>
-          </a:p>
-        </p:txBody>
-      </p:sp>
-      <p:sp>
-        <p:nvSpPr>
-          <p:cNvPr id="19" name="Rectangle 18">
-            <a:extLst>
-              <a:ext uri="{FF2B5EF4-FFF2-40B4-BE49-F238E27FC236}">
-                <a16:creationId xmlns:a16="http://schemas.microsoft.com/office/drawing/2014/main" id="{601B361A-666D-4F49-8F65-CCD8395CF5E9}"/>
-              </a:ext>
-            </a:extLst>
-          </p:cNvPr>
-          <p:cNvSpPr/>
-          <p:nvPr/>
-        </p:nvSpPr>
-        <p:spPr>
-          <a:xfrm>
-            <a:off x="6834554" y="5870576"/>
-            <a:ext cx="5357445" cy="987421"/>
-          </a:xfrm>
-          <a:prstGeom prst="rect">
-            <a:avLst/>
-          </a:prstGeom>
-          <a:solidFill>
-            <a:schemeClr val="bg1"/>
-          </a:solidFill>
-          <a:ln>
-            <a:solidFill>
-              <a:schemeClr val="bg1"/>
-            </a:solidFill>
-          </a:ln>
-        </p:spPr>
-        <p:style>
-          <a:lnRef idx="2">
-            <a:schemeClr val="accent1">
-              <a:shade val="50000"/>
-            </a:schemeClr>
-          </a:lnRef>
-          <a:fillRef idx="1">
-            <a:schemeClr val="accent1"/>
-          </a:fillRef>
-          <a:effectRef idx="0">
-            <a:schemeClr val="accent1"/>
-          </a:effectRef>
-          <a:fontRef idx="minor">
-            <a:schemeClr val="lt1"/>
-          </a:fontRef>
-        </p:style>
-        <p:txBody>
-          <a:bodyPr rtlCol="0" anchor="ctr"/>
-          <a:lstStyle/>
-          <a:p>
-            <a:pPr algn="ctr"/>
-            <a:endParaRPr lang="en-US"/>
-          </a:p>
-        </p:txBody>
-      </p:sp>
-    </p:spTree>
-    <p:extLst>
-      <p:ext uri="{BB962C8B-B14F-4D97-AF65-F5344CB8AC3E}">
-        <p14:creationId xmlns:p14="http://schemas.microsoft.com/office/powerpoint/2010/main" val="3788692611"/>
-      </p:ext>
-    </p:extLst>
-  </p:cSld>
-  <p:clrMapOvr>
-    <a:masterClrMapping/>
-  </p:clrMapOvr>
-</p:sld>
-</file>
-
-<file path=ppt/slides/slide35.xml><?xml version="1.0" encoding="utf-8"?>
-<p:sld xmlns:a="http://schemas.openxmlformats.org/drawingml/2006/main" xmlns:r="http://schemas.openxmlformats.org/officeDocument/2006/relationships" xmlns:p="http://schemas.openxmlformats.org/presentationml/2006/main">
-  <p:cSld>
-    <p:spTree>
-      <p:nvGrpSpPr>
-        <p:cNvPr id="1" name=""/>
-        <p:cNvGrpSpPr/>
-        <p:nvPr/>
-      </p:nvGrpSpPr>
-      <p:grpSpPr>
-        <a:xfrm>
-          <a:off x="0" y="0"/>
-          <a:ext cx="0" cy="0"/>
-          <a:chOff x="0" y="0"/>
-          <a:chExt cx="0" cy="0"/>
-        </a:xfrm>
-      </p:grpSpPr>
-      <p:sp>
-        <p:nvSpPr>
-          <p:cNvPr id="2" name="Title 1"/>
-          <p:cNvSpPr>
-            <a:spLocks noGrp="1"/>
-          </p:cNvSpPr>
-          <p:nvPr>
-            <p:ph type="title"/>
-          </p:nvPr>
-        </p:nvSpPr>
-        <p:spPr/>
-        <p:txBody>
-          <a:bodyPr/>
-          <a:lstStyle/>
-          <a:p>
-            <a:r>
-              <a:rPr lang="en-US" dirty="0"/>
-              <a:t>Problem 1: vertical line detection</a:t>
-            </a:r>
-          </a:p>
-        </p:txBody>
-      </p:sp>
-      <mc:AlternateContent xmlns:mc="http://schemas.openxmlformats.org/markup-compatibility/2006" xmlns:a14="http://schemas.microsoft.com/office/drawing/2010/main">
-        <mc:Choice Requires="a14">
-          <p:sp>
-            <p:nvSpPr>
-              <p:cNvPr id="3" name="Content Placeholder 2"/>
-              <p:cNvSpPr>
-                <a:spLocks noGrp="1"/>
-              </p:cNvSpPr>
-              <p:nvPr>
-                <p:ph idx="1"/>
-              </p:nvPr>
-            </p:nvSpPr>
-            <p:spPr/>
-            <p:txBody>
-              <a:bodyPr/>
-              <a:lstStyle/>
-              <a:p>
-                <a:r>
-                  <a:rPr lang="en-US" dirty="0"/>
-                  <a:t>Vertical (or near vertical) lines have a big slope: </a:t>
-                </a:r>
-                <a14:m>
-                  <m:oMath xmlns:m="http://schemas.openxmlformats.org/officeDocument/2006/math">
-                    <m:r>
-                      <a:rPr lang="en-US" b="0" i="1" smtClean="0">
-                        <a:latin typeface="Cambria Math"/>
-                      </a:rPr>
-                      <m:t>𝑚</m:t>
-                    </m:r>
-                    <m:r>
-                      <a:rPr lang="en-US" b="0" i="1" smtClean="0">
-                        <a:latin typeface="Cambria Math"/>
-                      </a:rPr>
-                      <m:t>→</m:t>
-                    </m:r>
-                    <m:r>
-                      <a:rPr lang="en-US" b="0" i="1" smtClean="0">
-                        <a:latin typeface="Cambria Math"/>
-                      </a:rPr>
-                      <m:t>∞</m:t>
-                    </m:r>
-                  </m:oMath>
-                </a14:m>
-                <a:r>
-                  <a:rPr lang="en-US" dirty="0"/>
-                  <a:t>. This causes the accumulator table to be very big in </a:t>
-                </a:r>
-                <a14:m>
-                  <m:oMath xmlns:m="http://schemas.openxmlformats.org/officeDocument/2006/math">
-                    <m:r>
-                      <a:rPr lang="en-US" b="0" i="1" smtClean="0">
-                        <a:latin typeface="Cambria Math"/>
-                      </a:rPr>
-                      <m:t>𝑚</m:t>
-                    </m:r>
-                  </m:oMath>
-                </a14:m>
-                <a:r>
-                  <a:rPr lang="en-US" dirty="0"/>
-                  <a:t> direction.</a:t>
-                </a:r>
-              </a:p>
-              <a:p>
-                <a:r>
-                  <a:rPr lang="en-US" dirty="0"/>
-                  <a:t>A solution is to give a </a:t>
-                </a:r>
-                <a:r>
-                  <a:rPr lang="en-US" b="1" dirty="0"/>
-                  <a:t>different parameterization to lines</a:t>
-                </a:r>
-                <a:r>
-                  <a:rPr lang="en-US" dirty="0"/>
-                  <a:t>:</a:t>
-                </a:r>
-              </a:p>
-              <a:p>
-                <a:endParaRPr lang="en-US" dirty="0"/>
-              </a:p>
-            </p:txBody>
-          </p:sp>
-        </mc:Choice>
-        <mc:Fallback xmlns="">
-          <p:sp>
-            <p:nvSpPr>
-              <p:cNvPr id="3" name="Content Placeholder 2"/>
-              <p:cNvSpPr>
-                <a:spLocks noGrp="1" noRot="1" noChangeAspect="1" noMove="1" noResize="1" noEditPoints="1" noAdjustHandles="1" noChangeArrowheads="1" noChangeShapeType="1" noTextEdit="1"/>
-              </p:cNvSpPr>
-              <p:nvPr>
-                <p:ph idx="1"/>
-              </p:nvPr>
-            </p:nvSpPr>
-            <p:spPr>
-              <a:blipFill rotWithShape="1">
-                <a:blip r:embed="rId3"/>
-                <a:stretch>
-                  <a:fillRect l="-879" t="-959"/>
-                </a:stretch>
-              </a:blipFill>
-            </p:spPr>
-            <p:txBody>
-              <a:bodyPr/>
-              <a:lstStyle/>
-              <a:p>
-                <a:r>
-                  <a:rPr lang="en-US">
-                    <a:noFill/>
-                  </a:rPr>
-                  <a:t> </a:t>
-                </a:r>
-              </a:p>
-            </p:txBody>
-          </p:sp>
-        </mc:Fallback>
-      </mc:AlternateContent>
-      <p:sp>
-        <p:nvSpPr>
-          <p:cNvPr id="5" name="Triangle"/>
-          <p:cNvSpPr/>
-          <p:nvPr/>
-        </p:nvSpPr>
-        <p:spPr>
-          <a:xfrm>
-            <a:off x="9173735" y="2625725"/>
-            <a:ext cx="1427661" cy="1427661"/>
-          </a:xfrm>
-          <a:custGeom>
-            <a:avLst/>
-            <a:gdLst/>
-            <a:ahLst/>
-            <a:cxnLst>
-              <a:cxn ang="0">
-                <a:pos x="wd2" y="hd2"/>
-              </a:cxn>
-              <a:cxn ang="5400000">
-                <a:pos x="wd2" y="hd2"/>
-              </a:cxn>
-              <a:cxn ang="10800000">
-                <a:pos x="wd2" y="hd2"/>
-              </a:cxn>
-              <a:cxn ang="16200000">
-                <a:pos x="wd2" y="hd2"/>
-              </a:cxn>
-            </a:cxnLst>
-            <a:rect l="0" t="0" r="r" b="b"/>
-            <a:pathLst>
-              <a:path w="21600" h="21600" extrusionOk="0">
-                <a:moveTo>
-                  <a:pt x="0" y="0"/>
-                </a:moveTo>
-                <a:lnTo>
-                  <a:pt x="0" y="21600"/>
-                </a:lnTo>
-                <a:lnTo>
-                  <a:pt x="21600" y="21600"/>
-                </a:lnTo>
-                <a:close/>
-              </a:path>
-            </a:pathLst>
-          </a:custGeom>
-          <a:ln w="25400">
-            <a:solidFill>
-              <a:srgbClr val="85888D"/>
-            </a:solidFill>
-            <a:miter lim="400000"/>
-          </a:ln>
-        </p:spPr>
-        <p:txBody>
-          <a:bodyPr lIns="50800" tIns="50800" rIns="50800" bIns="50800" anchor="ctr"/>
-          <a:lstStyle/>
-          <a:p>
-            <a:pPr>
-              <a:defRPr sz="2400"/>
-            </a:pPr>
-            <a:endParaRPr/>
-          </a:p>
-        </p:txBody>
-      </p:sp>
-      <p:pic>
-        <p:nvPicPr>
-          <p:cNvPr id="7" name="latex-image-6.pdf" descr="latex-image-6.pdf"/>
-          <p:cNvPicPr>
-            <a:picLocks noChangeAspect="1"/>
-          </p:cNvPicPr>
-          <p:nvPr/>
-        </p:nvPicPr>
-        <p:blipFill>
-          <a:blip r:embed="rId4"/>
-          <a:stretch>
-            <a:fillRect/>
-          </a:stretch>
-        </p:blipFill>
-        <p:spPr>
-          <a:xfrm>
-            <a:off x="8934450" y="2450443"/>
-            <a:ext cx="127000" cy="235858"/>
-          </a:xfrm>
-          <a:prstGeom prst="rect">
-            <a:avLst/>
-          </a:prstGeom>
-          <a:ln w="12700">
-            <a:miter lim="400000"/>
-          </a:ln>
-        </p:spPr>
-      </p:pic>
-      <p:sp>
-        <p:nvSpPr>
-          <p:cNvPr id="8" name="Line"/>
-          <p:cNvSpPr/>
-          <p:nvPr/>
-        </p:nvSpPr>
-        <p:spPr>
-          <a:xfrm>
-            <a:off x="9163888" y="4060825"/>
-            <a:ext cx="1725491" cy="0"/>
-          </a:xfrm>
-          <a:prstGeom prst="line">
-            <a:avLst/>
-          </a:prstGeom>
-          <a:ln w="25400">
-            <a:solidFill>
-              <a:srgbClr val="000000"/>
-            </a:solidFill>
-            <a:miter lim="400000"/>
-            <a:tailEnd type="triangle"/>
-          </a:ln>
-        </p:spPr>
-        <p:txBody>
-          <a:bodyPr lIns="50800" tIns="50800" rIns="50800" bIns="50800" anchor="ctr"/>
-          <a:lstStyle/>
-          <a:p>
-            <a:pPr>
-              <a:defRPr sz="2400"/>
-            </a:pPr>
-            <a:endParaRPr/>
-          </a:p>
-        </p:txBody>
-      </p:sp>
-      <p:sp>
-        <p:nvSpPr>
-          <p:cNvPr id="9" name="Line"/>
-          <p:cNvSpPr/>
-          <p:nvPr/>
-        </p:nvSpPr>
-        <p:spPr>
-          <a:xfrm flipV="1">
-            <a:off x="9176588" y="2347141"/>
-            <a:ext cx="1" cy="1712868"/>
-          </a:xfrm>
-          <a:prstGeom prst="line">
-            <a:avLst/>
-          </a:prstGeom>
-          <a:ln w="25400">
-            <a:solidFill>
-              <a:srgbClr val="000000"/>
-            </a:solidFill>
-            <a:miter lim="400000"/>
-            <a:tailEnd type="triangle"/>
-          </a:ln>
-        </p:spPr>
-        <p:txBody>
-          <a:bodyPr lIns="50800" tIns="50800" rIns="50800" bIns="50800" anchor="ctr"/>
-          <a:lstStyle/>
-          <a:p>
-            <a:pPr>
-              <a:defRPr sz="2400"/>
-            </a:pPr>
-            <a:endParaRPr/>
-          </a:p>
-        </p:txBody>
-      </p:sp>
-      <p:sp>
-        <p:nvSpPr>
-          <p:cNvPr id="10" name="Line"/>
-          <p:cNvSpPr/>
-          <p:nvPr/>
-        </p:nvSpPr>
-        <p:spPr>
-          <a:xfrm flipV="1">
-            <a:off x="9194051" y="3359312"/>
-            <a:ext cx="688813" cy="688813"/>
-          </a:xfrm>
-          <a:prstGeom prst="line">
-            <a:avLst/>
-          </a:prstGeom>
-          <a:ln w="25400">
-            <a:solidFill>
-              <a:srgbClr val="000000"/>
-            </a:solidFill>
-            <a:miter lim="400000"/>
-            <a:tailEnd type="triangle"/>
-          </a:ln>
-        </p:spPr>
-        <p:txBody>
-          <a:bodyPr lIns="50800" tIns="50800" rIns="50800" bIns="50800" anchor="ctr"/>
-          <a:lstStyle/>
-          <a:p>
-            <a:pPr>
-              <a:defRPr sz="2400"/>
-            </a:pPr>
-            <a:endParaRPr/>
-          </a:p>
-        </p:txBody>
-      </p:sp>
-      <p:pic>
-        <p:nvPicPr>
-          <p:cNvPr id="11" name="latex-image-9.pdf" descr="latex-image-9.pdf"/>
-          <p:cNvPicPr>
-            <a:picLocks noChangeAspect="1"/>
-          </p:cNvPicPr>
-          <p:nvPr/>
-        </p:nvPicPr>
-        <p:blipFill>
-          <a:blip r:embed="rId5"/>
-          <a:stretch>
-            <a:fillRect/>
-          </a:stretch>
-        </p:blipFill>
-        <p:spPr>
-          <a:xfrm>
-            <a:off x="9472613" y="3802954"/>
-            <a:ext cx="122709" cy="207071"/>
-          </a:xfrm>
-          <a:prstGeom prst="rect">
-            <a:avLst/>
-          </a:prstGeom>
-          <a:ln w="12700">
-            <a:miter lim="400000"/>
-          </a:ln>
-        </p:spPr>
-      </p:pic>
-      <p:pic>
-        <p:nvPicPr>
-          <p:cNvPr id="12" name="latex-image-10.pdf" descr="latex-image-10.pdf"/>
-          <p:cNvPicPr>
-            <a:picLocks noChangeAspect="1"/>
-          </p:cNvPicPr>
-          <p:nvPr/>
-        </p:nvPicPr>
-        <p:blipFill>
-          <a:blip r:embed="rId6"/>
-          <a:stretch>
-            <a:fillRect/>
-          </a:stretch>
-        </p:blipFill>
-        <p:spPr>
-          <a:xfrm>
-            <a:off x="9485313" y="3333097"/>
-            <a:ext cx="178772" cy="248295"/>
-          </a:xfrm>
-          <a:prstGeom prst="rect">
-            <a:avLst/>
-          </a:prstGeom>
-          <a:ln w="12700">
-            <a:miter lim="400000"/>
-          </a:ln>
-        </p:spPr>
-      </p:pic>
-      <p:pic>
-        <p:nvPicPr>
-          <p:cNvPr id="13" name="latex-image-9.pdf" descr="latex-image-9.pdf"/>
-          <p:cNvPicPr>
-            <a:picLocks noChangeAspect="1"/>
-          </p:cNvPicPr>
-          <p:nvPr/>
-        </p:nvPicPr>
-        <p:blipFill>
-          <a:blip r:embed="rId5"/>
-          <a:stretch>
-            <a:fillRect/>
-          </a:stretch>
-        </p:blipFill>
-        <p:spPr>
-          <a:xfrm>
-            <a:off x="9218613" y="2825054"/>
-            <a:ext cx="122709" cy="207071"/>
-          </a:xfrm>
-          <a:prstGeom prst="rect">
-            <a:avLst/>
-          </a:prstGeom>
-          <a:ln w="12700">
-            <a:miter lim="400000"/>
-          </a:ln>
-        </p:spPr>
-      </p:pic>
-      <p:sp>
-        <p:nvSpPr>
-          <p:cNvPr id="14" name="Connection Line"/>
-          <p:cNvSpPr/>
-          <p:nvPr/>
-        </p:nvSpPr>
-        <p:spPr>
-          <a:xfrm>
-            <a:off x="9551966" y="3704291"/>
-            <a:ext cx="161561" cy="365325"/>
-          </a:xfrm>
-          <a:custGeom>
-            <a:avLst/>
-            <a:gdLst/>
-            <a:ahLst/>
-            <a:cxnLst>
-              <a:cxn ang="0">
-                <a:pos x="wd2" y="hd2"/>
-              </a:cxn>
-              <a:cxn ang="5400000">
-                <a:pos x="wd2" y="hd2"/>
-              </a:cxn>
-              <a:cxn ang="10800000">
-                <a:pos x="wd2" y="hd2"/>
-              </a:cxn>
-              <a:cxn ang="16200000">
-                <a:pos x="wd2" y="hd2"/>
-              </a:cxn>
-            </a:cxnLst>
-            <a:rect l="0" t="0" r="r" b="b"/>
-            <a:pathLst>
-              <a:path w="17356" h="21600" extrusionOk="0">
-                <a:moveTo>
-                  <a:pt x="0" y="0"/>
-                </a:moveTo>
-                <a:cubicBezTo>
-                  <a:pt x="17170" y="4716"/>
-                  <a:pt x="21600" y="11916"/>
-                  <a:pt x="13291" y="21600"/>
-                </a:cubicBezTo>
-              </a:path>
-            </a:pathLst>
-          </a:custGeom>
-          <a:ln w="12700">
-            <a:solidFill>
-              <a:srgbClr val="000000"/>
-            </a:solidFill>
-            <a:miter lim="400000"/>
-          </a:ln>
-        </p:spPr>
-        <p:txBody>
-          <a:bodyPr/>
-          <a:lstStyle/>
-          <a:p>
-            <a:endParaRPr/>
-          </a:p>
-        </p:txBody>
-      </p:sp>
-      <p:sp>
-        <p:nvSpPr>
-          <p:cNvPr id="15" name="Connection Line"/>
-          <p:cNvSpPr/>
-          <p:nvPr/>
-        </p:nvSpPr>
-        <p:spPr>
-          <a:xfrm>
-            <a:off x="9183695" y="2925085"/>
-            <a:ext cx="268239" cy="175523"/>
-          </a:xfrm>
-          <a:custGeom>
-            <a:avLst/>
-            <a:gdLst/>
-            <a:ahLst/>
-            <a:cxnLst>
-              <a:cxn ang="0">
-                <a:pos x="wd2" y="hd2"/>
-              </a:cxn>
-              <a:cxn ang="5400000">
-                <a:pos x="wd2" y="hd2"/>
-              </a:cxn>
-              <a:cxn ang="10800000">
-                <a:pos x="wd2" y="hd2"/>
-              </a:cxn>
-              <a:cxn ang="16200000">
-                <a:pos x="wd2" y="hd2"/>
-              </a:cxn>
-            </a:cxnLst>
-            <a:rect l="0" t="0" r="r" b="b"/>
-            <a:pathLst>
-              <a:path w="21600" h="18029" extrusionOk="0">
-                <a:moveTo>
-                  <a:pt x="21600" y="0"/>
-                </a:moveTo>
-                <a:cubicBezTo>
-                  <a:pt x="19502" y="16382"/>
-                  <a:pt x="12302" y="21600"/>
-                  <a:pt x="0" y="15654"/>
-                </a:cubicBezTo>
-              </a:path>
-            </a:pathLst>
-          </a:custGeom>
-          <a:ln w="12700">
-            <a:solidFill>
-              <a:srgbClr val="000000"/>
-            </a:solidFill>
-            <a:miter lim="400000"/>
-          </a:ln>
-        </p:spPr>
-        <p:txBody>
-          <a:bodyPr/>
-          <a:lstStyle/>
-          <a:p>
-            <a:endParaRPr/>
-          </a:p>
-        </p:txBody>
-      </p:sp>
-      <p:pic>
-        <p:nvPicPr>
-          <p:cNvPr id="2052" name="Picture 4" descr="https://latex.codecogs.com/gif.latex?%5Cdpi%7B300%7D%20%5C%5C%20y%3Dmx&amp;plus;b%5C%5C%20%5Cxrightarrow%7Bx%3D0%7Dy%3Db%5C%5C%20%5Cxrightarrow%7By%3D0%7Dx%3D-%5Cfrac%7Bb%7D%7Bm%7D%5C%5C%20%5Cfrac%7B%5Cfrac%7B-b%7D%7Bm%7D%7D%7Bb%7D%3D-%5Cfrac%7B1%7D%7Bm%7D%3Dtg%5Ctheta%5Crightarrow%20m%3D-%5Cfrac%7B1%7D%7Btg%5Ctheta%7D%3D-%5Cfrac%7Bcos%5Ctheta%7D%7Bsin%5Ctheta%7D%20%5C%5C%20%5Cfrac%7B%5Crho%7D%7Bb%7D%3Dsin%5Ctheta%5Crightarrow%20b%3D%5Cfrac%7B%5Crho%7D%7Bsin%5Ctheta%7D%20%5C%5C%20y%3Dmx&amp;plus;b%5Crightarrow%20y%3D-%5Cfrac%7Bcos%5Ctheta%7D%7Bsin%5Ctheta%7Dx&amp;plus;%5Cfrac%7B%5Crho%7D%7Bsin%5Ctheta%7D%20%5Crightarrow%20xcos%5Ctheta%20&amp;plus;ysin%5Ctheta%20%3D%20%5Crho"/>
-          <p:cNvPicPr>
-            <a:picLocks noChangeAspect="1" noChangeArrowheads="1"/>
-          </p:cNvPicPr>
-          <p:nvPr/>
-        </p:nvPicPr>
-        <p:blipFill>
-          <a:blip r:embed="rId7">
-            <a:extLst>
-              <a:ext uri="{28A0092B-C50C-407E-A947-70E740481C1C}">
-                <a14:useLocalDpi xmlns:a14="http://schemas.microsoft.com/office/drawing/2010/main" val="0"/>
-              </a:ext>
-            </a:extLst>
-          </a:blip>
-          <a:srcRect/>
-          <a:stretch>
-            <a:fillRect/>
-          </a:stretch>
-        </p:blipFill>
-        <p:spPr bwMode="auto">
-          <a:xfrm>
-            <a:off x="556462" y="2200274"/>
-            <a:ext cx="10044934" cy="4548493"/>
-          </a:xfrm>
-          <a:prstGeom prst="rect">
-            <a:avLst/>
-          </a:prstGeom>
-          <a:noFill/>
-          <a:extLst>
-            <a:ext uri="{909E8E84-426E-40DD-AFC4-6F175D3DCCD1}">
-              <a14:hiddenFill xmlns:a14="http://schemas.microsoft.com/office/drawing/2010/main">
-                <a:solidFill>
-                  <a:srgbClr val="FFFFFF"/>
-                </a:solidFill>
-              </a14:hiddenFill>
-            </a:ext>
-          </a:extLst>
-        </p:spPr>
-      </p:pic>
-      <p:pic>
-        <p:nvPicPr>
-          <p:cNvPr id="18" name="Picture 4" descr="https://latex.codecogs.com/gif.latex?%5Cdpi%7B300%7D%20%5C%5C%20y%3Dmx&amp;plus;b%5C%5C%20%5Cxrightarrow%7Bx%3D0%7Dy%3Db%5C%5C%20%5Cxrightarrow%7By%3D0%7Dx%3D-%5Cfrac%7Bb%7D%7Bm%7D%5C%5C%20%5Cfrac%7B%5Cfrac%7B-b%7D%7Bm%7D%7D%7Bb%7D%3D-%5Cfrac%7B1%7D%7Bm%7D%3Dtg%5Ctheta%5Crightarrow%20m%3D-%5Cfrac%7B1%7D%7Btg%5Ctheta%7D%3D-%5Cfrac%7Bcos%5Ctheta%7D%7Bsin%5Ctheta%7D%20%5C%5C%20%5Cfrac%7B%5Crho%7D%7Bb%7D%3Dsin%5Ctheta%5Crightarrow%20b%3D%5Cfrac%7B%5Crho%7D%7Bsin%5Ctheta%7D%20%5C%5C%20y%3Dmx&amp;plus;b%5Crightarrow%20y%3D-%5Cfrac%7Bcos%5Ctheta%7D%7Bsin%5Ctheta%7Dx&amp;plus;%5Cfrac%7B%5Crho%7D%7Bsin%5Ctheta%7D%20%5Crightarrow%20xcos%5Ctheta%20&amp;plus;ysin%5Ctheta%20%3D%20%5Crho"/>
-          <p:cNvPicPr>
-            <a:picLocks noChangeAspect="1" noChangeArrowheads="1"/>
-          </p:cNvPicPr>
-          <p:nvPr/>
-        </p:nvPicPr>
-        <p:blipFill rotWithShape="1">
-          <a:blip r:embed="rId7">
-            <a:extLst>
-              <a:ext uri="{28A0092B-C50C-407E-A947-70E740481C1C}">
-                <a14:useLocalDpi xmlns:a14="http://schemas.microsoft.com/office/drawing/2010/main" val="0"/>
-              </a:ext>
-            </a:extLst>
-          </a:blip>
-          <a:srcRect l="16363" t="19825" r="75525" b="57691"/>
-          <a:stretch/>
-        </p:blipFill>
-        <p:spPr bwMode="auto">
-          <a:xfrm>
-            <a:off x="10301608" y="4069616"/>
-            <a:ext cx="599575" cy="752484"/>
-          </a:xfrm>
-          <a:prstGeom prst="rect">
-            <a:avLst/>
-          </a:prstGeom>
-          <a:noFill/>
-          <a:extLst>
-            <a:ext uri="{909E8E84-426E-40DD-AFC4-6F175D3DCCD1}">
-              <a14:hiddenFill xmlns:a14="http://schemas.microsoft.com/office/drawing/2010/main">
-                <a:solidFill>
-                  <a:srgbClr val="FFFFFF"/>
-                </a:solidFill>
-              </a14:hiddenFill>
-            </a:ext>
-          </a:extLst>
-        </p:spPr>
-      </p:pic>
-      <p:sp>
-        <p:nvSpPr>
-          <p:cNvPr id="4" name="Rectangle 3"/>
-          <p:cNvSpPr/>
-          <p:nvPr/>
-        </p:nvSpPr>
-        <p:spPr>
-          <a:xfrm rot="2546264">
-            <a:off x="9678362" y="3325254"/>
-            <a:ext cx="297067" cy="201333"/>
-          </a:xfrm>
-          <a:prstGeom prst="rect">
-            <a:avLst/>
-          </a:prstGeom>
-          <a:noFill/>
-          <a:ln w="6350">
-            <a:solidFill>
-              <a:schemeClr val="tx1"/>
-            </a:solidFill>
-          </a:ln>
-        </p:spPr>
-        <p:style>
-          <a:lnRef idx="2">
-            <a:schemeClr val="accent1">
-              <a:shade val="50000"/>
-            </a:schemeClr>
-          </a:lnRef>
-          <a:fillRef idx="1">
-            <a:schemeClr val="accent1"/>
-          </a:fillRef>
-          <a:effectRef idx="0">
-            <a:schemeClr val="accent1"/>
-          </a:effectRef>
-          <a:fontRef idx="minor">
-            <a:schemeClr val="lt1"/>
-          </a:fontRef>
-        </p:style>
-        <p:txBody>
-          <a:bodyPr rtlCol="0" anchor="ctr"/>
-          <a:lstStyle/>
-          <a:p>
-            <a:pPr algn="ctr"/>
-            <a:endParaRPr lang="en-US"/>
-          </a:p>
-        </p:txBody>
-      </p:sp>
-      <p:sp>
-        <p:nvSpPr>
-          <p:cNvPr id="20" name="Rectangle 19"/>
-          <p:cNvSpPr/>
-          <p:nvPr/>
-        </p:nvSpPr>
-        <p:spPr>
-          <a:xfrm>
-            <a:off x="9173735" y="3846792"/>
-            <a:ext cx="195871" cy="201333"/>
-          </a:xfrm>
-          <a:prstGeom prst="rect">
-            <a:avLst/>
-          </a:prstGeom>
-          <a:noFill/>
-          <a:ln w="6350">
-            <a:solidFill>
-              <a:schemeClr val="tx1"/>
-            </a:solidFill>
-          </a:ln>
-        </p:spPr>
-        <p:style>
-          <a:lnRef idx="2">
-            <a:schemeClr val="accent1">
-              <a:shade val="50000"/>
-            </a:schemeClr>
-          </a:lnRef>
-          <a:fillRef idx="1">
-            <a:schemeClr val="accent1"/>
-          </a:fillRef>
-          <a:effectRef idx="0">
-            <a:schemeClr val="accent1"/>
-          </a:effectRef>
-          <a:fontRef idx="minor">
-            <a:schemeClr val="lt1"/>
-          </a:fontRef>
-        </p:style>
-        <p:txBody>
-          <a:bodyPr rtlCol="0" anchor="ctr"/>
-          <a:lstStyle/>
-          <a:p>
-            <a:pPr algn="ctr"/>
-            <a:endParaRPr lang="en-US"/>
-          </a:p>
-        </p:txBody>
-      </p:sp>
-      <p:sp>
-        <p:nvSpPr>
-          <p:cNvPr id="22" name="Rectangle: Rounded Corners 7">
-            <a:extLst>
-              <a:ext uri="{FF2B5EF4-FFF2-40B4-BE49-F238E27FC236}">
-                <a16:creationId xmlns:a16="http://schemas.microsoft.com/office/drawing/2014/main" id="{89656513-9083-47D3-8D44-E43743BD2C33}"/>
-              </a:ext>
-            </a:extLst>
-          </p:cNvPr>
-          <p:cNvSpPr/>
-          <p:nvPr/>
-        </p:nvSpPr>
-        <p:spPr>
-          <a:xfrm>
-            <a:off x="7305675" y="6038850"/>
-            <a:ext cx="3583704" cy="681342"/>
-          </a:xfrm>
-          <a:prstGeom prst="roundRect">
-            <a:avLst/>
-          </a:prstGeom>
-          <a:noFill/>
-        </p:spPr>
-        <p:style>
-          <a:lnRef idx="2">
-            <a:schemeClr val="accent1">
-              <a:shade val="50000"/>
-            </a:schemeClr>
-          </a:lnRef>
-          <a:fillRef idx="1">
-            <a:schemeClr val="accent1"/>
-          </a:fillRef>
-          <a:effectRef idx="0">
-            <a:schemeClr val="accent1"/>
-          </a:effectRef>
-          <a:fontRef idx="minor">
-            <a:schemeClr val="lt1"/>
-          </a:fontRef>
-        </p:style>
-        <p:txBody>
-          <a:bodyPr rtlCol="0" anchor="ctr"/>
-          <a:lstStyle/>
-          <a:p>
-            <a:pPr algn="ctr"/>
-            <a:endParaRPr lang="en-US"/>
-          </a:p>
-        </p:txBody>
-      </p:sp>
     </p:spTree>
     <p:extLst>
       <p:ext uri="{BB962C8B-B14F-4D97-AF65-F5344CB8AC3E}">
@@ -36954,8 +36930,8 @@
           </a:p>
         </p:txBody>
       </p:sp>
-      <mc:AlternateContent xmlns:mc="http://schemas.openxmlformats.org/markup-compatibility/2006" xmlns:a14="http://schemas.microsoft.com/office/drawing/2010/main">
-        <mc:Choice Requires="a14">
+      <mc:AlternateContent xmlns:mc="http://schemas.openxmlformats.org/markup-compatibility/2006">
+        <mc:Choice xmlns:a14="http://schemas.microsoft.com/office/drawing/2010/main" Requires="a14">
           <p:sp>
             <p:nvSpPr>
               <p:cNvPr id="3" name="Content Placeholder 2">
@@ -36981,30 +36957,6 @@
               <a:p>
                 <a:r>
                   <a:rPr lang="en-US" dirty="0"/>
-                  <a:t>Linear least squares</a:t>
-                </a:r>
-              </a:p>
-              <a:p>
-                <a:r>
-                  <a:rPr lang="en-US" dirty="0"/>
-                  <a:t>Total least squares</a:t>
-                </a:r>
-              </a:p>
-              <a:p>
-                <a:r>
-                  <a:rPr lang="en-US" dirty="0"/>
-                  <a:t>Least squares</a:t>
-                </a:r>
-              </a:p>
-              <a:p>
-                <a:r>
-                  <a:rPr lang="en-US" dirty="0"/>
-                  <a:t>RANSAC</a:t>
-                </a:r>
-              </a:p>
-              <a:p>
-                <a:r>
-                  <a:rPr lang="en-US" dirty="0"/>
                   <a:t>Hough transform</a:t>
                 </a:r>
               </a:p>
@@ -37013,31 +36965,31 @@
                 <a14:m>
                   <m:oMath xmlns:m="http://schemas.openxmlformats.org/officeDocument/2006/math">
                     <m:r>
-                      <a:rPr lang="en-US" b="1" i="1">
+                      <a:rPr lang="en-US" b="0" i="1">
                         <a:latin typeface="Cambria Math"/>
                       </a:rPr>
                       <m:t>(</m:t>
                     </m:r>
                     <m:r>
-                      <a:rPr lang="en-US" b="1" i="1" smtClean="0">
+                      <a:rPr lang="en-US" b="0" i="1" smtClean="0">
                         <a:latin typeface="Cambria Math" panose="02040503050406030204" pitchFamily="18" charset="0"/>
                       </a:rPr>
-                      <m:t>𝒎</m:t>
+                      <m:t>𝑚</m:t>
                     </m:r>
                     <m:r>
-                      <a:rPr lang="en-US" b="1" i="1" smtClean="0">
+                      <a:rPr lang="en-US" b="0" i="1" smtClean="0">
                         <a:latin typeface="Cambria Math" panose="02040503050406030204" pitchFamily="18" charset="0"/>
                       </a:rPr>
                       <m:t>,</m:t>
                     </m:r>
                     <m:r>
-                      <a:rPr lang="en-US" b="1" i="1" smtClean="0">
+                      <a:rPr lang="en-US" b="0" i="1" smtClean="0">
                         <a:latin typeface="Cambria Math" panose="02040503050406030204" pitchFamily="18" charset="0"/>
                       </a:rPr>
-                      <m:t>𝒃</m:t>
+                      <m:t>𝑏</m:t>
                     </m:r>
                     <m:r>
-                      <a:rPr lang="en-US" b="1" i="1">
+                      <a:rPr lang="en-US" b="0" i="1">
                         <a:latin typeface="Cambria Math"/>
                       </a:rPr>
                       <m:t>)</m:t>
@@ -37096,7 +37048,7 @@
             </p:txBody>
           </p:sp>
         </mc:Choice>
-        <mc:Fallback xmlns="">
+        <mc:Fallback>
           <p:sp>
             <p:nvSpPr>
               <p:cNvPr id="3" name="Content Placeholder 2">
@@ -37139,7 +37091,7 @@
     </p:spTree>
     <p:extLst>
       <p:ext uri="{BB962C8B-B14F-4D97-AF65-F5344CB8AC3E}">
-        <p14:creationId xmlns:p14="http://schemas.microsoft.com/office/powerpoint/2010/main" val="1126086591"/>
+        <p14:creationId xmlns:p14="http://schemas.microsoft.com/office/powerpoint/2010/main" val="2917513096"/>
       </p:ext>
     </p:extLst>
   </p:cSld>
@@ -38137,31 +38089,6 @@
           </p:sp>
         </mc:Fallback>
       </mc:AlternateContent>
-      <p:sp>
-        <p:nvSpPr>
-          <p:cNvPr id="3" name="Title 2">
-            <a:extLst>
-              <a:ext uri="{FF2B5EF4-FFF2-40B4-BE49-F238E27FC236}">
-                <a16:creationId xmlns:a16="http://schemas.microsoft.com/office/drawing/2014/main" id="{BDB66F67-D1D3-46EC-9EB9-13267E15E9E3}"/>
-              </a:ext>
-            </a:extLst>
-          </p:cNvPr>
-          <p:cNvSpPr>
-            <a:spLocks noGrp="1"/>
-          </p:cNvSpPr>
-          <p:nvPr>
-            <p:ph type="title"/>
-          </p:nvPr>
-        </p:nvSpPr>
-        <p:spPr/>
-        <p:txBody>
-          <a:bodyPr/>
-          <a:lstStyle/>
-          <a:p>
-            <a:endParaRPr lang="en-US" dirty="0"/>
-          </a:p>
-        </p:txBody>
-      </p:sp>
     </p:spTree>
     <p:extLst>
       <p:ext uri="{BB962C8B-B14F-4D97-AF65-F5344CB8AC3E}">

--- a/c_04b_hough_transform/Hough_transform.pptx
+++ b/c_04b_hough_transform/Hough_transform.pptx
@@ -258,7 +258,7 @@
           <a:p>
             <a:fld id="{791E2F03-0D0C-4200-9560-8CA76D037307}" type="datetimeFigureOut">
               <a:rPr lang="en-US" smtClean="0"/>
-              <a:t>26-Nov-20</a:t>
+              <a:t>11/22/2022</a:t>
             </a:fld>
             <a:endParaRPr lang="en-US"/>
           </a:p>
@@ -3814,7 +3814,7 @@
           <a:p>
             <a:fld id="{1930E4BE-DC49-4C06-9EAD-5C882F80E0B2}" type="datetimeFigureOut">
               <a:rPr lang="en-US" smtClean="0"/>
-              <a:t>26-Nov-20</a:t>
+              <a:t>11/22/2022</a:t>
             </a:fld>
             <a:endParaRPr lang="en-US"/>
           </a:p>
@@ -3992,7 +3992,7 @@
           <a:p>
             <a:fld id="{1930E4BE-DC49-4C06-9EAD-5C882F80E0B2}" type="datetimeFigureOut">
               <a:rPr lang="en-US" smtClean="0"/>
-              <a:t>26-Nov-20</a:t>
+              <a:t>11/22/2022</a:t>
             </a:fld>
             <a:endParaRPr lang="en-US"/>
           </a:p>
@@ -4373,7 +4373,7 @@
           <a:p>
             <a:fld id="{1930E4BE-DC49-4C06-9EAD-5C882F80E0B2}" type="datetimeFigureOut">
               <a:rPr lang="en-US" smtClean="0"/>
-              <a:t>26-Nov-20</a:t>
+              <a:t>11/22/2022</a:t>
             </a:fld>
             <a:endParaRPr lang="en-US"/>
           </a:p>
@@ -4618,7 +4618,7 @@
           <a:p>
             <a:fld id="{1930E4BE-DC49-4C06-9EAD-5C882F80E0B2}" type="datetimeFigureOut">
               <a:rPr lang="en-US" smtClean="0"/>
-              <a:t>26-Nov-20</a:t>
+              <a:t>11/22/2022</a:t>
             </a:fld>
             <a:endParaRPr lang="en-US"/>
           </a:p>
@@ -4903,7 +4903,7 @@
           <a:p>
             <a:fld id="{1930E4BE-DC49-4C06-9EAD-5C882F80E0B2}" type="datetimeFigureOut">
               <a:rPr lang="en-US" smtClean="0"/>
-              <a:t>26-Nov-20</a:t>
+              <a:t>11/22/2022</a:t>
             </a:fld>
             <a:endParaRPr lang="en-US"/>
           </a:p>
@@ -5322,7 +5322,7 @@
           <a:p>
             <a:fld id="{1930E4BE-DC49-4C06-9EAD-5C882F80E0B2}" type="datetimeFigureOut">
               <a:rPr lang="en-US" smtClean="0"/>
-              <a:t>26-Nov-20</a:t>
+              <a:t>11/22/2022</a:t>
             </a:fld>
             <a:endParaRPr lang="en-US"/>
           </a:p>
@@ -5439,7 +5439,7 @@
           <a:p>
             <a:fld id="{1930E4BE-DC49-4C06-9EAD-5C882F80E0B2}" type="datetimeFigureOut">
               <a:rPr lang="en-US" smtClean="0"/>
-              <a:t>26-Nov-20</a:t>
+              <a:t>11/22/2022</a:t>
             </a:fld>
             <a:endParaRPr lang="en-US"/>
           </a:p>
@@ -5534,7 +5534,7 @@
           <a:p>
             <a:fld id="{1930E4BE-DC49-4C06-9EAD-5C882F80E0B2}" type="datetimeFigureOut">
               <a:rPr lang="en-US" smtClean="0"/>
-              <a:t>26-Nov-20</a:t>
+              <a:t>11/22/2022</a:t>
             </a:fld>
             <a:endParaRPr lang="en-US"/>
           </a:p>
@@ -5809,7 +5809,7 @@
           <a:p>
             <a:fld id="{1930E4BE-DC49-4C06-9EAD-5C882F80E0B2}" type="datetimeFigureOut">
               <a:rPr lang="en-US" smtClean="0"/>
-              <a:t>26-Nov-20</a:t>
+              <a:t>11/22/2022</a:t>
             </a:fld>
             <a:endParaRPr lang="en-US"/>
           </a:p>
@@ -6061,7 +6061,7 @@
           <a:p>
             <a:fld id="{1930E4BE-DC49-4C06-9EAD-5C882F80E0B2}" type="datetimeFigureOut">
               <a:rPr lang="en-US" smtClean="0"/>
-              <a:t>26-Nov-20</a:t>
+              <a:t>11/22/2022</a:t>
             </a:fld>
             <a:endParaRPr lang="en-US"/>
           </a:p>
@@ -6272,7 +6272,7 @@
           <a:p>
             <a:fld id="{1930E4BE-DC49-4C06-9EAD-5C882F80E0B2}" type="datetimeFigureOut">
               <a:rPr lang="en-US" smtClean="0"/>
-              <a:t>26-Nov-20</a:t>
+              <a:t>11/22/2022</a:t>
             </a:fld>
             <a:endParaRPr lang="en-US"/>
           </a:p>
@@ -7165,7 +7165,7 @@
           </a:ln>
           <a:extLst>
             <a:ext uri="{C572A759-6A51-4108-AA02-DFA0A04FC94B}">
-              <ma14:wrappingTextBoxFlag xmlns:ma14="http://schemas.microsoft.com/office/mac/drawingml/2011/main" xmlns="" val="1"/>
+              <ma14:wrappingTextBoxFlag xmlns="" xmlns:ma14="http://schemas.microsoft.com/office/mac/drawingml/2011/main" val="1"/>
             </a:ext>
           </a:extLst>
         </p:spPr>
@@ -7208,7 +7208,7 @@
           </a:ln>
           <a:extLst>
             <a:ext uri="{C572A759-6A51-4108-AA02-DFA0A04FC94B}">
-              <ma14:wrappingTextBoxFlag xmlns:ma14="http://schemas.microsoft.com/office/mac/drawingml/2011/main" xmlns="" val="1"/>
+              <ma14:wrappingTextBoxFlag xmlns="" xmlns:ma14="http://schemas.microsoft.com/office/mac/drawingml/2011/main" val="1"/>
             </a:ext>
           </a:extLst>
         </p:spPr>
@@ -7347,7 +7347,7 @@
           </a:ln>
           <a:extLst>
             <a:ext uri="{C572A759-6A51-4108-AA02-DFA0A04FC94B}">
-              <ma14:wrappingTextBoxFlag xmlns:ma14="http://schemas.microsoft.com/office/mac/drawingml/2011/main" xmlns="" val="1"/>
+              <ma14:wrappingTextBoxFlag xmlns="" xmlns:ma14="http://schemas.microsoft.com/office/mac/drawingml/2011/main" val="1"/>
             </a:ext>
           </a:extLst>
         </p:spPr>
@@ -7438,7 +7438,7 @@
           </a:ln>
           <a:extLst>
             <a:ext uri="{C572A759-6A51-4108-AA02-DFA0A04FC94B}">
-              <ma14:wrappingTextBoxFlag xmlns:ma14="http://schemas.microsoft.com/office/mac/drawingml/2011/main" xmlns="" val="1"/>
+              <ma14:wrappingTextBoxFlag xmlns="" xmlns:ma14="http://schemas.microsoft.com/office/mac/drawingml/2011/main" val="1"/>
             </a:ext>
           </a:extLst>
         </p:spPr>
@@ -7642,7 +7642,7 @@
           </a:ln>
           <a:extLst>
             <a:ext uri="{C572A759-6A51-4108-AA02-DFA0A04FC94B}">
-              <ma14:wrappingTextBoxFlag xmlns:ma14="http://schemas.microsoft.com/office/mac/drawingml/2011/main" xmlns="" val="1"/>
+              <ma14:wrappingTextBoxFlag xmlns="" xmlns:ma14="http://schemas.microsoft.com/office/mac/drawingml/2011/main" val="1"/>
             </a:ext>
           </a:extLst>
         </p:spPr>
@@ -7687,7 +7687,7 @@
           </a:ln>
           <a:extLst>
             <a:ext uri="{C572A759-6A51-4108-AA02-DFA0A04FC94B}">
-              <ma14:wrappingTextBoxFlag xmlns:ma14="http://schemas.microsoft.com/office/mac/drawingml/2011/main" xmlns="" val="1"/>
+              <ma14:wrappingTextBoxFlag xmlns="" xmlns:ma14="http://schemas.microsoft.com/office/mac/drawingml/2011/main" val="1"/>
             </a:ext>
           </a:extLst>
         </p:spPr>
@@ -7726,7 +7726,7 @@
           </a:ln>
           <a:extLst>
             <a:ext uri="{C572A759-6A51-4108-AA02-DFA0A04FC94B}">
-              <ma14:wrappingTextBoxFlag xmlns:ma14="http://schemas.microsoft.com/office/mac/drawingml/2011/main" xmlns="" val="1"/>
+              <ma14:wrappingTextBoxFlag xmlns="" xmlns:ma14="http://schemas.microsoft.com/office/mac/drawingml/2011/main" val="1"/>
             </a:ext>
           </a:extLst>
         </p:spPr>
@@ -8323,7 +8323,7 @@
           </a:ln>
           <a:extLst>
             <a:ext uri="{C572A759-6A51-4108-AA02-DFA0A04FC94B}">
-              <ma14:wrappingTextBoxFlag xmlns:ma14="http://schemas.microsoft.com/office/mac/drawingml/2011/main" xmlns="" val="1"/>
+              <ma14:wrappingTextBoxFlag xmlns="" xmlns:ma14="http://schemas.microsoft.com/office/mac/drawingml/2011/main" val="1"/>
             </a:ext>
           </a:extLst>
         </p:spPr>
@@ -8366,7 +8366,7 @@
           </a:ln>
           <a:extLst>
             <a:ext uri="{C572A759-6A51-4108-AA02-DFA0A04FC94B}">
-              <ma14:wrappingTextBoxFlag xmlns:ma14="http://schemas.microsoft.com/office/mac/drawingml/2011/main" xmlns="" val="1"/>
+              <ma14:wrappingTextBoxFlag xmlns="" xmlns:ma14="http://schemas.microsoft.com/office/mac/drawingml/2011/main" val="1"/>
             </a:ext>
           </a:extLst>
         </p:spPr>
@@ -8505,7 +8505,7 @@
           </a:ln>
           <a:extLst>
             <a:ext uri="{C572A759-6A51-4108-AA02-DFA0A04FC94B}">
-              <ma14:wrappingTextBoxFlag xmlns:ma14="http://schemas.microsoft.com/office/mac/drawingml/2011/main" xmlns="" val="1"/>
+              <ma14:wrappingTextBoxFlag xmlns="" xmlns:ma14="http://schemas.microsoft.com/office/mac/drawingml/2011/main" val="1"/>
             </a:ext>
           </a:extLst>
         </p:spPr>
@@ -8596,7 +8596,7 @@
           </a:ln>
           <a:extLst>
             <a:ext uri="{C572A759-6A51-4108-AA02-DFA0A04FC94B}">
-              <ma14:wrappingTextBoxFlag xmlns:ma14="http://schemas.microsoft.com/office/mac/drawingml/2011/main" xmlns="" val="1"/>
+              <ma14:wrappingTextBoxFlag xmlns="" xmlns:ma14="http://schemas.microsoft.com/office/mac/drawingml/2011/main" val="1"/>
             </a:ext>
           </a:extLst>
         </p:spPr>
@@ -8834,7 +8834,7 @@
           </a:ln>
           <a:extLst>
             <a:ext uri="{C572A759-6A51-4108-AA02-DFA0A04FC94B}">
-              <ma14:wrappingTextBoxFlag xmlns:ma14="http://schemas.microsoft.com/office/mac/drawingml/2011/main" xmlns="" val="1"/>
+              <ma14:wrappingTextBoxFlag xmlns="" xmlns:ma14="http://schemas.microsoft.com/office/mac/drawingml/2011/main" val="1"/>
             </a:ext>
           </a:extLst>
         </p:spPr>
@@ -8878,7 +8878,7 @@
           </a:ln>
           <a:extLst>
             <a:ext uri="{C572A759-6A51-4108-AA02-DFA0A04FC94B}">
-              <ma14:wrappingTextBoxFlag xmlns:ma14="http://schemas.microsoft.com/office/mac/drawingml/2011/main" xmlns="" val="1"/>
+              <ma14:wrappingTextBoxFlag xmlns="" xmlns:ma14="http://schemas.microsoft.com/office/mac/drawingml/2011/main" val="1"/>
             </a:ext>
           </a:extLst>
         </p:spPr>
@@ -8917,7 +8917,7 @@
           </a:ln>
           <a:extLst>
             <a:ext uri="{C572A759-6A51-4108-AA02-DFA0A04FC94B}">
-              <ma14:wrappingTextBoxFlag xmlns:ma14="http://schemas.microsoft.com/office/mac/drawingml/2011/main" xmlns="" val="1"/>
+              <ma14:wrappingTextBoxFlag xmlns="" xmlns:ma14="http://schemas.microsoft.com/office/mac/drawingml/2011/main" val="1"/>
             </a:ext>
           </a:extLst>
         </p:spPr>
@@ -9514,7 +9514,7 @@
           </a:ln>
           <a:extLst>
             <a:ext uri="{C572A759-6A51-4108-AA02-DFA0A04FC94B}">
-              <ma14:wrappingTextBoxFlag xmlns:ma14="http://schemas.microsoft.com/office/mac/drawingml/2011/main" xmlns="" val="1"/>
+              <ma14:wrappingTextBoxFlag xmlns="" xmlns:ma14="http://schemas.microsoft.com/office/mac/drawingml/2011/main" val="1"/>
             </a:ext>
           </a:extLst>
         </p:spPr>
@@ -9557,7 +9557,7 @@
           </a:ln>
           <a:extLst>
             <a:ext uri="{C572A759-6A51-4108-AA02-DFA0A04FC94B}">
-              <ma14:wrappingTextBoxFlag xmlns:ma14="http://schemas.microsoft.com/office/mac/drawingml/2011/main" xmlns="" val="1"/>
+              <ma14:wrappingTextBoxFlag xmlns="" xmlns:ma14="http://schemas.microsoft.com/office/mac/drawingml/2011/main" val="1"/>
             </a:ext>
           </a:extLst>
         </p:spPr>
@@ -9696,7 +9696,7 @@
           </a:ln>
           <a:extLst>
             <a:ext uri="{C572A759-6A51-4108-AA02-DFA0A04FC94B}">
-              <ma14:wrappingTextBoxFlag xmlns:ma14="http://schemas.microsoft.com/office/mac/drawingml/2011/main" xmlns="" val="1"/>
+              <ma14:wrappingTextBoxFlag xmlns="" xmlns:ma14="http://schemas.microsoft.com/office/mac/drawingml/2011/main" val="1"/>
             </a:ext>
           </a:extLst>
         </p:spPr>
@@ -9787,7 +9787,7 @@
           </a:ln>
           <a:extLst>
             <a:ext uri="{C572A759-6A51-4108-AA02-DFA0A04FC94B}">
-              <ma14:wrappingTextBoxFlag xmlns:ma14="http://schemas.microsoft.com/office/mac/drawingml/2011/main" xmlns="" val="1"/>
+              <ma14:wrappingTextBoxFlag xmlns="" xmlns:ma14="http://schemas.microsoft.com/office/mac/drawingml/2011/main" val="1"/>
             </a:ext>
           </a:extLst>
         </p:spPr>
@@ -9998,7 +9998,7 @@
           </a:ln>
           <a:extLst>
             <a:ext uri="{C572A759-6A51-4108-AA02-DFA0A04FC94B}">
-              <ma14:wrappingTextBoxFlag xmlns:ma14="http://schemas.microsoft.com/office/mac/drawingml/2011/main" xmlns="" val="1"/>
+              <ma14:wrappingTextBoxFlag xmlns="" xmlns:ma14="http://schemas.microsoft.com/office/mac/drawingml/2011/main" val="1"/>
             </a:ext>
           </a:extLst>
         </p:spPr>
@@ -10037,7 +10037,7 @@
           </a:ln>
           <a:extLst>
             <a:ext uri="{C572A759-6A51-4108-AA02-DFA0A04FC94B}">
-              <ma14:wrappingTextBoxFlag xmlns:ma14="http://schemas.microsoft.com/office/mac/drawingml/2011/main" xmlns="" val="1"/>
+              <ma14:wrappingTextBoxFlag xmlns="" xmlns:ma14="http://schemas.microsoft.com/office/mac/drawingml/2011/main" val="1"/>
             </a:ext>
           </a:extLst>
         </p:spPr>
@@ -10146,7 +10146,7 @@
           </a:ln>
           <a:extLst>
             <a:ext uri="{C572A759-6A51-4108-AA02-DFA0A04FC94B}">
-              <ma14:wrappingTextBoxFlag xmlns:ma14="http://schemas.microsoft.com/office/mac/drawingml/2011/main" xmlns="" val="1"/>
+              <ma14:wrappingTextBoxFlag xmlns="" xmlns:ma14="http://schemas.microsoft.com/office/mac/drawingml/2011/main" val="1"/>
             </a:ext>
           </a:extLst>
         </p:spPr>
@@ -10531,7 +10531,7 @@
           </a:ln>
           <a:extLst>
             <a:ext uri="{C572A759-6A51-4108-AA02-DFA0A04FC94B}">
-              <ma14:wrappingTextBoxFlag xmlns:ma14="http://schemas.microsoft.com/office/mac/drawingml/2011/main" xmlns="" val="1"/>
+              <ma14:wrappingTextBoxFlag xmlns="" xmlns:ma14="http://schemas.microsoft.com/office/mac/drawingml/2011/main" val="1"/>
             </a:ext>
           </a:extLst>
         </p:spPr>
@@ -10574,7 +10574,7 @@
           </a:ln>
           <a:extLst>
             <a:ext uri="{C572A759-6A51-4108-AA02-DFA0A04FC94B}">
-              <ma14:wrappingTextBoxFlag xmlns:ma14="http://schemas.microsoft.com/office/mac/drawingml/2011/main" xmlns="" val="1"/>
+              <ma14:wrappingTextBoxFlag xmlns="" xmlns:ma14="http://schemas.microsoft.com/office/mac/drawingml/2011/main" val="1"/>
             </a:ext>
           </a:extLst>
         </p:spPr>
@@ -10713,7 +10713,7 @@
           </a:ln>
           <a:extLst>
             <a:ext uri="{C572A759-6A51-4108-AA02-DFA0A04FC94B}">
-              <ma14:wrappingTextBoxFlag xmlns:ma14="http://schemas.microsoft.com/office/mac/drawingml/2011/main" xmlns="" val="1"/>
+              <ma14:wrappingTextBoxFlag xmlns="" xmlns:ma14="http://schemas.microsoft.com/office/mac/drawingml/2011/main" val="1"/>
             </a:ext>
           </a:extLst>
         </p:spPr>
@@ -10804,7 +10804,7 @@
           </a:ln>
           <a:extLst>
             <a:ext uri="{C572A759-6A51-4108-AA02-DFA0A04FC94B}">
-              <ma14:wrappingTextBoxFlag xmlns:ma14="http://schemas.microsoft.com/office/mac/drawingml/2011/main" xmlns="" val="1"/>
+              <ma14:wrappingTextBoxFlag xmlns="" xmlns:ma14="http://schemas.microsoft.com/office/mac/drawingml/2011/main" val="1"/>
             </a:ext>
           </a:extLst>
         </p:spPr>
@@ -11015,7 +11015,7 @@
           </a:ln>
           <a:extLst>
             <a:ext uri="{C572A759-6A51-4108-AA02-DFA0A04FC94B}">
-              <ma14:wrappingTextBoxFlag xmlns:ma14="http://schemas.microsoft.com/office/mac/drawingml/2011/main" xmlns="" val="1"/>
+              <ma14:wrappingTextBoxFlag xmlns="" xmlns:ma14="http://schemas.microsoft.com/office/mac/drawingml/2011/main" val="1"/>
             </a:ext>
           </a:extLst>
         </p:spPr>
@@ -11054,7 +11054,7 @@
           </a:ln>
           <a:extLst>
             <a:ext uri="{C572A759-6A51-4108-AA02-DFA0A04FC94B}">
-              <ma14:wrappingTextBoxFlag xmlns:ma14="http://schemas.microsoft.com/office/mac/drawingml/2011/main" xmlns="" val="1"/>
+              <ma14:wrappingTextBoxFlag xmlns="" xmlns:ma14="http://schemas.microsoft.com/office/mac/drawingml/2011/main" val="1"/>
             </a:ext>
           </a:extLst>
         </p:spPr>
@@ -11274,7 +11274,7 @@
           </a:ln>
           <a:extLst>
             <a:ext uri="{C572A759-6A51-4108-AA02-DFA0A04FC94B}">
-              <ma14:wrappingTextBoxFlag xmlns:ma14="http://schemas.microsoft.com/office/mac/drawingml/2011/main" xmlns="" val="1"/>
+              <ma14:wrappingTextBoxFlag xmlns="" xmlns:ma14="http://schemas.microsoft.com/office/mac/drawingml/2011/main" val="1"/>
             </a:ext>
           </a:extLst>
         </p:spPr>
@@ -11662,7 +11662,7 @@
           </a:ln>
           <a:extLst>
             <a:ext uri="{C572A759-6A51-4108-AA02-DFA0A04FC94B}">
-              <ma14:wrappingTextBoxFlag xmlns:ma14="http://schemas.microsoft.com/office/mac/drawingml/2011/main" xmlns="" val="1"/>
+              <ma14:wrappingTextBoxFlag xmlns="" xmlns:ma14="http://schemas.microsoft.com/office/mac/drawingml/2011/main" val="1"/>
             </a:ext>
           </a:extLst>
         </p:spPr>
@@ -11705,7 +11705,7 @@
           </a:ln>
           <a:extLst>
             <a:ext uri="{C572A759-6A51-4108-AA02-DFA0A04FC94B}">
-              <ma14:wrappingTextBoxFlag xmlns:ma14="http://schemas.microsoft.com/office/mac/drawingml/2011/main" xmlns="" val="1"/>
+              <ma14:wrappingTextBoxFlag xmlns="" xmlns:ma14="http://schemas.microsoft.com/office/mac/drawingml/2011/main" val="1"/>
             </a:ext>
           </a:extLst>
         </p:spPr>
@@ -11844,7 +11844,7 @@
           </a:ln>
           <a:extLst>
             <a:ext uri="{C572A759-6A51-4108-AA02-DFA0A04FC94B}">
-              <ma14:wrappingTextBoxFlag xmlns:ma14="http://schemas.microsoft.com/office/mac/drawingml/2011/main" xmlns="" val="1"/>
+              <ma14:wrappingTextBoxFlag xmlns="" xmlns:ma14="http://schemas.microsoft.com/office/mac/drawingml/2011/main" val="1"/>
             </a:ext>
           </a:extLst>
         </p:spPr>
@@ -11935,7 +11935,7 @@
           </a:ln>
           <a:extLst>
             <a:ext uri="{C572A759-6A51-4108-AA02-DFA0A04FC94B}">
-              <ma14:wrappingTextBoxFlag xmlns:ma14="http://schemas.microsoft.com/office/mac/drawingml/2011/main" xmlns="" val="1"/>
+              <ma14:wrappingTextBoxFlag xmlns="" xmlns:ma14="http://schemas.microsoft.com/office/mac/drawingml/2011/main" val="1"/>
             </a:ext>
           </a:extLst>
         </p:spPr>
@@ -12180,7 +12180,7 @@
           </a:ln>
           <a:extLst>
             <a:ext uri="{C572A759-6A51-4108-AA02-DFA0A04FC94B}">
-              <ma14:wrappingTextBoxFlag xmlns:ma14="http://schemas.microsoft.com/office/mac/drawingml/2011/main" xmlns="" val="1"/>
+              <ma14:wrappingTextBoxFlag xmlns="" xmlns:ma14="http://schemas.microsoft.com/office/mac/drawingml/2011/main" val="1"/>
             </a:ext>
           </a:extLst>
         </p:spPr>
@@ -12219,7 +12219,7 @@
           </a:ln>
           <a:extLst>
             <a:ext uri="{C572A759-6A51-4108-AA02-DFA0A04FC94B}">
-              <ma14:wrappingTextBoxFlag xmlns:ma14="http://schemas.microsoft.com/office/mac/drawingml/2011/main" xmlns="" val="1"/>
+              <ma14:wrappingTextBoxFlag xmlns="" xmlns:ma14="http://schemas.microsoft.com/office/mac/drawingml/2011/main" val="1"/>
             </a:ext>
           </a:extLst>
         </p:spPr>
@@ -12475,7 +12475,7 @@
           </a:ln>
           <a:extLst>
             <a:ext uri="{C572A759-6A51-4108-AA02-DFA0A04FC94B}">
-              <ma14:wrappingTextBoxFlag xmlns:ma14="http://schemas.microsoft.com/office/mac/drawingml/2011/main" xmlns="" val="1"/>
+              <ma14:wrappingTextBoxFlag xmlns="" xmlns:ma14="http://schemas.microsoft.com/office/mac/drawingml/2011/main" val="1"/>
             </a:ext>
           </a:extLst>
         </p:spPr>
@@ -12860,7 +12860,7 @@
           </a:ln>
           <a:extLst>
             <a:ext uri="{C572A759-6A51-4108-AA02-DFA0A04FC94B}">
-              <ma14:wrappingTextBoxFlag xmlns:ma14="http://schemas.microsoft.com/office/mac/drawingml/2011/main" xmlns="" val="1"/>
+              <ma14:wrappingTextBoxFlag xmlns="" xmlns:ma14="http://schemas.microsoft.com/office/mac/drawingml/2011/main" val="1"/>
             </a:ext>
           </a:extLst>
         </p:spPr>
@@ -12903,7 +12903,7 @@
           </a:ln>
           <a:extLst>
             <a:ext uri="{C572A759-6A51-4108-AA02-DFA0A04FC94B}">
-              <ma14:wrappingTextBoxFlag xmlns:ma14="http://schemas.microsoft.com/office/mac/drawingml/2011/main" xmlns="" val="1"/>
+              <ma14:wrappingTextBoxFlag xmlns="" xmlns:ma14="http://schemas.microsoft.com/office/mac/drawingml/2011/main" val="1"/>
             </a:ext>
           </a:extLst>
         </p:spPr>
@@ -13042,7 +13042,7 @@
           </a:ln>
           <a:extLst>
             <a:ext uri="{C572A759-6A51-4108-AA02-DFA0A04FC94B}">
-              <ma14:wrappingTextBoxFlag xmlns:ma14="http://schemas.microsoft.com/office/mac/drawingml/2011/main" xmlns="" val="1"/>
+              <ma14:wrappingTextBoxFlag xmlns="" xmlns:ma14="http://schemas.microsoft.com/office/mac/drawingml/2011/main" val="1"/>
             </a:ext>
           </a:extLst>
         </p:spPr>
@@ -13133,7 +13133,7 @@
           </a:ln>
           <a:extLst>
             <a:ext uri="{C572A759-6A51-4108-AA02-DFA0A04FC94B}">
-              <ma14:wrappingTextBoxFlag xmlns:ma14="http://schemas.microsoft.com/office/mac/drawingml/2011/main" xmlns="" val="1"/>
+              <ma14:wrappingTextBoxFlag xmlns="" xmlns:ma14="http://schemas.microsoft.com/office/mac/drawingml/2011/main" val="1"/>
             </a:ext>
           </a:extLst>
         </p:spPr>
@@ -13378,7 +13378,7 @@
           </a:ln>
           <a:extLst>
             <a:ext uri="{C572A759-6A51-4108-AA02-DFA0A04FC94B}">
-              <ma14:wrappingTextBoxFlag xmlns:ma14="http://schemas.microsoft.com/office/mac/drawingml/2011/main" xmlns="" val="1"/>
+              <ma14:wrappingTextBoxFlag xmlns="" xmlns:ma14="http://schemas.microsoft.com/office/mac/drawingml/2011/main" val="1"/>
             </a:ext>
           </a:extLst>
         </p:spPr>
@@ -13417,7 +13417,7 @@
           </a:ln>
           <a:extLst>
             <a:ext uri="{C572A759-6A51-4108-AA02-DFA0A04FC94B}">
-              <ma14:wrappingTextBoxFlag xmlns:ma14="http://schemas.microsoft.com/office/mac/drawingml/2011/main" xmlns="" val="1"/>
+              <ma14:wrappingTextBoxFlag xmlns="" xmlns:ma14="http://schemas.microsoft.com/office/mac/drawingml/2011/main" val="1"/>
             </a:ext>
           </a:extLst>
         </p:spPr>
@@ -13707,7 +13707,7 @@
           </a:ln>
           <a:extLst>
             <a:ext uri="{C572A759-6A51-4108-AA02-DFA0A04FC94B}">
-              <ma14:wrappingTextBoxFlag xmlns:ma14="http://schemas.microsoft.com/office/mac/drawingml/2011/main" xmlns="" val="1"/>
+              <ma14:wrappingTextBoxFlag xmlns="" xmlns:ma14="http://schemas.microsoft.com/office/mac/drawingml/2011/main" val="1"/>
             </a:ext>
           </a:extLst>
         </p:spPr>
@@ -14095,7 +14095,7 @@
           </a:ln>
           <a:extLst>
             <a:ext uri="{C572A759-6A51-4108-AA02-DFA0A04FC94B}">
-              <ma14:wrappingTextBoxFlag xmlns:ma14="http://schemas.microsoft.com/office/mac/drawingml/2011/main" xmlns="" val="1"/>
+              <ma14:wrappingTextBoxFlag xmlns="" xmlns:ma14="http://schemas.microsoft.com/office/mac/drawingml/2011/main" val="1"/>
             </a:ext>
           </a:extLst>
         </p:spPr>
@@ -14138,7 +14138,7 @@
           </a:ln>
           <a:extLst>
             <a:ext uri="{C572A759-6A51-4108-AA02-DFA0A04FC94B}">
-              <ma14:wrappingTextBoxFlag xmlns:ma14="http://schemas.microsoft.com/office/mac/drawingml/2011/main" xmlns="" val="1"/>
+              <ma14:wrappingTextBoxFlag xmlns="" xmlns:ma14="http://schemas.microsoft.com/office/mac/drawingml/2011/main" val="1"/>
             </a:ext>
           </a:extLst>
         </p:spPr>
@@ -14277,7 +14277,7 @@
           </a:ln>
           <a:extLst>
             <a:ext uri="{C572A759-6A51-4108-AA02-DFA0A04FC94B}">
-              <ma14:wrappingTextBoxFlag xmlns:ma14="http://schemas.microsoft.com/office/mac/drawingml/2011/main" xmlns="" val="1"/>
+              <ma14:wrappingTextBoxFlag xmlns="" xmlns:ma14="http://schemas.microsoft.com/office/mac/drawingml/2011/main" val="1"/>
             </a:ext>
           </a:extLst>
         </p:spPr>
@@ -14368,7 +14368,7 @@
           </a:ln>
           <a:extLst>
             <a:ext uri="{C572A759-6A51-4108-AA02-DFA0A04FC94B}">
-              <ma14:wrappingTextBoxFlag xmlns:ma14="http://schemas.microsoft.com/office/mac/drawingml/2011/main" xmlns="" val="1"/>
+              <ma14:wrappingTextBoxFlag xmlns="" xmlns:ma14="http://schemas.microsoft.com/office/mac/drawingml/2011/main" val="1"/>
             </a:ext>
           </a:extLst>
         </p:spPr>
@@ -14579,7 +14579,7 @@
           </a:ln>
           <a:extLst>
             <a:ext uri="{C572A759-6A51-4108-AA02-DFA0A04FC94B}">
-              <ma14:wrappingTextBoxFlag xmlns:ma14="http://schemas.microsoft.com/office/mac/drawingml/2011/main" xmlns="" val="1"/>
+              <ma14:wrappingTextBoxFlag xmlns="" xmlns:ma14="http://schemas.microsoft.com/office/mac/drawingml/2011/main" val="1"/>
             </a:ext>
           </a:extLst>
         </p:spPr>
@@ -14618,7 +14618,7 @@
           </a:ln>
           <a:extLst>
             <a:ext uri="{C572A759-6A51-4108-AA02-DFA0A04FC94B}">
-              <ma14:wrappingTextBoxFlag xmlns:ma14="http://schemas.microsoft.com/office/mac/drawingml/2011/main" xmlns="" val="1"/>
+              <ma14:wrappingTextBoxFlag xmlns="" xmlns:ma14="http://schemas.microsoft.com/office/mac/drawingml/2011/main" val="1"/>
             </a:ext>
           </a:extLst>
         </p:spPr>
@@ -14797,7 +14797,7 @@
           </a:ln>
           <a:extLst>
             <a:ext uri="{C572A759-6A51-4108-AA02-DFA0A04FC94B}">
-              <ma14:wrappingTextBoxFlag xmlns:ma14="http://schemas.microsoft.com/office/mac/drawingml/2011/main" xmlns="" val="1"/>
+              <ma14:wrappingTextBoxFlag xmlns="" xmlns:ma14="http://schemas.microsoft.com/office/mac/drawingml/2011/main" val="1"/>
             </a:ext>
           </a:extLst>
         </p:spPr>
@@ -15424,7 +15424,7 @@
           </a:ln>
           <a:extLst>
             <a:ext uri="{C572A759-6A51-4108-AA02-DFA0A04FC94B}">
-              <ma14:wrappingTextBoxFlag xmlns:ma14="http://schemas.microsoft.com/office/mac/drawingml/2011/main" xmlns="" val="1"/>
+              <ma14:wrappingTextBoxFlag xmlns="" xmlns:ma14="http://schemas.microsoft.com/office/mac/drawingml/2011/main" val="1"/>
             </a:ext>
           </a:extLst>
         </p:spPr>
@@ -15467,7 +15467,7 @@
           </a:ln>
           <a:extLst>
             <a:ext uri="{C572A759-6A51-4108-AA02-DFA0A04FC94B}">
-              <ma14:wrappingTextBoxFlag xmlns:ma14="http://schemas.microsoft.com/office/mac/drawingml/2011/main" xmlns="" val="1"/>
+              <ma14:wrappingTextBoxFlag xmlns="" xmlns:ma14="http://schemas.microsoft.com/office/mac/drawingml/2011/main" val="1"/>
             </a:ext>
           </a:extLst>
         </p:spPr>
@@ -15606,7 +15606,7 @@
           </a:ln>
           <a:extLst>
             <a:ext uri="{C572A759-6A51-4108-AA02-DFA0A04FC94B}">
-              <ma14:wrappingTextBoxFlag xmlns:ma14="http://schemas.microsoft.com/office/mac/drawingml/2011/main" xmlns="" val="1"/>
+              <ma14:wrappingTextBoxFlag xmlns="" xmlns:ma14="http://schemas.microsoft.com/office/mac/drawingml/2011/main" val="1"/>
             </a:ext>
           </a:extLst>
         </p:spPr>
@@ -15697,7 +15697,7 @@
           </a:ln>
           <a:extLst>
             <a:ext uri="{C572A759-6A51-4108-AA02-DFA0A04FC94B}">
-              <ma14:wrappingTextBoxFlag xmlns:ma14="http://schemas.microsoft.com/office/mac/drawingml/2011/main" xmlns="" val="1"/>
+              <ma14:wrappingTextBoxFlag xmlns="" xmlns:ma14="http://schemas.microsoft.com/office/mac/drawingml/2011/main" val="1"/>
             </a:ext>
           </a:extLst>
         </p:spPr>
@@ -15942,7 +15942,7 @@
           </a:ln>
           <a:extLst>
             <a:ext uri="{C572A759-6A51-4108-AA02-DFA0A04FC94B}">
-              <ma14:wrappingTextBoxFlag xmlns:ma14="http://schemas.microsoft.com/office/mac/drawingml/2011/main" xmlns="" val="1"/>
+              <ma14:wrappingTextBoxFlag xmlns="" xmlns:ma14="http://schemas.microsoft.com/office/mac/drawingml/2011/main" val="1"/>
             </a:ext>
           </a:extLst>
         </p:spPr>
@@ -15981,7 +15981,7 @@
           </a:ln>
           <a:extLst>
             <a:ext uri="{C572A759-6A51-4108-AA02-DFA0A04FC94B}">
-              <ma14:wrappingTextBoxFlag xmlns:ma14="http://schemas.microsoft.com/office/mac/drawingml/2011/main" xmlns="" val="1"/>
+              <ma14:wrappingTextBoxFlag xmlns="" xmlns:ma14="http://schemas.microsoft.com/office/mac/drawingml/2011/main" val="1"/>
             </a:ext>
           </a:extLst>
         </p:spPr>
@@ -16271,7 +16271,7 @@
           </a:ln>
           <a:extLst>
             <a:ext uri="{C572A759-6A51-4108-AA02-DFA0A04FC94B}">
-              <ma14:wrappingTextBoxFlag xmlns:ma14="http://schemas.microsoft.com/office/mac/drawingml/2011/main" xmlns="" val="1"/>
+              <ma14:wrappingTextBoxFlag xmlns="" xmlns:ma14="http://schemas.microsoft.com/office/mac/drawingml/2011/main" val="1"/>
             </a:ext>
           </a:extLst>
         </p:spPr>
@@ -16831,7 +16831,7 @@
           </a:ln>
           <a:extLst>
             <a:ext uri="{C572A759-6A51-4108-AA02-DFA0A04FC94B}">
-              <ma14:wrappingTextBoxFlag xmlns:ma14="http://schemas.microsoft.com/office/mac/drawingml/2011/main" xmlns="" val="1"/>
+              <ma14:wrappingTextBoxFlag xmlns="" xmlns:ma14="http://schemas.microsoft.com/office/mac/drawingml/2011/main" val="1"/>
             </a:ext>
           </a:extLst>
         </p:spPr>
@@ -16870,7 +16870,7 @@
           </a:ln>
           <a:extLst>
             <a:ext uri="{C572A759-6A51-4108-AA02-DFA0A04FC94B}">
-              <ma14:wrappingTextBoxFlag xmlns:ma14="http://schemas.microsoft.com/office/mac/drawingml/2011/main" xmlns="" val="1"/>
+              <ma14:wrappingTextBoxFlag xmlns="" xmlns:ma14="http://schemas.microsoft.com/office/mac/drawingml/2011/main" val="1"/>
             </a:ext>
           </a:extLst>
         </p:spPr>
@@ -18449,7 +18449,7 @@
           </a:ln>
           <a:extLst>
             <a:ext uri="{C572A759-6A51-4108-AA02-DFA0A04FC94B}">
-              <ma14:wrappingTextBoxFlag xmlns:ma14="http://schemas.microsoft.com/office/mac/drawingml/2011/main" xmlns="" val="1"/>
+              <ma14:wrappingTextBoxFlag xmlns="" xmlns:ma14="http://schemas.microsoft.com/office/mac/drawingml/2011/main" val="1"/>
             </a:ext>
           </a:extLst>
         </p:spPr>
@@ -18488,7 +18488,7 @@
           </a:ln>
           <a:extLst>
             <a:ext uri="{C572A759-6A51-4108-AA02-DFA0A04FC94B}">
-              <ma14:wrappingTextBoxFlag xmlns:ma14="http://schemas.microsoft.com/office/mac/drawingml/2011/main" xmlns="" val="1"/>
+              <ma14:wrappingTextBoxFlag xmlns="" xmlns:ma14="http://schemas.microsoft.com/office/mac/drawingml/2011/main" val="1"/>
             </a:ext>
           </a:extLst>
         </p:spPr>
@@ -19988,7 +19988,7 @@
           </a:ln>
           <a:extLst>
             <a:ext uri="{C572A759-6A51-4108-AA02-DFA0A04FC94B}">
-              <ma14:wrappingTextBoxFlag xmlns:ma14="http://schemas.microsoft.com/office/mac/drawingml/2011/main" xmlns="" val="1"/>
+              <ma14:wrappingTextBoxFlag xmlns="" xmlns:ma14="http://schemas.microsoft.com/office/mac/drawingml/2011/main" val="1"/>
             </a:ext>
           </a:extLst>
         </p:spPr>
@@ -20027,7 +20027,7 @@
           </a:ln>
           <a:extLst>
             <a:ext uri="{C572A759-6A51-4108-AA02-DFA0A04FC94B}">
-              <ma14:wrappingTextBoxFlag xmlns:ma14="http://schemas.microsoft.com/office/mac/drawingml/2011/main" xmlns="" val="1"/>
+              <ma14:wrappingTextBoxFlag xmlns="" xmlns:ma14="http://schemas.microsoft.com/office/mac/drawingml/2011/main" val="1"/>
             </a:ext>
           </a:extLst>
         </p:spPr>
@@ -21837,7 +21837,7 @@
           </a:ln>
           <a:extLst>
             <a:ext uri="{C572A759-6A51-4108-AA02-DFA0A04FC94B}">
-              <ma14:wrappingTextBoxFlag xmlns:ma14="http://schemas.microsoft.com/office/mac/drawingml/2011/main" xmlns="" val="1"/>
+              <ma14:wrappingTextBoxFlag xmlns="" xmlns:ma14="http://schemas.microsoft.com/office/mac/drawingml/2011/main" val="1"/>
             </a:ext>
           </a:extLst>
         </p:spPr>
@@ -21876,7 +21876,7 @@
           </a:ln>
           <a:extLst>
             <a:ext uri="{C572A759-6A51-4108-AA02-DFA0A04FC94B}">
-              <ma14:wrappingTextBoxFlag xmlns:ma14="http://schemas.microsoft.com/office/mac/drawingml/2011/main" xmlns="" val="1"/>
+              <ma14:wrappingTextBoxFlag xmlns="" xmlns:ma14="http://schemas.microsoft.com/office/mac/drawingml/2011/main" val="1"/>
             </a:ext>
           </a:extLst>
         </p:spPr>
@@ -24026,7 +24026,7 @@
           </a:ln>
           <a:extLst>
             <a:ext uri="{C572A759-6A51-4108-AA02-DFA0A04FC94B}">
-              <ma14:wrappingTextBoxFlag xmlns:ma14="http://schemas.microsoft.com/office/mac/drawingml/2011/main" xmlns="" val="1"/>
+              <ma14:wrappingTextBoxFlag xmlns="" xmlns:ma14="http://schemas.microsoft.com/office/mac/drawingml/2011/main" val="1"/>
             </a:ext>
           </a:extLst>
         </p:spPr>
@@ -24065,7 +24065,7 @@
           </a:ln>
           <a:extLst>
             <a:ext uri="{C572A759-6A51-4108-AA02-DFA0A04FC94B}">
-              <ma14:wrappingTextBoxFlag xmlns:ma14="http://schemas.microsoft.com/office/mac/drawingml/2011/main" xmlns="" val="1"/>
+              <ma14:wrappingTextBoxFlag xmlns="" xmlns:ma14="http://schemas.microsoft.com/office/mac/drawingml/2011/main" val="1"/>
             </a:ext>
           </a:extLst>
         </p:spPr>
@@ -26468,7 +26468,7 @@
           </a:ln>
           <a:extLst>
             <a:ext uri="{C572A759-6A51-4108-AA02-DFA0A04FC94B}">
-              <ma14:wrappingTextBoxFlag xmlns:ma14="http://schemas.microsoft.com/office/mac/drawingml/2011/main" xmlns="" val="1"/>
+              <ma14:wrappingTextBoxFlag xmlns="" xmlns:ma14="http://schemas.microsoft.com/office/mac/drawingml/2011/main" val="1"/>
             </a:ext>
           </a:extLst>
         </p:spPr>
@@ -26507,7 +26507,7 @@
           </a:ln>
           <a:extLst>
             <a:ext uri="{C572A759-6A51-4108-AA02-DFA0A04FC94B}">
-              <ma14:wrappingTextBoxFlag xmlns:ma14="http://schemas.microsoft.com/office/mac/drawingml/2011/main" xmlns="" val="1"/>
+              <ma14:wrappingTextBoxFlag xmlns="" xmlns:ma14="http://schemas.microsoft.com/office/mac/drawingml/2011/main" val="1"/>
             </a:ext>
           </a:extLst>
         </p:spPr>
@@ -29064,13 +29064,7 @@
                       <a:rPr lang="en-US" b="0" i="1" smtClean="0">
                         <a:latin typeface="Cambria Math"/>
                       </a:rPr>
-                      <m:t>→</m:t>
-                    </m:r>
-                    <m:r>
-                      <a:rPr lang="en-US" b="0" i="1" smtClean="0">
-                        <a:latin typeface="Cambria Math"/>
-                      </a:rPr>
-                      <m:t>∞</m:t>
+                      <m:t>→∞</m:t>
                     </m:r>
                   </m:oMath>
                 </a14:m>
@@ -31674,8 +31668,8 @@
           </a:p>
         </p:txBody>
       </p:sp>
-      <mc:AlternateContent xmlns:mc="http://schemas.openxmlformats.org/markup-compatibility/2006">
-        <mc:Choice xmlns:a14="http://schemas.microsoft.com/office/drawing/2010/main" Requires="a14">
+      <mc:AlternateContent xmlns:mc="http://schemas.openxmlformats.org/markup-compatibility/2006" xmlns:a14="http://schemas.microsoft.com/office/drawing/2010/main">
+        <mc:Choice Requires="a14">
           <p:sp>
             <p:nvSpPr>
               <p:cNvPr id="3" name="Content Placeholder 2">
@@ -31792,7 +31786,7 @@
             </p:txBody>
           </p:sp>
         </mc:Choice>
-        <mc:Fallback>
+        <mc:Fallback xmlns="">
           <p:sp>
             <p:nvSpPr>
               <p:cNvPr id="3" name="Content Placeholder 2">
@@ -33596,2523 +33590,6 @@
 </file>
 
 <file path=ppt/slides/slide32.xml><?xml version="1.0" encoding="utf-8"?>
-<p:sld xmlns:a="http://schemas.openxmlformats.org/drawingml/2006/main" xmlns:r="http://schemas.openxmlformats.org/officeDocument/2006/relationships" xmlns:p="http://schemas.openxmlformats.org/presentationml/2006/main">
-  <p:cSld>
-    <p:spTree>
-      <p:nvGrpSpPr>
-        <p:cNvPr id="1" name=""/>
-        <p:cNvGrpSpPr/>
-        <p:nvPr/>
-      </p:nvGrpSpPr>
-      <p:grpSpPr>
-        <a:xfrm>
-          <a:off x="0" y="0"/>
-          <a:ext cx="0" cy="0"/>
-          <a:chOff x="0" y="0"/>
-          <a:chExt cx="0" cy="0"/>
-        </a:xfrm>
-      </p:grpSpPr>
-      <p:sp>
-        <p:nvSpPr>
-          <p:cNvPr id="2" name="Title 1"/>
-          <p:cNvSpPr>
-            <a:spLocks noGrp="1"/>
-          </p:cNvSpPr>
-          <p:nvPr>
-            <p:ph type="title"/>
-          </p:nvPr>
-        </p:nvSpPr>
-        <p:spPr/>
-        <p:txBody>
-          <a:bodyPr/>
-          <a:lstStyle/>
-          <a:p>
-            <a:r>
-              <a:rPr lang="en-US" dirty="0"/>
-              <a:t>Problem 1: vertical line detection</a:t>
-            </a:r>
-          </a:p>
-        </p:txBody>
-      </p:sp>
-      <mc:AlternateContent xmlns:mc="http://schemas.openxmlformats.org/markup-compatibility/2006" xmlns:a14="http://schemas.microsoft.com/office/drawing/2010/main">
-        <mc:Choice Requires="a14">
-          <p:sp>
-            <p:nvSpPr>
-              <p:cNvPr id="3" name="Content Placeholder 2"/>
-              <p:cNvSpPr>
-                <a:spLocks noGrp="1"/>
-              </p:cNvSpPr>
-              <p:nvPr>
-                <p:ph idx="1"/>
-              </p:nvPr>
-            </p:nvSpPr>
-            <p:spPr/>
-            <p:txBody>
-              <a:bodyPr/>
-              <a:lstStyle/>
-              <a:p>
-                <a:r>
-                  <a:rPr lang="en-US" dirty="0"/>
-                  <a:t>Vertical (or near vertical) lines have a big slope: </a:t>
-                </a:r>
-                <a14:m>
-                  <m:oMath xmlns:m="http://schemas.openxmlformats.org/officeDocument/2006/math">
-                    <m:r>
-                      <a:rPr lang="en-US" b="0" i="1" smtClean="0">
-                        <a:latin typeface="Cambria Math"/>
-                      </a:rPr>
-                      <m:t>𝑚</m:t>
-                    </m:r>
-                    <m:r>
-                      <a:rPr lang="en-US" b="0" i="1" smtClean="0">
-                        <a:latin typeface="Cambria Math"/>
-                      </a:rPr>
-                      <m:t>→∞</m:t>
-                    </m:r>
-                  </m:oMath>
-                </a14:m>
-                <a:r>
-                  <a:rPr lang="en-US" dirty="0"/>
-                  <a:t>. This causes the accumulator table to be very big in </a:t>
-                </a:r>
-                <a14:m>
-                  <m:oMath xmlns:m="http://schemas.openxmlformats.org/officeDocument/2006/math">
-                    <m:r>
-                      <a:rPr lang="en-US" b="0" i="1" smtClean="0">
-                        <a:latin typeface="Cambria Math"/>
-                      </a:rPr>
-                      <m:t>𝑚</m:t>
-                    </m:r>
-                  </m:oMath>
-                </a14:m>
-                <a:r>
-                  <a:rPr lang="en-US" dirty="0"/>
-                  <a:t> direction.</a:t>
-                </a:r>
-              </a:p>
-              <a:p>
-                <a:r>
-                  <a:rPr lang="en-US" dirty="0"/>
-                  <a:t>A solution is to give a </a:t>
-                </a:r>
-                <a:r>
-                  <a:rPr lang="en-US" b="1" dirty="0"/>
-                  <a:t>different parameterization to lines</a:t>
-                </a:r>
-                <a:r>
-                  <a:rPr lang="en-US" dirty="0"/>
-                  <a:t>:</a:t>
-                </a:r>
-              </a:p>
-              <a:p>
-                <a:endParaRPr lang="en-US" dirty="0"/>
-              </a:p>
-            </p:txBody>
-          </p:sp>
-        </mc:Choice>
-        <mc:Fallback xmlns="">
-          <p:sp>
-            <p:nvSpPr>
-              <p:cNvPr id="3" name="Content Placeholder 2"/>
-              <p:cNvSpPr>
-                <a:spLocks noGrp="1" noRot="1" noChangeAspect="1" noMove="1" noResize="1" noEditPoints="1" noAdjustHandles="1" noChangeArrowheads="1" noChangeShapeType="1" noTextEdit="1"/>
-              </p:cNvSpPr>
-              <p:nvPr>
-                <p:ph idx="1"/>
-              </p:nvPr>
-            </p:nvSpPr>
-            <p:spPr>
-              <a:blipFill rotWithShape="1">
-                <a:blip r:embed="rId3"/>
-                <a:stretch>
-                  <a:fillRect l="-879" t="-959"/>
-                </a:stretch>
-              </a:blipFill>
-            </p:spPr>
-            <p:txBody>
-              <a:bodyPr/>
-              <a:lstStyle/>
-              <a:p>
-                <a:r>
-                  <a:rPr lang="en-US">
-                    <a:noFill/>
-                  </a:rPr>
-                  <a:t> </a:t>
-                </a:r>
-              </a:p>
-            </p:txBody>
-          </p:sp>
-        </mc:Fallback>
-      </mc:AlternateContent>
-      <p:sp>
-        <p:nvSpPr>
-          <p:cNvPr id="5" name="Triangle"/>
-          <p:cNvSpPr/>
-          <p:nvPr/>
-        </p:nvSpPr>
-        <p:spPr>
-          <a:xfrm>
-            <a:off x="9173735" y="2625725"/>
-            <a:ext cx="1427661" cy="1427661"/>
-          </a:xfrm>
-          <a:custGeom>
-            <a:avLst/>
-            <a:gdLst/>
-            <a:ahLst/>
-            <a:cxnLst>
-              <a:cxn ang="0">
-                <a:pos x="wd2" y="hd2"/>
-              </a:cxn>
-              <a:cxn ang="5400000">
-                <a:pos x="wd2" y="hd2"/>
-              </a:cxn>
-              <a:cxn ang="10800000">
-                <a:pos x="wd2" y="hd2"/>
-              </a:cxn>
-              <a:cxn ang="16200000">
-                <a:pos x="wd2" y="hd2"/>
-              </a:cxn>
-            </a:cxnLst>
-            <a:rect l="0" t="0" r="r" b="b"/>
-            <a:pathLst>
-              <a:path w="21600" h="21600" extrusionOk="0">
-                <a:moveTo>
-                  <a:pt x="0" y="0"/>
-                </a:moveTo>
-                <a:lnTo>
-                  <a:pt x="0" y="21600"/>
-                </a:lnTo>
-                <a:lnTo>
-                  <a:pt x="21600" y="21600"/>
-                </a:lnTo>
-                <a:close/>
-              </a:path>
-            </a:pathLst>
-          </a:custGeom>
-          <a:ln w="25400">
-            <a:solidFill>
-              <a:srgbClr val="85888D"/>
-            </a:solidFill>
-            <a:miter lim="400000"/>
-          </a:ln>
-        </p:spPr>
-        <p:txBody>
-          <a:bodyPr lIns="50800" tIns="50800" rIns="50800" bIns="50800" anchor="ctr"/>
-          <a:lstStyle/>
-          <a:p>
-            <a:pPr>
-              <a:defRPr sz="2400"/>
-            </a:pPr>
-            <a:endParaRPr/>
-          </a:p>
-        </p:txBody>
-      </p:sp>
-      <p:pic>
-        <p:nvPicPr>
-          <p:cNvPr id="7" name="latex-image-6.pdf" descr="latex-image-6.pdf"/>
-          <p:cNvPicPr>
-            <a:picLocks noChangeAspect="1"/>
-          </p:cNvPicPr>
-          <p:nvPr/>
-        </p:nvPicPr>
-        <p:blipFill>
-          <a:blip r:embed="rId4"/>
-          <a:stretch>
-            <a:fillRect/>
-          </a:stretch>
-        </p:blipFill>
-        <p:spPr>
-          <a:xfrm>
-            <a:off x="8934450" y="2450443"/>
-            <a:ext cx="127000" cy="235858"/>
-          </a:xfrm>
-          <a:prstGeom prst="rect">
-            <a:avLst/>
-          </a:prstGeom>
-          <a:ln w="12700">
-            <a:miter lim="400000"/>
-          </a:ln>
-        </p:spPr>
-      </p:pic>
-      <p:sp>
-        <p:nvSpPr>
-          <p:cNvPr id="8" name="Line"/>
-          <p:cNvSpPr/>
-          <p:nvPr/>
-        </p:nvSpPr>
-        <p:spPr>
-          <a:xfrm>
-            <a:off x="9163888" y="4060825"/>
-            <a:ext cx="1725491" cy="0"/>
-          </a:xfrm>
-          <a:prstGeom prst="line">
-            <a:avLst/>
-          </a:prstGeom>
-          <a:ln w="25400">
-            <a:solidFill>
-              <a:srgbClr val="000000"/>
-            </a:solidFill>
-            <a:miter lim="400000"/>
-            <a:tailEnd type="triangle"/>
-          </a:ln>
-        </p:spPr>
-        <p:txBody>
-          <a:bodyPr lIns="50800" tIns="50800" rIns="50800" bIns="50800" anchor="ctr"/>
-          <a:lstStyle/>
-          <a:p>
-            <a:pPr>
-              <a:defRPr sz="2400"/>
-            </a:pPr>
-            <a:endParaRPr/>
-          </a:p>
-        </p:txBody>
-      </p:sp>
-      <p:sp>
-        <p:nvSpPr>
-          <p:cNvPr id="9" name="Line"/>
-          <p:cNvSpPr/>
-          <p:nvPr/>
-        </p:nvSpPr>
-        <p:spPr>
-          <a:xfrm flipV="1">
-            <a:off x="9176588" y="2347141"/>
-            <a:ext cx="1" cy="1712868"/>
-          </a:xfrm>
-          <a:prstGeom prst="line">
-            <a:avLst/>
-          </a:prstGeom>
-          <a:ln w="25400">
-            <a:solidFill>
-              <a:srgbClr val="000000"/>
-            </a:solidFill>
-            <a:miter lim="400000"/>
-            <a:tailEnd type="triangle"/>
-          </a:ln>
-        </p:spPr>
-        <p:txBody>
-          <a:bodyPr lIns="50800" tIns="50800" rIns="50800" bIns="50800" anchor="ctr"/>
-          <a:lstStyle/>
-          <a:p>
-            <a:pPr>
-              <a:defRPr sz="2400"/>
-            </a:pPr>
-            <a:endParaRPr/>
-          </a:p>
-        </p:txBody>
-      </p:sp>
-      <p:sp>
-        <p:nvSpPr>
-          <p:cNvPr id="10" name="Line"/>
-          <p:cNvSpPr/>
-          <p:nvPr/>
-        </p:nvSpPr>
-        <p:spPr>
-          <a:xfrm flipV="1">
-            <a:off x="9194051" y="3359312"/>
-            <a:ext cx="688813" cy="688813"/>
-          </a:xfrm>
-          <a:prstGeom prst="line">
-            <a:avLst/>
-          </a:prstGeom>
-          <a:ln w="25400">
-            <a:solidFill>
-              <a:srgbClr val="000000"/>
-            </a:solidFill>
-            <a:miter lim="400000"/>
-            <a:tailEnd type="triangle"/>
-          </a:ln>
-        </p:spPr>
-        <p:txBody>
-          <a:bodyPr lIns="50800" tIns="50800" rIns="50800" bIns="50800" anchor="ctr"/>
-          <a:lstStyle/>
-          <a:p>
-            <a:pPr>
-              <a:defRPr sz="2400"/>
-            </a:pPr>
-            <a:endParaRPr/>
-          </a:p>
-        </p:txBody>
-      </p:sp>
-      <p:pic>
-        <p:nvPicPr>
-          <p:cNvPr id="11" name="latex-image-9.pdf" descr="latex-image-9.pdf"/>
-          <p:cNvPicPr>
-            <a:picLocks noChangeAspect="1"/>
-          </p:cNvPicPr>
-          <p:nvPr/>
-        </p:nvPicPr>
-        <p:blipFill>
-          <a:blip r:embed="rId5"/>
-          <a:stretch>
-            <a:fillRect/>
-          </a:stretch>
-        </p:blipFill>
-        <p:spPr>
-          <a:xfrm>
-            <a:off x="9472613" y="3802954"/>
-            <a:ext cx="122709" cy="207071"/>
-          </a:xfrm>
-          <a:prstGeom prst="rect">
-            <a:avLst/>
-          </a:prstGeom>
-          <a:ln w="12700">
-            <a:miter lim="400000"/>
-          </a:ln>
-        </p:spPr>
-      </p:pic>
-      <p:pic>
-        <p:nvPicPr>
-          <p:cNvPr id="12" name="latex-image-10.pdf" descr="latex-image-10.pdf"/>
-          <p:cNvPicPr>
-            <a:picLocks noChangeAspect="1"/>
-          </p:cNvPicPr>
-          <p:nvPr/>
-        </p:nvPicPr>
-        <p:blipFill>
-          <a:blip r:embed="rId6"/>
-          <a:stretch>
-            <a:fillRect/>
-          </a:stretch>
-        </p:blipFill>
-        <p:spPr>
-          <a:xfrm>
-            <a:off x="9485313" y="3333097"/>
-            <a:ext cx="178772" cy="248295"/>
-          </a:xfrm>
-          <a:prstGeom prst="rect">
-            <a:avLst/>
-          </a:prstGeom>
-          <a:ln w="12700">
-            <a:miter lim="400000"/>
-          </a:ln>
-        </p:spPr>
-      </p:pic>
-      <p:pic>
-        <p:nvPicPr>
-          <p:cNvPr id="13" name="latex-image-9.pdf" descr="latex-image-9.pdf"/>
-          <p:cNvPicPr>
-            <a:picLocks noChangeAspect="1"/>
-          </p:cNvPicPr>
-          <p:nvPr/>
-        </p:nvPicPr>
-        <p:blipFill>
-          <a:blip r:embed="rId5"/>
-          <a:stretch>
-            <a:fillRect/>
-          </a:stretch>
-        </p:blipFill>
-        <p:spPr>
-          <a:xfrm>
-            <a:off x="9218613" y="2825054"/>
-            <a:ext cx="122709" cy="207071"/>
-          </a:xfrm>
-          <a:prstGeom prst="rect">
-            <a:avLst/>
-          </a:prstGeom>
-          <a:ln w="12700">
-            <a:miter lim="400000"/>
-          </a:ln>
-        </p:spPr>
-      </p:pic>
-      <p:sp>
-        <p:nvSpPr>
-          <p:cNvPr id="14" name="Connection Line"/>
-          <p:cNvSpPr/>
-          <p:nvPr/>
-        </p:nvSpPr>
-        <p:spPr>
-          <a:xfrm>
-            <a:off x="9551966" y="3704291"/>
-            <a:ext cx="161561" cy="365325"/>
-          </a:xfrm>
-          <a:custGeom>
-            <a:avLst/>
-            <a:gdLst/>
-            <a:ahLst/>
-            <a:cxnLst>
-              <a:cxn ang="0">
-                <a:pos x="wd2" y="hd2"/>
-              </a:cxn>
-              <a:cxn ang="5400000">
-                <a:pos x="wd2" y="hd2"/>
-              </a:cxn>
-              <a:cxn ang="10800000">
-                <a:pos x="wd2" y="hd2"/>
-              </a:cxn>
-              <a:cxn ang="16200000">
-                <a:pos x="wd2" y="hd2"/>
-              </a:cxn>
-            </a:cxnLst>
-            <a:rect l="0" t="0" r="r" b="b"/>
-            <a:pathLst>
-              <a:path w="17356" h="21600" extrusionOk="0">
-                <a:moveTo>
-                  <a:pt x="0" y="0"/>
-                </a:moveTo>
-                <a:cubicBezTo>
-                  <a:pt x="17170" y="4716"/>
-                  <a:pt x="21600" y="11916"/>
-                  <a:pt x="13291" y="21600"/>
-                </a:cubicBezTo>
-              </a:path>
-            </a:pathLst>
-          </a:custGeom>
-          <a:ln w="12700">
-            <a:solidFill>
-              <a:srgbClr val="000000"/>
-            </a:solidFill>
-            <a:miter lim="400000"/>
-          </a:ln>
-        </p:spPr>
-        <p:txBody>
-          <a:bodyPr/>
-          <a:lstStyle/>
-          <a:p>
-            <a:endParaRPr/>
-          </a:p>
-        </p:txBody>
-      </p:sp>
-      <p:sp>
-        <p:nvSpPr>
-          <p:cNvPr id="15" name="Connection Line"/>
-          <p:cNvSpPr/>
-          <p:nvPr/>
-        </p:nvSpPr>
-        <p:spPr>
-          <a:xfrm>
-            <a:off x="9183695" y="2925085"/>
-            <a:ext cx="268239" cy="175523"/>
-          </a:xfrm>
-          <a:custGeom>
-            <a:avLst/>
-            <a:gdLst/>
-            <a:ahLst/>
-            <a:cxnLst>
-              <a:cxn ang="0">
-                <a:pos x="wd2" y="hd2"/>
-              </a:cxn>
-              <a:cxn ang="5400000">
-                <a:pos x="wd2" y="hd2"/>
-              </a:cxn>
-              <a:cxn ang="10800000">
-                <a:pos x="wd2" y="hd2"/>
-              </a:cxn>
-              <a:cxn ang="16200000">
-                <a:pos x="wd2" y="hd2"/>
-              </a:cxn>
-            </a:cxnLst>
-            <a:rect l="0" t="0" r="r" b="b"/>
-            <a:pathLst>
-              <a:path w="21600" h="18029" extrusionOk="0">
-                <a:moveTo>
-                  <a:pt x="21600" y="0"/>
-                </a:moveTo>
-                <a:cubicBezTo>
-                  <a:pt x="19502" y="16382"/>
-                  <a:pt x="12302" y="21600"/>
-                  <a:pt x="0" y="15654"/>
-                </a:cubicBezTo>
-              </a:path>
-            </a:pathLst>
-          </a:custGeom>
-          <a:ln w="12700">
-            <a:solidFill>
-              <a:srgbClr val="000000"/>
-            </a:solidFill>
-            <a:miter lim="400000"/>
-          </a:ln>
-        </p:spPr>
-        <p:txBody>
-          <a:bodyPr/>
-          <a:lstStyle/>
-          <a:p>
-            <a:endParaRPr/>
-          </a:p>
-        </p:txBody>
-      </p:sp>
-      <p:pic>
-        <p:nvPicPr>
-          <p:cNvPr id="2052" name="Picture 4" descr="https://latex.codecogs.com/gif.latex?%5Cdpi%7B300%7D%20%5C%5C%20y%3Dmx&amp;plus;b%5C%5C%20%5Cxrightarrow%7Bx%3D0%7Dy%3Db%5C%5C%20%5Cxrightarrow%7By%3D0%7Dx%3D-%5Cfrac%7Bb%7D%7Bm%7D%5C%5C%20%5Cfrac%7B%5Cfrac%7B-b%7D%7Bm%7D%7D%7Bb%7D%3D-%5Cfrac%7B1%7D%7Bm%7D%3Dtg%5Ctheta%5Crightarrow%20m%3D-%5Cfrac%7B1%7D%7Btg%5Ctheta%7D%3D-%5Cfrac%7Bcos%5Ctheta%7D%7Bsin%5Ctheta%7D%20%5C%5C%20%5Cfrac%7B%5Crho%7D%7Bb%7D%3Dsin%5Ctheta%5Crightarrow%20b%3D%5Cfrac%7B%5Crho%7D%7Bsin%5Ctheta%7D%20%5C%5C%20y%3Dmx&amp;plus;b%5Crightarrow%20y%3D-%5Cfrac%7Bcos%5Ctheta%7D%7Bsin%5Ctheta%7Dx&amp;plus;%5Cfrac%7B%5Crho%7D%7Bsin%5Ctheta%7D%20%5Crightarrow%20xcos%5Ctheta%20&amp;plus;ysin%5Ctheta%20%3D%20%5Crho"/>
-          <p:cNvPicPr>
-            <a:picLocks noChangeAspect="1" noChangeArrowheads="1"/>
-          </p:cNvPicPr>
-          <p:nvPr/>
-        </p:nvPicPr>
-        <p:blipFill>
-          <a:blip r:embed="rId7">
-            <a:extLst>
-              <a:ext uri="{28A0092B-C50C-407E-A947-70E740481C1C}">
-                <a14:useLocalDpi xmlns:a14="http://schemas.microsoft.com/office/drawing/2010/main" val="0"/>
-              </a:ext>
-            </a:extLst>
-          </a:blip>
-          <a:srcRect/>
-          <a:stretch>
-            <a:fillRect/>
-          </a:stretch>
-        </p:blipFill>
-        <p:spPr bwMode="auto">
-          <a:xfrm>
-            <a:off x="556462" y="2200274"/>
-            <a:ext cx="10044934" cy="4548493"/>
-          </a:xfrm>
-          <a:prstGeom prst="rect">
-            <a:avLst/>
-          </a:prstGeom>
-          <a:noFill/>
-          <a:extLst>
-            <a:ext uri="{909E8E84-426E-40DD-AFC4-6F175D3DCCD1}">
-              <a14:hiddenFill xmlns:a14="http://schemas.microsoft.com/office/drawing/2010/main">
-                <a:solidFill>
-                  <a:srgbClr val="FFFFFF"/>
-                </a:solidFill>
-              </a14:hiddenFill>
-            </a:ext>
-          </a:extLst>
-        </p:spPr>
-      </p:pic>
-      <p:pic>
-        <p:nvPicPr>
-          <p:cNvPr id="18" name="Picture 4" descr="https://latex.codecogs.com/gif.latex?%5Cdpi%7B300%7D%20%5C%5C%20y%3Dmx&amp;plus;b%5C%5C%20%5Cxrightarrow%7Bx%3D0%7Dy%3Db%5C%5C%20%5Cxrightarrow%7By%3D0%7Dx%3D-%5Cfrac%7Bb%7D%7Bm%7D%5C%5C%20%5Cfrac%7B%5Cfrac%7B-b%7D%7Bm%7D%7D%7Bb%7D%3D-%5Cfrac%7B1%7D%7Bm%7D%3Dtg%5Ctheta%5Crightarrow%20m%3D-%5Cfrac%7B1%7D%7Btg%5Ctheta%7D%3D-%5Cfrac%7Bcos%5Ctheta%7D%7Bsin%5Ctheta%7D%20%5C%5C%20%5Cfrac%7B%5Crho%7D%7Bb%7D%3Dsin%5Ctheta%5Crightarrow%20b%3D%5Cfrac%7B%5Crho%7D%7Bsin%5Ctheta%7D%20%5C%5C%20y%3Dmx&amp;plus;b%5Crightarrow%20y%3D-%5Cfrac%7Bcos%5Ctheta%7D%7Bsin%5Ctheta%7Dx&amp;plus;%5Cfrac%7B%5Crho%7D%7Bsin%5Ctheta%7D%20%5Crightarrow%20xcos%5Ctheta%20&amp;plus;ysin%5Ctheta%20%3D%20%5Crho"/>
-          <p:cNvPicPr>
-            <a:picLocks noChangeAspect="1" noChangeArrowheads="1"/>
-          </p:cNvPicPr>
-          <p:nvPr/>
-        </p:nvPicPr>
-        <p:blipFill rotWithShape="1">
-          <a:blip r:embed="rId7">
-            <a:extLst>
-              <a:ext uri="{28A0092B-C50C-407E-A947-70E740481C1C}">
-                <a14:useLocalDpi xmlns:a14="http://schemas.microsoft.com/office/drawing/2010/main" val="0"/>
-              </a:ext>
-            </a:extLst>
-          </a:blip>
-          <a:srcRect l="16363" t="19825" r="75525" b="57691"/>
-          <a:stretch/>
-        </p:blipFill>
-        <p:spPr bwMode="auto">
-          <a:xfrm>
-            <a:off x="10301608" y="4069616"/>
-            <a:ext cx="599575" cy="752484"/>
-          </a:xfrm>
-          <a:prstGeom prst="rect">
-            <a:avLst/>
-          </a:prstGeom>
-          <a:noFill/>
-          <a:extLst>
-            <a:ext uri="{909E8E84-426E-40DD-AFC4-6F175D3DCCD1}">
-              <a14:hiddenFill xmlns:a14="http://schemas.microsoft.com/office/drawing/2010/main">
-                <a:solidFill>
-                  <a:srgbClr val="FFFFFF"/>
-                </a:solidFill>
-              </a14:hiddenFill>
-            </a:ext>
-          </a:extLst>
-        </p:spPr>
-      </p:pic>
-      <p:sp>
-        <p:nvSpPr>
-          <p:cNvPr id="4" name="Rectangle 3"/>
-          <p:cNvSpPr/>
-          <p:nvPr/>
-        </p:nvSpPr>
-        <p:spPr>
-          <a:xfrm rot="2546264">
-            <a:off x="9678362" y="3325254"/>
-            <a:ext cx="297067" cy="201333"/>
-          </a:xfrm>
-          <a:prstGeom prst="rect">
-            <a:avLst/>
-          </a:prstGeom>
-          <a:noFill/>
-          <a:ln w="6350">
-            <a:solidFill>
-              <a:schemeClr val="tx1"/>
-            </a:solidFill>
-          </a:ln>
-        </p:spPr>
-        <p:style>
-          <a:lnRef idx="2">
-            <a:schemeClr val="accent1">
-              <a:shade val="50000"/>
-            </a:schemeClr>
-          </a:lnRef>
-          <a:fillRef idx="1">
-            <a:schemeClr val="accent1"/>
-          </a:fillRef>
-          <a:effectRef idx="0">
-            <a:schemeClr val="accent1"/>
-          </a:effectRef>
-          <a:fontRef idx="minor">
-            <a:schemeClr val="lt1"/>
-          </a:fontRef>
-        </p:style>
-        <p:txBody>
-          <a:bodyPr rtlCol="0" anchor="ctr"/>
-          <a:lstStyle/>
-          <a:p>
-            <a:pPr algn="ctr"/>
-            <a:endParaRPr lang="en-US"/>
-          </a:p>
-        </p:txBody>
-      </p:sp>
-      <p:sp>
-        <p:nvSpPr>
-          <p:cNvPr id="20" name="Rectangle 19"/>
-          <p:cNvSpPr/>
-          <p:nvPr/>
-        </p:nvSpPr>
-        <p:spPr>
-          <a:xfrm>
-            <a:off x="9173735" y="3846792"/>
-            <a:ext cx="195871" cy="201333"/>
-          </a:xfrm>
-          <a:prstGeom prst="rect">
-            <a:avLst/>
-          </a:prstGeom>
-          <a:noFill/>
-          <a:ln w="6350">
-            <a:solidFill>
-              <a:schemeClr val="tx1"/>
-            </a:solidFill>
-          </a:ln>
-        </p:spPr>
-        <p:style>
-          <a:lnRef idx="2">
-            <a:schemeClr val="accent1">
-              <a:shade val="50000"/>
-            </a:schemeClr>
-          </a:lnRef>
-          <a:fillRef idx="1">
-            <a:schemeClr val="accent1"/>
-          </a:fillRef>
-          <a:effectRef idx="0">
-            <a:schemeClr val="accent1"/>
-          </a:effectRef>
-          <a:fontRef idx="minor">
-            <a:schemeClr val="lt1"/>
-          </a:fontRef>
-        </p:style>
-        <p:txBody>
-          <a:bodyPr rtlCol="0" anchor="ctr"/>
-          <a:lstStyle/>
-          <a:p>
-            <a:pPr algn="ctr"/>
-            <a:endParaRPr lang="en-US"/>
-          </a:p>
-        </p:txBody>
-      </p:sp>
-      <p:sp>
-        <p:nvSpPr>
-          <p:cNvPr id="22" name="Rectangle: Rounded Corners 7">
-            <a:extLst>
-              <a:ext uri="{FF2B5EF4-FFF2-40B4-BE49-F238E27FC236}">
-                <a16:creationId xmlns:a16="http://schemas.microsoft.com/office/drawing/2014/main" id="{89656513-9083-47D3-8D44-E43743BD2C33}"/>
-              </a:ext>
-            </a:extLst>
-          </p:cNvPr>
-          <p:cNvSpPr/>
-          <p:nvPr/>
-        </p:nvSpPr>
-        <p:spPr>
-          <a:xfrm>
-            <a:off x="7305675" y="6038850"/>
-            <a:ext cx="3583704" cy="681342"/>
-          </a:xfrm>
-          <a:prstGeom prst="roundRect">
-            <a:avLst/>
-          </a:prstGeom>
-          <a:noFill/>
-        </p:spPr>
-        <p:style>
-          <a:lnRef idx="2">
-            <a:schemeClr val="accent1">
-              <a:shade val="50000"/>
-            </a:schemeClr>
-          </a:lnRef>
-          <a:fillRef idx="1">
-            <a:schemeClr val="accent1"/>
-          </a:fillRef>
-          <a:effectRef idx="0">
-            <a:schemeClr val="accent1"/>
-          </a:effectRef>
-          <a:fontRef idx="minor">
-            <a:schemeClr val="lt1"/>
-          </a:fontRef>
-        </p:style>
-        <p:txBody>
-          <a:bodyPr rtlCol="0" anchor="ctr"/>
-          <a:lstStyle/>
-          <a:p>
-            <a:pPr algn="ctr"/>
-            <a:endParaRPr lang="en-US"/>
-          </a:p>
-        </p:txBody>
-      </p:sp>
-      <p:sp>
-        <p:nvSpPr>
-          <p:cNvPr id="19" name="Rectangle 18">
-            <a:extLst>
-              <a:ext uri="{FF2B5EF4-FFF2-40B4-BE49-F238E27FC236}">
-                <a16:creationId xmlns:a16="http://schemas.microsoft.com/office/drawing/2014/main" id="{601B361A-666D-4F49-8F65-CCD8395CF5E9}"/>
-              </a:ext>
-            </a:extLst>
-          </p:cNvPr>
-          <p:cNvSpPr/>
-          <p:nvPr/>
-        </p:nvSpPr>
-        <p:spPr>
-          <a:xfrm>
-            <a:off x="0" y="5231092"/>
-            <a:ext cx="12191999" cy="1626905"/>
-          </a:xfrm>
-          <a:prstGeom prst="rect">
-            <a:avLst/>
-          </a:prstGeom>
-          <a:solidFill>
-            <a:schemeClr val="bg1"/>
-          </a:solidFill>
-          <a:ln>
-            <a:solidFill>
-              <a:schemeClr val="bg1"/>
-            </a:solidFill>
-          </a:ln>
-        </p:spPr>
-        <p:style>
-          <a:lnRef idx="2">
-            <a:schemeClr val="accent1">
-              <a:shade val="50000"/>
-            </a:schemeClr>
-          </a:lnRef>
-          <a:fillRef idx="1">
-            <a:schemeClr val="accent1"/>
-          </a:fillRef>
-          <a:effectRef idx="0">
-            <a:schemeClr val="accent1"/>
-          </a:effectRef>
-          <a:fontRef idx="minor">
-            <a:schemeClr val="lt1"/>
-          </a:fontRef>
-        </p:style>
-        <p:txBody>
-          <a:bodyPr rtlCol="0" anchor="ctr"/>
-          <a:lstStyle/>
-          <a:p>
-            <a:pPr algn="ctr"/>
-            <a:endParaRPr lang="en-US"/>
-          </a:p>
-        </p:txBody>
-      </p:sp>
-      <p:sp>
-        <p:nvSpPr>
-          <p:cNvPr id="21" name="Rectangle 20">
-            <a:extLst>
-              <a:ext uri="{FF2B5EF4-FFF2-40B4-BE49-F238E27FC236}">
-                <a16:creationId xmlns:a16="http://schemas.microsoft.com/office/drawing/2014/main" id="{73FE1890-9D25-40A3-AC70-EA79689F2570}"/>
-              </a:ext>
-            </a:extLst>
-          </p:cNvPr>
-          <p:cNvSpPr/>
-          <p:nvPr/>
-        </p:nvSpPr>
-        <p:spPr>
-          <a:xfrm>
-            <a:off x="104356" y="5124084"/>
-            <a:ext cx="5115849" cy="1255437"/>
-          </a:xfrm>
-          <a:prstGeom prst="rect">
-            <a:avLst/>
-          </a:prstGeom>
-          <a:solidFill>
-            <a:schemeClr val="bg1"/>
-          </a:solidFill>
-          <a:ln>
-            <a:solidFill>
-              <a:schemeClr val="bg1"/>
-            </a:solidFill>
-          </a:ln>
-        </p:spPr>
-        <p:style>
-          <a:lnRef idx="2">
-            <a:schemeClr val="accent1">
-              <a:shade val="50000"/>
-            </a:schemeClr>
-          </a:lnRef>
-          <a:fillRef idx="1">
-            <a:schemeClr val="accent1"/>
-          </a:fillRef>
-          <a:effectRef idx="0">
-            <a:schemeClr val="accent1"/>
-          </a:effectRef>
-          <a:fontRef idx="minor">
-            <a:schemeClr val="lt1"/>
-          </a:fontRef>
-        </p:style>
-        <p:txBody>
-          <a:bodyPr rtlCol="0" anchor="ctr"/>
-          <a:lstStyle/>
-          <a:p>
-            <a:pPr algn="ctr"/>
-            <a:endParaRPr lang="en-US"/>
-          </a:p>
-        </p:txBody>
-      </p:sp>
-    </p:spTree>
-    <p:extLst>
-      <p:ext uri="{BB962C8B-B14F-4D97-AF65-F5344CB8AC3E}">
-        <p14:creationId xmlns:p14="http://schemas.microsoft.com/office/powerpoint/2010/main" val="2545892405"/>
-      </p:ext>
-    </p:extLst>
-  </p:cSld>
-  <p:clrMapOvr>
-    <a:masterClrMapping/>
-  </p:clrMapOvr>
-</p:sld>
-</file>
-
-<file path=ppt/slides/slide33.xml><?xml version="1.0" encoding="utf-8"?>
-<p:sld xmlns:a="http://schemas.openxmlformats.org/drawingml/2006/main" xmlns:r="http://schemas.openxmlformats.org/officeDocument/2006/relationships" xmlns:p="http://schemas.openxmlformats.org/presentationml/2006/main">
-  <p:cSld>
-    <p:spTree>
-      <p:nvGrpSpPr>
-        <p:cNvPr id="1" name=""/>
-        <p:cNvGrpSpPr/>
-        <p:nvPr/>
-      </p:nvGrpSpPr>
-      <p:grpSpPr>
-        <a:xfrm>
-          <a:off x="0" y="0"/>
-          <a:ext cx="0" cy="0"/>
-          <a:chOff x="0" y="0"/>
-          <a:chExt cx="0" cy="0"/>
-        </a:xfrm>
-      </p:grpSpPr>
-      <p:sp>
-        <p:nvSpPr>
-          <p:cNvPr id="2" name="Title 1"/>
-          <p:cNvSpPr>
-            <a:spLocks noGrp="1"/>
-          </p:cNvSpPr>
-          <p:nvPr>
-            <p:ph type="title"/>
-          </p:nvPr>
-        </p:nvSpPr>
-        <p:spPr/>
-        <p:txBody>
-          <a:bodyPr/>
-          <a:lstStyle/>
-          <a:p>
-            <a:r>
-              <a:rPr lang="en-US" dirty="0"/>
-              <a:t>Problem 1: vertical line detection</a:t>
-            </a:r>
-          </a:p>
-        </p:txBody>
-      </p:sp>
-      <mc:AlternateContent xmlns:mc="http://schemas.openxmlformats.org/markup-compatibility/2006" xmlns:a14="http://schemas.microsoft.com/office/drawing/2010/main">
-        <mc:Choice Requires="a14">
-          <p:sp>
-            <p:nvSpPr>
-              <p:cNvPr id="3" name="Content Placeholder 2"/>
-              <p:cNvSpPr>
-                <a:spLocks noGrp="1"/>
-              </p:cNvSpPr>
-              <p:nvPr>
-                <p:ph idx="1"/>
-              </p:nvPr>
-            </p:nvSpPr>
-            <p:spPr/>
-            <p:txBody>
-              <a:bodyPr/>
-              <a:lstStyle/>
-              <a:p>
-                <a:r>
-                  <a:rPr lang="en-US" dirty="0"/>
-                  <a:t>Vertical (or near vertical) lines have a big slope: </a:t>
-                </a:r>
-                <a14:m>
-                  <m:oMath xmlns:m="http://schemas.openxmlformats.org/officeDocument/2006/math">
-                    <m:r>
-                      <a:rPr lang="en-US" b="0" i="1" smtClean="0">
-                        <a:latin typeface="Cambria Math"/>
-                      </a:rPr>
-                      <m:t>𝑚</m:t>
-                    </m:r>
-                    <m:r>
-                      <a:rPr lang="en-US" b="0" i="1" smtClean="0">
-                        <a:latin typeface="Cambria Math"/>
-                      </a:rPr>
-                      <m:t>→∞</m:t>
-                    </m:r>
-                  </m:oMath>
-                </a14:m>
-                <a:r>
-                  <a:rPr lang="en-US" dirty="0"/>
-                  <a:t>. This causes the accumulator table to be very big in </a:t>
-                </a:r>
-                <a14:m>
-                  <m:oMath xmlns:m="http://schemas.openxmlformats.org/officeDocument/2006/math">
-                    <m:r>
-                      <a:rPr lang="en-US" b="0" i="1" smtClean="0">
-                        <a:latin typeface="Cambria Math"/>
-                      </a:rPr>
-                      <m:t>𝑚</m:t>
-                    </m:r>
-                  </m:oMath>
-                </a14:m>
-                <a:r>
-                  <a:rPr lang="en-US" dirty="0"/>
-                  <a:t> direction.</a:t>
-                </a:r>
-              </a:p>
-              <a:p>
-                <a:r>
-                  <a:rPr lang="en-US" dirty="0"/>
-                  <a:t>A solution is to give a </a:t>
-                </a:r>
-                <a:r>
-                  <a:rPr lang="en-US" b="1" dirty="0"/>
-                  <a:t>different parameterization to lines</a:t>
-                </a:r>
-                <a:r>
-                  <a:rPr lang="en-US" dirty="0"/>
-                  <a:t>:</a:t>
-                </a:r>
-              </a:p>
-              <a:p>
-                <a:endParaRPr lang="en-US" dirty="0"/>
-              </a:p>
-            </p:txBody>
-          </p:sp>
-        </mc:Choice>
-        <mc:Fallback xmlns="">
-          <p:sp>
-            <p:nvSpPr>
-              <p:cNvPr id="3" name="Content Placeholder 2"/>
-              <p:cNvSpPr>
-                <a:spLocks noGrp="1" noRot="1" noChangeAspect="1" noMove="1" noResize="1" noEditPoints="1" noAdjustHandles="1" noChangeArrowheads="1" noChangeShapeType="1" noTextEdit="1"/>
-              </p:cNvSpPr>
-              <p:nvPr>
-                <p:ph idx="1"/>
-              </p:nvPr>
-            </p:nvSpPr>
-            <p:spPr>
-              <a:blipFill rotWithShape="1">
-                <a:blip r:embed="rId3"/>
-                <a:stretch>
-                  <a:fillRect l="-879" t="-959"/>
-                </a:stretch>
-              </a:blipFill>
-            </p:spPr>
-            <p:txBody>
-              <a:bodyPr/>
-              <a:lstStyle/>
-              <a:p>
-                <a:r>
-                  <a:rPr lang="en-US">
-                    <a:noFill/>
-                  </a:rPr>
-                  <a:t> </a:t>
-                </a:r>
-              </a:p>
-            </p:txBody>
-          </p:sp>
-        </mc:Fallback>
-      </mc:AlternateContent>
-      <p:sp>
-        <p:nvSpPr>
-          <p:cNvPr id="5" name="Triangle"/>
-          <p:cNvSpPr/>
-          <p:nvPr/>
-        </p:nvSpPr>
-        <p:spPr>
-          <a:xfrm>
-            <a:off x="9173735" y="2625725"/>
-            <a:ext cx="1427661" cy="1427661"/>
-          </a:xfrm>
-          <a:custGeom>
-            <a:avLst/>
-            <a:gdLst/>
-            <a:ahLst/>
-            <a:cxnLst>
-              <a:cxn ang="0">
-                <a:pos x="wd2" y="hd2"/>
-              </a:cxn>
-              <a:cxn ang="5400000">
-                <a:pos x="wd2" y="hd2"/>
-              </a:cxn>
-              <a:cxn ang="10800000">
-                <a:pos x="wd2" y="hd2"/>
-              </a:cxn>
-              <a:cxn ang="16200000">
-                <a:pos x="wd2" y="hd2"/>
-              </a:cxn>
-            </a:cxnLst>
-            <a:rect l="0" t="0" r="r" b="b"/>
-            <a:pathLst>
-              <a:path w="21600" h="21600" extrusionOk="0">
-                <a:moveTo>
-                  <a:pt x="0" y="0"/>
-                </a:moveTo>
-                <a:lnTo>
-                  <a:pt x="0" y="21600"/>
-                </a:lnTo>
-                <a:lnTo>
-                  <a:pt x="21600" y="21600"/>
-                </a:lnTo>
-                <a:close/>
-              </a:path>
-            </a:pathLst>
-          </a:custGeom>
-          <a:ln w="25400">
-            <a:solidFill>
-              <a:srgbClr val="85888D"/>
-            </a:solidFill>
-            <a:miter lim="400000"/>
-          </a:ln>
-        </p:spPr>
-        <p:txBody>
-          <a:bodyPr lIns="50800" tIns="50800" rIns="50800" bIns="50800" anchor="ctr"/>
-          <a:lstStyle/>
-          <a:p>
-            <a:pPr>
-              <a:defRPr sz="2400"/>
-            </a:pPr>
-            <a:endParaRPr/>
-          </a:p>
-        </p:txBody>
-      </p:sp>
-      <p:pic>
-        <p:nvPicPr>
-          <p:cNvPr id="7" name="latex-image-6.pdf" descr="latex-image-6.pdf"/>
-          <p:cNvPicPr>
-            <a:picLocks noChangeAspect="1"/>
-          </p:cNvPicPr>
-          <p:nvPr/>
-        </p:nvPicPr>
-        <p:blipFill>
-          <a:blip r:embed="rId4"/>
-          <a:stretch>
-            <a:fillRect/>
-          </a:stretch>
-        </p:blipFill>
-        <p:spPr>
-          <a:xfrm>
-            <a:off x="8934450" y="2450443"/>
-            <a:ext cx="127000" cy="235858"/>
-          </a:xfrm>
-          <a:prstGeom prst="rect">
-            <a:avLst/>
-          </a:prstGeom>
-          <a:ln w="12700">
-            <a:miter lim="400000"/>
-          </a:ln>
-        </p:spPr>
-      </p:pic>
-      <p:sp>
-        <p:nvSpPr>
-          <p:cNvPr id="8" name="Line"/>
-          <p:cNvSpPr/>
-          <p:nvPr/>
-        </p:nvSpPr>
-        <p:spPr>
-          <a:xfrm>
-            <a:off x="9163888" y="4060825"/>
-            <a:ext cx="1725491" cy="0"/>
-          </a:xfrm>
-          <a:prstGeom prst="line">
-            <a:avLst/>
-          </a:prstGeom>
-          <a:ln w="25400">
-            <a:solidFill>
-              <a:srgbClr val="000000"/>
-            </a:solidFill>
-            <a:miter lim="400000"/>
-            <a:tailEnd type="triangle"/>
-          </a:ln>
-        </p:spPr>
-        <p:txBody>
-          <a:bodyPr lIns="50800" tIns="50800" rIns="50800" bIns="50800" anchor="ctr"/>
-          <a:lstStyle/>
-          <a:p>
-            <a:pPr>
-              <a:defRPr sz="2400"/>
-            </a:pPr>
-            <a:endParaRPr/>
-          </a:p>
-        </p:txBody>
-      </p:sp>
-      <p:sp>
-        <p:nvSpPr>
-          <p:cNvPr id="9" name="Line"/>
-          <p:cNvSpPr/>
-          <p:nvPr/>
-        </p:nvSpPr>
-        <p:spPr>
-          <a:xfrm flipV="1">
-            <a:off x="9176588" y="2347141"/>
-            <a:ext cx="1" cy="1712868"/>
-          </a:xfrm>
-          <a:prstGeom prst="line">
-            <a:avLst/>
-          </a:prstGeom>
-          <a:ln w="25400">
-            <a:solidFill>
-              <a:srgbClr val="000000"/>
-            </a:solidFill>
-            <a:miter lim="400000"/>
-            <a:tailEnd type="triangle"/>
-          </a:ln>
-        </p:spPr>
-        <p:txBody>
-          <a:bodyPr lIns="50800" tIns="50800" rIns="50800" bIns="50800" anchor="ctr"/>
-          <a:lstStyle/>
-          <a:p>
-            <a:pPr>
-              <a:defRPr sz="2400"/>
-            </a:pPr>
-            <a:endParaRPr/>
-          </a:p>
-        </p:txBody>
-      </p:sp>
-      <p:sp>
-        <p:nvSpPr>
-          <p:cNvPr id="10" name="Line"/>
-          <p:cNvSpPr/>
-          <p:nvPr/>
-        </p:nvSpPr>
-        <p:spPr>
-          <a:xfrm flipV="1">
-            <a:off x="9194051" y="3359312"/>
-            <a:ext cx="688813" cy="688813"/>
-          </a:xfrm>
-          <a:prstGeom prst="line">
-            <a:avLst/>
-          </a:prstGeom>
-          <a:ln w="25400">
-            <a:solidFill>
-              <a:srgbClr val="000000"/>
-            </a:solidFill>
-            <a:miter lim="400000"/>
-            <a:tailEnd type="triangle"/>
-          </a:ln>
-        </p:spPr>
-        <p:txBody>
-          <a:bodyPr lIns="50800" tIns="50800" rIns="50800" bIns="50800" anchor="ctr"/>
-          <a:lstStyle/>
-          <a:p>
-            <a:pPr>
-              <a:defRPr sz="2400"/>
-            </a:pPr>
-            <a:endParaRPr/>
-          </a:p>
-        </p:txBody>
-      </p:sp>
-      <p:pic>
-        <p:nvPicPr>
-          <p:cNvPr id="11" name="latex-image-9.pdf" descr="latex-image-9.pdf"/>
-          <p:cNvPicPr>
-            <a:picLocks noChangeAspect="1"/>
-          </p:cNvPicPr>
-          <p:nvPr/>
-        </p:nvPicPr>
-        <p:blipFill>
-          <a:blip r:embed="rId5"/>
-          <a:stretch>
-            <a:fillRect/>
-          </a:stretch>
-        </p:blipFill>
-        <p:spPr>
-          <a:xfrm>
-            <a:off x="9472613" y="3802954"/>
-            <a:ext cx="122709" cy="207071"/>
-          </a:xfrm>
-          <a:prstGeom prst="rect">
-            <a:avLst/>
-          </a:prstGeom>
-          <a:ln w="12700">
-            <a:miter lim="400000"/>
-          </a:ln>
-        </p:spPr>
-      </p:pic>
-      <p:pic>
-        <p:nvPicPr>
-          <p:cNvPr id="12" name="latex-image-10.pdf" descr="latex-image-10.pdf"/>
-          <p:cNvPicPr>
-            <a:picLocks noChangeAspect="1"/>
-          </p:cNvPicPr>
-          <p:nvPr/>
-        </p:nvPicPr>
-        <p:blipFill>
-          <a:blip r:embed="rId6"/>
-          <a:stretch>
-            <a:fillRect/>
-          </a:stretch>
-        </p:blipFill>
-        <p:spPr>
-          <a:xfrm>
-            <a:off x="9485313" y="3333097"/>
-            <a:ext cx="178772" cy="248295"/>
-          </a:xfrm>
-          <a:prstGeom prst="rect">
-            <a:avLst/>
-          </a:prstGeom>
-          <a:ln w="12700">
-            <a:miter lim="400000"/>
-          </a:ln>
-        </p:spPr>
-      </p:pic>
-      <p:pic>
-        <p:nvPicPr>
-          <p:cNvPr id="13" name="latex-image-9.pdf" descr="latex-image-9.pdf"/>
-          <p:cNvPicPr>
-            <a:picLocks noChangeAspect="1"/>
-          </p:cNvPicPr>
-          <p:nvPr/>
-        </p:nvPicPr>
-        <p:blipFill>
-          <a:blip r:embed="rId5"/>
-          <a:stretch>
-            <a:fillRect/>
-          </a:stretch>
-        </p:blipFill>
-        <p:spPr>
-          <a:xfrm>
-            <a:off x="9218613" y="2825054"/>
-            <a:ext cx="122709" cy="207071"/>
-          </a:xfrm>
-          <a:prstGeom prst="rect">
-            <a:avLst/>
-          </a:prstGeom>
-          <a:ln w="12700">
-            <a:miter lim="400000"/>
-          </a:ln>
-        </p:spPr>
-      </p:pic>
-      <p:sp>
-        <p:nvSpPr>
-          <p:cNvPr id="14" name="Connection Line"/>
-          <p:cNvSpPr/>
-          <p:nvPr/>
-        </p:nvSpPr>
-        <p:spPr>
-          <a:xfrm>
-            <a:off x="9551966" y="3704291"/>
-            <a:ext cx="161561" cy="365325"/>
-          </a:xfrm>
-          <a:custGeom>
-            <a:avLst/>
-            <a:gdLst/>
-            <a:ahLst/>
-            <a:cxnLst>
-              <a:cxn ang="0">
-                <a:pos x="wd2" y="hd2"/>
-              </a:cxn>
-              <a:cxn ang="5400000">
-                <a:pos x="wd2" y="hd2"/>
-              </a:cxn>
-              <a:cxn ang="10800000">
-                <a:pos x="wd2" y="hd2"/>
-              </a:cxn>
-              <a:cxn ang="16200000">
-                <a:pos x="wd2" y="hd2"/>
-              </a:cxn>
-            </a:cxnLst>
-            <a:rect l="0" t="0" r="r" b="b"/>
-            <a:pathLst>
-              <a:path w="17356" h="21600" extrusionOk="0">
-                <a:moveTo>
-                  <a:pt x="0" y="0"/>
-                </a:moveTo>
-                <a:cubicBezTo>
-                  <a:pt x="17170" y="4716"/>
-                  <a:pt x="21600" y="11916"/>
-                  <a:pt x="13291" y="21600"/>
-                </a:cubicBezTo>
-              </a:path>
-            </a:pathLst>
-          </a:custGeom>
-          <a:ln w="12700">
-            <a:solidFill>
-              <a:srgbClr val="000000"/>
-            </a:solidFill>
-            <a:miter lim="400000"/>
-          </a:ln>
-        </p:spPr>
-        <p:txBody>
-          <a:bodyPr/>
-          <a:lstStyle/>
-          <a:p>
-            <a:endParaRPr/>
-          </a:p>
-        </p:txBody>
-      </p:sp>
-      <p:sp>
-        <p:nvSpPr>
-          <p:cNvPr id="15" name="Connection Line"/>
-          <p:cNvSpPr/>
-          <p:nvPr/>
-        </p:nvSpPr>
-        <p:spPr>
-          <a:xfrm>
-            <a:off x="9183695" y="2925085"/>
-            <a:ext cx="268239" cy="175523"/>
-          </a:xfrm>
-          <a:custGeom>
-            <a:avLst/>
-            <a:gdLst/>
-            <a:ahLst/>
-            <a:cxnLst>
-              <a:cxn ang="0">
-                <a:pos x="wd2" y="hd2"/>
-              </a:cxn>
-              <a:cxn ang="5400000">
-                <a:pos x="wd2" y="hd2"/>
-              </a:cxn>
-              <a:cxn ang="10800000">
-                <a:pos x="wd2" y="hd2"/>
-              </a:cxn>
-              <a:cxn ang="16200000">
-                <a:pos x="wd2" y="hd2"/>
-              </a:cxn>
-            </a:cxnLst>
-            <a:rect l="0" t="0" r="r" b="b"/>
-            <a:pathLst>
-              <a:path w="21600" h="18029" extrusionOk="0">
-                <a:moveTo>
-                  <a:pt x="21600" y="0"/>
-                </a:moveTo>
-                <a:cubicBezTo>
-                  <a:pt x="19502" y="16382"/>
-                  <a:pt x="12302" y="21600"/>
-                  <a:pt x="0" y="15654"/>
-                </a:cubicBezTo>
-              </a:path>
-            </a:pathLst>
-          </a:custGeom>
-          <a:ln w="12700">
-            <a:solidFill>
-              <a:srgbClr val="000000"/>
-            </a:solidFill>
-            <a:miter lim="400000"/>
-          </a:ln>
-        </p:spPr>
-        <p:txBody>
-          <a:bodyPr/>
-          <a:lstStyle/>
-          <a:p>
-            <a:endParaRPr/>
-          </a:p>
-        </p:txBody>
-      </p:sp>
-      <p:pic>
-        <p:nvPicPr>
-          <p:cNvPr id="2052" name="Picture 4" descr="https://latex.codecogs.com/gif.latex?%5Cdpi%7B300%7D%20%5C%5C%20y%3Dmx&amp;plus;b%5C%5C%20%5Cxrightarrow%7Bx%3D0%7Dy%3Db%5C%5C%20%5Cxrightarrow%7By%3D0%7Dx%3D-%5Cfrac%7Bb%7D%7Bm%7D%5C%5C%20%5Cfrac%7B%5Cfrac%7B-b%7D%7Bm%7D%7D%7Bb%7D%3D-%5Cfrac%7B1%7D%7Bm%7D%3Dtg%5Ctheta%5Crightarrow%20m%3D-%5Cfrac%7B1%7D%7Btg%5Ctheta%7D%3D-%5Cfrac%7Bcos%5Ctheta%7D%7Bsin%5Ctheta%7D%20%5C%5C%20%5Cfrac%7B%5Crho%7D%7Bb%7D%3Dsin%5Ctheta%5Crightarrow%20b%3D%5Cfrac%7B%5Crho%7D%7Bsin%5Ctheta%7D%20%5C%5C%20y%3Dmx&amp;plus;b%5Crightarrow%20y%3D-%5Cfrac%7Bcos%5Ctheta%7D%7Bsin%5Ctheta%7Dx&amp;plus;%5Cfrac%7B%5Crho%7D%7Bsin%5Ctheta%7D%20%5Crightarrow%20xcos%5Ctheta%20&amp;plus;ysin%5Ctheta%20%3D%20%5Crho"/>
-          <p:cNvPicPr>
-            <a:picLocks noChangeAspect="1" noChangeArrowheads="1"/>
-          </p:cNvPicPr>
-          <p:nvPr/>
-        </p:nvPicPr>
-        <p:blipFill>
-          <a:blip r:embed="rId7">
-            <a:extLst>
-              <a:ext uri="{28A0092B-C50C-407E-A947-70E740481C1C}">
-                <a14:useLocalDpi xmlns:a14="http://schemas.microsoft.com/office/drawing/2010/main" val="0"/>
-              </a:ext>
-            </a:extLst>
-          </a:blip>
-          <a:srcRect/>
-          <a:stretch>
-            <a:fillRect/>
-          </a:stretch>
-        </p:blipFill>
-        <p:spPr bwMode="auto">
-          <a:xfrm>
-            <a:off x="556462" y="2200274"/>
-            <a:ext cx="10044934" cy="4548493"/>
-          </a:xfrm>
-          <a:prstGeom prst="rect">
-            <a:avLst/>
-          </a:prstGeom>
-          <a:noFill/>
-          <a:extLst>
-            <a:ext uri="{909E8E84-426E-40DD-AFC4-6F175D3DCCD1}">
-              <a14:hiddenFill xmlns:a14="http://schemas.microsoft.com/office/drawing/2010/main">
-                <a:solidFill>
-                  <a:srgbClr val="FFFFFF"/>
-                </a:solidFill>
-              </a14:hiddenFill>
-            </a:ext>
-          </a:extLst>
-        </p:spPr>
-      </p:pic>
-      <p:pic>
-        <p:nvPicPr>
-          <p:cNvPr id="18" name="Picture 4" descr="https://latex.codecogs.com/gif.latex?%5Cdpi%7B300%7D%20%5C%5C%20y%3Dmx&amp;plus;b%5C%5C%20%5Cxrightarrow%7Bx%3D0%7Dy%3Db%5C%5C%20%5Cxrightarrow%7By%3D0%7Dx%3D-%5Cfrac%7Bb%7D%7Bm%7D%5C%5C%20%5Cfrac%7B%5Cfrac%7B-b%7D%7Bm%7D%7D%7Bb%7D%3D-%5Cfrac%7B1%7D%7Bm%7D%3Dtg%5Ctheta%5Crightarrow%20m%3D-%5Cfrac%7B1%7D%7Btg%5Ctheta%7D%3D-%5Cfrac%7Bcos%5Ctheta%7D%7Bsin%5Ctheta%7D%20%5C%5C%20%5Cfrac%7B%5Crho%7D%7Bb%7D%3Dsin%5Ctheta%5Crightarrow%20b%3D%5Cfrac%7B%5Crho%7D%7Bsin%5Ctheta%7D%20%5C%5C%20y%3Dmx&amp;plus;b%5Crightarrow%20y%3D-%5Cfrac%7Bcos%5Ctheta%7D%7Bsin%5Ctheta%7Dx&amp;plus;%5Cfrac%7B%5Crho%7D%7Bsin%5Ctheta%7D%20%5Crightarrow%20xcos%5Ctheta%20&amp;plus;ysin%5Ctheta%20%3D%20%5Crho"/>
-          <p:cNvPicPr>
-            <a:picLocks noChangeAspect="1" noChangeArrowheads="1"/>
-          </p:cNvPicPr>
-          <p:nvPr/>
-        </p:nvPicPr>
-        <p:blipFill rotWithShape="1">
-          <a:blip r:embed="rId7">
-            <a:extLst>
-              <a:ext uri="{28A0092B-C50C-407E-A947-70E740481C1C}">
-                <a14:useLocalDpi xmlns:a14="http://schemas.microsoft.com/office/drawing/2010/main" val="0"/>
-              </a:ext>
-            </a:extLst>
-          </a:blip>
-          <a:srcRect l="16363" t="19825" r="75525" b="57691"/>
-          <a:stretch/>
-        </p:blipFill>
-        <p:spPr bwMode="auto">
-          <a:xfrm>
-            <a:off x="10301608" y="4069616"/>
-            <a:ext cx="599575" cy="752484"/>
-          </a:xfrm>
-          <a:prstGeom prst="rect">
-            <a:avLst/>
-          </a:prstGeom>
-          <a:noFill/>
-          <a:extLst>
-            <a:ext uri="{909E8E84-426E-40DD-AFC4-6F175D3DCCD1}">
-              <a14:hiddenFill xmlns:a14="http://schemas.microsoft.com/office/drawing/2010/main">
-                <a:solidFill>
-                  <a:srgbClr val="FFFFFF"/>
-                </a:solidFill>
-              </a14:hiddenFill>
-            </a:ext>
-          </a:extLst>
-        </p:spPr>
-      </p:pic>
-      <p:sp>
-        <p:nvSpPr>
-          <p:cNvPr id="4" name="Rectangle 3"/>
-          <p:cNvSpPr/>
-          <p:nvPr/>
-        </p:nvSpPr>
-        <p:spPr>
-          <a:xfrm rot="2546264">
-            <a:off x="9678362" y="3325254"/>
-            <a:ext cx="297067" cy="201333"/>
-          </a:xfrm>
-          <a:prstGeom prst="rect">
-            <a:avLst/>
-          </a:prstGeom>
-          <a:noFill/>
-          <a:ln w="6350">
-            <a:solidFill>
-              <a:schemeClr val="tx1"/>
-            </a:solidFill>
-          </a:ln>
-        </p:spPr>
-        <p:style>
-          <a:lnRef idx="2">
-            <a:schemeClr val="accent1">
-              <a:shade val="50000"/>
-            </a:schemeClr>
-          </a:lnRef>
-          <a:fillRef idx="1">
-            <a:schemeClr val="accent1"/>
-          </a:fillRef>
-          <a:effectRef idx="0">
-            <a:schemeClr val="accent1"/>
-          </a:effectRef>
-          <a:fontRef idx="minor">
-            <a:schemeClr val="lt1"/>
-          </a:fontRef>
-        </p:style>
-        <p:txBody>
-          <a:bodyPr rtlCol="0" anchor="ctr"/>
-          <a:lstStyle/>
-          <a:p>
-            <a:pPr algn="ctr"/>
-            <a:endParaRPr lang="en-US"/>
-          </a:p>
-        </p:txBody>
-      </p:sp>
-      <p:sp>
-        <p:nvSpPr>
-          <p:cNvPr id="20" name="Rectangle 19"/>
-          <p:cNvSpPr/>
-          <p:nvPr/>
-        </p:nvSpPr>
-        <p:spPr>
-          <a:xfrm>
-            <a:off x="9173735" y="3846792"/>
-            <a:ext cx="195871" cy="201333"/>
-          </a:xfrm>
-          <a:prstGeom prst="rect">
-            <a:avLst/>
-          </a:prstGeom>
-          <a:noFill/>
-          <a:ln w="6350">
-            <a:solidFill>
-              <a:schemeClr val="tx1"/>
-            </a:solidFill>
-          </a:ln>
-        </p:spPr>
-        <p:style>
-          <a:lnRef idx="2">
-            <a:schemeClr val="accent1">
-              <a:shade val="50000"/>
-            </a:schemeClr>
-          </a:lnRef>
-          <a:fillRef idx="1">
-            <a:schemeClr val="accent1"/>
-          </a:fillRef>
-          <a:effectRef idx="0">
-            <a:schemeClr val="accent1"/>
-          </a:effectRef>
-          <a:fontRef idx="minor">
-            <a:schemeClr val="lt1"/>
-          </a:fontRef>
-        </p:style>
-        <p:txBody>
-          <a:bodyPr rtlCol="0" anchor="ctr"/>
-          <a:lstStyle/>
-          <a:p>
-            <a:pPr algn="ctr"/>
-            <a:endParaRPr lang="en-US"/>
-          </a:p>
-        </p:txBody>
-      </p:sp>
-      <p:sp>
-        <p:nvSpPr>
-          <p:cNvPr id="22" name="Rectangle: Rounded Corners 7">
-            <a:extLst>
-              <a:ext uri="{FF2B5EF4-FFF2-40B4-BE49-F238E27FC236}">
-                <a16:creationId xmlns:a16="http://schemas.microsoft.com/office/drawing/2014/main" id="{89656513-9083-47D3-8D44-E43743BD2C33}"/>
-              </a:ext>
-            </a:extLst>
-          </p:cNvPr>
-          <p:cNvSpPr/>
-          <p:nvPr/>
-        </p:nvSpPr>
-        <p:spPr>
-          <a:xfrm>
-            <a:off x="7305675" y="6038850"/>
-            <a:ext cx="3583704" cy="681342"/>
-          </a:xfrm>
-          <a:prstGeom prst="roundRect">
-            <a:avLst/>
-          </a:prstGeom>
-          <a:noFill/>
-        </p:spPr>
-        <p:style>
-          <a:lnRef idx="2">
-            <a:schemeClr val="accent1">
-              <a:shade val="50000"/>
-            </a:schemeClr>
-          </a:lnRef>
-          <a:fillRef idx="1">
-            <a:schemeClr val="accent1"/>
-          </a:fillRef>
-          <a:effectRef idx="0">
-            <a:schemeClr val="accent1"/>
-          </a:effectRef>
-          <a:fontRef idx="minor">
-            <a:schemeClr val="lt1"/>
-          </a:fontRef>
-        </p:style>
-        <p:txBody>
-          <a:bodyPr rtlCol="0" anchor="ctr"/>
-          <a:lstStyle/>
-          <a:p>
-            <a:pPr algn="ctr"/>
-            <a:endParaRPr lang="en-US"/>
-          </a:p>
-        </p:txBody>
-      </p:sp>
-      <p:sp>
-        <p:nvSpPr>
-          <p:cNvPr id="19" name="Rectangle 18">
-            <a:extLst>
-              <a:ext uri="{FF2B5EF4-FFF2-40B4-BE49-F238E27FC236}">
-                <a16:creationId xmlns:a16="http://schemas.microsoft.com/office/drawing/2014/main" id="{601B361A-666D-4F49-8F65-CCD8395CF5E9}"/>
-              </a:ext>
-            </a:extLst>
-          </p:cNvPr>
-          <p:cNvSpPr/>
-          <p:nvPr/>
-        </p:nvSpPr>
-        <p:spPr>
-          <a:xfrm>
-            <a:off x="0" y="5870576"/>
-            <a:ext cx="12191999" cy="987421"/>
-          </a:xfrm>
-          <a:prstGeom prst="rect">
-            <a:avLst/>
-          </a:prstGeom>
-          <a:solidFill>
-            <a:schemeClr val="bg1"/>
-          </a:solidFill>
-          <a:ln>
-            <a:solidFill>
-              <a:schemeClr val="bg1"/>
-            </a:solidFill>
-          </a:ln>
-        </p:spPr>
-        <p:style>
-          <a:lnRef idx="2">
-            <a:schemeClr val="accent1">
-              <a:shade val="50000"/>
-            </a:schemeClr>
-          </a:lnRef>
-          <a:fillRef idx="1">
-            <a:schemeClr val="accent1"/>
-          </a:fillRef>
-          <a:effectRef idx="0">
-            <a:schemeClr val="accent1"/>
-          </a:effectRef>
-          <a:fontRef idx="minor">
-            <a:schemeClr val="lt1"/>
-          </a:fontRef>
-        </p:style>
-        <p:txBody>
-          <a:bodyPr rtlCol="0" anchor="ctr"/>
-          <a:lstStyle/>
-          <a:p>
-            <a:pPr algn="ctr"/>
-            <a:endParaRPr lang="en-US"/>
-          </a:p>
-        </p:txBody>
-      </p:sp>
-    </p:spTree>
-    <p:extLst>
-      <p:ext uri="{BB962C8B-B14F-4D97-AF65-F5344CB8AC3E}">
-        <p14:creationId xmlns:p14="http://schemas.microsoft.com/office/powerpoint/2010/main" val="3337344559"/>
-      </p:ext>
-    </p:extLst>
-  </p:cSld>
-  <p:clrMapOvr>
-    <a:masterClrMapping/>
-  </p:clrMapOvr>
-</p:sld>
-</file>
-
-<file path=ppt/slides/slide34.xml><?xml version="1.0" encoding="utf-8"?>
-<p:sld xmlns:a="http://schemas.openxmlformats.org/drawingml/2006/main" xmlns:r="http://schemas.openxmlformats.org/officeDocument/2006/relationships" xmlns:p="http://schemas.openxmlformats.org/presentationml/2006/main">
-  <p:cSld>
-    <p:spTree>
-      <p:nvGrpSpPr>
-        <p:cNvPr id="1" name=""/>
-        <p:cNvGrpSpPr/>
-        <p:nvPr/>
-      </p:nvGrpSpPr>
-      <p:grpSpPr>
-        <a:xfrm>
-          <a:off x="0" y="0"/>
-          <a:ext cx="0" cy="0"/>
-          <a:chOff x="0" y="0"/>
-          <a:chExt cx="0" cy="0"/>
-        </a:xfrm>
-      </p:grpSpPr>
-      <p:sp>
-        <p:nvSpPr>
-          <p:cNvPr id="2" name="Title 1"/>
-          <p:cNvSpPr>
-            <a:spLocks noGrp="1"/>
-          </p:cNvSpPr>
-          <p:nvPr>
-            <p:ph type="title"/>
-          </p:nvPr>
-        </p:nvSpPr>
-        <p:spPr/>
-        <p:txBody>
-          <a:bodyPr/>
-          <a:lstStyle/>
-          <a:p>
-            <a:r>
-              <a:rPr lang="en-US" dirty="0"/>
-              <a:t>Problem 1: vertical line detection</a:t>
-            </a:r>
-          </a:p>
-        </p:txBody>
-      </p:sp>
-      <mc:AlternateContent xmlns:mc="http://schemas.openxmlformats.org/markup-compatibility/2006" xmlns:a14="http://schemas.microsoft.com/office/drawing/2010/main">
-        <mc:Choice Requires="a14">
-          <p:sp>
-            <p:nvSpPr>
-              <p:cNvPr id="3" name="Content Placeholder 2"/>
-              <p:cNvSpPr>
-                <a:spLocks noGrp="1"/>
-              </p:cNvSpPr>
-              <p:nvPr>
-                <p:ph idx="1"/>
-              </p:nvPr>
-            </p:nvSpPr>
-            <p:spPr/>
-            <p:txBody>
-              <a:bodyPr/>
-              <a:lstStyle/>
-              <a:p>
-                <a:r>
-                  <a:rPr lang="en-US" dirty="0"/>
-                  <a:t>Vertical (or near vertical) lines have a big slope: </a:t>
-                </a:r>
-                <a14:m>
-                  <m:oMath xmlns:m="http://schemas.openxmlformats.org/officeDocument/2006/math">
-                    <m:r>
-                      <a:rPr lang="en-US" b="0" i="1" smtClean="0">
-                        <a:latin typeface="Cambria Math"/>
-                      </a:rPr>
-                      <m:t>𝑚</m:t>
-                    </m:r>
-                    <m:r>
-                      <a:rPr lang="en-US" b="0" i="1" smtClean="0">
-                        <a:latin typeface="Cambria Math"/>
-                      </a:rPr>
-                      <m:t>→∞</m:t>
-                    </m:r>
-                  </m:oMath>
-                </a14:m>
-                <a:r>
-                  <a:rPr lang="en-US" dirty="0"/>
-                  <a:t>. This causes the accumulator table to be very big in </a:t>
-                </a:r>
-                <a14:m>
-                  <m:oMath xmlns:m="http://schemas.openxmlformats.org/officeDocument/2006/math">
-                    <m:r>
-                      <a:rPr lang="en-US" b="0" i="1" smtClean="0">
-                        <a:latin typeface="Cambria Math"/>
-                      </a:rPr>
-                      <m:t>𝑚</m:t>
-                    </m:r>
-                  </m:oMath>
-                </a14:m>
-                <a:r>
-                  <a:rPr lang="en-US" dirty="0"/>
-                  <a:t> direction.</a:t>
-                </a:r>
-              </a:p>
-              <a:p>
-                <a:r>
-                  <a:rPr lang="en-US" dirty="0"/>
-                  <a:t>A solution is to give a </a:t>
-                </a:r>
-                <a:r>
-                  <a:rPr lang="en-US" b="1" dirty="0"/>
-                  <a:t>different parameterization to lines</a:t>
-                </a:r>
-                <a:r>
-                  <a:rPr lang="en-US" dirty="0"/>
-                  <a:t>:</a:t>
-                </a:r>
-              </a:p>
-              <a:p>
-                <a:endParaRPr lang="en-US" dirty="0"/>
-              </a:p>
-            </p:txBody>
-          </p:sp>
-        </mc:Choice>
-        <mc:Fallback xmlns="">
-          <p:sp>
-            <p:nvSpPr>
-              <p:cNvPr id="3" name="Content Placeholder 2"/>
-              <p:cNvSpPr>
-                <a:spLocks noGrp="1" noRot="1" noChangeAspect="1" noMove="1" noResize="1" noEditPoints="1" noAdjustHandles="1" noChangeArrowheads="1" noChangeShapeType="1" noTextEdit="1"/>
-              </p:cNvSpPr>
-              <p:nvPr>
-                <p:ph idx="1"/>
-              </p:nvPr>
-            </p:nvSpPr>
-            <p:spPr>
-              <a:blipFill rotWithShape="1">
-                <a:blip r:embed="rId3"/>
-                <a:stretch>
-                  <a:fillRect l="-879" t="-959"/>
-                </a:stretch>
-              </a:blipFill>
-            </p:spPr>
-            <p:txBody>
-              <a:bodyPr/>
-              <a:lstStyle/>
-              <a:p>
-                <a:r>
-                  <a:rPr lang="en-US">
-                    <a:noFill/>
-                  </a:rPr>
-                  <a:t> </a:t>
-                </a:r>
-              </a:p>
-            </p:txBody>
-          </p:sp>
-        </mc:Fallback>
-      </mc:AlternateContent>
-      <p:sp>
-        <p:nvSpPr>
-          <p:cNvPr id="5" name="Triangle"/>
-          <p:cNvSpPr/>
-          <p:nvPr/>
-        </p:nvSpPr>
-        <p:spPr>
-          <a:xfrm>
-            <a:off x="9173735" y="2625725"/>
-            <a:ext cx="1427661" cy="1427661"/>
-          </a:xfrm>
-          <a:custGeom>
-            <a:avLst/>
-            <a:gdLst/>
-            <a:ahLst/>
-            <a:cxnLst>
-              <a:cxn ang="0">
-                <a:pos x="wd2" y="hd2"/>
-              </a:cxn>
-              <a:cxn ang="5400000">
-                <a:pos x="wd2" y="hd2"/>
-              </a:cxn>
-              <a:cxn ang="10800000">
-                <a:pos x="wd2" y="hd2"/>
-              </a:cxn>
-              <a:cxn ang="16200000">
-                <a:pos x="wd2" y="hd2"/>
-              </a:cxn>
-            </a:cxnLst>
-            <a:rect l="0" t="0" r="r" b="b"/>
-            <a:pathLst>
-              <a:path w="21600" h="21600" extrusionOk="0">
-                <a:moveTo>
-                  <a:pt x="0" y="0"/>
-                </a:moveTo>
-                <a:lnTo>
-                  <a:pt x="0" y="21600"/>
-                </a:lnTo>
-                <a:lnTo>
-                  <a:pt x="21600" y="21600"/>
-                </a:lnTo>
-                <a:close/>
-              </a:path>
-            </a:pathLst>
-          </a:custGeom>
-          <a:ln w="25400">
-            <a:solidFill>
-              <a:srgbClr val="85888D"/>
-            </a:solidFill>
-            <a:miter lim="400000"/>
-          </a:ln>
-        </p:spPr>
-        <p:txBody>
-          <a:bodyPr lIns="50800" tIns="50800" rIns="50800" bIns="50800" anchor="ctr"/>
-          <a:lstStyle/>
-          <a:p>
-            <a:pPr>
-              <a:defRPr sz="2400"/>
-            </a:pPr>
-            <a:endParaRPr/>
-          </a:p>
-        </p:txBody>
-      </p:sp>
-      <p:pic>
-        <p:nvPicPr>
-          <p:cNvPr id="7" name="latex-image-6.pdf" descr="latex-image-6.pdf"/>
-          <p:cNvPicPr>
-            <a:picLocks noChangeAspect="1"/>
-          </p:cNvPicPr>
-          <p:nvPr/>
-        </p:nvPicPr>
-        <p:blipFill>
-          <a:blip r:embed="rId4"/>
-          <a:stretch>
-            <a:fillRect/>
-          </a:stretch>
-        </p:blipFill>
-        <p:spPr>
-          <a:xfrm>
-            <a:off x="8934450" y="2450443"/>
-            <a:ext cx="127000" cy="235858"/>
-          </a:xfrm>
-          <a:prstGeom prst="rect">
-            <a:avLst/>
-          </a:prstGeom>
-          <a:ln w="12700">
-            <a:miter lim="400000"/>
-          </a:ln>
-        </p:spPr>
-      </p:pic>
-      <p:sp>
-        <p:nvSpPr>
-          <p:cNvPr id="8" name="Line"/>
-          <p:cNvSpPr/>
-          <p:nvPr/>
-        </p:nvSpPr>
-        <p:spPr>
-          <a:xfrm>
-            <a:off x="9163888" y="4060825"/>
-            <a:ext cx="1725491" cy="0"/>
-          </a:xfrm>
-          <a:prstGeom prst="line">
-            <a:avLst/>
-          </a:prstGeom>
-          <a:ln w="25400">
-            <a:solidFill>
-              <a:srgbClr val="000000"/>
-            </a:solidFill>
-            <a:miter lim="400000"/>
-            <a:tailEnd type="triangle"/>
-          </a:ln>
-        </p:spPr>
-        <p:txBody>
-          <a:bodyPr lIns="50800" tIns="50800" rIns="50800" bIns="50800" anchor="ctr"/>
-          <a:lstStyle/>
-          <a:p>
-            <a:pPr>
-              <a:defRPr sz="2400"/>
-            </a:pPr>
-            <a:endParaRPr/>
-          </a:p>
-        </p:txBody>
-      </p:sp>
-      <p:sp>
-        <p:nvSpPr>
-          <p:cNvPr id="9" name="Line"/>
-          <p:cNvSpPr/>
-          <p:nvPr/>
-        </p:nvSpPr>
-        <p:spPr>
-          <a:xfrm flipV="1">
-            <a:off x="9176588" y="2347141"/>
-            <a:ext cx="1" cy="1712868"/>
-          </a:xfrm>
-          <a:prstGeom prst="line">
-            <a:avLst/>
-          </a:prstGeom>
-          <a:ln w="25400">
-            <a:solidFill>
-              <a:srgbClr val="000000"/>
-            </a:solidFill>
-            <a:miter lim="400000"/>
-            <a:tailEnd type="triangle"/>
-          </a:ln>
-        </p:spPr>
-        <p:txBody>
-          <a:bodyPr lIns="50800" tIns="50800" rIns="50800" bIns="50800" anchor="ctr"/>
-          <a:lstStyle/>
-          <a:p>
-            <a:pPr>
-              <a:defRPr sz="2400"/>
-            </a:pPr>
-            <a:endParaRPr/>
-          </a:p>
-        </p:txBody>
-      </p:sp>
-      <p:sp>
-        <p:nvSpPr>
-          <p:cNvPr id="10" name="Line"/>
-          <p:cNvSpPr/>
-          <p:nvPr/>
-        </p:nvSpPr>
-        <p:spPr>
-          <a:xfrm flipV="1">
-            <a:off x="9194051" y="3359312"/>
-            <a:ext cx="688813" cy="688813"/>
-          </a:xfrm>
-          <a:prstGeom prst="line">
-            <a:avLst/>
-          </a:prstGeom>
-          <a:ln w="25400">
-            <a:solidFill>
-              <a:srgbClr val="000000"/>
-            </a:solidFill>
-            <a:miter lim="400000"/>
-            <a:tailEnd type="triangle"/>
-          </a:ln>
-        </p:spPr>
-        <p:txBody>
-          <a:bodyPr lIns="50800" tIns="50800" rIns="50800" bIns="50800" anchor="ctr"/>
-          <a:lstStyle/>
-          <a:p>
-            <a:pPr>
-              <a:defRPr sz="2400"/>
-            </a:pPr>
-            <a:endParaRPr/>
-          </a:p>
-        </p:txBody>
-      </p:sp>
-      <p:pic>
-        <p:nvPicPr>
-          <p:cNvPr id="11" name="latex-image-9.pdf" descr="latex-image-9.pdf"/>
-          <p:cNvPicPr>
-            <a:picLocks noChangeAspect="1"/>
-          </p:cNvPicPr>
-          <p:nvPr/>
-        </p:nvPicPr>
-        <p:blipFill>
-          <a:blip r:embed="rId5"/>
-          <a:stretch>
-            <a:fillRect/>
-          </a:stretch>
-        </p:blipFill>
-        <p:spPr>
-          <a:xfrm>
-            <a:off x="9472613" y="3802954"/>
-            <a:ext cx="122709" cy="207071"/>
-          </a:xfrm>
-          <a:prstGeom prst="rect">
-            <a:avLst/>
-          </a:prstGeom>
-          <a:ln w="12700">
-            <a:miter lim="400000"/>
-          </a:ln>
-        </p:spPr>
-      </p:pic>
-      <p:pic>
-        <p:nvPicPr>
-          <p:cNvPr id="12" name="latex-image-10.pdf" descr="latex-image-10.pdf"/>
-          <p:cNvPicPr>
-            <a:picLocks noChangeAspect="1"/>
-          </p:cNvPicPr>
-          <p:nvPr/>
-        </p:nvPicPr>
-        <p:blipFill>
-          <a:blip r:embed="rId6"/>
-          <a:stretch>
-            <a:fillRect/>
-          </a:stretch>
-        </p:blipFill>
-        <p:spPr>
-          <a:xfrm>
-            <a:off x="9485313" y="3333097"/>
-            <a:ext cx="178772" cy="248295"/>
-          </a:xfrm>
-          <a:prstGeom prst="rect">
-            <a:avLst/>
-          </a:prstGeom>
-          <a:ln w="12700">
-            <a:miter lim="400000"/>
-          </a:ln>
-        </p:spPr>
-      </p:pic>
-      <p:pic>
-        <p:nvPicPr>
-          <p:cNvPr id="13" name="latex-image-9.pdf" descr="latex-image-9.pdf"/>
-          <p:cNvPicPr>
-            <a:picLocks noChangeAspect="1"/>
-          </p:cNvPicPr>
-          <p:nvPr/>
-        </p:nvPicPr>
-        <p:blipFill>
-          <a:blip r:embed="rId5"/>
-          <a:stretch>
-            <a:fillRect/>
-          </a:stretch>
-        </p:blipFill>
-        <p:spPr>
-          <a:xfrm>
-            <a:off x="9218613" y="2825054"/>
-            <a:ext cx="122709" cy="207071"/>
-          </a:xfrm>
-          <a:prstGeom prst="rect">
-            <a:avLst/>
-          </a:prstGeom>
-          <a:ln w="12700">
-            <a:miter lim="400000"/>
-          </a:ln>
-        </p:spPr>
-      </p:pic>
-      <p:sp>
-        <p:nvSpPr>
-          <p:cNvPr id="14" name="Connection Line"/>
-          <p:cNvSpPr/>
-          <p:nvPr/>
-        </p:nvSpPr>
-        <p:spPr>
-          <a:xfrm>
-            <a:off x="9551966" y="3704291"/>
-            <a:ext cx="161561" cy="365325"/>
-          </a:xfrm>
-          <a:custGeom>
-            <a:avLst/>
-            <a:gdLst/>
-            <a:ahLst/>
-            <a:cxnLst>
-              <a:cxn ang="0">
-                <a:pos x="wd2" y="hd2"/>
-              </a:cxn>
-              <a:cxn ang="5400000">
-                <a:pos x="wd2" y="hd2"/>
-              </a:cxn>
-              <a:cxn ang="10800000">
-                <a:pos x="wd2" y="hd2"/>
-              </a:cxn>
-              <a:cxn ang="16200000">
-                <a:pos x="wd2" y="hd2"/>
-              </a:cxn>
-            </a:cxnLst>
-            <a:rect l="0" t="0" r="r" b="b"/>
-            <a:pathLst>
-              <a:path w="17356" h="21600" extrusionOk="0">
-                <a:moveTo>
-                  <a:pt x="0" y="0"/>
-                </a:moveTo>
-                <a:cubicBezTo>
-                  <a:pt x="17170" y="4716"/>
-                  <a:pt x="21600" y="11916"/>
-                  <a:pt x="13291" y="21600"/>
-                </a:cubicBezTo>
-              </a:path>
-            </a:pathLst>
-          </a:custGeom>
-          <a:ln w="12700">
-            <a:solidFill>
-              <a:srgbClr val="000000"/>
-            </a:solidFill>
-            <a:miter lim="400000"/>
-          </a:ln>
-        </p:spPr>
-        <p:txBody>
-          <a:bodyPr/>
-          <a:lstStyle/>
-          <a:p>
-            <a:endParaRPr/>
-          </a:p>
-        </p:txBody>
-      </p:sp>
-      <p:sp>
-        <p:nvSpPr>
-          <p:cNvPr id="15" name="Connection Line"/>
-          <p:cNvSpPr/>
-          <p:nvPr/>
-        </p:nvSpPr>
-        <p:spPr>
-          <a:xfrm>
-            <a:off x="9183695" y="2925085"/>
-            <a:ext cx="268239" cy="175523"/>
-          </a:xfrm>
-          <a:custGeom>
-            <a:avLst/>
-            <a:gdLst/>
-            <a:ahLst/>
-            <a:cxnLst>
-              <a:cxn ang="0">
-                <a:pos x="wd2" y="hd2"/>
-              </a:cxn>
-              <a:cxn ang="5400000">
-                <a:pos x="wd2" y="hd2"/>
-              </a:cxn>
-              <a:cxn ang="10800000">
-                <a:pos x="wd2" y="hd2"/>
-              </a:cxn>
-              <a:cxn ang="16200000">
-                <a:pos x="wd2" y="hd2"/>
-              </a:cxn>
-            </a:cxnLst>
-            <a:rect l="0" t="0" r="r" b="b"/>
-            <a:pathLst>
-              <a:path w="21600" h="18029" extrusionOk="0">
-                <a:moveTo>
-                  <a:pt x="21600" y="0"/>
-                </a:moveTo>
-                <a:cubicBezTo>
-                  <a:pt x="19502" y="16382"/>
-                  <a:pt x="12302" y="21600"/>
-                  <a:pt x="0" y="15654"/>
-                </a:cubicBezTo>
-              </a:path>
-            </a:pathLst>
-          </a:custGeom>
-          <a:ln w="12700">
-            <a:solidFill>
-              <a:srgbClr val="000000"/>
-            </a:solidFill>
-            <a:miter lim="400000"/>
-          </a:ln>
-        </p:spPr>
-        <p:txBody>
-          <a:bodyPr/>
-          <a:lstStyle/>
-          <a:p>
-            <a:endParaRPr/>
-          </a:p>
-        </p:txBody>
-      </p:sp>
-      <p:pic>
-        <p:nvPicPr>
-          <p:cNvPr id="2052" name="Picture 4" descr="https://latex.codecogs.com/gif.latex?%5Cdpi%7B300%7D%20%5C%5C%20y%3Dmx&amp;plus;b%5C%5C%20%5Cxrightarrow%7Bx%3D0%7Dy%3Db%5C%5C%20%5Cxrightarrow%7By%3D0%7Dx%3D-%5Cfrac%7Bb%7D%7Bm%7D%5C%5C%20%5Cfrac%7B%5Cfrac%7B-b%7D%7Bm%7D%7D%7Bb%7D%3D-%5Cfrac%7B1%7D%7Bm%7D%3Dtg%5Ctheta%5Crightarrow%20m%3D-%5Cfrac%7B1%7D%7Btg%5Ctheta%7D%3D-%5Cfrac%7Bcos%5Ctheta%7D%7Bsin%5Ctheta%7D%20%5C%5C%20%5Cfrac%7B%5Crho%7D%7Bb%7D%3Dsin%5Ctheta%5Crightarrow%20b%3D%5Cfrac%7B%5Crho%7D%7Bsin%5Ctheta%7D%20%5C%5C%20y%3Dmx&amp;plus;b%5Crightarrow%20y%3D-%5Cfrac%7Bcos%5Ctheta%7D%7Bsin%5Ctheta%7Dx&amp;plus;%5Cfrac%7B%5Crho%7D%7Bsin%5Ctheta%7D%20%5Crightarrow%20xcos%5Ctheta%20&amp;plus;ysin%5Ctheta%20%3D%20%5Crho"/>
-          <p:cNvPicPr>
-            <a:picLocks noChangeAspect="1" noChangeArrowheads="1"/>
-          </p:cNvPicPr>
-          <p:nvPr/>
-        </p:nvPicPr>
-        <p:blipFill>
-          <a:blip r:embed="rId7">
-            <a:extLst>
-              <a:ext uri="{28A0092B-C50C-407E-A947-70E740481C1C}">
-                <a14:useLocalDpi xmlns:a14="http://schemas.microsoft.com/office/drawing/2010/main" val="0"/>
-              </a:ext>
-            </a:extLst>
-          </a:blip>
-          <a:srcRect/>
-          <a:stretch>
-            <a:fillRect/>
-          </a:stretch>
-        </p:blipFill>
-        <p:spPr bwMode="auto">
-          <a:xfrm>
-            <a:off x="556462" y="2200274"/>
-            <a:ext cx="10044934" cy="4548493"/>
-          </a:xfrm>
-          <a:prstGeom prst="rect">
-            <a:avLst/>
-          </a:prstGeom>
-          <a:noFill/>
-          <a:extLst>
-            <a:ext uri="{909E8E84-426E-40DD-AFC4-6F175D3DCCD1}">
-              <a14:hiddenFill xmlns:a14="http://schemas.microsoft.com/office/drawing/2010/main">
-                <a:solidFill>
-                  <a:srgbClr val="FFFFFF"/>
-                </a:solidFill>
-              </a14:hiddenFill>
-            </a:ext>
-          </a:extLst>
-        </p:spPr>
-      </p:pic>
-      <p:pic>
-        <p:nvPicPr>
-          <p:cNvPr id="18" name="Picture 4" descr="https://latex.codecogs.com/gif.latex?%5Cdpi%7B300%7D%20%5C%5C%20y%3Dmx&amp;plus;b%5C%5C%20%5Cxrightarrow%7Bx%3D0%7Dy%3Db%5C%5C%20%5Cxrightarrow%7By%3D0%7Dx%3D-%5Cfrac%7Bb%7D%7Bm%7D%5C%5C%20%5Cfrac%7B%5Cfrac%7B-b%7D%7Bm%7D%7D%7Bb%7D%3D-%5Cfrac%7B1%7D%7Bm%7D%3Dtg%5Ctheta%5Crightarrow%20m%3D-%5Cfrac%7B1%7D%7Btg%5Ctheta%7D%3D-%5Cfrac%7Bcos%5Ctheta%7D%7Bsin%5Ctheta%7D%20%5C%5C%20%5Cfrac%7B%5Crho%7D%7Bb%7D%3Dsin%5Ctheta%5Crightarrow%20b%3D%5Cfrac%7B%5Crho%7D%7Bsin%5Ctheta%7D%20%5C%5C%20y%3Dmx&amp;plus;b%5Crightarrow%20y%3D-%5Cfrac%7Bcos%5Ctheta%7D%7Bsin%5Ctheta%7Dx&amp;plus;%5Cfrac%7B%5Crho%7D%7Bsin%5Ctheta%7D%20%5Crightarrow%20xcos%5Ctheta%20&amp;plus;ysin%5Ctheta%20%3D%20%5Crho"/>
-          <p:cNvPicPr>
-            <a:picLocks noChangeAspect="1" noChangeArrowheads="1"/>
-          </p:cNvPicPr>
-          <p:nvPr/>
-        </p:nvPicPr>
-        <p:blipFill rotWithShape="1">
-          <a:blip r:embed="rId7">
-            <a:extLst>
-              <a:ext uri="{28A0092B-C50C-407E-A947-70E740481C1C}">
-                <a14:useLocalDpi xmlns:a14="http://schemas.microsoft.com/office/drawing/2010/main" val="0"/>
-              </a:ext>
-            </a:extLst>
-          </a:blip>
-          <a:srcRect l="16363" t="19825" r="75525" b="57691"/>
-          <a:stretch/>
-        </p:blipFill>
-        <p:spPr bwMode="auto">
-          <a:xfrm>
-            <a:off x="10301608" y="4069616"/>
-            <a:ext cx="599575" cy="752484"/>
-          </a:xfrm>
-          <a:prstGeom prst="rect">
-            <a:avLst/>
-          </a:prstGeom>
-          <a:noFill/>
-          <a:extLst>
-            <a:ext uri="{909E8E84-426E-40DD-AFC4-6F175D3DCCD1}">
-              <a14:hiddenFill xmlns:a14="http://schemas.microsoft.com/office/drawing/2010/main">
-                <a:solidFill>
-                  <a:srgbClr val="FFFFFF"/>
-                </a:solidFill>
-              </a14:hiddenFill>
-            </a:ext>
-          </a:extLst>
-        </p:spPr>
-      </p:pic>
-      <p:sp>
-        <p:nvSpPr>
-          <p:cNvPr id="4" name="Rectangle 3"/>
-          <p:cNvSpPr/>
-          <p:nvPr/>
-        </p:nvSpPr>
-        <p:spPr>
-          <a:xfrm rot="2546264">
-            <a:off x="9678362" y="3325254"/>
-            <a:ext cx="297067" cy="201333"/>
-          </a:xfrm>
-          <a:prstGeom prst="rect">
-            <a:avLst/>
-          </a:prstGeom>
-          <a:noFill/>
-          <a:ln w="6350">
-            <a:solidFill>
-              <a:schemeClr val="tx1"/>
-            </a:solidFill>
-          </a:ln>
-        </p:spPr>
-        <p:style>
-          <a:lnRef idx="2">
-            <a:schemeClr val="accent1">
-              <a:shade val="50000"/>
-            </a:schemeClr>
-          </a:lnRef>
-          <a:fillRef idx="1">
-            <a:schemeClr val="accent1"/>
-          </a:fillRef>
-          <a:effectRef idx="0">
-            <a:schemeClr val="accent1"/>
-          </a:effectRef>
-          <a:fontRef idx="minor">
-            <a:schemeClr val="lt1"/>
-          </a:fontRef>
-        </p:style>
-        <p:txBody>
-          <a:bodyPr rtlCol="0" anchor="ctr"/>
-          <a:lstStyle/>
-          <a:p>
-            <a:pPr algn="ctr"/>
-            <a:endParaRPr lang="en-US"/>
-          </a:p>
-        </p:txBody>
-      </p:sp>
-      <p:sp>
-        <p:nvSpPr>
-          <p:cNvPr id="20" name="Rectangle 19"/>
-          <p:cNvSpPr/>
-          <p:nvPr/>
-        </p:nvSpPr>
-        <p:spPr>
-          <a:xfrm>
-            <a:off x="9173735" y="3846792"/>
-            <a:ext cx="195871" cy="201333"/>
-          </a:xfrm>
-          <a:prstGeom prst="rect">
-            <a:avLst/>
-          </a:prstGeom>
-          <a:noFill/>
-          <a:ln w="6350">
-            <a:solidFill>
-              <a:schemeClr val="tx1"/>
-            </a:solidFill>
-          </a:ln>
-        </p:spPr>
-        <p:style>
-          <a:lnRef idx="2">
-            <a:schemeClr val="accent1">
-              <a:shade val="50000"/>
-            </a:schemeClr>
-          </a:lnRef>
-          <a:fillRef idx="1">
-            <a:schemeClr val="accent1"/>
-          </a:fillRef>
-          <a:effectRef idx="0">
-            <a:schemeClr val="accent1"/>
-          </a:effectRef>
-          <a:fontRef idx="minor">
-            <a:schemeClr val="lt1"/>
-          </a:fontRef>
-        </p:style>
-        <p:txBody>
-          <a:bodyPr rtlCol="0" anchor="ctr"/>
-          <a:lstStyle/>
-          <a:p>
-            <a:pPr algn="ctr"/>
-            <a:endParaRPr lang="en-US"/>
-          </a:p>
-        </p:txBody>
-      </p:sp>
-      <p:sp>
-        <p:nvSpPr>
-          <p:cNvPr id="22" name="Rectangle: Rounded Corners 7">
-            <a:extLst>
-              <a:ext uri="{FF2B5EF4-FFF2-40B4-BE49-F238E27FC236}">
-                <a16:creationId xmlns:a16="http://schemas.microsoft.com/office/drawing/2014/main" id="{89656513-9083-47D3-8D44-E43743BD2C33}"/>
-              </a:ext>
-            </a:extLst>
-          </p:cNvPr>
-          <p:cNvSpPr/>
-          <p:nvPr/>
-        </p:nvSpPr>
-        <p:spPr>
-          <a:xfrm>
-            <a:off x="7305675" y="6038850"/>
-            <a:ext cx="3583704" cy="681342"/>
-          </a:xfrm>
-          <a:prstGeom prst="roundRect">
-            <a:avLst/>
-          </a:prstGeom>
-          <a:noFill/>
-        </p:spPr>
-        <p:style>
-          <a:lnRef idx="2">
-            <a:schemeClr val="accent1">
-              <a:shade val="50000"/>
-            </a:schemeClr>
-          </a:lnRef>
-          <a:fillRef idx="1">
-            <a:schemeClr val="accent1"/>
-          </a:fillRef>
-          <a:effectRef idx="0">
-            <a:schemeClr val="accent1"/>
-          </a:effectRef>
-          <a:fontRef idx="minor">
-            <a:schemeClr val="lt1"/>
-          </a:fontRef>
-        </p:style>
-        <p:txBody>
-          <a:bodyPr rtlCol="0" anchor="ctr"/>
-          <a:lstStyle/>
-          <a:p>
-            <a:pPr algn="ctr"/>
-            <a:endParaRPr lang="en-US"/>
-          </a:p>
-        </p:txBody>
-      </p:sp>
-      <p:sp>
-        <p:nvSpPr>
-          <p:cNvPr id="19" name="Rectangle 18">
-            <a:extLst>
-              <a:ext uri="{FF2B5EF4-FFF2-40B4-BE49-F238E27FC236}">
-                <a16:creationId xmlns:a16="http://schemas.microsoft.com/office/drawing/2014/main" id="{601B361A-666D-4F49-8F65-CCD8395CF5E9}"/>
-              </a:ext>
-            </a:extLst>
-          </p:cNvPr>
-          <p:cNvSpPr/>
-          <p:nvPr/>
-        </p:nvSpPr>
-        <p:spPr>
-          <a:xfrm>
-            <a:off x="6834554" y="5870576"/>
-            <a:ext cx="5357445" cy="987421"/>
-          </a:xfrm>
-          <a:prstGeom prst="rect">
-            <a:avLst/>
-          </a:prstGeom>
-          <a:solidFill>
-            <a:schemeClr val="bg1"/>
-          </a:solidFill>
-          <a:ln>
-            <a:solidFill>
-              <a:schemeClr val="bg1"/>
-            </a:solidFill>
-          </a:ln>
-        </p:spPr>
-        <p:style>
-          <a:lnRef idx="2">
-            <a:schemeClr val="accent1">
-              <a:shade val="50000"/>
-            </a:schemeClr>
-          </a:lnRef>
-          <a:fillRef idx="1">
-            <a:schemeClr val="accent1"/>
-          </a:fillRef>
-          <a:effectRef idx="0">
-            <a:schemeClr val="accent1"/>
-          </a:effectRef>
-          <a:fontRef idx="minor">
-            <a:schemeClr val="lt1"/>
-          </a:fontRef>
-        </p:style>
-        <p:txBody>
-          <a:bodyPr rtlCol="0" anchor="ctr"/>
-          <a:lstStyle/>
-          <a:p>
-            <a:pPr algn="ctr"/>
-            <a:endParaRPr lang="en-US"/>
-          </a:p>
-        </p:txBody>
-      </p:sp>
-    </p:spTree>
-    <p:extLst>
-      <p:ext uri="{BB962C8B-B14F-4D97-AF65-F5344CB8AC3E}">
-        <p14:creationId xmlns:p14="http://schemas.microsoft.com/office/powerpoint/2010/main" val="3788692611"/>
-      </p:ext>
-    </p:extLst>
-  </p:cSld>
-  <p:clrMapOvr>
-    <a:masterClrMapping/>
-  </p:clrMapOvr>
-</p:sld>
-</file>
-
-<file path=ppt/slides/slide35.xml><?xml version="1.0" encoding="utf-8"?>
 <p:sld xmlns:a="http://schemas.openxmlformats.org/drawingml/2006/main" xmlns:r="http://schemas.openxmlformats.org/officeDocument/2006/relationships" xmlns:p="http://schemas.openxmlformats.org/presentationml/2006/main">
   <p:cSld>
     <p:spTree>
@@ -36872,6 +34349,2523 @@
           </a:p>
         </p:txBody>
       </p:sp>
+      <p:sp>
+        <p:nvSpPr>
+          <p:cNvPr id="19" name="Rectangle 18">
+            <a:extLst>
+              <a:ext uri="{FF2B5EF4-FFF2-40B4-BE49-F238E27FC236}">
+                <a16:creationId xmlns:a16="http://schemas.microsoft.com/office/drawing/2014/main" id="{601B361A-666D-4F49-8F65-CCD8395CF5E9}"/>
+              </a:ext>
+            </a:extLst>
+          </p:cNvPr>
+          <p:cNvSpPr/>
+          <p:nvPr/>
+        </p:nvSpPr>
+        <p:spPr>
+          <a:xfrm>
+            <a:off x="0" y="5231092"/>
+            <a:ext cx="12191999" cy="1626905"/>
+          </a:xfrm>
+          <a:prstGeom prst="rect">
+            <a:avLst/>
+          </a:prstGeom>
+          <a:solidFill>
+            <a:schemeClr val="bg1"/>
+          </a:solidFill>
+          <a:ln>
+            <a:solidFill>
+              <a:schemeClr val="bg1"/>
+            </a:solidFill>
+          </a:ln>
+        </p:spPr>
+        <p:style>
+          <a:lnRef idx="2">
+            <a:schemeClr val="accent1">
+              <a:shade val="50000"/>
+            </a:schemeClr>
+          </a:lnRef>
+          <a:fillRef idx="1">
+            <a:schemeClr val="accent1"/>
+          </a:fillRef>
+          <a:effectRef idx="0">
+            <a:schemeClr val="accent1"/>
+          </a:effectRef>
+          <a:fontRef idx="minor">
+            <a:schemeClr val="lt1"/>
+          </a:fontRef>
+        </p:style>
+        <p:txBody>
+          <a:bodyPr rtlCol="0" anchor="ctr"/>
+          <a:lstStyle/>
+          <a:p>
+            <a:pPr algn="ctr"/>
+            <a:endParaRPr lang="en-US"/>
+          </a:p>
+        </p:txBody>
+      </p:sp>
+      <p:sp>
+        <p:nvSpPr>
+          <p:cNvPr id="21" name="Rectangle 20">
+            <a:extLst>
+              <a:ext uri="{FF2B5EF4-FFF2-40B4-BE49-F238E27FC236}">
+                <a16:creationId xmlns:a16="http://schemas.microsoft.com/office/drawing/2014/main" id="{73FE1890-9D25-40A3-AC70-EA79689F2570}"/>
+              </a:ext>
+            </a:extLst>
+          </p:cNvPr>
+          <p:cNvSpPr/>
+          <p:nvPr/>
+        </p:nvSpPr>
+        <p:spPr>
+          <a:xfrm>
+            <a:off x="104356" y="5124084"/>
+            <a:ext cx="5115849" cy="1255437"/>
+          </a:xfrm>
+          <a:prstGeom prst="rect">
+            <a:avLst/>
+          </a:prstGeom>
+          <a:solidFill>
+            <a:schemeClr val="bg1"/>
+          </a:solidFill>
+          <a:ln>
+            <a:solidFill>
+              <a:schemeClr val="bg1"/>
+            </a:solidFill>
+          </a:ln>
+        </p:spPr>
+        <p:style>
+          <a:lnRef idx="2">
+            <a:schemeClr val="accent1">
+              <a:shade val="50000"/>
+            </a:schemeClr>
+          </a:lnRef>
+          <a:fillRef idx="1">
+            <a:schemeClr val="accent1"/>
+          </a:fillRef>
+          <a:effectRef idx="0">
+            <a:schemeClr val="accent1"/>
+          </a:effectRef>
+          <a:fontRef idx="minor">
+            <a:schemeClr val="lt1"/>
+          </a:fontRef>
+        </p:style>
+        <p:txBody>
+          <a:bodyPr rtlCol="0" anchor="ctr"/>
+          <a:lstStyle/>
+          <a:p>
+            <a:pPr algn="ctr"/>
+            <a:endParaRPr lang="en-US"/>
+          </a:p>
+        </p:txBody>
+      </p:sp>
+    </p:spTree>
+    <p:extLst>
+      <p:ext uri="{BB962C8B-B14F-4D97-AF65-F5344CB8AC3E}">
+        <p14:creationId xmlns:p14="http://schemas.microsoft.com/office/powerpoint/2010/main" val="2545892405"/>
+      </p:ext>
+    </p:extLst>
+  </p:cSld>
+  <p:clrMapOvr>
+    <a:masterClrMapping/>
+  </p:clrMapOvr>
+</p:sld>
+</file>
+
+<file path=ppt/slides/slide33.xml><?xml version="1.0" encoding="utf-8"?>
+<p:sld xmlns:a="http://schemas.openxmlformats.org/drawingml/2006/main" xmlns:r="http://schemas.openxmlformats.org/officeDocument/2006/relationships" xmlns:p="http://schemas.openxmlformats.org/presentationml/2006/main">
+  <p:cSld>
+    <p:spTree>
+      <p:nvGrpSpPr>
+        <p:cNvPr id="1" name=""/>
+        <p:cNvGrpSpPr/>
+        <p:nvPr/>
+      </p:nvGrpSpPr>
+      <p:grpSpPr>
+        <a:xfrm>
+          <a:off x="0" y="0"/>
+          <a:ext cx="0" cy="0"/>
+          <a:chOff x="0" y="0"/>
+          <a:chExt cx="0" cy="0"/>
+        </a:xfrm>
+      </p:grpSpPr>
+      <p:sp>
+        <p:nvSpPr>
+          <p:cNvPr id="2" name="Title 1"/>
+          <p:cNvSpPr>
+            <a:spLocks noGrp="1"/>
+          </p:cNvSpPr>
+          <p:nvPr>
+            <p:ph type="title"/>
+          </p:nvPr>
+        </p:nvSpPr>
+        <p:spPr/>
+        <p:txBody>
+          <a:bodyPr/>
+          <a:lstStyle/>
+          <a:p>
+            <a:r>
+              <a:rPr lang="en-US" dirty="0"/>
+              <a:t>Problem 1: vertical line detection</a:t>
+            </a:r>
+          </a:p>
+        </p:txBody>
+      </p:sp>
+      <mc:AlternateContent xmlns:mc="http://schemas.openxmlformats.org/markup-compatibility/2006" xmlns:a14="http://schemas.microsoft.com/office/drawing/2010/main">
+        <mc:Choice Requires="a14">
+          <p:sp>
+            <p:nvSpPr>
+              <p:cNvPr id="3" name="Content Placeholder 2"/>
+              <p:cNvSpPr>
+                <a:spLocks noGrp="1"/>
+              </p:cNvSpPr>
+              <p:nvPr>
+                <p:ph idx="1"/>
+              </p:nvPr>
+            </p:nvSpPr>
+            <p:spPr/>
+            <p:txBody>
+              <a:bodyPr/>
+              <a:lstStyle/>
+              <a:p>
+                <a:r>
+                  <a:rPr lang="en-US" dirty="0"/>
+                  <a:t>Vertical (or near vertical) lines have a big slope: </a:t>
+                </a:r>
+                <a14:m>
+                  <m:oMath xmlns:m="http://schemas.openxmlformats.org/officeDocument/2006/math">
+                    <m:r>
+                      <a:rPr lang="en-US" b="0" i="1" smtClean="0">
+                        <a:latin typeface="Cambria Math"/>
+                      </a:rPr>
+                      <m:t>𝑚</m:t>
+                    </m:r>
+                    <m:r>
+                      <a:rPr lang="en-US" b="0" i="1" smtClean="0">
+                        <a:latin typeface="Cambria Math"/>
+                      </a:rPr>
+                      <m:t>→∞</m:t>
+                    </m:r>
+                  </m:oMath>
+                </a14:m>
+                <a:r>
+                  <a:rPr lang="en-US" dirty="0"/>
+                  <a:t>. This causes the accumulator table to be very big in </a:t>
+                </a:r>
+                <a14:m>
+                  <m:oMath xmlns:m="http://schemas.openxmlformats.org/officeDocument/2006/math">
+                    <m:r>
+                      <a:rPr lang="en-US" b="0" i="1" smtClean="0">
+                        <a:latin typeface="Cambria Math"/>
+                      </a:rPr>
+                      <m:t>𝑚</m:t>
+                    </m:r>
+                  </m:oMath>
+                </a14:m>
+                <a:r>
+                  <a:rPr lang="en-US" dirty="0"/>
+                  <a:t> direction.</a:t>
+                </a:r>
+              </a:p>
+              <a:p>
+                <a:r>
+                  <a:rPr lang="en-US" dirty="0"/>
+                  <a:t>A solution is to give a </a:t>
+                </a:r>
+                <a:r>
+                  <a:rPr lang="en-US" b="1" dirty="0"/>
+                  <a:t>different parameterization to lines</a:t>
+                </a:r>
+                <a:r>
+                  <a:rPr lang="en-US" dirty="0"/>
+                  <a:t>:</a:t>
+                </a:r>
+              </a:p>
+              <a:p>
+                <a:endParaRPr lang="en-US" dirty="0"/>
+              </a:p>
+            </p:txBody>
+          </p:sp>
+        </mc:Choice>
+        <mc:Fallback xmlns="">
+          <p:sp>
+            <p:nvSpPr>
+              <p:cNvPr id="3" name="Content Placeholder 2"/>
+              <p:cNvSpPr>
+                <a:spLocks noGrp="1" noRot="1" noChangeAspect="1" noMove="1" noResize="1" noEditPoints="1" noAdjustHandles="1" noChangeArrowheads="1" noChangeShapeType="1" noTextEdit="1"/>
+              </p:cNvSpPr>
+              <p:nvPr>
+                <p:ph idx="1"/>
+              </p:nvPr>
+            </p:nvSpPr>
+            <p:spPr>
+              <a:blipFill rotWithShape="1">
+                <a:blip r:embed="rId3"/>
+                <a:stretch>
+                  <a:fillRect l="-879" t="-959"/>
+                </a:stretch>
+              </a:blipFill>
+            </p:spPr>
+            <p:txBody>
+              <a:bodyPr/>
+              <a:lstStyle/>
+              <a:p>
+                <a:r>
+                  <a:rPr lang="en-US">
+                    <a:noFill/>
+                  </a:rPr>
+                  <a:t> </a:t>
+                </a:r>
+              </a:p>
+            </p:txBody>
+          </p:sp>
+        </mc:Fallback>
+      </mc:AlternateContent>
+      <p:sp>
+        <p:nvSpPr>
+          <p:cNvPr id="5" name="Triangle"/>
+          <p:cNvSpPr/>
+          <p:nvPr/>
+        </p:nvSpPr>
+        <p:spPr>
+          <a:xfrm>
+            <a:off x="9173735" y="2625725"/>
+            <a:ext cx="1427661" cy="1427661"/>
+          </a:xfrm>
+          <a:custGeom>
+            <a:avLst/>
+            <a:gdLst/>
+            <a:ahLst/>
+            <a:cxnLst>
+              <a:cxn ang="0">
+                <a:pos x="wd2" y="hd2"/>
+              </a:cxn>
+              <a:cxn ang="5400000">
+                <a:pos x="wd2" y="hd2"/>
+              </a:cxn>
+              <a:cxn ang="10800000">
+                <a:pos x="wd2" y="hd2"/>
+              </a:cxn>
+              <a:cxn ang="16200000">
+                <a:pos x="wd2" y="hd2"/>
+              </a:cxn>
+            </a:cxnLst>
+            <a:rect l="0" t="0" r="r" b="b"/>
+            <a:pathLst>
+              <a:path w="21600" h="21600" extrusionOk="0">
+                <a:moveTo>
+                  <a:pt x="0" y="0"/>
+                </a:moveTo>
+                <a:lnTo>
+                  <a:pt x="0" y="21600"/>
+                </a:lnTo>
+                <a:lnTo>
+                  <a:pt x="21600" y="21600"/>
+                </a:lnTo>
+                <a:close/>
+              </a:path>
+            </a:pathLst>
+          </a:custGeom>
+          <a:ln w="25400">
+            <a:solidFill>
+              <a:srgbClr val="85888D"/>
+            </a:solidFill>
+            <a:miter lim="400000"/>
+          </a:ln>
+        </p:spPr>
+        <p:txBody>
+          <a:bodyPr lIns="50800" tIns="50800" rIns="50800" bIns="50800" anchor="ctr"/>
+          <a:lstStyle/>
+          <a:p>
+            <a:pPr>
+              <a:defRPr sz="2400"/>
+            </a:pPr>
+            <a:endParaRPr/>
+          </a:p>
+        </p:txBody>
+      </p:sp>
+      <p:pic>
+        <p:nvPicPr>
+          <p:cNvPr id="7" name="latex-image-6.pdf" descr="latex-image-6.pdf"/>
+          <p:cNvPicPr>
+            <a:picLocks noChangeAspect="1"/>
+          </p:cNvPicPr>
+          <p:nvPr/>
+        </p:nvPicPr>
+        <p:blipFill>
+          <a:blip r:embed="rId4"/>
+          <a:stretch>
+            <a:fillRect/>
+          </a:stretch>
+        </p:blipFill>
+        <p:spPr>
+          <a:xfrm>
+            <a:off x="8934450" y="2450443"/>
+            <a:ext cx="127000" cy="235858"/>
+          </a:xfrm>
+          <a:prstGeom prst="rect">
+            <a:avLst/>
+          </a:prstGeom>
+          <a:ln w="12700">
+            <a:miter lim="400000"/>
+          </a:ln>
+        </p:spPr>
+      </p:pic>
+      <p:sp>
+        <p:nvSpPr>
+          <p:cNvPr id="8" name="Line"/>
+          <p:cNvSpPr/>
+          <p:nvPr/>
+        </p:nvSpPr>
+        <p:spPr>
+          <a:xfrm>
+            <a:off x="9163888" y="4060825"/>
+            <a:ext cx="1725491" cy="0"/>
+          </a:xfrm>
+          <a:prstGeom prst="line">
+            <a:avLst/>
+          </a:prstGeom>
+          <a:ln w="25400">
+            <a:solidFill>
+              <a:srgbClr val="000000"/>
+            </a:solidFill>
+            <a:miter lim="400000"/>
+            <a:tailEnd type="triangle"/>
+          </a:ln>
+        </p:spPr>
+        <p:txBody>
+          <a:bodyPr lIns="50800" tIns="50800" rIns="50800" bIns="50800" anchor="ctr"/>
+          <a:lstStyle/>
+          <a:p>
+            <a:pPr>
+              <a:defRPr sz="2400"/>
+            </a:pPr>
+            <a:endParaRPr/>
+          </a:p>
+        </p:txBody>
+      </p:sp>
+      <p:sp>
+        <p:nvSpPr>
+          <p:cNvPr id="9" name="Line"/>
+          <p:cNvSpPr/>
+          <p:nvPr/>
+        </p:nvSpPr>
+        <p:spPr>
+          <a:xfrm flipV="1">
+            <a:off x="9176588" y="2347141"/>
+            <a:ext cx="1" cy="1712868"/>
+          </a:xfrm>
+          <a:prstGeom prst="line">
+            <a:avLst/>
+          </a:prstGeom>
+          <a:ln w="25400">
+            <a:solidFill>
+              <a:srgbClr val="000000"/>
+            </a:solidFill>
+            <a:miter lim="400000"/>
+            <a:tailEnd type="triangle"/>
+          </a:ln>
+        </p:spPr>
+        <p:txBody>
+          <a:bodyPr lIns="50800" tIns="50800" rIns="50800" bIns="50800" anchor="ctr"/>
+          <a:lstStyle/>
+          <a:p>
+            <a:pPr>
+              <a:defRPr sz="2400"/>
+            </a:pPr>
+            <a:endParaRPr/>
+          </a:p>
+        </p:txBody>
+      </p:sp>
+      <p:sp>
+        <p:nvSpPr>
+          <p:cNvPr id="10" name="Line"/>
+          <p:cNvSpPr/>
+          <p:nvPr/>
+        </p:nvSpPr>
+        <p:spPr>
+          <a:xfrm flipV="1">
+            <a:off x="9194051" y="3359312"/>
+            <a:ext cx="688813" cy="688813"/>
+          </a:xfrm>
+          <a:prstGeom prst="line">
+            <a:avLst/>
+          </a:prstGeom>
+          <a:ln w="25400">
+            <a:solidFill>
+              <a:srgbClr val="000000"/>
+            </a:solidFill>
+            <a:miter lim="400000"/>
+            <a:tailEnd type="triangle"/>
+          </a:ln>
+        </p:spPr>
+        <p:txBody>
+          <a:bodyPr lIns="50800" tIns="50800" rIns="50800" bIns="50800" anchor="ctr"/>
+          <a:lstStyle/>
+          <a:p>
+            <a:pPr>
+              <a:defRPr sz="2400"/>
+            </a:pPr>
+            <a:endParaRPr/>
+          </a:p>
+        </p:txBody>
+      </p:sp>
+      <p:pic>
+        <p:nvPicPr>
+          <p:cNvPr id="11" name="latex-image-9.pdf" descr="latex-image-9.pdf"/>
+          <p:cNvPicPr>
+            <a:picLocks noChangeAspect="1"/>
+          </p:cNvPicPr>
+          <p:nvPr/>
+        </p:nvPicPr>
+        <p:blipFill>
+          <a:blip r:embed="rId5"/>
+          <a:stretch>
+            <a:fillRect/>
+          </a:stretch>
+        </p:blipFill>
+        <p:spPr>
+          <a:xfrm>
+            <a:off x="9472613" y="3802954"/>
+            <a:ext cx="122709" cy="207071"/>
+          </a:xfrm>
+          <a:prstGeom prst="rect">
+            <a:avLst/>
+          </a:prstGeom>
+          <a:ln w="12700">
+            <a:miter lim="400000"/>
+          </a:ln>
+        </p:spPr>
+      </p:pic>
+      <p:pic>
+        <p:nvPicPr>
+          <p:cNvPr id="12" name="latex-image-10.pdf" descr="latex-image-10.pdf"/>
+          <p:cNvPicPr>
+            <a:picLocks noChangeAspect="1"/>
+          </p:cNvPicPr>
+          <p:nvPr/>
+        </p:nvPicPr>
+        <p:blipFill>
+          <a:blip r:embed="rId6"/>
+          <a:stretch>
+            <a:fillRect/>
+          </a:stretch>
+        </p:blipFill>
+        <p:spPr>
+          <a:xfrm>
+            <a:off x="9485313" y="3333097"/>
+            <a:ext cx="178772" cy="248295"/>
+          </a:xfrm>
+          <a:prstGeom prst="rect">
+            <a:avLst/>
+          </a:prstGeom>
+          <a:ln w="12700">
+            <a:miter lim="400000"/>
+          </a:ln>
+        </p:spPr>
+      </p:pic>
+      <p:pic>
+        <p:nvPicPr>
+          <p:cNvPr id="13" name="latex-image-9.pdf" descr="latex-image-9.pdf"/>
+          <p:cNvPicPr>
+            <a:picLocks noChangeAspect="1"/>
+          </p:cNvPicPr>
+          <p:nvPr/>
+        </p:nvPicPr>
+        <p:blipFill>
+          <a:blip r:embed="rId5"/>
+          <a:stretch>
+            <a:fillRect/>
+          </a:stretch>
+        </p:blipFill>
+        <p:spPr>
+          <a:xfrm>
+            <a:off x="9218613" y="2825054"/>
+            <a:ext cx="122709" cy="207071"/>
+          </a:xfrm>
+          <a:prstGeom prst="rect">
+            <a:avLst/>
+          </a:prstGeom>
+          <a:ln w="12700">
+            <a:miter lim="400000"/>
+          </a:ln>
+        </p:spPr>
+      </p:pic>
+      <p:sp>
+        <p:nvSpPr>
+          <p:cNvPr id="14" name="Connection Line"/>
+          <p:cNvSpPr/>
+          <p:nvPr/>
+        </p:nvSpPr>
+        <p:spPr>
+          <a:xfrm>
+            <a:off x="9551966" y="3704291"/>
+            <a:ext cx="161561" cy="365325"/>
+          </a:xfrm>
+          <a:custGeom>
+            <a:avLst/>
+            <a:gdLst/>
+            <a:ahLst/>
+            <a:cxnLst>
+              <a:cxn ang="0">
+                <a:pos x="wd2" y="hd2"/>
+              </a:cxn>
+              <a:cxn ang="5400000">
+                <a:pos x="wd2" y="hd2"/>
+              </a:cxn>
+              <a:cxn ang="10800000">
+                <a:pos x="wd2" y="hd2"/>
+              </a:cxn>
+              <a:cxn ang="16200000">
+                <a:pos x="wd2" y="hd2"/>
+              </a:cxn>
+            </a:cxnLst>
+            <a:rect l="0" t="0" r="r" b="b"/>
+            <a:pathLst>
+              <a:path w="17356" h="21600" extrusionOk="0">
+                <a:moveTo>
+                  <a:pt x="0" y="0"/>
+                </a:moveTo>
+                <a:cubicBezTo>
+                  <a:pt x="17170" y="4716"/>
+                  <a:pt x="21600" y="11916"/>
+                  <a:pt x="13291" y="21600"/>
+                </a:cubicBezTo>
+              </a:path>
+            </a:pathLst>
+          </a:custGeom>
+          <a:ln w="12700">
+            <a:solidFill>
+              <a:srgbClr val="000000"/>
+            </a:solidFill>
+            <a:miter lim="400000"/>
+          </a:ln>
+        </p:spPr>
+        <p:txBody>
+          <a:bodyPr/>
+          <a:lstStyle/>
+          <a:p>
+            <a:endParaRPr/>
+          </a:p>
+        </p:txBody>
+      </p:sp>
+      <p:sp>
+        <p:nvSpPr>
+          <p:cNvPr id="15" name="Connection Line"/>
+          <p:cNvSpPr/>
+          <p:nvPr/>
+        </p:nvSpPr>
+        <p:spPr>
+          <a:xfrm>
+            <a:off x="9183695" y="2925085"/>
+            <a:ext cx="268239" cy="175523"/>
+          </a:xfrm>
+          <a:custGeom>
+            <a:avLst/>
+            <a:gdLst/>
+            <a:ahLst/>
+            <a:cxnLst>
+              <a:cxn ang="0">
+                <a:pos x="wd2" y="hd2"/>
+              </a:cxn>
+              <a:cxn ang="5400000">
+                <a:pos x="wd2" y="hd2"/>
+              </a:cxn>
+              <a:cxn ang="10800000">
+                <a:pos x="wd2" y="hd2"/>
+              </a:cxn>
+              <a:cxn ang="16200000">
+                <a:pos x="wd2" y="hd2"/>
+              </a:cxn>
+            </a:cxnLst>
+            <a:rect l="0" t="0" r="r" b="b"/>
+            <a:pathLst>
+              <a:path w="21600" h="18029" extrusionOk="0">
+                <a:moveTo>
+                  <a:pt x="21600" y="0"/>
+                </a:moveTo>
+                <a:cubicBezTo>
+                  <a:pt x="19502" y="16382"/>
+                  <a:pt x="12302" y="21600"/>
+                  <a:pt x="0" y="15654"/>
+                </a:cubicBezTo>
+              </a:path>
+            </a:pathLst>
+          </a:custGeom>
+          <a:ln w="12700">
+            <a:solidFill>
+              <a:srgbClr val="000000"/>
+            </a:solidFill>
+            <a:miter lim="400000"/>
+          </a:ln>
+        </p:spPr>
+        <p:txBody>
+          <a:bodyPr/>
+          <a:lstStyle/>
+          <a:p>
+            <a:endParaRPr/>
+          </a:p>
+        </p:txBody>
+      </p:sp>
+      <p:pic>
+        <p:nvPicPr>
+          <p:cNvPr id="2052" name="Picture 4" descr="https://latex.codecogs.com/gif.latex?%5Cdpi%7B300%7D%20%5C%5C%20y%3Dmx&amp;plus;b%5C%5C%20%5Cxrightarrow%7Bx%3D0%7Dy%3Db%5C%5C%20%5Cxrightarrow%7By%3D0%7Dx%3D-%5Cfrac%7Bb%7D%7Bm%7D%5C%5C%20%5Cfrac%7B%5Cfrac%7B-b%7D%7Bm%7D%7D%7Bb%7D%3D-%5Cfrac%7B1%7D%7Bm%7D%3Dtg%5Ctheta%5Crightarrow%20m%3D-%5Cfrac%7B1%7D%7Btg%5Ctheta%7D%3D-%5Cfrac%7Bcos%5Ctheta%7D%7Bsin%5Ctheta%7D%20%5C%5C%20%5Cfrac%7B%5Crho%7D%7Bb%7D%3Dsin%5Ctheta%5Crightarrow%20b%3D%5Cfrac%7B%5Crho%7D%7Bsin%5Ctheta%7D%20%5C%5C%20y%3Dmx&amp;plus;b%5Crightarrow%20y%3D-%5Cfrac%7Bcos%5Ctheta%7D%7Bsin%5Ctheta%7Dx&amp;plus;%5Cfrac%7B%5Crho%7D%7Bsin%5Ctheta%7D%20%5Crightarrow%20xcos%5Ctheta%20&amp;plus;ysin%5Ctheta%20%3D%20%5Crho"/>
+          <p:cNvPicPr>
+            <a:picLocks noChangeAspect="1" noChangeArrowheads="1"/>
+          </p:cNvPicPr>
+          <p:nvPr/>
+        </p:nvPicPr>
+        <p:blipFill>
+          <a:blip r:embed="rId7">
+            <a:extLst>
+              <a:ext uri="{28A0092B-C50C-407E-A947-70E740481C1C}">
+                <a14:useLocalDpi xmlns:a14="http://schemas.microsoft.com/office/drawing/2010/main" val="0"/>
+              </a:ext>
+            </a:extLst>
+          </a:blip>
+          <a:srcRect/>
+          <a:stretch>
+            <a:fillRect/>
+          </a:stretch>
+        </p:blipFill>
+        <p:spPr bwMode="auto">
+          <a:xfrm>
+            <a:off x="556462" y="2200274"/>
+            <a:ext cx="10044934" cy="4548493"/>
+          </a:xfrm>
+          <a:prstGeom prst="rect">
+            <a:avLst/>
+          </a:prstGeom>
+          <a:noFill/>
+          <a:extLst>
+            <a:ext uri="{909E8E84-426E-40DD-AFC4-6F175D3DCCD1}">
+              <a14:hiddenFill xmlns:a14="http://schemas.microsoft.com/office/drawing/2010/main">
+                <a:solidFill>
+                  <a:srgbClr val="FFFFFF"/>
+                </a:solidFill>
+              </a14:hiddenFill>
+            </a:ext>
+          </a:extLst>
+        </p:spPr>
+      </p:pic>
+      <p:pic>
+        <p:nvPicPr>
+          <p:cNvPr id="18" name="Picture 4" descr="https://latex.codecogs.com/gif.latex?%5Cdpi%7B300%7D%20%5C%5C%20y%3Dmx&amp;plus;b%5C%5C%20%5Cxrightarrow%7Bx%3D0%7Dy%3Db%5C%5C%20%5Cxrightarrow%7By%3D0%7Dx%3D-%5Cfrac%7Bb%7D%7Bm%7D%5C%5C%20%5Cfrac%7B%5Cfrac%7B-b%7D%7Bm%7D%7D%7Bb%7D%3D-%5Cfrac%7B1%7D%7Bm%7D%3Dtg%5Ctheta%5Crightarrow%20m%3D-%5Cfrac%7B1%7D%7Btg%5Ctheta%7D%3D-%5Cfrac%7Bcos%5Ctheta%7D%7Bsin%5Ctheta%7D%20%5C%5C%20%5Cfrac%7B%5Crho%7D%7Bb%7D%3Dsin%5Ctheta%5Crightarrow%20b%3D%5Cfrac%7B%5Crho%7D%7Bsin%5Ctheta%7D%20%5C%5C%20y%3Dmx&amp;plus;b%5Crightarrow%20y%3D-%5Cfrac%7Bcos%5Ctheta%7D%7Bsin%5Ctheta%7Dx&amp;plus;%5Cfrac%7B%5Crho%7D%7Bsin%5Ctheta%7D%20%5Crightarrow%20xcos%5Ctheta%20&amp;plus;ysin%5Ctheta%20%3D%20%5Crho"/>
+          <p:cNvPicPr>
+            <a:picLocks noChangeAspect="1" noChangeArrowheads="1"/>
+          </p:cNvPicPr>
+          <p:nvPr/>
+        </p:nvPicPr>
+        <p:blipFill rotWithShape="1">
+          <a:blip r:embed="rId7">
+            <a:extLst>
+              <a:ext uri="{28A0092B-C50C-407E-A947-70E740481C1C}">
+                <a14:useLocalDpi xmlns:a14="http://schemas.microsoft.com/office/drawing/2010/main" val="0"/>
+              </a:ext>
+            </a:extLst>
+          </a:blip>
+          <a:srcRect l="16363" t="19825" r="75525" b="57691"/>
+          <a:stretch/>
+        </p:blipFill>
+        <p:spPr bwMode="auto">
+          <a:xfrm>
+            <a:off x="10301608" y="4069616"/>
+            <a:ext cx="599575" cy="752484"/>
+          </a:xfrm>
+          <a:prstGeom prst="rect">
+            <a:avLst/>
+          </a:prstGeom>
+          <a:noFill/>
+          <a:extLst>
+            <a:ext uri="{909E8E84-426E-40DD-AFC4-6F175D3DCCD1}">
+              <a14:hiddenFill xmlns:a14="http://schemas.microsoft.com/office/drawing/2010/main">
+                <a:solidFill>
+                  <a:srgbClr val="FFFFFF"/>
+                </a:solidFill>
+              </a14:hiddenFill>
+            </a:ext>
+          </a:extLst>
+        </p:spPr>
+      </p:pic>
+      <p:sp>
+        <p:nvSpPr>
+          <p:cNvPr id="4" name="Rectangle 3"/>
+          <p:cNvSpPr/>
+          <p:nvPr/>
+        </p:nvSpPr>
+        <p:spPr>
+          <a:xfrm rot="2546264">
+            <a:off x="9678362" y="3325254"/>
+            <a:ext cx="297067" cy="201333"/>
+          </a:xfrm>
+          <a:prstGeom prst="rect">
+            <a:avLst/>
+          </a:prstGeom>
+          <a:noFill/>
+          <a:ln w="6350">
+            <a:solidFill>
+              <a:schemeClr val="tx1"/>
+            </a:solidFill>
+          </a:ln>
+        </p:spPr>
+        <p:style>
+          <a:lnRef idx="2">
+            <a:schemeClr val="accent1">
+              <a:shade val="50000"/>
+            </a:schemeClr>
+          </a:lnRef>
+          <a:fillRef idx="1">
+            <a:schemeClr val="accent1"/>
+          </a:fillRef>
+          <a:effectRef idx="0">
+            <a:schemeClr val="accent1"/>
+          </a:effectRef>
+          <a:fontRef idx="minor">
+            <a:schemeClr val="lt1"/>
+          </a:fontRef>
+        </p:style>
+        <p:txBody>
+          <a:bodyPr rtlCol="0" anchor="ctr"/>
+          <a:lstStyle/>
+          <a:p>
+            <a:pPr algn="ctr"/>
+            <a:endParaRPr lang="en-US"/>
+          </a:p>
+        </p:txBody>
+      </p:sp>
+      <p:sp>
+        <p:nvSpPr>
+          <p:cNvPr id="20" name="Rectangle 19"/>
+          <p:cNvSpPr/>
+          <p:nvPr/>
+        </p:nvSpPr>
+        <p:spPr>
+          <a:xfrm>
+            <a:off x="9173735" y="3846792"/>
+            <a:ext cx="195871" cy="201333"/>
+          </a:xfrm>
+          <a:prstGeom prst="rect">
+            <a:avLst/>
+          </a:prstGeom>
+          <a:noFill/>
+          <a:ln w="6350">
+            <a:solidFill>
+              <a:schemeClr val="tx1"/>
+            </a:solidFill>
+          </a:ln>
+        </p:spPr>
+        <p:style>
+          <a:lnRef idx="2">
+            <a:schemeClr val="accent1">
+              <a:shade val="50000"/>
+            </a:schemeClr>
+          </a:lnRef>
+          <a:fillRef idx="1">
+            <a:schemeClr val="accent1"/>
+          </a:fillRef>
+          <a:effectRef idx="0">
+            <a:schemeClr val="accent1"/>
+          </a:effectRef>
+          <a:fontRef idx="minor">
+            <a:schemeClr val="lt1"/>
+          </a:fontRef>
+        </p:style>
+        <p:txBody>
+          <a:bodyPr rtlCol="0" anchor="ctr"/>
+          <a:lstStyle/>
+          <a:p>
+            <a:pPr algn="ctr"/>
+            <a:endParaRPr lang="en-US"/>
+          </a:p>
+        </p:txBody>
+      </p:sp>
+      <p:sp>
+        <p:nvSpPr>
+          <p:cNvPr id="22" name="Rectangle: Rounded Corners 7">
+            <a:extLst>
+              <a:ext uri="{FF2B5EF4-FFF2-40B4-BE49-F238E27FC236}">
+                <a16:creationId xmlns:a16="http://schemas.microsoft.com/office/drawing/2014/main" id="{89656513-9083-47D3-8D44-E43743BD2C33}"/>
+              </a:ext>
+            </a:extLst>
+          </p:cNvPr>
+          <p:cNvSpPr/>
+          <p:nvPr/>
+        </p:nvSpPr>
+        <p:spPr>
+          <a:xfrm>
+            <a:off x="7305675" y="6038850"/>
+            <a:ext cx="3583704" cy="681342"/>
+          </a:xfrm>
+          <a:prstGeom prst="roundRect">
+            <a:avLst/>
+          </a:prstGeom>
+          <a:noFill/>
+        </p:spPr>
+        <p:style>
+          <a:lnRef idx="2">
+            <a:schemeClr val="accent1">
+              <a:shade val="50000"/>
+            </a:schemeClr>
+          </a:lnRef>
+          <a:fillRef idx="1">
+            <a:schemeClr val="accent1"/>
+          </a:fillRef>
+          <a:effectRef idx="0">
+            <a:schemeClr val="accent1"/>
+          </a:effectRef>
+          <a:fontRef idx="minor">
+            <a:schemeClr val="lt1"/>
+          </a:fontRef>
+        </p:style>
+        <p:txBody>
+          <a:bodyPr rtlCol="0" anchor="ctr"/>
+          <a:lstStyle/>
+          <a:p>
+            <a:pPr algn="ctr"/>
+            <a:endParaRPr lang="en-US"/>
+          </a:p>
+        </p:txBody>
+      </p:sp>
+      <p:sp>
+        <p:nvSpPr>
+          <p:cNvPr id="19" name="Rectangle 18">
+            <a:extLst>
+              <a:ext uri="{FF2B5EF4-FFF2-40B4-BE49-F238E27FC236}">
+                <a16:creationId xmlns:a16="http://schemas.microsoft.com/office/drawing/2014/main" id="{601B361A-666D-4F49-8F65-CCD8395CF5E9}"/>
+              </a:ext>
+            </a:extLst>
+          </p:cNvPr>
+          <p:cNvSpPr/>
+          <p:nvPr/>
+        </p:nvSpPr>
+        <p:spPr>
+          <a:xfrm>
+            <a:off x="0" y="5870576"/>
+            <a:ext cx="12191999" cy="987421"/>
+          </a:xfrm>
+          <a:prstGeom prst="rect">
+            <a:avLst/>
+          </a:prstGeom>
+          <a:solidFill>
+            <a:schemeClr val="bg1"/>
+          </a:solidFill>
+          <a:ln>
+            <a:solidFill>
+              <a:schemeClr val="bg1"/>
+            </a:solidFill>
+          </a:ln>
+        </p:spPr>
+        <p:style>
+          <a:lnRef idx="2">
+            <a:schemeClr val="accent1">
+              <a:shade val="50000"/>
+            </a:schemeClr>
+          </a:lnRef>
+          <a:fillRef idx="1">
+            <a:schemeClr val="accent1"/>
+          </a:fillRef>
+          <a:effectRef idx="0">
+            <a:schemeClr val="accent1"/>
+          </a:effectRef>
+          <a:fontRef idx="minor">
+            <a:schemeClr val="lt1"/>
+          </a:fontRef>
+        </p:style>
+        <p:txBody>
+          <a:bodyPr rtlCol="0" anchor="ctr"/>
+          <a:lstStyle/>
+          <a:p>
+            <a:pPr algn="ctr"/>
+            <a:endParaRPr lang="en-US"/>
+          </a:p>
+        </p:txBody>
+      </p:sp>
+    </p:spTree>
+    <p:extLst>
+      <p:ext uri="{BB962C8B-B14F-4D97-AF65-F5344CB8AC3E}">
+        <p14:creationId xmlns:p14="http://schemas.microsoft.com/office/powerpoint/2010/main" val="3337344559"/>
+      </p:ext>
+    </p:extLst>
+  </p:cSld>
+  <p:clrMapOvr>
+    <a:masterClrMapping/>
+  </p:clrMapOvr>
+</p:sld>
+</file>
+
+<file path=ppt/slides/slide34.xml><?xml version="1.0" encoding="utf-8"?>
+<p:sld xmlns:a="http://schemas.openxmlformats.org/drawingml/2006/main" xmlns:r="http://schemas.openxmlformats.org/officeDocument/2006/relationships" xmlns:p="http://schemas.openxmlformats.org/presentationml/2006/main">
+  <p:cSld>
+    <p:spTree>
+      <p:nvGrpSpPr>
+        <p:cNvPr id="1" name=""/>
+        <p:cNvGrpSpPr/>
+        <p:nvPr/>
+      </p:nvGrpSpPr>
+      <p:grpSpPr>
+        <a:xfrm>
+          <a:off x="0" y="0"/>
+          <a:ext cx="0" cy="0"/>
+          <a:chOff x="0" y="0"/>
+          <a:chExt cx="0" cy="0"/>
+        </a:xfrm>
+      </p:grpSpPr>
+      <p:sp>
+        <p:nvSpPr>
+          <p:cNvPr id="2" name="Title 1"/>
+          <p:cNvSpPr>
+            <a:spLocks noGrp="1"/>
+          </p:cNvSpPr>
+          <p:nvPr>
+            <p:ph type="title"/>
+          </p:nvPr>
+        </p:nvSpPr>
+        <p:spPr/>
+        <p:txBody>
+          <a:bodyPr/>
+          <a:lstStyle/>
+          <a:p>
+            <a:r>
+              <a:rPr lang="en-US" dirty="0"/>
+              <a:t>Problem 1: vertical line detection</a:t>
+            </a:r>
+          </a:p>
+        </p:txBody>
+      </p:sp>
+      <mc:AlternateContent xmlns:mc="http://schemas.openxmlformats.org/markup-compatibility/2006" xmlns:a14="http://schemas.microsoft.com/office/drawing/2010/main">
+        <mc:Choice Requires="a14">
+          <p:sp>
+            <p:nvSpPr>
+              <p:cNvPr id="3" name="Content Placeholder 2"/>
+              <p:cNvSpPr>
+                <a:spLocks noGrp="1"/>
+              </p:cNvSpPr>
+              <p:nvPr>
+                <p:ph idx="1"/>
+              </p:nvPr>
+            </p:nvSpPr>
+            <p:spPr/>
+            <p:txBody>
+              <a:bodyPr/>
+              <a:lstStyle/>
+              <a:p>
+                <a:r>
+                  <a:rPr lang="en-US" dirty="0"/>
+                  <a:t>Vertical (or near vertical) lines have a big slope: </a:t>
+                </a:r>
+                <a14:m>
+                  <m:oMath xmlns:m="http://schemas.openxmlformats.org/officeDocument/2006/math">
+                    <m:r>
+                      <a:rPr lang="en-US" b="0" i="1" smtClean="0">
+                        <a:latin typeface="Cambria Math"/>
+                      </a:rPr>
+                      <m:t>𝑚</m:t>
+                    </m:r>
+                    <m:r>
+                      <a:rPr lang="en-US" b="0" i="1" smtClean="0">
+                        <a:latin typeface="Cambria Math"/>
+                      </a:rPr>
+                      <m:t>→∞</m:t>
+                    </m:r>
+                  </m:oMath>
+                </a14:m>
+                <a:r>
+                  <a:rPr lang="en-US" dirty="0"/>
+                  <a:t>. This causes the accumulator table to be very big in </a:t>
+                </a:r>
+                <a14:m>
+                  <m:oMath xmlns:m="http://schemas.openxmlformats.org/officeDocument/2006/math">
+                    <m:r>
+                      <a:rPr lang="en-US" b="0" i="1" smtClean="0">
+                        <a:latin typeface="Cambria Math"/>
+                      </a:rPr>
+                      <m:t>𝑚</m:t>
+                    </m:r>
+                  </m:oMath>
+                </a14:m>
+                <a:r>
+                  <a:rPr lang="en-US" dirty="0"/>
+                  <a:t> direction.</a:t>
+                </a:r>
+              </a:p>
+              <a:p>
+                <a:r>
+                  <a:rPr lang="en-US" dirty="0"/>
+                  <a:t>A solution is to give a </a:t>
+                </a:r>
+                <a:r>
+                  <a:rPr lang="en-US" b="1" dirty="0"/>
+                  <a:t>different parameterization to lines</a:t>
+                </a:r>
+                <a:r>
+                  <a:rPr lang="en-US" dirty="0"/>
+                  <a:t>:</a:t>
+                </a:r>
+              </a:p>
+              <a:p>
+                <a:endParaRPr lang="en-US" dirty="0"/>
+              </a:p>
+            </p:txBody>
+          </p:sp>
+        </mc:Choice>
+        <mc:Fallback xmlns="">
+          <p:sp>
+            <p:nvSpPr>
+              <p:cNvPr id="3" name="Content Placeholder 2"/>
+              <p:cNvSpPr>
+                <a:spLocks noGrp="1" noRot="1" noChangeAspect="1" noMove="1" noResize="1" noEditPoints="1" noAdjustHandles="1" noChangeArrowheads="1" noChangeShapeType="1" noTextEdit="1"/>
+              </p:cNvSpPr>
+              <p:nvPr>
+                <p:ph idx="1"/>
+              </p:nvPr>
+            </p:nvSpPr>
+            <p:spPr>
+              <a:blipFill rotWithShape="1">
+                <a:blip r:embed="rId3"/>
+                <a:stretch>
+                  <a:fillRect l="-879" t="-959"/>
+                </a:stretch>
+              </a:blipFill>
+            </p:spPr>
+            <p:txBody>
+              <a:bodyPr/>
+              <a:lstStyle/>
+              <a:p>
+                <a:r>
+                  <a:rPr lang="en-US">
+                    <a:noFill/>
+                  </a:rPr>
+                  <a:t> </a:t>
+                </a:r>
+              </a:p>
+            </p:txBody>
+          </p:sp>
+        </mc:Fallback>
+      </mc:AlternateContent>
+      <p:sp>
+        <p:nvSpPr>
+          <p:cNvPr id="5" name="Triangle"/>
+          <p:cNvSpPr/>
+          <p:nvPr/>
+        </p:nvSpPr>
+        <p:spPr>
+          <a:xfrm>
+            <a:off x="9173735" y="2625725"/>
+            <a:ext cx="1427661" cy="1427661"/>
+          </a:xfrm>
+          <a:custGeom>
+            <a:avLst/>
+            <a:gdLst/>
+            <a:ahLst/>
+            <a:cxnLst>
+              <a:cxn ang="0">
+                <a:pos x="wd2" y="hd2"/>
+              </a:cxn>
+              <a:cxn ang="5400000">
+                <a:pos x="wd2" y="hd2"/>
+              </a:cxn>
+              <a:cxn ang="10800000">
+                <a:pos x="wd2" y="hd2"/>
+              </a:cxn>
+              <a:cxn ang="16200000">
+                <a:pos x="wd2" y="hd2"/>
+              </a:cxn>
+            </a:cxnLst>
+            <a:rect l="0" t="0" r="r" b="b"/>
+            <a:pathLst>
+              <a:path w="21600" h="21600" extrusionOk="0">
+                <a:moveTo>
+                  <a:pt x="0" y="0"/>
+                </a:moveTo>
+                <a:lnTo>
+                  <a:pt x="0" y="21600"/>
+                </a:lnTo>
+                <a:lnTo>
+                  <a:pt x="21600" y="21600"/>
+                </a:lnTo>
+                <a:close/>
+              </a:path>
+            </a:pathLst>
+          </a:custGeom>
+          <a:ln w="25400">
+            <a:solidFill>
+              <a:srgbClr val="85888D"/>
+            </a:solidFill>
+            <a:miter lim="400000"/>
+          </a:ln>
+        </p:spPr>
+        <p:txBody>
+          <a:bodyPr lIns="50800" tIns="50800" rIns="50800" bIns="50800" anchor="ctr"/>
+          <a:lstStyle/>
+          <a:p>
+            <a:pPr>
+              <a:defRPr sz="2400"/>
+            </a:pPr>
+            <a:endParaRPr/>
+          </a:p>
+        </p:txBody>
+      </p:sp>
+      <p:pic>
+        <p:nvPicPr>
+          <p:cNvPr id="7" name="latex-image-6.pdf" descr="latex-image-6.pdf"/>
+          <p:cNvPicPr>
+            <a:picLocks noChangeAspect="1"/>
+          </p:cNvPicPr>
+          <p:nvPr/>
+        </p:nvPicPr>
+        <p:blipFill>
+          <a:blip r:embed="rId4"/>
+          <a:stretch>
+            <a:fillRect/>
+          </a:stretch>
+        </p:blipFill>
+        <p:spPr>
+          <a:xfrm>
+            <a:off x="8934450" y="2450443"/>
+            <a:ext cx="127000" cy="235858"/>
+          </a:xfrm>
+          <a:prstGeom prst="rect">
+            <a:avLst/>
+          </a:prstGeom>
+          <a:ln w="12700">
+            <a:miter lim="400000"/>
+          </a:ln>
+        </p:spPr>
+      </p:pic>
+      <p:sp>
+        <p:nvSpPr>
+          <p:cNvPr id="8" name="Line"/>
+          <p:cNvSpPr/>
+          <p:nvPr/>
+        </p:nvSpPr>
+        <p:spPr>
+          <a:xfrm>
+            <a:off x="9163888" y="4060825"/>
+            <a:ext cx="1725491" cy="0"/>
+          </a:xfrm>
+          <a:prstGeom prst="line">
+            <a:avLst/>
+          </a:prstGeom>
+          <a:ln w="25400">
+            <a:solidFill>
+              <a:srgbClr val="000000"/>
+            </a:solidFill>
+            <a:miter lim="400000"/>
+            <a:tailEnd type="triangle"/>
+          </a:ln>
+        </p:spPr>
+        <p:txBody>
+          <a:bodyPr lIns="50800" tIns="50800" rIns="50800" bIns="50800" anchor="ctr"/>
+          <a:lstStyle/>
+          <a:p>
+            <a:pPr>
+              <a:defRPr sz="2400"/>
+            </a:pPr>
+            <a:endParaRPr/>
+          </a:p>
+        </p:txBody>
+      </p:sp>
+      <p:sp>
+        <p:nvSpPr>
+          <p:cNvPr id="9" name="Line"/>
+          <p:cNvSpPr/>
+          <p:nvPr/>
+        </p:nvSpPr>
+        <p:spPr>
+          <a:xfrm flipV="1">
+            <a:off x="9176588" y="2347141"/>
+            <a:ext cx="1" cy="1712868"/>
+          </a:xfrm>
+          <a:prstGeom prst="line">
+            <a:avLst/>
+          </a:prstGeom>
+          <a:ln w="25400">
+            <a:solidFill>
+              <a:srgbClr val="000000"/>
+            </a:solidFill>
+            <a:miter lim="400000"/>
+            <a:tailEnd type="triangle"/>
+          </a:ln>
+        </p:spPr>
+        <p:txBody>
+          <a:bodyPr lIns="50800" tIns="50800" rIns="50800" bIns="50800" anchor="ctr"/>
+          <a:lstStyle/>
+          <a:p>
+            <a:pPr>
+              <a:defRPr sz="2400"/>
+            </a:pPr>
+            <a:endParaRPr/>
+          </a:p>
+        </p:txBody>
+      </p:sp>
+      <p:sp>
+        <p:nvSpPr>
+          <p:cNvPr id="10" name="Line"/>
+          <p:cNvSpPr/>
+          <p:nvPr/>
+        </p:nvSpPr>
+        <p:spPr>
+          <a:xfrm flipV="1">
+            <a:off x="9194051" y="3359312"/>
+            <a:ext cx="688813" cy="688813"/>
+          </a:xfrm>
+          <a:prstGeom prst="line">
+            <a:avLst/>
+          </a:prstGeom>
+          <a:ln w="25400">
+            <a:solidFill>
+              <a:srgbClr val="000000"/>
+            </a:solidFill>
+            <a:miter lim="400000"/>
+            <a:tailEnd type="triangle"/>
+          </a:ln>
+        </p:spPr>
+        <p:txBody>
+          <a:bodyPr lIns="50800" tIns="50800" rIns="50800" bIns="50800" anchor="ctr"/>
+          <a:lstStyle/>
+          <a:p>
+            <a:pPr>
+              <a:defRPr sz="2400"/>
+            </a:pPr>
+            <a:endParaRPr/>
+          </a:p>
+        </p:txBody>
+      </p:sp>
+      <p:pic>
+        <p:nvPicPr>
+          <p:cNvPr id="11" name="latex-image-9.pdf" descr="latex-image-9.pdf"/>
+          <p:cNvPicPr>
+            <a:picLocks noChangeAspect="1"/>
+          </p:cNvPicPr>
+          <p:nvPr/>
+        </p:nvPicPr>
+        <p:blipFill>
+          <a:blip r:embed="rId5"/>
+          <a:stretch>
+            <a:fillRect/>
+          </a:stretch>
+        </p:blipFill>
+        <p:spPr>
+          <a:xfrm>
+            <a:off x="9472613" y="3802954"/>
+            <a:ext cx="122709" cy="207071"/>
+          </a:xfrm>
+          <a:prstGeom prst="rect">
+            <a:avLst/>
+          </a:prstGeom>
+          <a:ln w="12700">
+            <a:miter lim="400000"/>
+          </a:ln>
+        </p:spPr>
+      </p:pic>
+      <p:pic>
+        <p:nvPicPr>
+          <p:cNvPr id="12" name="latex-image-10.pdf" descr="latex-image-10.pdf"/>
+          <p:cNvPicPr>
+            <a:picLocks noChangeAspect="1"/>
+          </p:cNvPicPr>
+          <p:nvPr/>
+        </p:nvPicPr>
+        <p:blipFill>
+          <a:blip r:embed="rId6"/>
+          <a:stretch>
+            <a:fillRect/>
+          </a:stretch>
+        </p:blipFill>
+        <p:spPr>
+          <a:xfrm>
+            <a:off x="9485313" y="3333097"/>
+            <a:ext cx="178772" cy="248295"/>
+          </a:xfrm>
+          <a:prstGeom prst="rect">
+            <a:avLst/>
+          </a:prstGeom>
+          <a:ln w="12700">
+            <a:miter lim="400000"/>
+          </a:ln>
+        </p:spPr>
+      </p:pic>
+      <p:pic>
+        <p:nvPicPr>
+          <p:cNvPr id="13" name="latex-image-9.pdf" descr="latex-image-9.pdf"/>
+          <p:cNvPicPr>
+            <a:picLocks noChangeAspect="1"/>
+          </p:cNvPicPr>
+          <p:nvPr/>
+        </p:nvPicPr>
+        <p:blipFill>
+          <a:blip r:embed="rId5"/>
+          <a:stretch>
+            <a:fillRect/>
+          </a:stretch>
+        </p:blipFill>
+        <p:spPr>
+          <a:xfrm>
+            <a:off x="9218613" y="2825054"/>
+            <a:ext cx="122709" cy="207071"/>
+          </a:xfrm>
+          <a:prstGeom prst="rect">
+            <a:avLst/>
+          </a:prstGeom>
+          <a:ln w="12700">
+            <a:miter lim="400000"/>
+          </a:ln>
+        </p:spPr>
+      </p:pic>
+      <p:sp>
+        <p:nvSpPr>
+          <p:cNvPr id="14" name="Connection Line"/>
+          <p:cNvSpPr/>
+          <p:nvPr/>
+        </p:nvSpPr>
+        <p:spPr>
+          <a:xfrm>
+            <a:off x="9551966" y="3704291"/>
+            <a:ext cx="161561" cy="365325"/>
+          </a:xfrm>
+          <a:custGeom>
+            <a:avLst/>
+            <a:gdLst/>
+            <a:ahLst/>
+            <a:cxnLst>
+              <a:cxn ang="0">
+                <a:pos x="wd2" y="hd2"/>
+              </a:cxn>
+              <a:cxn ang="5400000">
+                <a:pos x="wd2" y="hd2"/>
+              </a:cxn>
+              <a:cxn ang="10800000">
+                <a:pos x="wd2" y="hd2"/>
+              </a:cxn>
+              <a:cxn ang="16200000">
+                <a:pos x="wd2" y="hd2"/>
+              </a:cxn>
+            </a:cxnLst>
+            <a:rect l="0" t="0" r="r" b="b"/>
+            <a:pathLst>
+              <a:path w="17356" h="21600" extrusionOk="0">
+                <a:moveTo>
+                  <a:pt x="0" y="0"/>
+                </a:moveTo>
+                <a:cubicBezTo>
+                  <a:pt x="17170" y="4716"/>
+                  <a:pt x="21600" y="11916"/>
+                  <a:pt x="13291" y="21600"/>
+                </a:cubicBezTo>
+              </a:path>
+            </a:pathLst>
+          </a:custGeom>
+          <a:ln w="12700">
+            <a:solidFill>
+              <a:srgbClr val="000000"/>
+            </a:solidFill>
+            <a:miter lim="400000"/>
+          </a:ln>
+        </p:spPr>
+        <p:txBody>
+          <a:bodyPr/>
+          <a:lstStyle/>
+          <a:p>
+            <a:endParaRPr/>
+          </a:p>
+        </p:txBody>
+      </p:sp>
+      <p:sp>
+        <p:nvSpPr>
+          <p:cNvPr id="15" name="Connection Line"/>
+          <p:cNvSpPr/>
+          <p:nvPr/>
+        </p:nvSpPr>
+        <p:spPr>
+          <a:xfrm>
+            <a:off x="9183695" y="2925085"/>
+            <a:ext cx="268239" cy="175523"/>
+          </a:xfrm>
+          <a:custGeom>
+            <a:avLst/>
+            <a:gdLst/>
+            <a:ahLst/>
+            <a:cxnLst>
+              <a:cxn ang="0">
+                <a:pos x="wd2" y="hd2"/>
+              </a:cxn>
+              <a:cxn ang="5400000">
+                <a:pos x="wd2" y="hd2"/>
+              </a:cxn>
+              <a:cxn ang="10800000">
+                <a:pos x="wd2" y="hd2"/>
+              </a:cxn>
+              <a:cxn ang="16200000">
+                <a:pos x="wd2" y="hd2"/>
+              </a:cxn>
+            </a:cxnLst>
+            <a:rect l="0" t="0" r="r" b="b"/>
+            <a:pathLst>
+              <a:path w="21600" h="18029" extrusionOk="0">
+                <a:moveTo>
+                  <a:pt x="21600" y="0"/>
+                </a:moveTo>
+                <a:cubicBezTo>
+                  <a:pt x="19502" y="16382"/>
+                  <a:pt x="12302" y="21600"/>
+                  <a:pt x="0" y="15654"/>
+                </a:cubicBezTo>
+              </a:path>
+            </a:pathLst>
+          </a:custGeom>
+          <a:ln w="12700">
+            <a:solidFill>
+              <a:srgbClr val="000000"/>
+            </a:solidFill>
+            <a:miter lim="400000"/>
+          </a:ln>
+        </p:spPr>
+        <p:txBody>
+          <a:bodyPr/>
+          <a:lstStyle/>
+          <a:p>
+            <a:endParaRPr/>
+          </a:p>
+        </p:txBody>
+      </p:sp>
+      <p:pic>
+        <p:nvPicPr>
+          <p:cNvPr id="2052" name="Picture 4" descr="https://latex.codecogs.com/gif.latex?%5Cdpi%7B300%7D%20%5C%5C%20y%3Dmx&amp;plus;b%5C%5C%20%5Cxrightarrow%7Bx%3D0%7Dy%3Db%5C%5C%20%5Cxrightarrow%7By%3D0%7Dx%3D-%5Cfrac%7Bb%7D%7Bm%7D%5C%5C%20%5Cfrac%7B%5Cfrac%7B-b%7D%7Bm%7D%7D%7Bb%7D%3D-%5Cfrac%7B1%7D%7Bm%7D%3Dtg%5Ctheta%5Crightarrow%20m%3D-%5Cfrac%7B1%7D%7Btg%5Ctheta%7D%3D-%5Cfrac%7Bcos%5Ctheta%7D%7Bsin%5Ctheta%7D%20%5C%5C%20%5Cfrac%7B%5Crho%7D%7Bb%7D%3Dsin%5Ctheta%5Crightarrow%20b%3D%5Cfrac%7B%5Crho%7D%7Bsin%5Ctheta%7D%20%5C%5C%20y%3Dmx&amp;plus;b%5Crightarrow%20y%3D-%5Cfrac%7Bcos%5Ctheta%7D%7Bsin%5Ctheta%7Dx&amp;plus;%5Cfrac%7B%5Crho%7D%7Bsin%5Ctheta%7D%20%5Crightarrow%20xcos%5Ctheta%20&amp;plus;ysin%5Ctheta%20%3D%20%5Crho"/>
+          <p:cNvPicPr>
+            <a:picLocks noChangeAspect="1" noChangeArrowheads="1"/>
+          </p:cNvPicPr>
+          <p:nvPr/>
+        </p:nvPicPr>
+        <p:blipFill>
+          <a:blip r:embed="rId7">
+            <a:extLst>
+              <a:ext uri="{28A0092B-C50C-407E-A947-70E740481C1C}">
+                <a14:useLocalDpi xmlns:a14="http://schemas.microsoft.com/office/drawing/2010/main" val="0"/>
+              </a:ext>
+            </a:extLst>
+          </a:blip>
+          <a:srcRect/>
+          <a:stretch>
+            <a:fillRect/>
+          </a:stretch>
+        </p:blipFill>
+        <p:spPr bwMode="auto">
+          <a:xfrm>
+            <a:off x="556462" y="2200274"/>
+            <a:ext cx="10044934" cy="4548493"/>
+          </a:xfrm>
+          <a:prstGeom prst="rect">
+            <a:avLst/>
+          </a:prstGeom>
+          <a:noFill/>
+          <a:extLst>
+            <a:ext uri="{909E8E84-426E-40DD-AFC4-6F175D3DCCD1}">
+              <a14:hiddenFill xmlns:a14="http://schemas.microsoft.com/office/drawing/2010/main">
+                <a:solidFill>
+                  <a:srgbClr val="FFFFFF"/>
+                </a:solidFill>
+              </a14:hiddenFill>
+            </a:ext>
+          </a:extLst>
+        </p:spPr>
+      </p:pic>
+      <p:pic>
+        <p:nvPicPr>
+          <p:cNvPr id="18" name="Picture 4" descr="https://latex.codecogs.com/gif.latex?%5Cdpi%7B300%7D%20%5C%5C%20y%3Dmx&amp;plus;b%5C%5C%20%5Cxrightarrow%7Bx%3D0%7Dy%3Db%5C%5C%20%5Cxrightarrow%7By%3D0%7Dx%3D-%5Cfrac%7Bb%7D%7Bm%7D%5C%5C%20%5Cfrac%7B%5Cfrac%7B-b%7D%7Bm%7D%7D%7Bb%7D%3D-%5Cfrac%7B1%7D%7Bm%7D%3Dtg%5Ctheta%5Crightarrow%20m%3D-%5Cfrac%7B1%7D%7Btg%5Ctheta%7D%3D-%5Cfrac%7Bcos%5Ctheta%7D%7Bsin%5Ctheta%7D%20%5C%5C%20%5Cfrac%7B%5Crho%7D%7Bb%7D%3Dsin%5Ctheta%5Crightarrow%20b%3D%5Cfrac%7B%5Crho%7D%7Bsin%5Ctheta%7D%20%5C%5C%20y%3Dmx&amp;plus;b%5Crightarrow%20y%3D-%5Cfrac%7Bcos%5Ctheta%7D%7Bsin%5Ctheta%7Dx&amp;plus;%5Cfrac%7B%5Crho%7D%7Bsin%5Ctheta%7D%20%5Crightarrow%20xcos%5Ctheta%20&amp;plus;ysin%5Ctheta%20%3D%20%5Crho"/>
+          <p:cNvPicPr>
+            <a:picLocks noChangeAspect="1" noChangeArrowheads="1"/>
+          </p:cNvPicPr>
+          <p:nvPr/>
+        </p:nvPicPr>
+        <p:blipFill rotWithShape="1">
+          <a:blip r:embed="rId7">
+            <a:extLst>
+              <a:ext uri="{28A0092B-C50C-407E-A947-70E740481C1C}">
+                <a14:useLocalDpi xmlns:a14="http://schemas.microsoft.com/office/drawing/2010/main" val="0"/>
+              </a:ext>
+            </a:extLst>
+          </a:blip>
+          <a:srcRect l="16363" t="19825" r="75525" b="57691"/>
+          <a:stretch/>
+        </p:blipFill>
+        <p:spPr bwMode="auto">
+          <a:xfrm>
+            <a:off x="10301608" y="4069616"/>
+            <a:ext cx="599575" cy="752484"/>
+          </a:xfrm>
+          <a:prstGeom prst="rect">
+            <a:avLst/>
+          </a:prstGeom>
+          <a:noFill/>
+          <a:extLst>
+            <a:ext uri="{909E8E84-426E-40DD-AFC4-6F175D3DCCD1}">
+              <a14:hiddenFill xmlns:a14="http://schemas.microsoft.com/office/drawing/2010/main">
+                <a:solidFill>
+                  <a:srgbClr val="FFFFFF"/>
+                </a:solidFill>
+              </a14:hiddenFill>
+            </a:ext>
+          </a:extLst>
+        </p:spPr>
+      </p:pic>
+      <p:sp>
+        <p:nvSpPr>
+          <p:cNvPr id="4" name="Rectangle 3"/>
+          <p:cNvSpPr/>
+          <p:nvPr/>
+        </p:nvSpPr>
+        <p:spPr>
+          <a:xfrm rot="2546264">
+            <a:off x="9678362" y="3325254"/>
+            <a:ext cx="297067" cy="201333"/>
+          </a:xfrm>
+          <a:prstGeom prst="rect">
+            <a:avLst/>
+          </a:prstGeom>
+          <a:noFill/>
+          <a:ln w="6350">
+            <a:solidFill>
+              <a:schemeClr val="tx1"/>
+            </a:solidFill>
+          </a:ln>
+        </p:spPr>
+        <p:style>
+          <a:lnRef idx="2">
+            <a:schemeClr val="accent1">
+              <a:shade val="50000"/>
+            </a:schemeClr>
+          </a:lnRef>
+          <a:fillRef idx="1">
+            <a:schemeClr val="accent1"/>
+          </a:fillRef>
+          <a:effectRef idx="0">
+            <a:schemeClr val="accent1"/>
+          </a:effectRef>
+          <a:fontRef idx="minor">
+            <a:schemeClr val="lt1"/>
+          </a:fontRef>
+        </p:style>
+        <p:txBody>
+          <a:bodyPr rtlCol="0" anchor="ctr"/>
+          <a:lstStyle/>
+          <a:p>
+            <a:pPr algn="ctr"/>
+            <a:endParaRPr lang="en-US"/>
+          </a:p>
+        </p:txBody>
+      </p:sp>
+      <p:sp>
+        <p:nvSpPr>
+          <p:cNvPr id="20" name="Rectangle 19"/>
+          <p:cNvSpPr/>
+          <p:nvPr/>
+        </p:nvSpPr>
+        <p:spPr>
+          <a:xfrm>
+            <a:off x="9173735" y="3846792"/>
+            <a:ext cx="195871" cy="201333"/>
+          </a:xfrm>
+          <a:prstGeom prst="rect">
+            <a:avLst/>
+          </a:prstGeom>
+          <a:noFill/>
+          <a:ln w="6350">
+            <a:solidFill>
+              <a:schemeClr val="tx1"/>
+            </a:solidFill>
+          </a:ln>
+        </p:spPr>
+        <p:style>
+          <a:lnRef idx="2">
+            <a:schemeClr val="accent1">
+              <a:shade val="50000"/>
+            </a:schemeClr>
+          </a:lnRef>
+          <a:fillRef idx="1">
+            <a:schemeClr val="accent1"/>
+          </a:fillRef>
+          <a:effectRef idx="0">
+            <a:schemeClr val="accent1"/>
+          </a:effectRef>
+          <a:fontRef idx="minor">
+            <a:schemeClr val="lt1"/>
+          </a:fontRef>
+        </p:style>
+        <p:txBody>
+          <a:bodyPr rtlCol="0" anchor="ctr"/>
+          <a:lstStyle/>
+          <a:p>
+            <a:pPr algn="ctr"/>
+            <a:endParaRPr lang="en-US"/>
+          </a:p>
+        </p:txBody>
+      </p:sp>
+      <p:sp>
+        <p:nvSpPr>
+          <p:cNvPr id="22" name="Rectangle: Rounded Corners 7">
+            <a:extLst>
+              <a:ext uri="{FF2B5EF4-FFF2-40B4-BE49-F238E27FC236}">
+                <a16:creationId xmlns:a16="http://schemas.microsoft.com/office/drawing/2014/main" id="{89656513-9083-47D3-8D44-E43743BD2C33}"/>
+              </a:ext>
+            </a:extLst>
+          </p:cNvPr>
+          <p:cNvSpPr/>
+          <p:nvPr/>
+        </p:nvSpPr>
+        <p:spPr>
+          <a:xfrm>
+            <a:off x="7305675" y="6038850"/>
+            <a:ext cx="3583704" cy="681342"/>
+          </a:xfrm>
+          <a:prstGeom prst="roundRect">
+            <a:avLst/>
+          </a:prstGeom>
+          <a:noFill/>
+        </p:spPr>
+        <p:style>
+          <a:lnRef idx="2">
+            <a:schemeClr val="accent1">
+              <a:shade val="50000"/>
+            </a:schemeClr>
+          </a:lnRef>
+          <a:fillRef idx="1">
+            <a:schemeClr val="accent1"/>
+          </a:fillRef>
+          <a:effectRef idx="0">
+            <a:schemeClr val="accent1"/>
+          </a:effectRef>
+          <a:fontRef idx="minor">
+            <a:schemeClr val="lt1"/>
+          </a:fontRef>
+        </p:style>
+        <p:txBody>
+          <a:bodyPr rtlCol="0" anchor="ctr"/>
+          <a:lstStyle/>
+          <a:p>
+            <a:pPr algn="ctr"/>
+            <a:endParaRPr lang="en-US"/>
+          </a:p>
+        </p:txBody>
+      </p:sp>
+      <p:sp>
+        <p:nvSpPr>
+          <p:cNvPr id="19" name="Rectangle 18">
+            <a:extLst>
+              <a:ext uri="{FF2B5EF4-FFF2-40B4-BE49-F238E27FC236}">
+                <a16:creationId xmlns:a16="http://schemas.microsoft.com/office/drawing/2014/main" id="{601B361A-666D-4F49-8F65-CCD8395CF5E9}"/>
+              </a:ext>
+            </a:extLst>
+          </p:cNvPr>
+          <p:cNvSpPr/>
+          <p:nvPr/>
+        </p:nvSpPr>
+        <p:spPr>
+          <a:xfrm>
+            <a:off x="6834554" y="5870576"/>
+            <a:ext cx="5357445" cy="987421"/>
+          </a:xfrm>
+          <a:prstGeom prst="rect">
+            <a:avLst/>
+          </a:prstGeom>
+          <a:solidFill>
+            <a:schemeClr val="bg1"/>
+          </a:solidFill>
+          <a:ln>
+            <a:solidFill>
+              <a:schemeClr val="bg1"/>
+            </a:solidFill>
+          </a:ln>
+        </p:spPr>
+        <p:style>
+          <a:lnRef idx="2">
+            <a:schemeClr val="accent1">
+              <a:shade val="50000"/>
+            </a:schemeClr>
+          </a:lnRef>
+          <a:fillRef idx="1">
+            <a:schemeClr val="accent1"/>
+          </a:fillRef>
+          <a:effectRef idx="0">
+            <a:schemeClr val="accent1"/>
+          </a:effectRef>
+          <a:fontRef idx="minor">
+            <a:schemeClr val="lt1"/>
+          </a:fontRef>
+        </p:style>
+        <p:txBody>
+          <a:bodyPr rtlCol="0" anchor="ctr"/>
+          <a:lstStyle/>
+          <a:p>
+            <a:pPr algn="ctr"/>
+            <a:endParaRPr lang="en-US"/>
+          </a:p>
+        </p:txBody>
+      </p:sp>
+    </p:spTree>
+    <p:extLst>
+      <p:ext uri="{BB962C8B-B14F-4D97-AF65-F5344CB8AC3E}">
+        <p14:creationId xmlns:p14="http://schemas.microsoft.com/office/powerpoint/2010/main" val="3788692611"/>
+      </p:ext>
+    </p:extLst>
+  </p:cSld>
+  <p:clrMapOvr>
+    <a:masterClrMapping/>
+  </p:clrMapOvr>
+</p:sld>
+</file>
+
+<file path=ppt/slides/slide35.xml><?xml version="1.0" encoding="utf-8"?>
+<p:sld xmlns:a="http://schemas.openxmlformats.org/drawingml/2006/main" xmlns:r="http://schemas.openxmlformats.org/officeDocument/2006/relationships" xmlns:p="http://schemas.openxmlformats.org/presentationml/2006/main">
+  <p:cSld>
+    <p:spTree>
+      <p:nvGrpSpPr>
+        <p:cNvPr id="1" name=""/>
+        <p:cNvGrpSpPr/>
+        <p:nvPr/>
+      </p:nvGrpSpPr>
+      <p:grpSpPr>
+        <a:xfrm>
+          <a:off x="0" y="0"/>
+          <a:ext cx="0" cy="0"/>
+          <a:chOff x="0" y="0"/>
+          <a:chExt cx="0" cy="0"/>
+        </a:xfrm>
+      </p:grpSpPr>
+      <p:sp>
+        <p:nvSpPr>
+          <p:cNvPr id="2" name="Title 1"/>
+          <p:cNvSpPr>
+            <a:spLocks noGrp="1"/>
+          </p:cNvSpPr>
+          <p:nvPr>
+            <p:ph type="title"/>
+          </p:nvPr>
+        </p:nvSpPr>
+        <p:spPr/>
+        <p:txBody>
+          <a:bodyPr/>
+          <a:lstStyle/>
+          <a:p>
+            <a:r>
+              <a:rPr lang="en-US" dirty="0"/>
+              <a:t>Problem 1: vertical line detection</a:t>
+            </a:r>
+          </a:p>
+        </p:txBody>
+      </p:sp>
+      <mc:AlternateContent xmlns:mc="http://schemas.openxmlformats.org/markup-compatibility/2006" xmlns:a14="http://schemas.microsoft.com/office/drawing/2010/main">
+        <mc:Choice Requires="a14">
+          <p:sp>
+            <p:nvSpPr>
+              <p:cNvPr id="3" name="Content Placeholder 2"/>
+              <p:cNvSpPr>
+                <a:spLocks noGrp="1"/>
+              </p:cNvSpPr>
+              <p:nvPr>
+                <p:ph idx="1"/>
+              </p:nvPr>
+            </p:nvSpPr>
+            <p:spPr/>
+            <p:txBody>
+              <a:bodyPr/>
+              <a:lstStyle/>
+              <a:p>
+                <a:r>
+                  <a:rPr lang="en-US" dirty="0"/>
+                  <a:t>Vertical (or near vertical) lines have a big slope: </a:t>
+                </a:r>
+                <a14:m>
+                  <m:oMath xmlns:m="http://schemas.openxmlformats.org/officeDocument/2006/math">
+                    <m:r>
+                      <a:rPr lang="en-US" b="0" i="1" smtClean="0">
+                        <a:latin typeface="Cambria Math"/>
+                      </a:rPr>
+                      <m:t>𝑚</m:t>
+                    </m:r>
+                    <m:r>
+                      <a:rPr lang="en-US" b="0" i="1" smtClean="0">
+                        <a:latin typeface="Cambria Math"/>
+                      </a:rPr>
+                      <m:t>→∞</m:t>
+                    </m:r>
+                  </m:oMath>
+                </a14:m>
+                <a:r>
+                  <a:rPr lang="en-US" dirty="0"/>
+                  <a:t>. This causes the accumulator table to be very big in </a:t>
+                </a:r>
+                <a14:m>
+                  <m:oMath xmlns:m="http://schemas.openxmlformats.org/officeDocument/2006/math">
+                    <m:r>
+                      <a:rPr lang="en-US" b="0" i="1" smtClean="0">
+                        <a:latin typeface="Cambria Math"/>
+                      </a:rPr>
+                      <m:t>𝑚</m:t>
+                    </m:r>
+                  </m:oMath>
+                </a14:m>
+                <a:r>
+                  <a:rPr lang="en-US" dirty="0"/>
+                  <a:t> direction.</a:t>
+                </a:r>
+              </a:p>
+              <a:p>
+                <a:r>
+                  <a:rPr lang="en-US" dirty="0"/>
+                  <a:t>A solution is to give a </a:t>
+                </a:r>
+                <a:r>
+                  <a:rPr lang="en-US" b="1" dirty="0"/>
+                  <a:t>different parameterization to lines</a:t>
+                </a:r>
+                <a:r>
+                  <a:rPr lang="en-US" dirty="0"/>
+                  <a:t>:</a:t>
+                </a:r>
+              </a:p>
+              <a:p>
+                <a:endParaRPr lang="en-US" dirty="0"/>
+              </a:p>
+            </p:txBody>
+          </p:sp>
+        </mc:Choice>
+        <mc:Fallback xmlns="">
+          <p:sp>
+            <p:nvSpPr>
+              <p:cNvPr id="3" name="Content Placeholder 2"/>
+              <p:cNvSpPr>
+                <a:spLocks noGrp="1" noRot="1" noChangeAspect="1" noMove="1" noResize="1" noEditPoints="1" noAdjustHandles="1" noChangeArrowheads="1" noChangeShapeType="1" noTextEdit="1"/>
+              </p:cNvSpPr>
+              <p:nvPr>
+                <p:ph idx="1"/>
+              </p:nvPr>
+            </p:nvSpPr>
+            <p:spPr>
+              <a:blipFill rotWithShape="1">
+                <a:blip r:embed="rId3"/>
+                <a:stretch>
+                  <a:fillRect l="-879" t="-959"/>
+                </a:stretch>
+              </a:blipFill>
+            </p:spPr>
+            <p:txBody>
+              <a:bodyPr/>
+              <a:lstStyle/>
+              <a:p>
+                <a:r>
+                  <a:rPr lang="en-US">
+                    <a:noFill/>
+                  </a:rPr>
+                  <a:t> </a:t>
+                </a:r>
+              </a:p>
+            </p:txBody>
+          </p:sp>
+        </mc:Fallback>
+      </mc:AlternateContent>
+      <p:sp>
+        <p:nvSpPr>
+          <p:cNvPr id="5" name="Triangle"/>
+          <p:cNvSpPr/>
+          <p:nvPr/>
+        </p:nvSpPr>
+        <p:spPr>
+          <a:xfrm>
+            <a:off x="9173735" y="2625725"/>
+            <a:ext cx="1427661" cy="1427661"/>
+          </a:xfrm>
+          <a:custGeom>
+            <a:avLst/>
+            <a:gdLst/>
+            <a:ahLst/>
+            <a:cxnLst>
+              <a:cxn ang="0">
+                <a:pos x="wd2" y="hd2"/>
+              </a:cxn>
+              <a:cxn ang="5400000">
+                <a:pos x="wd2" y="hd2"/>
+              </a:cxn>
+              <a:cxn ang="10800000">
+                <a:pos x="wd2" y="hd2"/>
+              </a:cxn>
+              <a:cxn ang="16200000">
+                <a:pos x="wd2" y="hd2"/>
+              </a:cxn>
+            </a:cxnLst>
+            <a:rect l="0" t="0" r="r" b="b"/>
+            <a:pathLst>
+              <a:path w="21600" h="21600" extrusionOk="0">
+                <a:moveTo>
+                  <a:pt x="0" y="0"/>
+                </a:moveTo>
+                <a:lnTo>
+                  <a:pt x="0" y="21600"/>
+                </a:lnTo>
+                <a:lnTo>
+                  <a:pt x="21600" y="21600"/>
+                </a:lnTo>
+                <a:close/>
+              </a:path>
+            </a:pathLst>
+          </a:custGeom>
+          <a:ln w="25400">
+            <a:solidFill>
+              <a:srgbClr val="85888D"/>
+            </a:solidFill>
+            <a:miter lim="400000"/>
+          </a:ln>
+        </p:spPr>
+        <p:txBody>
+          <a:bodyPr lIns="50800" tIns="50800" rIns="50800" bIns="50800" anchor="ctr"/>
+          <a:lstStyle/>
+          <a:p>
+            <a:pPr>
+              <a:defRPr sz="2400"/>
+            </a:pPr>
+            <a:endParaRPr/>
+          </a:p>
+        </p:txBody>
+      </p:sp>
+      <p:pic>
+        <p:nvPicPr>
+          <p:cNvPr id="7" name="latex-image-6.pdf" descr="latex-image-6.pdf"/>
+          <p:cNvPicPr>
+            <a:picLocks noChangeAspect="1"/>
+          </p:cNvPicPr>
+          <p:nvPr/>
+        </p:nvPicPr>
+        <p:blipFill>
+          <a:blip r:embed="rId4"/>
+          <a:stretch>
+            <a:fillRect/>
+          </a:stretch>
+        </p:blipFill>
+        <p:spPr>
+          <a:xfrm>
+            <a:off x="8934450" y="2450443"/>
+            <a:ext cx="127000" cy="235858"/>
+          </a:xfrm>
+          <a:prstGeom prst="rect">
+            <a:avLst/>
+          </a:prstGeom>
+          <a:ln w="12700">
+            <a:miter lim="400000"/>
+          </a:ln>
+        </p:spPr>
+      </p:pic>
+      <p:sp>
+        <p:nvSpPr>
+          <p:cNvPr id="8" name="Line"/>
+          <p:cNvSpPr/>
+          <p:nvPr/>
+        </p:nvSpPr>
+        <p:spPr>
+          <a:xfrm>
+            <a:off x="9163888" y="4060825"/>
+            <a:ext cx="1725491" cy="0"/>
+          </a:xfrm>
+          <a:prstGeom prst="line">
+            <a:avLst/>
+          </a:prstGeom>
+          <a:ln w="25400">
+            <a:solidFill>
+              <a:srgbClr val="000000"/>
+            </a:solidFill>
+            <a:miter lim="400000"/>
+            <a:tailEnd type="triangle"/>
+          </a:ln>
+        </p:spPr>
+        <p:txBody>
+          <a:bodyPr lIns="50800" tIns="50800" rIns="50800" bIns="50800" anchor="ctr"/>
+          <a:lstStyle/>
+          <a:p>
+            <a:pPr>
+              <a:defRPr sz="2400"/>
+            </a:pPr>
+            <a:endParaRPr/>
+          </a:p>
+        </p:txBody>
+      </p:sp>
+      <p:sp>
+        <p:nvSpPr>
+          <p:cNvPr id="9" name="Line"/>
+          <p:cNvSpPr/>
+          <p:nvPr/>
+        </p:nvSpPr>
+        <p:spPr>
+          <a:xfrm flipV="1">
+            <a:off x="9176588" y="2347141"/>
+            <a:ext cx="1" cy="1712868"/>
+          </a:xfrm>
+          <a:prstGeom prst="line">
+            <a:avLst/>
+          </a:prstGeom>
+          <a:ln w="25400">
+            <a:solidFill>
+              <a:srgbClr val="000000"/>
+            </a:solidFill>
+            <a:miter lim="400000"/>
+            <a:tailEnd type="triangle"/>
+          </a:ln>
+        </p:spPr>
+        <p:txBody>
+          <a:bodyPr lIns="50800" tIns="50800" rIns="50800" bIns="50800" anchor="ctr"/>
+          <a:lstStyle/>
+          <a:p>
+            <a:pPr>
+              <a:defRPr sz="2400"/>
+            </a:pPr>
+            <a:endParaRPr/>
+          </a:p>
+        </p:txBody>
+      </p:sp>
+      <p:sp>
+        <p:nvSpPr>
+          <p:cNvPr id="10" name="Line"/>
+          <p:cNvSpPr/>
+          <p:nvPr/>
+        </p:nvSpPr>
+        <p:spPr>
+          <a:xfrm flipV="1">
+            <a:off x="9194051" y="3359312"/>
+            <a:ext cx="688813" cy="688813"/>
+          </a:xfrm>
+          <a:prstGeom prst="line">
+            <a:avLst/>
+          </a:prstGeom>
+          <a:ln w="25400">
+            <a:solidFill>
+              <a:srgbClr val="000000"/>
+            </a:solidFill>
+            <a:miter lim="400000"/>
+            <a:tailEnd type="triangle"/>
+          </a:ln>
+        </p:spPr>
+        <p:txBody>
+          <a:bodyPr lIns="50800" tIns="50800" rIns="50800" bIns="50800" anchor="ctr"/>
+          <a:lstStyle/>
+          <a:p>
+            <a:pPr>
+              <a:defRPr sz="2400"/>
+            </a:pPr>
+            <a:endParaRPr/>
+          </a:p>
+        </p:txBody>
+      </p:sp>
+      <p:pic>
+        <p:nvPicPr>
+          <p:cNvPr id="11" name="latex-image-9.pdf" descr="latex-image-9.pdf"/>
+          <p:cNvPicPr>
+            <a:picLocks noChangeAspect="1"/>
+          </p:cNvPicPr>
+          <p:nvPr/>
+        </p:nvPicPr>
+        <p:blipFill>
+          <a:blip r:embed="rId5"/>
+          <a:stretch>
+            <a:fillRect/>
+          </a:stretch>
+        </p:blipFill>
+        <p:spPr>
+          <a:xfrm>
+            <a:off x="9472613" y="3802954"/>
+            <a:ext cx="122709" cy="207071"/>
+          </a:xfrm>
+          <a:prstGeom prst="rect">
+            <a:avLst/>
+          </a:prstGeom>
+          <a:ln w="12700">
+            <a:miter lim="400000"/>
+          </a:ln>
+        </p:spPr>
+      </p:pic>
+      <p:pic>
+        <p:nvPicPr>
+          <p:cNvPr id="12" name="latex-image-10.pdf" descr="latex-image-10.pdf"/>
+          <p:cNvPicPr>
+            <a:picLocks noChangeAspect="1"/>
+          </p:cNvPicPr>
+          <p:nvPr/>
+        </p:nvPicPr>
+        <p:blipFill>
+          <a:blip r:embed="rId6"/>
+          <a:stretch>
+            <a:fillRect/>
+          </a:stretch>
+        </p:blipFill>
+        <p:spPr>
+          <a:xfrm>
+            <a:off x="9485313" y="3333097"/>
+            <a:ext cx="178772" cy="248295"/>
+          </a:xfrm>
+          <a:prstGeom prst="rect">
+            <a:avLst/>
+          </a:prstGeom>
+          <a:ln w="12700">
+            <a:miter lim="400000"/>
+          </a:ln>
+        </p:spPr>
+      </p:pic>
+      <p:pic>
+        <p:nvPicPr>
+          <p:cNvPr id="13" name="latex-image-9.pdf" descr="latex-image-9.pdf"/>
+          <p:cNvPicPr>
+            <a:picLocks noChangeAspect="1"/>
+          </p:cNvPicPr>
+          <p:nvPr/>
+        </p:nvPicPr>
+        <p:blipFill>
+          <a:blip r:embed="rId5"/>
+          <a:stretch>
+            <a:fillRect/>
+          </a:stretch>
+        </p:blipFill>
+        <p:spPr>
+          <a:xfrm>
+            <a:off x="9218613" y="2825054"/>
+            <a:ext cx="122709" cy="207071"/>
+          </a:xfrm>
+          <a:prstGeom prst="rect">
+            <a:avLst/>
+          </a:prstGeom>
+          <a:ln w="12700">
+            <a:miter lim="400000"/>
+          </a:ln>
+        </p:spPr>
+      </p:pic>
+      <p:sp>
+        <p:nvSpPr>
+          <p:cNvPr id="14" name="Connection Line"/>
+          <p:cNvSpPr/>
+          <p:nvPr/>
+        </p:nvSpPr>
+        <p:spPr>
+          <a:xfrm>
+            <a:off x="9551966" y="3704291"/>
+            <a:ext cx="161561" cy="365325"/>
+          </a:xfrm>
+          <a:custGeom>
+            <a:avLst/>
+            <a:gdLst/>
+            <a:ahLst/>
+            <a:cxnLst>
+              <a:cxn ang="0">
+                <a:pos x="wd2" y="hd2"/>
+              </a:cxn>
+              <a:cxn ang="5400000">
+                <a:pos x="wd2" y="hd2"/>
+              </a:cxn>
+              <a:cxn ang="10800000">
+                <a:pos x="wd2" y="hd2"/>
+              </a:cxn>
+              <a:cxn ang="16200000">
+                <a:pos x="wd2" y="hd2"/>
+              </a:cxn>
+            </a:cxnLst>
+            <a:rect l="0" t="0" r="r" b="b"/>
+            <a:pathLst>
+              <a:path w="17356" h="21600" extrusionOk="0">
+                <a:moveTo>
+                  <a:pt x="0" y="0"/>
+                </a:moveTo>
+                <a:cubicBezTo>
+                  <a:pt x="17170" y="4716"/>
+                  <a:pt x="21600" y="11916"/>
+                  <a:pt x="13291" y="21600"/>
+                </a:cubicBezTo>
+              </a:path>
+            </a:pathLst>
+          </a:custGeom>
+          <a:ln w="12700">
+            <a:solidFill>
+              <a:srgbClr val="000000"/>
+            </a:solidFill>
+            <a:miter lim="400000"/>
+          </a:ln>
+        </p:spPr>
+        <p:txBody>
+          <a:bodyPr/>
+          <a:lstStyle/>
+          <a:p>
+            <a:endParaRPr/>
+          </a:p>
+        </p:txBody>
+      </p:sp>
+      <p:sp>
+        <p:nvSpPr>
+          <p:cNvPr id="15" name="Connection Line"/>
+          <p:cNvSpPr/>
+          <p:nvPr/>
+        </p:nvSpPr>
+        <p:spPr>
+          <a:xfrm>
+            <a:off x="9183695" y="2925085"/>
+            <a:ext cx="268239" cy="175523"/>
+          </a:xfrm>
+          <a:custGeom>
+            <a:avLst/>
+            <a:gdLst/>
+            <a:ahLst/>
+            <a:cxnLst>
+              <a:cxn ang="0">
+                <a:pos x="wd2" y="hd2"/>
+              </a:cxn>
+              <a:cxn ang="5400000">
+                <a:pos x="wd2" y="hd2"/>
+              </a:cxn>
+              <a:cxn ang="10800000">
+                <a:pos x="wd2" y="hd2"/>
+              </a:cxn>
+              <a:cxn ang="16200000">
+                <a:pos x="wd2" y="hd2"/>
+              </a:cxn>
+            </a:cxnLst>
+            <a:rect l="0" t="0" r="r" b="b"/>
+            <a:pathLst>
+              <a:path w="21600" h="18029" extrusionOk="0">
+                <a:moveTo>
+                  <a:pt x="21600" y="0"/>
+                </a:moveTo>
+                <a:cubicBezTo>
+                  <a:pt x="19502" y="16382"/>
+                  <a:pt x="12302" y="21600"/>
+                  <a:pt x="0" y="15654"/>
+                </a:cubicBezTo>
+              </a:path>
+            </a:pathLst>
+          </a:custGeom>
+          <a:ln w="12700">
+            <a:solidFill>
+              <a:srgbClr val="000000"/>
+            </a:solidFill>
+            <a:miter lim="400000"/>
+          </a:ln>
+        </p:spPr>
+        <p:txBody>
+          <a:bodyPr/>
+          <a:lstStyle/>
+          <a:p>
+            <a:endParaRPr/>
+          </a:p>
+        </p:txBody>
+      </p:sp>
+      <p:pic>
+        <p:nvPicPr>
+          <p:cNvPr id="2052" name="Picture 4" descr="https://latex.codecogs.com/gif.latex?%5Cdpi%7B300%7D%20%5C%5C%20y%3Dmx&amp;plus;b%5C%5C%20%5Cxrightarrow%7Bx%3D0%7Dy%3Db%5C%5C%20%5Cxrightarrow%7By%3D0%7Dx%3D-%5Cfrac%7Bb%7D%7Bm%7D%5C%5C%20%5Cfrac%7B%5Cfrac%7B-b%7D%7Bm%7D%7D%7Bb%7D%3D-%5Cfrac%7B1%7D%7Bm%7D%3Dtg%5Ctheta%5Crightarrow%20m%3D-%5Cfrac%7B1%7D%7Btg%5Ctheta%7D%3D-%5Cfrac%7Bcos%5Ctheta%7D%7Bsin%5Ctheta%7D%20%5C%5C%20%5Cfrac%7B%5Crho%7D%7Bb%7D%3Dsin%5Ctheta%5Crightarrow%20b%3D%5Cfrac%7B%5Crho%7D%7Bsin%5Ctheta%7D%20%5C%5C%20y%3Dmx&amp;plus;b%5Crightarrow%20y%3D-%5Cfrac%7Bcos%5Ctheta%7D%7Bsin%5Ctheta%7Dx&amp;plus;%5Cfrac%7B%5Crho%7D%7Bsin%5Ctheta%7D%20%5Crightarrow%20xcos%5Ctheta%20&amp;plus;ysin%5Ctheta%20%3D%20%5Crho"/>
+          <p:cNvPicPr>
+            <a:picLocks noChangeAspect="1" noChangeArrowheads="1"/>
+          </p:cNvPicPr>
+          <p:nvPr/>
+        </p:nvPicPr>
+        <p:blipFill>
+          <a:blip r:embed="rId7">
+            <a:extLst>
+              <a:ext uri="{28A0092B-C50C-407E-A947-70E740481C1C}">
+                <a14:useLocalDpi xmlns:a14="http://schemas.microsoft.com/office/drawing/2010/main" val="0"/>
+              </a:ext>
+            </a:extLst>
+          </a:blip>
+          <a:srcRect/>
+          <a:stretch>
+            <a:fillRect/>
+          </a:stretch>
+        </p:blipFill>
+        <p:spPr bwMode="auto">
+          <a:xfrm>
+            <a:off x="556462" y="2200274"/>
+            <a:ext cx="10044934" cy="4548493"/>
+          </a:xfrm>
+          <a:prstGeom prst="rect">
+            <a:avLst/>
+          </a:prstGeom>
+          <a:noFill/>
+          <a:extLst>
+            <a:ext uri="{909E8E84-426E-40DD-AFC4-6F175D3DCCD1}">
+              <a14:hiddenFill xmlns:a14="http://schemas.microsoft.com/office/drawing/2010/main">
+                <a:solidFill>
+                  <a:srgbClr val="FFFFFF"/>
+                </a:solidFill>
+              </a14:hiddenFill>
+            </a:ext>
+          </a:extLst>
+        </p:spPr>
+      </p:pic>
+      <p:pic>
+        <p:nvPicPr>
+          <p:cNvPr id="18" name="Picture 4" descr="https://latex.codecogs.com/gif.latex?%5Cdpi%7B300%7D%20%5C%5C%20y%3Dmx&amp;plus;b%5C%5C%20%5Cxrightarrow%7Bx%3D0%7Dy%3Db%5C%5C%20%5Cxrightarrow%7By%3D0%7Dx%3D-%5Cfrac%7Bb%7D%7Bm%7D%5C%5C%20%5Cfrac%7B%5Cfrac%7B-b%7D%7Bm%7D%7D%7Bb%7D%3D-%5Cfrac%7B1%7D%7Bm%7D%3Dtg%5Ctheta%5Crightarrow%20m%3D-%5Cfrac%7B1%7D%7Btg%5Ctheta%7D%3D-%5Cfrac%7Bcos%5Ctheta%7D%7Bsin%5Ctheta%7D%20%5C%5C%20%5Cfrac%7B%5Crho%7D%7Bb%7D%3Dsin%5Ctheta%5Crightarrow%20b%3D%5Cfrac%7B%5Crho%7D%7Bsin%5Ctheta%7D%20%5C%5C%20y%3Dmx&amp;plus;b%5Crightarrow%20y%3D-%5Cfrac%7Bcos%5Ctheta%7D%7Bsin%5Ctheta%7Dx&amp;plus;%5Cfrac%7B%5Crho%7D%7Bsin%5Ctheta%7D%20%5Crightarrow%20xcos%5Ctheta%20&amp;plus;ysin%5Ctheta%20%3D%20%5Crho"/>
+          <p:cNvPicPr>
+            <a:picLocks noChangeAspect="1" noChangeArrowheads="1"/>
+          </p:cNvPicPr>
+          <p:nvPr/>
+        </p:nvPicPr>
+        <p:blipFill rotWithShape="1">
+          <a:blip r:embed="rId7">
+            <a:extLst>
+              <a:ext uri="{28A0092B-C50C-407E-A947-70E740481C1C}">
+                <a14:useLocalDpi xmlns:a14="http://schemas.microsoft.com/office/drawing/2010/main" val="0"/>
+              </a:ext>
+            </a:extLst>
+          </a:blip>
+          <a:srcRect l="16363" t="19825" r="75525" b="57691"/>
+          <a:stretch/>
+        </p:blipFill>
+        <p:spPr bwMode="auto">
+          <a:xfrm>
+            <a:off x="10301608" y="4069616"/>
+            <a:ext cx="599575" cy="752484"/>
+          </a:xfrm>
+          <a:prstGeom prst="rect">
+            <a:avLst/>
+          </a:prstGeom>
+          <a:noFill/>
+          <a:extLst>
+            <a:ext uri="{909E8E84-426E-40DD-AFC4-6F175D3DCCD1}">
+              <a14:hiddenFill xmlns:a14="http://schemas.microsoft.com/office/drawing/2010/main">
+                <a:solidFill>
+                  <a:srgbClr val="FFFFFF"/>
+                </a:solidFill>
+              </a14:hiddenFill>
+            </a:ext>
+          </a:extLst>
+        </p:spPr>
+      </p:pic>
+      <p:sp>
+        <p:nvSpPr>
+          <p:cNvPr id="4" name="Rectangle 3"/>
+          <p:cNvSpPr/>
+          <p:nvPr/>
+        </p:nvSpPr>
+        <p:spPr>
+          <a:xfrm rot="2546264">
+            <a:off x="9678362" y="3325254"/>
+            <a:ext cx="297067" cy="201333"/>
+          </a:xfrm>
+          <a:prstGeom prst="rect">
+            <a:avLst/>
+          </a:prstGeom>
+          <a:noFill/>
+          <a:ln w="6350">
+            <a:solidFill>
+              <a:schemeClr val="tx1"/>
+            </a:solidFill>
+          </a:ln>
+        </p:spPr>
+        <p:style>
+          <a:lnRef idx="2">
+            <a:schemeClr val="accent1">
+              <a:shade val="50000"/>
+            </a:schemeClr>
+          </a:lnRef>
+          <a:fillRef idx="1">
+            <a:schemeClr val="accent1"/>
+          </a:fillRef>
+          <a:effectRef idx="0">
+            <a:schemeClr val="accent1"/>
+          </a:effectRef>
+          <a:fontRef idx="minor">
+            <a:schemeClr val="lt1"/>
+          </a:fontRef>
+        </p:style>
+        <p:txBody>
+          <a:bodyPr rtlCol="0" anchor="ctr"/>
+          <a:lstStyle/>
+          <a:p>
+            <a:pPr algn="ctr"/>
+            <a:endParaRPr lang="en-US"/>
+          </a:p>
+        </p:txBody>
+      </p:sp>
+      <p:sp>
+        <p:nvSpPr>
+          <p:cNvPr id="20" name="Rectangle 19"/>
+          <p:cNvSpPr/>
+          <p:nvPr/>
+        </p:nvSpPr>
+        <p:spPr>
+          <a:xfrm>
+            <a:off x="9173735" y="3846792"/>
+            <a:ext cx="195871" cy="201333"/>
+          </a:xfrm>
+          <a:prstGeom prst="rect">
+            <a:avLst/>
+          </a:prstGeom>
+          <a:noFill/>
+          <a:ln w="6350">
+            <a:solidFill>
+              <a:schemeClr val="tx1"/>
+            </a:solidFill>
+          </a:ln>
+        </p:spPr>
+        <p:style>
+          <a:lnRef idx="2">
+            <a:schemeClr val="accent1">
+              <a:shade val="50000"/>
+            </a:schemeClr>
+          </a:lnRef>
+          <a:fillRef idx="1">
+            <a:schemeClr val="accent1"/>
+          </a:fillRef>
+          <a:effectRef idx="0">
+            <a:schemeClr val="accent1"/>
+          </a:effectRef>
+          <a:fontRef idx="minor">
+            <a:schemeClr val="lt1"/>
+          </a:fontRef>
+        </p:style>
+        <p:txBody>
+          <a:bodyPr rtlCol="0" anchor="ctr"/>
+          <a:lstStyle/>
+          <a:p>
+            <a:pPr algn="ctr"/>
+            <a:endParaRPr lang="en-US"/>
+          </a:p>
+        </p:txBody>
+      </p:sp>
+      <p:sp>
+        <p:nvSpPr>
+          <p:cNvPr id="22" name="Rectangle: Rounded Corners 7">
+            <a:extLst>
+              <a:ext uri="{FF2B5EF4-FFF2-40B4-BE49-F238E27FC236}">
+                <a16:creationId xmlns:a16="http://schemas.microsoft.com/office/drawing/2014/main" id="{89656513-9083-47D3-8D44-E43743BD2C33}"/>
+              </a:ext>
+            </a:extLst>
+          </p:cNvPr>
+          <p:cNvSpPr/>
+          <p:nvPr/>
+        </p:nvSpPr>
+        <p:spPr>
+          <a:xfrm>
+            <a:off x="7305675" y="6038850"/>
+            <a:ext cx="3583704" cy="681342"/>
+          </a:xfrm>
+          <a:prstGeom prst="roundRect">
+            <a:avLst/>
+          </a:prstGeom>
+          <a:noFill/>
+        </p:spPr>
+        <p:style>
+          <a:lnRef idx="2">
+            <a:schemeClr val="accent1">
+              <a:shade val="50000"/>
+            </a:schemeClr>
+          </a:lnRef>
+          <a:fillRef idx="1">
+            <a:schemeClr val="accent1"/>
+          </a:fillRef>
+          <a:effectRef idx="0">
+            <a:schemeClr val="accent1"/>
+          </a:effectRef>
+          <a:fontRef idx="minor">
+            <a:schemeClr val="lt1"/>
+          </a:fontRef>
+        </p:style>
+        <p:txBody>
+          <a:bodyPr rtlCol="0" anchor="ctr"/>
+          <a:lstStyle/>
+          <a:p>
+            <a:pPr algn="ctr"/>
+            <a:endParaRPr lang="en-US"/>
+          </a:p>
+        </p:txBody>
+      </p:sp>
     </p:spTree>
     <p:extLst>
       <p:ext uri="{BB962C8B-B14F-4D97-AF65-F5344CB8AC3E}">
@@ -36930,8 +36924,8 @@
           </a:p>
         </p:txBody>
       </p:sp>
-      <mc:AlternateContent xmlns:mc="http://schemas.openxmlformats.org/markup-compatibility/2006">
-        <mc:Choice xmlns:a14="http://schemas.microsoft.com/office/drawing/2010/main" Requires="a14">
+      <mc:AlternateContent xmlns:mc="http://schemas.openxmlformats.org/markup-compatibility/2006" xmlns:a14="http://schemas.microsoft.com/office/drawing/2010/main">
+        <mc:Choice Requires="a14">
           <p:sp>
             <p:nvSpPr>
               <p:cNvPr id="3" name="Content Placeholder 2">
@@ -37048,7 +37042,7 @@
             </p:txBody>
           </p:sp>
         </mc:Choice>
-        <mc:Fallback>
+        <mc:Fallback xmlns="">
           <p:sp>
             <p:nvSpPr>
               <p:cNvPr id="3" name="Content Placeholder 2">
@@ -37272,7 +37266,7 @@
           </a:ln>
           <a:extLst>
             <a:ext uri="{C572A759-6A51-4108-AA02-DFA0A04FC94B}">
-              <ma14:wrappingTextBoxFlag xmlns="" xmlns:ma14="http://schemas.microsoft.com/office/mac/drawingml/2011/main" val="1"/>
+              <ma14:wrappingTextBoxFlag xmlns:ma14="http://schemas.microsoft.com/office/mac/drawingml/2011/main" xmlns="" val="1"/>
             </a:ext>
           </a:extLst>
         </p:spPr>
@@ -37315,7 +37309,7 @@
           </a:ln>
           <a:extLst>
             <a:ext uri="{C572A759-6A51-4108-AA02-DFA0A04FC94B}">
-              <ma14:wrappingTextBoxFlag xmlns="" xmlns:ma14="http://schemas.microsoft.com/office/mac/drawingml/2011/main" val="1"/>
+              <ma14:wrappingTextBoxFlag xmlns:ma14="http://schemas.microsoft.com/office/mac/drawingml/2011/main" xmlns="" val="1"/>
             </a:ext>
           </a:extLst>
         </p:spPr>
@@ -37450,7 +37444,7 @@
             <a:avLst/>
           </a:prstGeom>
           <a:solidFill>
-            <a:schemeClr val="accent2"/>
+            <a:srgbClr val="008500"/>
           </a:solidFill>
           <a:ln w="12700">
             <a:miter lim="400000"/>
@@ -37567,7 +37561,7 @@
           </a:ln>
           <a:extLst>
             <a:ext uri="{C572A759-6A51-4108-AA02-DFA0A04FC94B}">
-              <ma14:wrappingTextBoxFlag xmlns="" xmlns:ma14="http://schemas.microsoft.com/office/mac/drawingml/2011/main" val="1"/>
+              <ma14:wrappingTextBoxFlag xmlns:ma14="http://schemas.microsoft.com/office/mac/drawingml/2011/main" xmlns="" val="1"/>
             </a:ext>
           </a:extLst>
         </p:spPr>
@@ -37606,7 +37600,7 @@
           </a:ln>
           <a:extLst>
             <a:ext uri="{C572A759-6A51-4108-AA02-DFA0A04FC94B}">
-              <ma14:wrappingTextBoxFlag xmlns="" xmlns:ma14="http://schemas.microsoft.com/office/mac/drawingml/2011/main" val="1"/>
+              <ma14:wrappingTextBoxFlag xmlns:ma14="http://schemas.microsoft.com/office/mac/drawingml/2011/main" xmlns="" val="1"/>
             </a:ext>
           </a:extLst>
         </p:spPr>
@@ -37645,7 +37639,7 @@
           </a:ln>
           <a:extLst>
             <a:ext uri="{C572A759-6A51-4108-AA02-DFA0A04FC94B}">
-              <ma14:wrappingTextBoxFlag xmlns="" xmlns:ma14="http://schemas.microsoft.com/office/mac/drawingml/2011/main" val="1"/>
+              <ma14:wrappingTextBoxFlag xmlns:ma14="http://schemas.microsoft.com/office/mac/drawingml/2011/main" xmlns="" val="1"/>
             </a:ext>
           </a:extLst>
         </p:spPr>
@@ -37711,7 +37705,7 @@
           </a:ln>
           <a:extLst>
             <a:ext uri="{C572A759-6A51-4108-AA02-DFA0A04FC94B}">
-              <ma14:wrappingTextBoxFlag xmlns="" xmlns:ma14="http://schemas.microsoft.com/office/mac/drawingml/2011/main" val="1"/>
+              <ma14:wrappingTextBoxFlag xmlns:ma14="http://schemas.microsoft.com/office/mac/drawingml/2011/main" xmlns="" val="1"/>
             </a:ext>
           </a:extLst>
         </p:spPr>
@@ -37826,7 +37820,7 @@
           </a:ln>
           <a:extLst>
             <a:ext uri="{C572A759-6A51-4108-AA02-DFA0A04FC94B}">
-              <ma14:wrappingTextBoxFlag xmlns="" xmlns:ma14="http://schemas.microsoft.com/office/mac/drawingml/2011/main" val="1"/>
+              <ma14:wrappingTextBoxFlag xmlns:ma14="http://schemas.microsoft.com/office/mac/drawingml/2011/main" xmlns="" val="1"/>
             </a:ext>
           </a:extLst>
         </p:spPr>
@@ -38367,7 +38361,7 @@
           </a:ln>
           <a:extLst>
             <a:ext uri="{C572A759-6A51-4108-AA02-DFA0A04FC94B}">
-              <ma14:wrappingTextBoxFlag xmlns="" xmlns:ma14="http://schemas.microsoft.com/office/mac/drawingml/2011/main" val="1"/>
+              <ma14:wrappingTextBoxFlag xmlns:ma14="http://schemas.microsoft.com/office/mac/drawingml/2011/main" xmlns="" val="1"/>
             </a:ext>
           </a:extLst>
         </p:spPr>
@@ -38410,7 +38404,7 @@
           </a:ln>
           <a:extLst>
             <a:ext uri="{C572A759-6A51-4108-AA02-DFA0A04FC94B}">
-              <ma14:wrappingTextBoxFlag xmlns="" xmlns:ma14="http://schemas.microsoft.com/office/mac/drawingml/2011/main" val="1"/>
+              <ma14:wrappingTextBoxFlag xmlns:ma14="http://schemas.microsoft.com/office/mac/drawingml/2011/main" xmlns="" val="1"/>
             </a:ext>
           </a:extLst>
         </p:spPr>
@@ -38662,7 +38656,7 @@
           </a:ln>
           <a:extLst>
             <a:ext uri="{C572A759-6A51-4108-AA02-DFA0A04FC94B}">
-              <ma14:wrappingTextBoxFlag xmlns="" xmlns:ma14="http://schemas.microsoft.com/office/mac/drawingml/2011/main" val="1"/>
+              <ma14:wrappingTextBoxFlag xmlns:ma14="http://schemas.microsoft.com/office/mac/drawingml/2011/main" xmlns="" val="1"/>
             </a:ext>
           </a:extLst>
         </p:spPr>
@@ -38708,7 +38702,7 @@
           </a:ln>
           <a:extLst>
             <a:ext uri="{C572A759-6A51-4108-AA02-DFA0A04FC94B}">
-              <ma14:wrappingTextBoxFlag xmlns="" xmlns:ma14="http://schemas.microsoft.com/office/mac/drawingml/2011/main" val="1"/>
+              <ma14:wrappingTextBoxFlag xmlns:ma14="http://schemas.microsoft.com/office/mac/drawingml/2011/main" xmlns="" val="1"/>
             </a:ext>
           </a:extLst>
         </p:spPr>
@@ -38747,7 +38741,7 @@
           </a:ln>
           <a:extLst>
             <a:ext uri="{C572A759-6A51-4108-AA02-DFA0A04FC94B}">
-              <ma14:wrappingTextBoxFlag xmlns="" xmlns:ma14="http://schemas.microsoft.com/office/mac/drawingml/2011/main" val="1"/>
+              <ma14:wrappingTextBoxFlag xmlns:ma14="http://schemas.microsoft.com/office/mac/drawingml/2011/main" xmlns="" val="1"/>
             </a:ext>
           </a:extLst>
         </p:spPr>
@@ -38950,6 +38944,48 @@
           </a:ln>
         </p:spPr>
       </p:pic>
+      <p:sp>
+        <p:nvSpPr>
+          <p:cNvPr id="27" name="Circle">
+            <a:extLst>
+              <a:ext uri="{FF2B5EF4-FFF2-40B4-BE49-F238E27FC236}">
+                <a16:creationId xmlns:a16="http://schemas.microsoft.com/office/drawing/2014/main" id="{39123BFD-AA4F-A548-384D-1EFFF8ADE85C}"/>
+              </a:ext>
+            </a:extLst>
+          </p:cNvPr>
+          <p:cNvSpPr/>
+          <p:nvPr/>
+        </p:nvSpPr>
+        <p:spPr>
+          <a:xfrm>
+            <a:off x="3267763" y="4223742"/>
+            <a:ext cx="105180" cy="78885"/>
+          </a:xfrm>
+          <a:prstGeom prst="ellipse">
+            <a:avLst/>
+          </a:prstGeom>
+          <a:solidFill>
+            <a:srgbClr val="008500"/>
+          </a:solidFill>
+          <a:ln w="12700">
+            <a:miter lim="400000"/>
+          </a:ln>
+        </p:spPr>
+        <p:txBody>
+          <a:bodyPr lIns="42520" tIns="42520" rIns="42520" bIns="42520" anchor="ctr"/>
+          <a:lstStyle/>
+          <a:p>
+            <a:pPr>
+              <a:defRPr sz="2400">
+                <a:solidFill>
+                  <a:srgbClr val="FFFFFF"/>
+                </a:solidFill>
+              </a:defRPr>
+            </a:pPr>
+            <a:endParaRPr/>
+          </a:p>
+        </p:txBody>
+      </p:sp>
     </p:spTree>
     <p:extLst>
       <p:ext uri="{BB962C8B-B14F-4D97-AF65-F5344CB8AC3E}">
@@ -39228,7 +39264,7 @@
           </a:ln>
           <a:extLst>
             <a:ext uri="{C572A759-6A51-4108-AA02-DFA0A04FC94B}">
-              <ma14:wrappingTextBoxFlag xmlns="" xmlns:ma14="http://schemas.microsoft.com/office/mac/drawingml/2011/main" val="1"/>
+              <ma14:wrappingTextBoxFlag xmlns:ma14="http://schemas.microsoft.com/office/mac/drawingml/2011/main" xmlns="" val="1"/>
             </a:ext>
           </a:extLst>
         </p:spPr>
@@ -39271,7 +39307,7 @@
           </a:ln>
           <a:extLst>
             <a:ext uri="{C572A759-6A51-4108-AA02-DFA0A04FC94B}">
-              <ma14:wrappingTextBoxFlag xmlns="" xmlns:ma14="http://schemas.microsoft.com/office/mac/drawingml/2011/main" val="1"/>
+              <ma14:wrappingTextBoxFlag xmlns:ma14="http://schemas.microsoft.com/office/mac/drawingml/2011/main" xmlns="" val="1"/>
             </a:ext>
           </a:extLst>
         </p:spPr>
@@ -39523,7 +39559,7 @@
           </a:ln>
           <a:extLst>
             <a:ext uri="{C572A759-6A51-4108-AA02-DFA0A04FC94B}">
-              <ma14:wrappingTextBoxFlag xmlns="" xmlns:ma14="http://schemas.microsoft.com/office/mac/drawingml/2011/main" val="1"/>
+              <ma14:wrappingTextBoxFlag xmlns:ma14="http://schemas.microsoft.com/office/mac/drawingml/2011/main" xmlns="" val="1"/>
             </a:ext>
           </a:extLst>
         </p:spPr>
@@ -39569,7 +39605,7 @@
           </a:ln>
           <a:extLst>
             <a:ext uri="{C572A759-6A51-4108-AA02-DFA0A04FC94B}">
-              <ma14:wrappingTextBoxFlag xmlns="" xmlns:ma14="http://schemas.microsoft.com/office/mac/drawingml/2011/main" val="1"/>
+              <ma14:wrappingTextBoxFlag xmlns:ma14="http://schemas.microsoft.com/office/mac/drawingml/2011/main" xmlns="" val="1"/>
             </a:ext>
           </a:extLst>
         </p:spPr>
@@ -39608,7 +39644,7 @@
           </a:ln>
           <a:extLst>
             <a:ext uri="{C572A759-6A51-4108-AA02-DFA0A04FC94B}">
-              <ma14:wrappingTextBoxFlag xmlns="" xmlns:ma14="http://schemas.microsoft.com/office/mac/drawingml/2011/main" val="1"/>
+              <ma14:wrappingTextBoxFlag xmlns:ma14="http://schemas.microsoft.com/office/mac/drawingml/2011/main" xmlns="" val="1"/>
             </a:ext>
           </a:extLst>
         </p:spPr>
@@ -39869,6 +39905,48 @@
           </a:ln>
         </p:spPr>
       </p:pic>
+      <p:sp>
+        <p:nvSpPr>
+          <p:cNvPr id="3" name="Circle">
+            <a:extLst>
+              <a:ext uri="{FF2B5EF4-FFF2-40B4-BE49-F238E27FC236}">
+                <a16:creationId xmlns:a16="http://schemas.microsoft.com/office/drawing/2014/main" id="{8B05CBB1-DE10-5BD8-E451-9F9A00BC189D}"/>
+              </a:ext>
+            </a:extLst>
+          </p:cNvPr>
+          <p:cNvSpPr/>
+          <p:nvPr/>
+        </p:nvSpPr>
+        <p:spPr>
+          <a:xfrm>
+            <a:off x="3267763" y="4223742"/>
+            <a:ext cx="105180" cy="78885"/>
+          </a:xfrm>
+          <a:prstGeom prst="ellipse">
+            <a:avLst/>
+          </a:prstGeom>
+          <a:solidFill>
+            <a:srgbClr val="008500"/>
+          </a:solidFill>
+          <a:ln w="12700">
+            <a:miter lim="400000"/>
+          </a:ln>
+        </p:spPr>
+        <p:txBody>
+          <a:bodyPr lIns="42520" tIns="42520" rIns="42520" bIns="42520" anchor="ctr"/>
+          <a:lstStyle/>
+          <a:p>
+            <a:pPr>
+              <a:defRPr sz="2400">
+                <a:solidFill>
+                  <a:srgbClr val="FFFFFF"/>
+                </a:solidFill>
+              </a:defRPr>
+            </a:pPr>
+            <a:endParaRPr/>
+          </a:p>
+        </p:txBody>
+      </p:sp>
     </p:spTree>
     <p:extLst>
       <p:ext uri="{BB962C8B-B14F-4D97-AF65-F5344CB8AC3E}">
@@ -40573,7 +40651,7 @@
           </a:ln>
           <a:extLst>
             <a:ext uri="{C572A759-6A51-4108-AA02-DFA0A04FC94B}">
-              <ma14:wrappingTextBoxFlag xmlns="" xmlns:ma14="http://schemas.microsoft.com/office/mac/drawingml/2011/main" val="1"/>
+              <ma14:wrappingTextBoxFlag xmlns:ma14="http://schemas.microsoft.com/office/mac/drawingml/2011/main" xmlns="" val="1"/>
             </a:ext>
           </a:extLst>
         </p:spPr>
@@ -40616,7 +40694,7 @@
           </a:ln>
           <a:extLst>
             <a:ext uri="{C572A759-6A51-4108-AA02-DFA0A04FC94B}">
-              <ma14:wrappingTextBoxFlag xmlns="" xmlns:ma14="http://schemas.microsoft.com/office/mac/drawingml/2011/main" val="1"/>
+              <ma14:wrappingTextBoxFlag xmlns:ma14="http://schemas.microsoft.com/office/mac/drawingml/2011/main" xmlns="" val="1"/>
             </a:ext>
           </a:extLst>
         </p:spPr>
@@ -40868,7 +40946,7 @@
           </a:ln>
           <a:extLst>
             <a:ext uri="{C572A759-6A51-4108-AA02-DFA0A04FC94B}">
-              <ma14:wrappingTextBoxFlag xmlns="" xmlns:ma14="http://schemas.microsoft.com/office/mac/drawingml/2011/main" val="1"/>
+              <ma14:wrappingTextBoxFlag xmlns:ma14="http://schemas.microsoft.com/office/mac/drawingml/2011/main" xmlns="" val="1"/>
             </a:ext>
           </a:extLst>
         </p:spPr>
@@ -40914,7 +40992,7 @@
           </a:ln>
           <a:extLst>
             <a:ext uri="{C572A759-6A51-4108-AA02-DFA0A04FC94B}">
-              <ma14:wrappingTextBoxFlag xmlns="" xmlns:ma14="http://schemas.microsoft.com/office/mac/drawingml/2011/main" val="1"/>
+              <ma14:wrappingTextBoxFlag xmlns:ma14="http://schemas.microsoft.com/office/mac/drawingml/2011/main" xmlns="" val="1"/>
             </a:ext>
           </a:extLst>
         </p:spPr>
@@ -40953,7 +41031,7 @@
           </a:ln>
           <a:extLst>
             <a:ext uri="{C572A759-6A51-4108-AA02-DFA0A04FC94B}">
-              <ma14:wrappingTextBoxFlag xmlns="" xmlns:ma14="http://schemas.microsoft.com/office/mac/drawingml/2011/main" val="1"/>
+              <ma14:wrappingTextBoxFlag xmlns:ma14="http://schemas.microsoft.com/office/mac/drawingml/2011/main" xmlns="" val="1"/>
             </a:ext>
           </a:extLst>
         </p:spPr>
@@ -41214,6 +41292,48 @@
           </a:ln>
         </p:spPr>
       </p:pic>
+      <p:sp>
+        <p:nvSpPr>
+          <p:cNvPr id="27" name="Circle">
+            <a:extLst>
+              <a:ext uri="{FF2B5EF4-FFF2-40B4-BE49-F238E27FC236}">
+                <a16:creationId xmlns:a16="http://schemas.microsoft.com/office/drawing/2014/main" id="{9EF167CF-3247-8004-7543-3C26A1D82A6E}"/>
+              </a:ext>
+            </a:extLst>
+          </p:cNvPr>
+          <p:cNvSpPr/>
+          <p:nvPr/>
+        </p:nvSpPr>
+        <p:spPr>
+          <a:xfrm>
+            <a:off x="3267763" y="4223742"/>
+            <a:ext cx="105180" cy="78885"/>
+          </a:xfrm>
+          <a:prstGeom prst="ellipse">
+            <a:avLst/>
+          </a:prstGeom>
+          <a:solidFill>
+            <a:srgbClr val="008500"/>
+          </a:solidFill>
+          <a:ln w="12700">
+            <a:miter lim="400000"/>
+          </a:ln>
+        </p:spPr>
+        <p:txBody>
+          <a:bodyPr lIns="42520" tIns="42520" rIns="42520" bIns="42520" anchor="ctr"/>
+          <a:lstStyle/>
+          <a:p>
+            <a:pPr>
+              <a:defRPr sz="2400">
+                <a:solidFill>
+                  <a:srgbClr val="FFFFFF"/>
+                </a:solidFill>
+              </a:defRPr>
+            </a:pPr>
+            <a:endParaRPr/>
+          </a:p>
+        </p:txBody>
+      </p:sp>
     </p:spTree>
     <p:extLst>
       <p:ext uri="{BB962C8B-B14F-4D97-AF65-F5344CB8AC3E}">
@@ -41492,7 +41612,7 @@
           </a:ln>
           <a:extLst>
             <a:ext uri="{C572A759-6A51-4108-AA02-DFA0A04FC94B}">
-              <ma14:wrappingTextBoxFlag xmlns="" xmlns:ma14="http://schemas.microsoft.com/office/mac/drawingml/2011/main" val="1"/>
+              <ma14:wrappingTextBoxFlag xmlns:ma14="http://schemas.microsoft.com/office/mac/drawingml/2011/main" xmlns="" val="1"/>
             </a:ext>
           </a:extLst>
         </p:spPr>
@@ -41535,7 +41655,7 @@
           </a:ln>
           <a:extLst>
             <a:ext uri="{C572A759-6A51-4108-AA02-DFA0A04FC94B}">
-              <ma14:wrappingTextBoxFlag xmlns="" xmlns:ma14="http://schemas.microsoft.com/office/mac/drawingml/2011/main" val="1"/>
+              <ma14:wrappingTextBoxFlag xmlns:ma14="http://schemas.microsoft.com/office/mac/drawingml/2011/main" xmlns="" val="1"/>
             </a:ext>
           </a:extLst>
         </p:spPr>
@@ -41787,7 +41907,7 @@
           </a:ln>
           <a:extLst>
             <a:ext uri="{C572A759-6A51-4108-AA02-DFA0A04FC94B}">
-              <ma14:wrappingTextBoxFlag xmlns="" xmlns:ma14="http://schemas.microsoft.com/office/mac/drawingml/2011/main" val="1"/>
+              <ma14:wrappingTextBoxFlag xmlns:ma14="http://schemas.microsoft.com/office/mac/drawingml/2011/main" xmlns="" val="1"/>
             </a:ext>
           </a:extLst>
         </p:spPr>
@@ -41833,7 +41953,7 @@
           </a:ln>
           <a:extLst>
             <a:ext uri="{C572A759-6A51-4108-AA02-DFA0A04FC94B}">
-              <ma14:wrappingTextBoxFlag xmlns="" xmlns:ma14="http://schemas.microsoft.com/office/mac/drawingml/2011/main" val="1"/>
+              <ma14:wrappingTextBoxFlag xmlns:ma14="http://schemas.microsoft.com/office/mac/drawingml/2011/main" xmlns="" val="1"/>
             </a:ext>
           </a:extLst>
         </p:spPr>
@@ -41872,7 +41992,7 @@
           </a:ln>
           <a:extLst>
             <a:ext uri="{C572A759-6A51-4108-AA02-DFA0A04FC94B}">
-              <ma14:wrappingTextBoxFlag xmlns="" xmlns:ma14="http://schemas.microsoft.com/office/mac/drawingml/2011/main" val="1"/>
+              <ma14:wrappingTextBoxFlag xmlns:ma14="http://schemas.microsoft.com/office/mac/drawingml/2011/main" xmlns="" val="1"/>
             </a:ext>
           </a:extLst>
         </p:spPr>
@@ -42166,6 +42286,48 @@
           </a:ln>
         </p:spPr>
       </p:pic>
+      <p:sp>
+        <p:nvSpPr>
+          <p:cNvPr id="28" name="Circle">
+            <a:extLst>
+              <a:ext uri="{FF2B5EF4-FFF2-40B4-BE49-F238E27FC236}">
+                <a16:creationId xmlns:a16="http://schemas.microsoft.com/office/drawing/2014/main" id="{1118093C-15E4-F09B-AC04-4B3691E85C2F}"/>
+              </a:ext>
+            </a:extLst>
+          </p:cNvPr>
+          <p:cNvSpPr/>
+          <p:nvPr/>
+        </p:nvSpPr>
+        <p:spPr>
+          <a:xfrm>
+            <a:off x="3267763" y="4223742"/>
+            <a:ext cx="105180" cy="78885"/>
+          </a:xfrm>
+          <a:prstGeom prst="ellipse">
+            <a:avLst/>
+          </a:prstGeom>
+          <a:solidFill>
+            <a:srgbClr val="008500"/>
+          </a:solidFill>
+          <a:ln w="12700">
+            <a:miter lim="400000"/>
+          </a:ln>
+        </p:spPr>
+        <p:txBody>
+          <a:bodyPr lIns="42520" tIns="42520" rIns="42520" bIns="42520" anchor="ctr"/>
+          <a:lstStyle/>
+          <a:p>
+            <a:pPr>
+              <a:defRPr sz="2400">
+                <a:solidFill>
+                  <a:srgbClr val="FFFFFF"/>
+                </a:solidFill>
+              </a:defRPr>
+            </a:pPr>
+            <a:endParaRPr/>
+          </a:p>
+        </p:txBody>
+      </p:sp>
     </p:spTree>
     <p:extLst>
       <p:ext uri="{BB962C8B-B14F-4D97-AF65-F5344CB8AC3E}">
@@ -42477,7 +42639,7 @@
           </a:ln>
           <a:extLst>
             <a:ext uri="{C572A759-6A51-4108-AA02-DFA0A04FC94B}">
-              <ma14:wrappingTextBoxFlag xmlns="" xmlns:ma14="http://schemas.microsoft.com/office/mac/drawingml/2011/main" val="1"/>
+              <ma14:wrappingTextBoxFlag xmlns:ma14="http://schemas.microsoft.com/office/mac/drawingml/2011/main" xmlns="" val="1"/>
             </a:ext>
           </a:extLst>
         </p:spPr>
@@ -42520,7 +42682,7 @@
           </a:ln>
           <a:extLst>
             <a:ext uri="{C572A759-6A51-4108-AA02-DFA0A04FC94B}">
-              <ma14:wrappingTextBoxFlag xmlns="" xmlns:ma14="http://schemas.microsoft.com/office/mac/drawingml/2011/main" val="1"/>
+              <ma14:wrappingTextBoxFlag xmlns:ma14="http://schemas.microsoft.com/office/mac/drawingml/2011/main" xmlns="" val="1"/>
             </a:ext>
           </a:extLst>
         </p:spPr>
@@ -42772,7 +42934,7 @@
           </a:ln>
           <a:extLst>
             <a:ext uri="{C572A759-6A51-4108-AA02-DFA0A04FC94B}">
-              <ma14:wrappingTextBoxFlag xmlns="" xmlns:ma14="http://schemas.microsoft.com/office/mac/drawingml/2011/main" val="1"/>
+              <ma14:wrappingTextBoxFlag xmlns:ma14="http://schemas.microsoft.com/office/mac/drawingml/2011/main" xmlns="" val="1"/>
             </a:ext>
           </a:extLst>
         </p:spPr>
@@ -42818,7 +42980,7 @@
           </a:ln>
           <a:extLst>
             <a:ext uri="{C572A759-6A51-4108-AA02-DFA0A04FC94B}">
-              <ma14:wrappingTextBoxFlag xmlns="" xmlns:ma14="http://schemas.microsoft.com/office/mac/drawingml/2011/main" val="1"/>
+              <ma14:wrappingTextBoxFlag xmlns:ma14="http://schemas.microsoft.com/office/mac/drawingml/2011/main" xmlns="" val="1"/>
             </a:ext>
           </a:extLst>
         </p:spPr>
@@ -42857,7 +43019,7 @@
           </a:ln>
           <a:extLst>
             <a:ext uri="{C572A759-6A51-4108-AA02-DFA0A04FC94B}">
-              <ma14:wrappingTextBoxFlag xmlns="" xmlns:ma14="http://schemas.microsoft.com/office/mac/drawingml/2011/main" val="1"/>
+              <ma14:wrappingTextBoxFlag xmlns:ma14="http://schemas.microsoft.com/office/mac/drawingml/2011/main" xmlns="" val="1"/>
             </a:ext>
           </a:extLst>
         </p:spPr>
@@ -43086,6 +43248,48 @@
           </a:ln>
         </p:spPr>
       </p:pic>
+      <p:sp>
+        <p:nvSpPr>
+          <p:cNvPr id="27" name="Circle">
+            <a:extLst>
+              <a:ext uri="{FF2B5EF4-FFF2-40B4-BE49-F238E27FC236}">
+                <a16:creationId xmlns:a16="http://schemas.microsoft.com/office/drawing/2014/main" id="{592B8358-C73E-1E61-4513-5AB73EFF8F27}"/>
+              </a:ext>
+            </a:extLst>
+          </p:cNvPr>
+          <p:cNvSpPr/>
+          <p:nvPr/>
+        </p:nvSpPr>
+        <p:spPr>
+          <a:xfrm>
+            <a:off x="3267763" y="4223742"/>
+            <a:ext cx="105180" cy="78885"/>
+          </a:xfrm>
+          <a:prstGeom prst="ellipse">
+            <a:avLst/>
+          </a:prstGeom>
+          <a:solidFill>
+            <a:srgbClr val="008500"/>
+          </a:solidFill>
+          <a:ln w="12700">
+            <a:miter lim="400000"/>
+          </a:ln>
+        </p:spPr>
+        <p:txBody>
+          <a:bodyPr lIns="42520" tIns="42520" rIns="42520" bIns="42520" anchor="ctr"/>
+          <a:lstStyle/>
+          <a:p>
+            <a:pPr>
+              <a:defRPr sz="2400">
+                <a:solidFill>
+                  <a:srgbClr val="FFFFFF"/>
+                </a:solidFill>
+              </a:defRPr>
+            </a:pPr>
+            <a:endParaRPr/>
+          </a:p>
+        </p:txBody>
+      </p:sp>
     </p:spTree>
     <p:extLst>
       <p:ext uri="{BB962C8B-B14F-4D97-AF65-F5344CB8AC3E}">
@@ -43397,7 +43601,7 @@
           </a:ln>
           <a:extLst>
             <a:ext uri="{C572A759-6A51-4108-AA02-DFA0A04FC94B}">
-              <ma14:wrappingTextBoxFlag xmlns="" xmlns:ma14="http://schemas.microsoft.com/office/mac/drawingml/2011/main" val="1"/>
+              <ma14:wrappingTextBoxFlag xmlns:ma14="http://schemas.microsoft.com/office/mac/drawingml/2011/main" xmlns="" val="1"/>
             </a:ext>
           </a:extLst>
         </p:spPr>
@@ -43440,7 +43644,7 @@
           </a:ln>
           <a:extLst>
             <a:ext uri="{C572A759-6A51-4108-AA02-DFA0A04FC94B}">
-              <ma14:wrappingTextBoxFlag xmlns="" xmlns:ma14="http://schemas.microsoft.com/office/mac/drawingml/2011/main" val="1"/>
+              <ma14:wrappingTextBoxFlag xmlns:ma14="http://schemas.microsoft.com/office/mac/drawingml/2011/main" xmlns="" val="1"/>
             </a:ext>
           </a:extLst>
         </p:spPr>
@@ -43692,7 +43896,7 @@
           </a:ln>
           <a:extLst>
             <a:ext uri="{C572A759-6A51-4108-AA02-DFA0A04FC94B}">
-              <ma14:wrappingTextBoxFlag xmlns="" xmlns:ma14="http://schemas.microsoft.com/office/mac/drawingml/2011/main" val="1"/>
+              <ma14:wrappingTextBoxFlag xmlns:ma14="http://schemas.microsoft.com/office/mac/drawingml/2011/main" xmlns="" val="1"/>
             </a:ext>
           </a:extLst>
         </p:spPr>
@@ -43738,7 +43942,7 @@
           </a:ln>
           <a:extLst>
             <a:ext uri="{C572A759-6A51-4108-AA02-DFA0A04FC94B}">
-              <ma14:wrappingTextBoxFlag xmlns="" xmlns:ma14="http://schemas.microsoft.com/office/mac/drawingml/2011/main" val="1"/>
+              <ma14:wrappingTextBoxFlag xmlns:ma14="http://schemas.microsoft.com/office/mac/drawingml/2011/main" xmlns="" val="1"/>
             </a:ext>
           </a:extLst>
         </p:spPr>
@@ -43777,7 +43981,7 @@
           </a:ln>
           <a:extLst>
             <a:ext uri="{C572A759-6A51-4108-AA02-DFA0A04FC94B}">
-              <ma14:wrappingTextBoxFlag xmlns="" xmlns:ma14="http://schemas.microsoft.com/office/mac/drawingml/2011/main" val="1"/>
+              <ma14:wrappingTextBoxFlag xmlns:ma14="http://schemas.microsoft.com/office/mac/drawingml/2011/main" xmlns="" val="1"/>
             </a:ext>
           </a:extLst>
         </p:spPr>
@@ -44178,6 +44382,48 @@
           </a:fontRef>
         </p:style>
       </p:cxnSp>
+      <p:sp>
+        <p:nvSpPr>
+          <p:cNvPr id="29" name="Circle">
+            <a:extLst>
+              <a:ext uri="{FF2B5EF4-FFF2-40B4-BE49-F238E27FC236}">
+                <a16:creationId xmlns:a16="http://schemas.microsoft.com/office/drawing/2014/main" id="{B7EFC045-1D50-012F-4461-D76D3E5313A4}"/>
+              </a:ext>
+            </a:extLst>
+          </p:cNvPr>
+          <p:cNvSpPr/>
+          <p:nvPr/>
+        </p:nvSpPr>
+        <p:spPr>
+          <a:xfrm>
+            <a:off x="3267763" y="4223742"/>
+            <a:ext cx="105180" cy="78885"/>
+          </a:xfrm>
+          <a:prstGeom prst="ellipse">
+            <a:avLst/>
+          </a:prstGeom>
+          <a:solidFill>
+            <a:srgbClr val="008500"/>
+          </a:solidFill>
+          <a:ln w="12700">
+            <a:miter lim="400000"/>
+          </a:ln>
+        </p:spPr>
+        <p:txBody>
+          <a:bodyPr lIns="42520" tIns="42520" rIns="42520" bIns="42520" anchor="ctr"/>
+          <a:lstStyle/>
+          <a:p>
+            <a:pPr>
+              <a:defRPr sz="2400">
+                <a:solidFill>
+                  <a:srgbClr val="FFFFFF"/>
+                </a:solidFill>
+              </a:defRPr>
+            </a:pPr>
+            <a:endParaRPr/>
+          </a:p>
+        </p:txBody>
+      </p:sp>
     </p:spTree>
     <p:extLst>
       <p:ext uri="{BB962C8B-B14F-4D97-AF65-F5344CB8AC3E}">
@@ -45060,7 +45306,7 @@
           </a:ln>
           <a:extLst>
             <a:ext uri="{C572A759-6A51-4108-AA02-DFA0A04FC94B}">
-              <ma14:wrappingTextBoxFlag xmlns="" xmlns:ma14="http://schemas.microsoft.com/office/mac/drawingml/2011/main" val="1"/>
+              <ma14:wrappingTextBoxFlag xmlns:ma14="http://schemas.microsoft.com/office/mac/drawingml/2011/main" xmlns="" val="1"/>
             </a:ext>
           </a:extLst>
         </p:spPr>
@@ -45103,7 +45349,7 @@
           </a:ln>
           <a:extLst>
             <a:ext uri="{C572A759-6A51-4108-AA02-DFA0A04FC94B}">
-              <ma14:wrappingTextBoxFlag xmlns="" xmlns:ma14="http://schemas.microsoft.com/office/mac/drawingml/2011/main" val="1"/>
+              <ma14:wrappingTextBoxFlag xmlns:ma14="http://schemas.microsoft.com/office/mac/drawingml/2011/main" xmlns="" val="1"/>
             </a:ext>
           </a:extLst>
         </p:spPr>
@@ -45305,7 +45551,7 @@
           </a:ln>
           <a:extLst>
             <a:ext uri="{C572A759-6A51-4108-AA02-DFA0A04FC94B}">
-              <ma14:wrappingTextBoxFlag xmlns="" xmlns:ma14="http://schemas.microsoft.com/office/mac/drawingml/2011/main" val="1"/>
+              <ma14:wrappingTextBoxFlag xmlns:ma14="http://schemas.microsoft.com/office/mac/drawingml/2011/main" xmlns="" val="1"/>
             </a:ext>
           </a:extLst>
         </p:spPr>
@@ -45345,7 +45591,7 @@
           </a:ln>
           <a:extLst>
             <a:ext uri="{C572A759-6A51-4108-AA02-DFA0A04FC94B}">
-              <ma14:wrappingTextBoxFlag xmlns="" xmlns:ma14="http://schemas.microsoft.com/office/mac/drawingml/2011/main" val="1"/>
+              <ma14:wrappingTextBoxFlag xmlns:ma14="http://schemas.microsoft.com/office/mac/drawingml/2011/main" xmlns="" val="1"/>
             </a:ext>
           </a:extLst>
         </p:spPr>
@@ -45384,7 +45630,7 @@
           </a:ln>
           <a:extLst>
             <a:ext uri="{C572A759-6A51-4108-AA02-DFA0A04FC94B}">
-              <ma14:wrappingTextBoxFlag xmlns="" xmlns:ma14="http://schemas.microsoft.com/office/mac/drawingml/2011/main" val="1"/>
+              <ma14:wrappingTextBoxFlag xmlns:ma14="http://schemas.microsoft.com/office/mac/drawingml/2011/main" xmlns="" val="1"/>
             </a:ext>
           </a:extLst>
         </p:spPr>
@@ -45458,6 +45704,48 @@
           </a:ln>
         </p:spPr>
       </p:pic>
+      <p:sp>
+        <p:nvSpPr>
+          <p:cNvPr id="20" name="Circle">
+            <a:extLst>
+              <a:ext uri="{FF2B5EF4-FFF2-40B4-BE49-F238E27FC236}">
+                <a16:creationId xmlns:a16="http://schemas.microsoft.com/office/drawing/2014/main" id="{2F037BB5-FDFE-E4A6-059F-D72E5BE9C0B9}"/>
+              </a:ext>
+            </a:extLst>
+          </p:cNvPr>
+          <p:cNvSpPr/>
+          <p:nvPr/>
+        </p:nvSpPr>
+        <p:spPr>
+          <a:xfrm>
+            <a:off x="3267763" y="4223742"/>
+            <a:ext cx="105180" cy="78885"/>
+          </a:xfrm>
+          <a:prstGeom prst="ellipse">
+            <a:avLst/>
+          </a:prstGeom>
+          <a:solidFill>
+            <a:srgbClr val="008500"/>
+          </a:solidFill>
+          <a:ln w="12700">
+            <a:miter lim="400000"/>
+          </a:ln>
+        </p:spPr>
+        <p:txBody>
+          <a:bodyPr lIns="42520" tIns="42520" rIns="42520" bIns="42520" anchor="ctr"/>
+          <a:lstStyle/>
+          <a:p>
+            <a:pPr>
+              <a:defRPr sz="2400">
+                <a:solidFill>
+                  <a:srgbClr val="FFFFFF"/>
+                </a:solidFill>
+              </a:defRPr>
+            </a:pPr>
+            <a:endParaRPr/>
+          </a:p>
+        </p:txBody>
+      </p:sp>
     </p:spTree>
     <p:extLst>
       <p:ext uri="{BB962C8B-B14F-4D97-AF65-F5344CB8AC3E}">
@@ -45905,7 +46193,7 @@
           </a:ln>
           <a:extLst>
             <a:ext uri="{C572A759-6A51-4108-AA02-DFA0A04FC94B}">
-              <ma14:wrappingTextBoxFlag xmlns="" xmlns:ma14="http://schemas.microsoft.com/office/mac/drawingml/2011/main" val="1"/>
+              <ma14:wrappingTextBoxFlag xmlns:ma14="http://schemas.microsoft.com/office/mac/drawingml/2011/main" xmlns="" val="1"/>
             </a:ext>
           </a:extLst>
         </p:spPr>
@@ -45948,7 +46236,7 @@
           </a:ln>
           <a:extLst>
             <a:ext uri="{C572A759-6A51-4108-AA02-DFA0A04FC94B}">
-              <ma14:wrappingTextBoxFlag xmlns="" xmlns:ma14="http://schemas.microsoft.com/office/mac/drawingml/2011/main" val="1"/>
+              <ma14:wrappingTextBoxFlag xmlns:ma14="http://schemas.microsoft.com/office/mac/drawingml/2011/main" xmlns="" val="1"/>
             </a:ext>
           </a:extLst>
         </p:spPr>
@@ -46207,7 +46495,7 @@
           </a:ln>
           <a:extLst>
             <a:ext uri="{C572A759-6A51-4108-AA02-DFA0A04FC94B}">
-              <ma14:wrappingTextBoxFlag xmlns="" xmlns:ma14="http://schemas.microsoft.com/office/mac/drawingml/2011/main" val="1"/>
+              <ma14:wrappingTextBoxFlag xmlns:ma14="http://schemas.microsoft.com/office/mac/drawingml/2011/main" xmlns="" val="1"/>
             </a:ext>
           </a:extLst>
         </p:spPr>
@@ -46246,7 +46534,7 @@
           </a:ln>
           <a:extLst>
             <a:ext uri="{C572A759-6A51-4108-AA02-DFA0A04FC94B}">
-              <ma14:wrappingTextBoxFlag xmlns="" xmlns:ma14="http://schemas.microsoft.com/office/mac/drawingml/2011/main" val="1"/>
+              <ma14:wrappingTextBoxFlag xmlns:ma14="http://schemas.microsoft.com/office/mac/drawingml/2011/main" xmlns="" val="1"/>
             </a:ext>
           </a:extLst>
         </p:spPr>
@@ -46281,7 +46569,7 @@
             <a:avLst/>
           </a:prstGeom>
           <a:solidFill>
-            <a:schemeClr val="accent5"/>
+            <a:srgbClr val="FF4221"/>
           </a:solidFill>
           <a:ln w="12700">
             <a:miter lim="400000"/>
@@ -46390,6 +46678,48 @@
           </a:ln>
         </p:spPr>
       </p:pic>
+      <p:sp>
+        <p:nvSpPr>
+          <p:cNvPr id="24" name="Circle">
+            <a:extLst>
+              <a:ext uri="{FF2B5EF4-FFF2-40B4-BE49-F238E27FC236}">
+                <a16:creationId xmlns:a16="http://schemas.microsoft.com/office/drawing/2014/main" id="{568429BF-0010-6839-988A-81A971E814DE}"/>
+              </a:ext>
+            </a:extLst>
+          </p:cNvPr>
+          <p:cNvSpPr/>
+          <p:nvPr/>
+        </p:nvSpPr>
+        <p:spPr>
+          <a:xfrm>
+            <a:off x="3267763" y="4223742"/>
+            <a:ext cx="105180" cy="78885"/>
+          </a:xfrm>
+          <a:prstGeom prst="ellipse">
+            <a:avLst/>
+          </a:prstGeom>
+          <a:solidFill>
+            <a:srgbClr val="008500"/>
+          </a:solidFill>
+          <a:ln w="12700">
+            <a:miter lim="400000"/>
+          </a:ln>
+        </p:spPr>
+        <p:txBody>
+          <a:bodyPr lIns="42520" tIns="42520" rIns="42520" bIns="42520" anchor="ctr"/>
+          <a:lstStyle/>
+          <a:p>
+            <a:pPr>
+              <a:defRPr sz="2400">
+                <a:solidFill>
+                  <a:srgbClr val="FFFFFF"/>
+                </a:solidFill>
+              </a:defRPr>
+            </a:pPr>
+            <a:endParaRPr/>
+          </a:p>
+        </p:txBody>
+      </p:sp>
     </p:spTree>
     <p:extLst>
       <p:ext uri="{BB962C8B-B14F-4D97-AF65-F5344CB8AC3E}">
@@ -46837,7 +47167,7 @@
           </a:ln>
           <a:extLst>
             <a:ext uri="{C572A759-6A51-4108-AA02-DFA0A04FC94B}">
-              <ma14:wrappingTextBoxFlag xmlns="" xmlns:ma14="http://schemas.microsoft.com/office/mac/drawingml/2011/main" val="1"/>
+              <ma14:wrappingTextBoxFlag xmlns:ma14="http://schemas.microsoft.com/office/mac/drawingml/2011/main" xmlns="" val="1"/>
             </a:ext>
           </a:extLst>
         </p:spPr>
@@ -46880,7 +47210,7 @@
           </a:ln>
           <a:extLst>
             <a:ext uri="{C572A759-6A51-4108-AA02-DFA0A04FC94B}">
-              <ma14:wrappingTextBoxFlag xmlns="" xmlns:ma14="http://schemas.microsoft.com/office/mac/drawingml/2011/main" val="1"/>
+              <ma14:wrappingTextBoxFlag xmlns:ma14="http://schemas.microsoft.com/office/mac/drawingml/2011/main" xmlns="" val="1"/>
             </a:ext>
           </a:extLst>
         </p:spPr>
@@ -47139,7 +47469,7 @@
           </a:ln>
           <a:extLst>
             <a:ext uri="{C572A759-6A51-4108-AA02-DFA0A04FC94B}">
-              <ma14:wrappingTextBoxFlag xmlns="" xmlns:ma14="http://schemas.microsoft.com/office/mac/drawingml/2011/main" val="1"/>
+              <ma14:wrappingTextBoxFlag xmlns:ma14="http://schemas.microsoft.com/office/mac/drawingml/2011/main" xmlns="" val="1"/>
             </a:ext>
           </a:extLst>
         </p:spPr>
@@ -47178,7 +47508,7 @@
           </a:ln>
           <a:extLst>
             <a:ext uri="{C572A759-6A51-4108-AA02-DFA0A04FC94B}">
-              <ma14:wrappingTextBoxFlag xmlns="" xmlns:ma14="http://schemas.microsoft.com/office/mac/drawingml/2011/main" val="1"/>
+              <ma14:wrappingTextBoxFlag xmlns:ma14="http://schemas.microsoft.com/office/mac/drawingml/2011/main" xmlns="" val="1"/>
             </a:ext>
           </a:extLst>
         </p:spPr>
@@ -47392,6 +47722,97 @@
           </a:ln>
         </p:spPr>
       </p:pic>
+      <p:sp>
+        <p:nvSpPr>
+          <p:cNvPr id="26" name="Circle">
+            <a:extLst>
+              <a:ext uri="{FF2B5EF4-FFF2-40B4-BE49-F238E27FC236}">
+                <a16:creationId xmlns:a16="http://schemas.microsoft.com/office/drawing/2014/main" id="{6AC1F644-28CF-41A4-98D0-7C68966F1E46}"/>
+              </a:ext>
+            </a:extLst>
+          </p:cNvPr>
+          <p:cNvSpPr/>
+          <p:nvPr/>
+        </p:nvSpPr>
+        <p:spPr>
+          <a:xfrm>
+            <a:off x="3267763" y="4223742"/>
+            <a:ext cx="105180" cy="78885"/>
+          </a:xfrm>
+          <a:prstGeom prst="ellipse">
+            <a:avLst/>
+          </a:prstGeom>
+          <a:solidFill>
+            <a:srgbClr val="008500"/>
+          </a:solidFill>
+          <a:ln w="12700">
+            <a:miter lim="400000"/>
+          </a:ln>
+        </p:spPr>
+        <p:txBody>
+          <a:bodyPr lIns="42520" tIns="42520" rIns="42520" bIns="42520" anchor="ctr"/>
+          <a:lstStyle/>
+          <a:p>
+            <a:pPr>
+              <a:defRPr sz="2400">
+                <a:solidFill>
+                  <a:srgbClr val="FFFFFF"/>
+                </a:solidFill>
+              </a:defRPr>
+            </a:pPr>
+            <a:endParaRPr/>
+          </a:p>
+        </p:txBody>
+      </p:sp>
+      <p:sp>
+        <p:nvSpPr>
+          <p:cNvPr id="27" name="Circle">
+            <a:extLst>
+              <a:ext uri="{FF2B5EF4-FFF2-40B4-BE49-F238E27FC236}">
+                <a16:creationId xmlns:a16="http://schemas.microsoft.com/office/drawing/2014/main" id="{361B9E7B-38DC-88C1-16B1-31DD42C31735}"/>
+              </a:ext>
+            </a:extLst>
+          </p:cNvPr>
+          <p:cNvSpPr/>
+          <p:nvPr/>
+        </p:nvSpPr>
+        <p:spPr>
+          <a:xfrm>
+            <a:off x="4166828" y="3536156"/>
+            <a:ext cx="105180" cy="78885"/>
+          </a:xfrm>
+          <a:prstGeom prst="ellipse">
+            <a:avLst/>
+          </a:prstGeom>
+          <a:solidFill>
+            <a:srgbClr val="FF4221"/>
+          </a:solidFill>
+          <a:ln w="12700">
+            <a:miter lim="400000"/>
+          </a:ln>
+          <a:effectLst>
+            <a:outerShdw blurRad="38100" dist="25400" dir="5400000" rotWithShape="0">
+              <a:srgbClr val="000000">
+                <a:alpha val="50000"/>
+              </a:srgbClr>
+            </a:outerShdw>
+          </a:effectLst>
+        </p:spPr>
+        <p:txBody>
+          <a:bodyPr lIns="42520" tIns="42520" rIns="42520" bIns="42520" anchor="ctr"/>
+          <a:lstStyle/>
+          <a:p>
+            <a:pPr>
+              <a:defRPr sz="2400">
+                <a:solidFill>
+                  <a:srgbClr val="FFFFFF"/>
+                </a:solidFill>
+              </a:defRPr>
+            </a:pPr>
+            <a:endParaRPr/>
+          </a:p>
+        </p:txBody>
+      </p:sp>
     </p:spTree>
     <p:extLst>
       <p:ext uri="{BB962C8B-B14F-4D97-AF65-F5344CB8AC3E}">
@@ -47839,7 +48260,7 @@
           </a:ln>
           <a:extLst>
             <a:ext uri="{C572A759-6A51-4108-AA02-DFA0A04FC94B}">
-              <ma14:wrappingTextBoxFlag xmlns="" xmlns:ma14="http://schemas.microsoft.com/office/mac/drawingml/2011/main" val="1"/>
+              <ma14:wrappingTextBoxFlag xmlns:ma14="http://schemas.microsoft.com/office/mac/drawingml/2011/main" xmlns="" val="1"/>
             </a:ext>
           </a:extLst>
         </p:spPr>
@@ -47882,7 +48303,7 @@
           </a:ln>
           <a:extLst>
             <a:ext uri="{C572A759-6A51-4108-AA02-DFA0A04FC94B}">
-              <ma14:wrappingTextBoxFlag xmlns="" xmlns:ma14="http://schemas.microsoft.com/office/mac/drawingml/2011/main" val="1"/>
+              <ma14:wrappingTextBoxFlag xmlns:ma14="http://schemas.microsoft.com/office/mac/drawingml/2011/main" xmlns="" val="1"/>
             </a:ext>
           </a:extLst>
         </p:spPr>
@@ -48141,7 +48562,7 @@
           </a:ln>
           <a:extLst>
             <a:ext uri="{C572A759-6A51-4108-AA02-DFA0A04FC94B}">
-              <ma14:wrappingTextBoxFlag xmlns="" xmlns:ma14="http://schemas.microsoft.com/office/mac/drawingml/2011/main" val="1"/>
+              <ma14:wrappingTextBoxFlag xmlns:ma14="http://schemas.microsoft.com/office/mac/drawingml/2011/main" xmlns="" val="1"/>
             </a:ext>
           </a:extLst>
         </p:spPr>
@@ -48180,7 +48601,7 @@
           </a:ln>
           <a:extLst>
             <a:ext uri="{C572A759-6A51-4108-AA02-DFA0A04FC94B}">
-              <ma14:wrappingTextBoxFlag xmlns="" xmlns:ma14="http://schemas.microsoft.com/office/mac/drawingml/2011/main" val="1"/>
+              <ma14:wrappingTextBoxFlag xmlns:ma14="http://schemas.microsoft.com/office/mac/drawingml/2011/main" xmlns="" val="1"/>
             </a:ext>
           </a:extLst>
         </p:spPr>
@@ -48467,6 +48888,97 @@
           </a:ln>
         </p:spPr>
       </p:pic>
+      <p:sp>
+        <p:nvSpPr>
+          <p:cNvPr id="4" name="Circle">
+            <a:extLst>
+              <a:ext uri="{FF2B5EF4-FFF2-40B4-BE49-F238E27FC236}">
+                <a16:creationId xmlns:a16="http://schemas.microsoft.com/office/drawing/2014/main" id="{4C714FBE-B40B-5ED1-B1AB-D0E60C3F0FED}"/>
+              </a:ext>
+            </a:extLst>
+          </p:cNvPr>
+          <p:cNvSpPr/>
+          <p:nvPr/>
+        </p:nvSpPr>
+        <p:spPr>
+          <a:xfrm>
+            <a:off x="3267763" y="4223742"/>
+            <a:ext cx="105180" cy="78885"/>
+          </a:xfrm>
+          <a:prstGeom prst="ellipse">
+            <a:avLst/>
+          </a:prstGeom>
+          <a:solidFill>
+            <a:srgbClr val="008500"/>
+          </a:solidFill>
+          <a:ln w="12700">
+            <a:miter lim="400000"/>
+          </a:ln>
+        </p:spPr>
+        <p:txBody>
+          <a:bodyPr lIns="42520" tIns="42520" rIns="42520" bIns="42520" anchor="ctr"/>
+          <a:lstStyle/>
+          <a:p>
+            <a:pPr>
+              <a:defRPr sz="2400">
+                <a:solidFill>
+                  <a:srgbClr val="FFFFFF"/>
+                </a:solidFill>
+              </a:defRPr>
+            </a:pPr>
+            <a:endParaRPr/>
+          </a:p>
+        </p:txBody>
+      </p:sp>
+      <p:sp>
+        <p:nvSpPr>
+          <p:cNvPr id="29" name="Circle">
+            <a:extLst>
+              <a:ext uri="{FF2B5EF4-FFF2-40B4-BE49-F238E27FC236}">
+                <a16:creationId xmlns:a16="http://schemas.microsoft.com/office/drawing/2014/main" id="{D2DD54EA-989A-F68A-7F7B-CFBE61E18F57}"/>
+              </a:ext>
+            </a:extLst>
+          </p:cNvPr>
+          <p:cNvSpPr/>
+          <p:nvPr/>
+        </p:nvSpPr>
+        <p:spPr>
+          <a:xfrm>
+            <a:off x="4166828" y="3536156"/>
+            <a:ext cx="105180" cy="78885"/>
+          </a:xfrm>
+          <a:prstGeom prst="ellipse">
+            <a:avLst/>
+          </a:prstGeom>
+          <a:solidFill>
+            <a:srgbClr val="FF4221"/>
+          </a:solidFill>
+          <a:ln w="12700">
+            <a:miter lim="400000"/>
+          </a:ln>
+          <a:effectLst>
+            <a:outerShdw blurRad="38100" dist="25400" dir="5400000" rotWithShape="0">
+              <a:srgbClr val="000000">
+                <a:alpha val="50000"/>
+              </a:srgbClr>
+            </a:outerShdw>
+          </a:effectLst>
+        </p:spPr>
+        <p:txBody>
+          <a:bodyPr lIns="42520" tIns="42520" rIns="42520" bIns="42520" anchor="ctr"/>
+          <a:lstStyle/>
+          <a:p>
+            <a:pPr>
+              <a:defRPr sz="2400">
+                <a:solidFill>
+                  <a:srgbClr val="FFFFFF"/>
+                </a:solidFill>
+              </a:defRPr>
+            </a:pPr>
+            <a:endParaRPr/>
+          </a:p>
+        </p:txBody>
+      </p:sp>
     </p:spTree>
     <p:extLst>
       <p:ext uri="{BB962C8B-B14F-4D97-AF65-F5344CB8AC3E}">
@@ -48900,7 +49412,7 @@
           </a:ln>
           <a:extLst>
             <a:ext uri="{C572A759-6A51-4108-AA02-DFA0A04FC94B}">
-              <ma14:wrappingTextBoxFlag xmlns:ma14="http://schemas.microsoft.com/office/mac/drawingml/2011/main" xmlns="" val="1"/>
+              <ma14:wrappingTextBoxFlag xmlns="" xmlns:ma14="http://schemas.microsoft.com/office/mac/drawingml/2011/main" val="1"/>
             </a:ext>
           </a:extLst>
         </p:spPr>
@@ -48943,7 +49455,7 @@
           </a:ln>
           <a:extLst>
             <a:ext uri="{C572A759-6A51-4108-AA02-DFA0A04FC94B}">
-              <ma14:wrappingTextBoxFlag xmlns:ma14="http://schemas.microsoft.com/office/mac/drawingml/2011/main" xmlns="" val="1"/>
+              <ma14:wrappingTextBoxFlag xmlns="" xmlns:ma14="http://schemas.microsoft.com/office/mac/drawingml/2011/main" val="1"/>
             </a:ext>
           </a:extLst>
         </p:spPr>
@@ -49117,7 +49629,7 @@
           </a:ln>
           <a:extLst>
             <a:ext uri="{C572A759-6A51-4108-AA02-DFA0A04FC94B}">
-              <ma14:wrappingTextBoxFlag xmlns:ma14="http://schemas.microsoft.com/office/mac/drawingml/2011/main" xmlns="" val="1"/>
+              <ma14:wrappingTextBoxFlag xmlns="" xmlns:ma14="http://schemas.microsoft.com/office/mac/drawingml/2011/main" val="1"/>
             </a:ext>
           </a:extLst>
         </p:spPr>
@@ -49239,7 +49751,7 @@
               </a:ln>
               <a:extLst>
                 <a:ext uri="{C572A759-6A51-4108-AA02-DFA0A04FC94B}">
-                  <ma14:wrappingTextBoxFlag xmlns:ma14="http://schemas.microsoft.com/office/mac/drawingml/2011/main" xmlns="" val="1"/>
+                  <ma14:wrappingTextBoxFlag xmlns="" xmlns:ma14="http://schemas.microsoft.com/office/mac/drawingml/2011/main" val="1"/>
                 </a:ext>
               </a:extLst>
             </p:spPr>
@@ -50114,7 +50626,7 @@
           </a:ln>
           <a:extLst>
             <a:ext uri="{C572A759-6A51-4108-AA02-DFA0A04FC94B}">
-              <ma14:wrappingTextBoxFlag xmlns:ma14="http://schemas.microsoft.com/office/mac/drawingml/2011/main" xmlns="" val="1"/>
+              <ma14:wrappingTextBoxFlag xmlns="" xmlns:ma14="http://schemas.microsoft.com/office/mac/drawingml/2011/main" val="1"/>
             </a:ext>
           </a:extLst>
         </p:spPr>
@@ -50157,7 +50669,7 @@
           </a:ln>
           <a:extLst>
             <a:ext uri="{C572A759-6A51-4108-AA02-DFA0A04FC94B}">
-              <ma14:wrappingTextBoxFlag xmlns:ma14="http://schemas.microsoft.com/office/mac/drawingml/2011/main" xmlns="" val="1"/>
+              <ma14:wrappingTextBoxFlag xmlns="" xmlns:ma14="http://schemas.microsoft.com/office/mac/drawingml/2011/main" val="1"/>
             </a:ext>
           </a:extLst>
         </p:spPr>
@@ -50296,7 +50808,7 @@
           </a:ln>
           <a:extLst>
             <a:ext uri="{C572A759-6A51-4108-AA02-DFA0A04FC94B}">
-              <ma14:wrappingTextBoxFlag xmlns:ma14="http://schemas.microsoft.com/office/mac/drawingml/2011/main" xmlns="" val="1"/>
+              <ma14:wrappingTextBoxFlag xmlns="" xmlns:ma14="http://schemas.microsoft.com/office/mac/drawingml/2011/main" val="1"/>
             </a:ext>
           </a:extLst>
         </p:spPr>
@@ -50387,7 +50899,7 @@
           </a:ln>
           <a:extLst>
             <a:ext uri="{C572A759-6A51-4108-AA02-DFA0A04FC94B}">
-              <ma14:wrappingTextBoxFlag xmlns:ma14="http://schemas.microsoft.com/office/mac/drawingml/2011/main" xmlns="" val="1"/>
+              <ma14:wrappingTextBoxFlag xmlns="" xmlns:ma14="http://schemas.microsoft.com/office/mac/drawingml/2011/main" val="1"/>
             </a:ext>
           </a:extLst>
         </p:spPr>
@@ -50632,7 +51144,7 @@
           </a:ln>
           <a:extLst>
             <a:ext uri="{C572A759-6A51-4108-AA02-DFA0A04FC94B}">
-              <ma14:wrappingTextBoxFlag xmlns:ma14="http://schemas.microsoft.com/office/mac/drawingml/2011/main" xmlns="" val="1"/>
+              <ma14:wrappingTextBoxFlag xmlns="" xmlns:ma14="http://schemas.microsoft.com/office/mac/drawingml/2011/main" val="1"/>
             </a:ext>
           </a:extLst>
         </p:spPr>
@@ -50672,7 +51184,7 @@
           </a:ln>
           <a:extLst>
             <a:ext uri="{C572A759-6A51-4108-AA02-DFA0A04FC94B}">
-              <ma14:wrappingTextBoxFlag xmlns:ma14="http://schemas.microsoft.com/office/mac/drawingml/2011/main" xmlns="" val="1"/>
+              <ma14:wrappingTextBoxFlag xmlns="" xmlns:ma14="http://schemas.microsoft.com/office/mac/drawingml/2011/main" val="1"/>
             </a:ext>
           </a:extLst>
         </p:spPr>
@@ -50711,7 +51223,7 @@
           </a:ln>
           <a:extLst>
             <a:ext uri="{C572A759-6A51-4108-AA02-DFA0A04FC94B}">
-              <ma14:wrappingTextBoxFlag xmlns:ma14="http://schemas.microsoft.com/office/mac/drawingml/2011/main" xmlns="" val="1"/>
+              <ma14:wrappingTextBoxFlag xmlns="" xmlns:ma14="http://schemas.microsoft.com/office/mac/drawingml/2011/main" val="1"/>
             </a:ext>
           </a:extLst>
         </p:spPr>
@@ -50981,7 +51493,7 @@
           </a:ln>
           <a:extLst>
             <a:ext uri="{C572A759-6A51-4108-AA02-DFA0A04FC94B}">
-              <ma14:wrappingTextBoxFlag xmlns:ma14="http://schemas.microsoft.com/office/mac/drawingml/2011/main" xmlns="" val="1"/>
+              <ma14:wrappingTextBoxFlag xmlns="" xmlns:ma14="http://schemas.microsoft.com/office/mac/drawingml/2011/main" val="1"/>
             </a:ext>
           </a:extLst>
         </p:spPr>
@@ -51024,7 +51536,7 @@
           </a:ln>
           <a:extLst>
             <a:ext uri="{C572A759-6A51-4108-AA02-DFA0A04FC94B}">
-              <ma14:wrappingTextBoxFlag xmlns:ma14="http://schemas.microsoft.com/office/mac/drawingml/2011/main" xmlns="" val="1"/>
+              <ma14:wrappingTextBoxFlag xmlns="" xmlns:ma14="http://schemas.microsoft.com/office/mac/drawingml/2011/main" val="1"/>
             </a:ext>
           </a:extLst>
         </p:spPr>
@@ -51226,7 +51738,7 @@
           </a:ln>
           <a:extLst>
             <a:ext uri="{C572A759-6A51-4108-AA02-DFA0A04FC94B}">
-              <ma14:wrappingTextBoxFlag xmlns:ma14="http://schemas.microsoft.com/office/mac/drawingml/2011/main" xmlns="" val="1"/>
+              <ma14:wrappingTextBoxFlag xmlns="" xmlns:ma14="http://schemas.microsoft.com/office/mac/drawingml/2011/main" val="1"/>
             </a:ext>
           </a:extLst>
         </p:spPr>
@@ -51342,7 +51854,7 @@
           </a:ln>
           <a:extLst>
             <a:ext uri="{C572A759-6A51-4108-AA02-DFA0A04FC94B}">
-              <ma14:wrappingTextBoxFlag xmlns:ma14="http://schemas.microsoft.com/office/mac/drawingml/2011/main" xmlns="" val="1"/>
+              <ma14:wrappingTextBoxFlag xmlns="" xmlns:ma14="http://schemas.microsoft.com/office/mac/drawingml/2011/main" val="1"/>
             </a:ext>
           </a:extLst>
         </p:spPr>
@@ -51726,7 +52238,7 @@
           </a:ln>
           <a:extLst>
             <a:ext uri="{C572A759-6A51-4108-AA02-DFA0A04FC94B}">
-              <ma14:wrappingTextBoxFlag xmlns:ma14="http://schemas.microsoft.com/office/mac/drawingml/2011/main" xmlns="" val="1"/>
+              <ma14:wrappingTextBoxFlag xmlns="" xmlns:ma14="http://schemas.microsoft.com/office/mac/drawingml/2011/main" val="1"/>
             </a:ext>
           </a:extLst>
         </p:spPr>
@@ -51769,7 +52281,7 @@
           </a:ln>
           <a:extLst>
             <a:ext uri="{C572A759-6A51-4108-AA02-DFA0A04FC94B}">
-              <ma14:wrappingTextBoxFlag xmlns:ma14="http://schemas.microsoft.com/office/mac/drawingml/2011/main" xmlns="" val="1"/>
+              <ma14:wrappingTextBoxFlag xmlns="" xmlns:ma14="http://schemas.microsoft.com/office/mac/drawingml/2011/main" val="1"/>
             </a:ext>
           </a:extLst>
         </p:spPr>
@@ -51908,7 +52420,7 @@
           </a:ln>
           <a:extLst>
             <a:ext uri="{C572A759-6A51-4108-AA02-DFA0A04FC94B}">
-              <ma14:wrappingTextBoxFlag xmlns:ma14="http://schemas.microsoft.com/office/mac/drawingml/2011/main" xmlns="" val="1"/>
+              <ma14:wrappingTextBoxFlag xmlns="" xmlns:ma14="http://schemas.microsoft.com/office/mac/drawingml/2011/main" val="1"/>
             </a:ext>
           </a:extLst>
         </p:spPr>
@@ -51999,7 +52511,7 @@
           </a:ln>
           <a:extLst>
             <a:ext uri="{C572A759-6A51-4108-AA02-DFA0A04FC94B}">
-              <ma14:wrappingTextBoxFlag xmlns:ma14="http://schemas.microsoft.com/office/mac/drawingml/2011/main" xmlns="" val="1"/>
+              <ma14:wrappingTextBoxFlag xmlns="" xmlns:ma14="http://schemas.microsoft.com/office/mac/drawingml/2011/main" val="1"/>
             </a:ext>
           </a:extLst>
         </p:spPr>
@@ -52203,7 +52715,7 @@
           </a:ln>
           <a:extLst>
             <a:ext uri="{C572A759-6A51-4108-AA02-DFA0A04FC94B}">
-              <ma14:wrappingTextBoxFlag xmlns:ma14="http://schemas.microsoft.com/office/mac/drawingml/2011/main" xmlns="" val="1"/>
+              <ma14:wrappingTextBoxFlag xmlns="" xmlns:ma14="http://schemas.microsoft.com/office/mac/drawingml/2011/main" val="1"/>
             </a:ext>
           </a:extLst>
         </p:spPr>
@@ -52248,7 +52760,7 @@
           </a:ln>
           <a:extLst>
             <a:ext uri="{C572A759-6A51-4108-AA02-DFA0A04FC94B}">
-              <ma14:wrappingTextBoxFlag xmlns:ma14="http://schemas.microsoft.com/office/mac/drawingml/2011/main" xmlns="" val="1"/>
+              <ma14:wrappingTextBoxFlag xmlns="" xmlns:ma14="http://schemas.microsoft.com/office/mac/drawingml/2011/main" val="1"/>
             </a:ext>
           </a:extLst>
         </p:spPr>
@@ -52287,7 +52799,7 @@
           </a:ln>
           <a:extLst>
             <a:ext uri="{C572A759-6A51-4108-AA02-DFA0A04FC94B}">
-              <ma14:wrappingTextBoxFlag xmlns:ma14="http://schemas.microsoft.com/office/mac/drawingml/2011/main" xmlns="" val="1"/>
+              <ma14:wrappingTextBoxFlag xmlns="" xmlns:ma14="http://schemas.microsoft.com/office/mac/drawingml/2011/main" val="1"/>
             </a:ext>
           </a:extLst>
         </p:spPr>
@@ -52738,7 +53250,7 @@
           </a:ln>
           <a:extLst>
             <a:ext uri="{C572A759-6A51-4108-AA02-DFA0A04FC94B}">
-              <ma14:wrappingTextBoxFlag xmlns:ma14="http://schemas.microsoft.com/office/mac/drawingml/2011/main" xmlns="" val="1"/>
+              <ma14:wrappingTextBoxFlag xmlns="" xmlns:ma14="http://schemas.microsoft.com/office/mac/drawingml/2011/main" val="1"/>
             </a:ext>
           </a:extLst>
         </p:spPr>
@@ -52781,7 +53293,7 @@
           </a:ln>
           <a:extLst>
             <a:ext uri="{C572A759-6A51-4108-AA02-DFA0A04FC94B}">
-              <ma14:wrappingTextBoxFlag xmlns:ma14="http://schemas.microsoft.com/office/mac/drawingml/2011/main" xmlns="" val="1"/>
+              <ma14:wrappingTextBoxFlag xmlns="" xmlns:ma14="http://schemas.microsoft.com/office/mac/drawingml/2011/main" val="1"/>
             </a:ext>
           </a:extLst>
         </p:spPr>
@@ -52920,7 +53432,7 @@
           </a:ln>
           <a:extLst>
             <a:ext uri="{C572A759-6A51-4108-AA02-DFA0A04FC94B}">
-              <ma14:wrappingTextBoxFlag xmlns:ma14="http://schemas.microsoft.com/office/mac/drawingml/2011/main" xmlns="" val="1"/>
+              <ma14:wrappingTextBoxFlag xmlns="" xmlns:ma14="http://schemas.microsoft.com/office/mac/drawingml/2011/main" val="1"/>
             </a:ext>
           </a:extLst>
         </p:spPr>
@@ -53011,7 +53523,7 @@
           </a:ln>
           <a:extLst>
             <a:ext uri="{C572A759-6A51-4108-AA02-DFA0A04FC94B}">
-              <ma14:wrappingTextBoxFlag xmlns:ma14="http://schemas.microsoft.com/office/mac/drawingml/2011/main" xmlns="" val="1"/>
+              <ma14:wrappingTextBoxFlag xmlns="" xmlns:ma14="http://schemas.microsoft.com/office/mac/drawingml/2011/main" val="1"/>
             </a:ext>
           </a:extLst>
         </p:spPr>
@@ -53215,7 +53727,7 @@
           </a:ln>
           <a:extLst>
             <a:ext uri="{C572A759-6A51-4108-AA02-DFA0A04FC94B}">
-              <ma14:wrappingTextBoxFlag xmlns:ma14="http://schemas.microsoft.com/office/mac/drawingml/2011/main" xmlns="" val="1"/>
+              <ma14:wrappingTextBoxFlag xmlns="" xmlns:ma14="http://schemas.microsoft.com/office/mac/drawingml/2011/main" val="1"/>
             </a:ext>
           </a:extLst>
         </p:spPr>
@@ -53260,7 +53772,7 @@
           </a:ln>
           <a:extLst>
             <a:ext uri="{C572A759-6A51-4108-AA02-DFA0A04FC94B}">
-              <ma14:wrappingTextBoxFlag xmlns:ma14="http://schemas.microsoft.com/office/mac/drawingml/2011/main" xmlns="" val="1"/>
+              <ma14:wrappingTextBoxFlag xmlns="" xmlns:ma14="http://schemas.microsoft.com/office/mac/drawingml/2011/main" val="1"/>
             </a:ext>
           </a:extLst>
         </p:spPr>
@@ -53299,7 +53811,7 @@
           </a:ln>
           <a:extLst>
             <a:ext uri="{C572A759-6A51-4108-AA02-DFA0A04FC94B}">
-              <ma14:wrappingTextBoxFlag xmlns:ma14="http://schemas.microsoft.com/office/mac/drawingml/2011/main" xmlns="" val="1"/>
+              <ma14:wrappingTextBoxFlag xmlns="" xmlns:ma14="http://schemas.microsoft.com/office/mac/drawingml/2011/main" val="1"/>
             </a:ext>
           </a:extLst>
         </p:spPr>
